--- a/secondPart/Neural Networks - pt 2.pptx
+++ b/secondPart/Neural Networks - pt 2.pptx
@@ -5,7 +5,7 @@
     <p:sldMasterId id="2147483648" r:id="rId1"/>
   </p:sldMasterIdLst>
   <p:notesMasterIdLst>
-    <p:notesMasterId r:id="rId76"/>
+    <p:notesMasterId r:id="rId77"/>
   </p:notesMasterIdLst>
   <p:sldIdLst>
     <p:sldId id="256" r:id="rId2"/>
@@ -80,8 +80,9 @@
     <p:sldId id="329" r:id="rId71"/>
     <p:sldId id="330" r:id="rId72"/>
     <p:sldId id="331" r:id="rId73"/>
-    <p:sldId id="315" r:id="rId74"/>
-    <p:sldId id="266" r:id="rId75"/>
+    <p:sldId id="357" r:id="rId74"/>
+    <p:sldId id="315" r:id="rId75"/>
+    <p:sldId id="266" r:id="rId76"/>
   </p:sldIdLst>
   <p:sldSz cx="12192000" cy="6858000"/>
   <p:notesSz cx="6858000" cy="9144000"/>
@@ -296,7 +297,7 @@
           <a:p>
             <a:fld id="{766F6706-68D4-43E3-BBB5-61B91BFFF605}" type="datetimeFigureOut">
               <a:rPr lang="en-US" smtClean="0"/>
-              <a:t>10/21/2021</a:t>
+              <a:t>10/22/2021</a:t>
             </a:fld>
             <a:endParaRPr lang="en-US"/>
           </a:p>
@@ -1665,7 +1666,7 @@
           <a:p>
             <a:fld id="{73FE1430-CE5A-4672-87A4-A80896D430D3}" type="datetimeFigureOut">
               <a:rPr lang="en-US" smtClean="0"/>
-              <a:t>10/21/2021</a:t>
+              <a:t>10/22/2021</a:t>
             </a:fld>
             <a:endParaRPr lang="en-US"/>
           </a:p>
@@ -1833,7 +1834,7 @@
           <a:p>
             <a:fld id="{73FE1430-CE5A-4672-87A4-A80896D430D3}" type="datetimeFigureOut">
               <a:rPr lang="en-US" smtClean="0"/>
-              <a:t>10/21/2021</a:t>
+              <a:t>10/22/2021</a:t>
             </a:fld>
             <a:endParaRPr lang="en-US"/>
           </a:p>
@@ -2011,7 +2012,7 @@
           <a:p>
             <a:fld id="{73FE1430-CE5A-4672-87A4-A80896D430D3}" type="datetimeFigureOut">
               <a:rPr lang="en-US" smtClean="0"/>
-              <a:t>10/21/2021</a:t>
+              <a:t>10/22/2021</a:t>
             </a:fld>
             <a:endParaRPr lang="en-US"/>
           </a:p>
@@ -2179,7 +2180,7 @@
           <a:p>
             <a:fld id="{73FE1430-CE5A-4672-87A4-A80896D430D3}" type="datetimeFigureOut">
               <a:rPr lang="en-US" smtClean="0"/>
-              <a:t>10/21/2021</a:t>
+              <a:t>10/22/2021</a:t>
             </a:fld>
             <a:endParaRPr lang="en-US"/>
           </a:p>
@@ -2424,7 +2425,7 @@
           <a:p>
             <a:fld id="{73FE1430-CE5A-4672-87A4-A80896D430D3}" type="datetimeFigureOut">
               <a:rPr lang="en-US" smtClean="0"/>
-              <a:t>10/21/2021</a:t>
+              <a:t>10/22/2021</a:t>
             </a:fld>
             <a:endParaRPr lang="en-US"/>
           </a:p>
@@ -2653,7 +2654,7 @@
           <a:p>
             <a:fld id="{73FE1430-CE5A-4672-87A4-A80896D430D3}" type="datetimeFigureOut">
               <a:rPr lang="en-US" smtClean="0"/>
-              <a:t>10/21/2021</a:t>
+              <a:t>10/22/2021</a:t>
             </a:fld>
             <a:endParaRPr lang="en-US"/>
           </a:p>
@@ -3017,7 +3018,7 @@
           <a:p>
             <a:fld id="{73FE1430-CE5A-4672-87A4-A80896D430D3}" type="datetimeFigureOut">
               <a:rPr lang="en-US" smtClean="0"/>
-              <a:t>10/21/2021</a:t>
+              <a:t>10/22/2021</a:t>
             </a:fld>
             <a:endParaRPr lang="en-US"/>
           </a:p>
@@ -3134,7 +3135,7 @@
           <a:p>
             <a:fld id="{73FE1430-CE5A-4672-87A4-A80896D430D3}" type="datetimeFigureOut">
               <a:rPr lang="en-US" smtClean="0"/>
-              <a:t>10/21/2021</a:t>
+              <a:t>10/22/2021</a:t>
             </a:fld>
             <a:endParaRPr lang="en-US"/>
           </a:p>
@@ -3229,7 +3230,7 @@
           <a:p>
             <a:fld id="{73FE1430-CE5A-4672-87A4-A80896D430D3}" type="datetimeFigureOut">
               <a:rPr lang="en-US" smtClean="0"/>
-              <a:t>10/21/2021</a:t>
+              <a:t>10/22/2021</a:t>
             </a:fld>
             <a:endParaRPr lang="en-US"/>
           </a:p>
@@ -3504,7 +3505,7 @@
           <a:p>
             <a:fld id="{73FE1430-CE5A-4672-87A4-A80896D430D3}" type="datetimeFigureOut">
               <a:rPr lang="en-US" smtClean="0"/>
-              <a:t>10/21/2021</a:t>
+              <a:t>10/22/2021</a:t>
             </a:fld>
             <a:endParaRPr lang="en-US"/>
           </a:p>
@@ -3756,7 +3757,7 @@
           <a:p>
             <a:fld id="{73FE1430-CE5A-4672-87A4-A80896D430D3}" type="datetimeFigureOut">
               <a:rPr lang="en-US" smtClean="0"/>
-              <a:t>10/21/2021</a:t>
+              <a:t>10/22/2021</a:t>
             </a:fld>
             <a:endParaRPr lang="en-US"/>
           </a:p>
@@ -3967,7 +3968,7 @@
           <a:p>
             <a:fld id="{73FE1430-CE5A-4672-87A4-A80896D430D3}" type="datetimeFigureOut">
               <a:rPr lang="en-US" smtClean="0"/>
-              <a:t>10/21/2021</a:t>
+              <a:t>10/22/2021</a:t>
             </a:fld>
             <a:endParaRPr lang="en-US"/>
           </a:p>
@@ -4529,7 +4530,7 @@
                 </a:r>
                 <a:r>
                   <a:rPr lang="en-US" sz="2400" dirty="0"/>
-                  <a:t> after in gradient descent are the gradients of the Loss function, relative to the parameters, </a:t>
+                  <a:t> after in gradient descent are the gradients of the Loss function with respect to the parameters, </a:t>
                 </a:r>
                 <a14:m>
                   <m:oMath xmlns:m="http://schemas.openxmlformats.org/officeDocument/2006/math">
@@ -4796,7 +4797,7 @@
               <a:blipFill>
                 <a:blip r:embed="rId2"/>
                 <a:stretch>
-                  <a:fillRect l="-928" t="-9459" r="-116" b="-133108"/>
+                  <a:fillRect l="-928" t="-9459" b="-133108"/>
                 </a:stretch>
               </a:blipFill>
             </p:spPr>
@@ -4824,7 +4825,7 @@
         <p:spPr>
           <a:xfrm>
             <a:off x="1146629" y="4325257"/>
-            <a:ext cx="9681028" cy="830997"/>
+            <a:ext cx="9681028" cy="1200329"/>
           </a:xfrm>
           <a:prstGeom prst="rect">
             <a:avLst/>
@@ -4839,7 +4840,15 @@
           <a:p>
             <a:r>
               <a:rPr lang="en-US" sz="2400" dirty="0"/>
-              <a:t>We could easily plug and do calculus. Instead, let’s take a different tack.</a:t>
+              <a:t>We could easily plug and perform symbolic calculus. Instead, we’ll take a different tack and </a:t>
+            </a:r>
+            <a:r>
+              <a:rPr lang="en-US" sz="2400" b="1" dirty="0"/>
+              <a:t>solve empirically</a:t>
+            </a:r>
+            <a:r>
+              <a:rPr lang="en-US" sz="2400" dirty="0"/>
+              <a:t>.</a:t>
             </a:r>
           </a:p>
           <a:p>
@@ -5496,7 +5505,7 @@
                 </a:pPr>
                 <a:r>
                   <a:rPr lang="en-US" dirty="0"/>
-                  <a:t>Even more, helpful, we can look at </a:t>
+                  <a:t>Furthermore, let’s name the intermediate values using “a[0-9]”.</a:t>
                 </a:r>
               </a:p>
               <a:p>
@@ -5555,8 +5564,8 @@
           </p:sp>
         </mc:Fallback>
       </mc:AlternateContent>
-      <mc:AlternateContent xmlns:mc="http://schemas.openxmlformats.org/markup-compatibility/2006">
-        <mc:Choice xmlns:a14="http://schemas.microsoft.com/office/drawing/2010/main" Requires="a14">
+      <mc:AlternateContent xmlns:mc="http://schemas.openxmlformats.org/markup-compatibility/2006" xmlns:a14="http://schemas.microsoft.com/office/drawing/2010/main">
+        <mc:Choice Requires="a14">
           <p:sp>
             <p:nvSpPr>
               <p:cNvPr id="4" name="TextBox 3">
@@ -5725,7 +5734,7 @@
             </p:txBody>
           </p:sp>
         </mc:Choice>
-        <mc:Fallback>
+        <mc:Fallback xmlns="">
           <p:sp>
             <p:nvSpPr>
               <p:cNvPr id="4" name="TextBox 3">
@@ -5940,6 +5949,41 @@
           </a:prstGeom>
         </p:spPr>
       </p:pic>
+      <p:sp>
+        <p:nvSpPr>
+          <p:cNvPr id="3" name="TextBox 2">
+            <a:extLst>
+              <a:ext uri="{FF2B5EF4-FFF2-40B4-BE49-F238E27FC236}">
+                <a16:creationId xmlns:a16="http://schemas.microsoft.com/office/drawing/2014/main" id="{0138802D-E393-4E81-BC2E-8292A43F021B}"/>
+              </a:ext>
+            </a:extLst>
+          </p:cNvPr>
+          <p:cNvSpPr txBox="1"/>
+          <p:nvPr/>
+        </p:nvSpPr>
+        <p:spPr>
+          <a:xfrm>
+            <a:off x="4413504" y="4791456"/>
+            <a:ext cx="1219200" cy="369332"/>
+          </a:xfrm>
+          <a:prstGeom prst="rect">
+            <a:avLst/>
+          </a:prstGeom>
+          <a:noFill/>
+        </p:spPr>
+        <p:txBody>
+          <a:bodyPr wrap="square" rtlCol="0">
+            <a:spAutoFit/>
+          </a:bodyPr>
+          <a:lstStyle/>
+          <a:p>
+            <a:r>
+              <a:rPr lang="en-US" dirty="0"/>
+              <a:t>g(a0,W) </a:t>
+            </a:r>
+          </a:p>
+        </p:txBody>
+      </p:sp>
     </p:spTree>
     <p:extLst>
       <p:ext uri="{BB962C8B-B14F-4D97-AF65-F5344CB8AC3E}">
@@ -6110,6 +6154,41 @@
           </a:prstGeom>
         </p:spPr>
       </p:pic>
+      <p:sp>
+        <p:nvSpPr>
+          <p:cNvPr id="3" name="TextBox 2">
+            <a:extLst>
+              <a:ext uri="{FF2B5EF4-FFF2-40B4-BE49-F238E27FC236}">
+                <a16:creationId xmlns:a16="http://schemas.microsoft.com/office/drawing/2014/main" id="{235A6B38-42ED-42F2-BDE7-B51A93F9C9A7}"/>
+              </a:ext>
+            </a:extLst>
+          </p:cNvPr>
+          <p:cNvSpPr txBox="1"/>
+          <p:nvPr/>
+        </p:nvSpPr>
+        <p:spPr>
+          <a:xfrm>
+            <a:off x="6888480" y="4949952"/>
+            <a:ext cx="1011936" cy="369332"/>
+          </a:xfrm>
+          <a:prstGeom prst="rect">
+            <a:avLst/>
+          </a:prstGeom>
+          <a:noFill/>
+        </p:spPr>
+        <p:txBody>
+          <a:bodyPr wrap="square" rtlCol="0">
+            <a:spAutoFit/>
+          </a:bodyPr>
+          <a:lstStyle/>
+          <a:p>
+            <a:r>
+              <a:rPr lang="en-US" dirty="0"/>
+              <a:t>f(a1,B)</a:t>
+            </a:r>
+          </a:p>
+        </p:txBody>
+      </p:sp>
     </p:spTree>
     <p:extLst>
       <p:ext uri="{BB962C8B-B14F-4D97-AF65-F5344CB8AC3E}">
@@ -8792,8 +8871,8 @@
           <a:chExt cx="0" cy="0"/>
         </a:xfrm>
       </p:grpSpPr>
-      <mc:AlternateContent xmlns:mc="http://schemas.openxmlformats.org/markup-compatibility/2006" xmlns:a14="http://schemas.microsoft.com/office/drawing/2010/main">
-        <mc:Choice Requires="a14">
+      <mc:AlternateContent xmlns:mc="http://schemas.openxmlformats.org/markup-compatibility/2006">
+        <mc:Choice xmlns:a14="http://schemas.microsoft.com/office/drawing/2010/main" Requires="a14">
           <p:sp>
             <p:nvSpPr>
               <p:cNvPr id="3" name="Content Placeholder 2"/>
@@ -8977,7 +9056,7 @@
                 </a:pPr>
                 <a:r>
                   <a:rPr lang="en-US" dirty="0"/>
-                  <a:t>This is real busy.  We’re not going to actually use this.  </a:t>
+                  <a:t>This is really busy.  We’re not going to actually use this.  </a:t>
                 </a:r>
               </a:p>
               <a:p>
@@ -9039,7 +9118,7 @@
             </p:txBody>
           </p:sp>
         </mc:Choice>
-        <mc:Fallback xmlns="">
+        <mc:Fallback>
           <p:sp>
             <p:nvSpPr>
               <p:cNvPr id="3" name="Content Placeholder 2"/>
@@ -12927,8 +13006,8 @@
           </a:p>
         </p:txBody>
       </p:sp>
-      <mc:AlternateContent xmlns:mc="http://schemas.openxmlformats.org/markup-compatibility/2006" xmlns:a14="http://schemas.microsoft.com/office/drawing/2010/main">
-        <mc:Choice Requires="a14">
+      <mc:AlternateContent xmlns:mc="http://schemas.openxmlformats.org/markup-compatibility/2006">
+        <mc:Choice xmlns:a14="http://schemas.microsoft.com/office/drawing/2010/main" Requires="a14">
           <p:sp>
             <p:nvSpPr>
               <p:cNvPr id="6" name="TextBox 5"/>
@@ -12937,7 +13016,7 @@
             </p:nvSpPr>
             <p:spPr>
               <a:xfrm>
-                <a:off x="1712686" y="5167086"/>
+                <a:off x="1712686" y="5044897"/>
                 <a:ext cx="9231085" cy="499560"/>
               </a:xfrm>
               <a:prstGeom prst="rect">
@@ -13064,7 +13143,7 @@
             </p:txBody>
           </p:sp>
         </mc:Choice>
-        <mc:Fallback xmlns="">
+        <mc:Fallback>
           <p:sp>
             <p:nvSpPr>
               <p:cNvPr id="6" name="TextBox 5"/>
@@ -13075,13 +13154,13 @@
             </p:nvSpPr>
             <p:spPr>
               <a:xfrm>
-                <a:off x="1712686" y="5167086"/>
+                <a:off x="1712686" y="5044897"/>
                 <a:ext cx="9231085" cy="499560"/>
               </a:xfrm>
               <a:prstGeom prst="rect">
                 <a:avLst/>
               </a:prstGeom>
-              <a:blipFill rotWithShape="0">
+              <a:blipFill>
                 <a:blip r:embed="rId4"/>
                 <a:stretch>
                   <a:fillRect l="-594" b="-7317"/>
@@ -14090,6 +14169,47 @@
           </p:sp>
         </mc:Fallback>
       </mc:AlternateContent>
+      <p:sp>
+        <p:nvSpPr>
+          <p:cNvPr id="7" name="TextBox 6">
+            <a:extLst>
+              <a:ext uri="{FF2B5EF4-FFF2-40B4-BE49-F238E27FC236}">
+                <a16:creationId xmlns:a16="http://schemas.microsoft.com/office/drawing/2014/main" id="{AE45B483-706B-4C6E-82BB-B89605C2901D}"/>
+              </a:ext>
+            </a:extLst>
+          </p:cNvPr>
+          <p:cNvSpPr txBox="1"/>
+          <p:nvPr/>
+        </p:nvSpPr>
+        <p:spPr>
+          <a:xfrm>
+            <a:off x="6742176" y="4632960"/>
+            <a:ext cx="1426464" cy="646331"/>
+          </a:xfrm>
+          <a:prstGeom prst="rect">
+            <a:avLst/>
+          </a:prstGeom>
+          <a:noFill/>
+        </p:spPr>
+        <p:txBody>
+          <a:bodyPr wrap="square" rtlCol="0">
+            <a:spAutoFit/>
+          </a:bodyPr>
+          <a:lstStyle/>
+          <a:p>
+            <a:r>
+              <a:rPr lang="en-US" dirty="0"/>
+              <a:t>f(x, c) = x + c</a:t>
+            </a:r>
+          </a:p>
+          <a:p>
+            <a:r>
+              <a:rPr lang="en-US" dirty="0"/>
+              <a:t>f(a1,B)</a:t>
+            </a:r>
+          </a:p>
+        </p:txBody>
+      </p:sp>
     </p:spTree>
     <p:extLst>
       <p:ext uri="{BB962C8B-B14F-4D97-AF65-F5344CB8AC3E}">
@@ -14120,8 +14240,8 @@
           <a:chExt cx="0" cy="0"/>
         </a:xfrm>
       </p:grpSpPr>
-      <mc:AlternateContent xmlns:mc="http://schemas.openxmlformats.org/markup-compatibility/2006">
-        <mc:Choice xmlns:a14="http://schemas.microsoft.com/office/drawing/2010/main" Requires="a14">
+      <mc:AlternateContent xmlns:mc="http://schemas.openxmlformats.org/markup-compatibility/2006" xmlns:a14="http://schemas.microsoft.com/office/drawing/2010/main">
+        <mc:Choice Requires="a14">
           <p:sp>
             <p:nvSpPr>
               <p:cNvPr id="3" name="Content Placeholder 2"/>
@@ -14723,7 +14843,7 @@
             </p:txBody>
           </p:sp>
         </mc:Choice>
-        <mc:Fallback>
+        <mc:Fallback xmlns="">
           <p:sp>
             <p:nvSpPr>
               <p:cNvPr id="3" name="Content Placeholder 2"/>
@@ -15726,6 +15846,41 @@
           </a:xfrm>
         </p:spPr>
       </p:pic>
+      <p:sp>
+        <p:nvSpPr>
+          <p:cNvPr id="7" name="TextBox 6">
+            <a:extLst>
+              <a:ext uri="{FF2B5EF4-FFF2-40B4-BE49-F238E27FC236}">
+                <a16:creationId xmlns:a16="http://schemas.microsoft.com/office/drawing/2014/main" id="{5AAB0F4B-B2B0-4311-AFA2-65D1925B5224}"/>
+              </a:ext>
+            </a:extLst>
+          </p:cNvPr>
+          <p:cNvSpPr txBox="1"/>
+          <p:nvPr/>
+        </p:nvSpPr>
+        <p:spPr>
+          <a:xfrm>
+            <a:off x="6742176" y="4632960"/>
+            <a:ext cx="1426464" cy="646331"/>
+          </a:xfrm>
+          <a:prstGeom prst="rect">
+            <a:avLst/>
+          </a:prstGeom>
+          <a:noFill/>
+        </p:spPr>
+        <p:txBody>
+          <a:bodyPr wrap="square" rtlCol="0">
+            <a:spAutoFit/>
+          </a:bodyPr>
+          <a:lstStyle/>
+          <a:p>
+            <a:r>
+              <a:rPr lang="en-US" dirty="0"/>
+              <a:t>a2 = f(a1, b) = a1 + c</a:t>
+            </a:r>
+          </a:p>
+        </p:txBody>
+      </p:sp>
     </p:spTree>
     <p:extLst>
       <p:ext uri="{BB962C8B-B14F-4D97-AF65-F5344CB8AC3E}">
@@ -19205,12 +19360,6 @@
             </a:r>
           </a:p>
           <a:p>
-            <a:r>
-              <a:rPr lang="en-US" dirty="0"/>
-              <a:t>Linear regression</a:t>
-            </a:r>
-          </a:p>
-          <a:p>
             <a:pPr lvl="1"/>
             <a:r>
               <a:rPr lang="en-US" dirty="0"/>
@@ -19218,10 +19367,9 @@
             </a:r>
           </a:p>
           <a:p>
-            <a:pPr lvl="1"/>
             <a:r>
               <a:rPr lang="en-US" dirty="0"/>
-              <a:t>Quick example</a:t>
+              <a:t>Linear regression</a:t>
             </a:r>
           </a:p>
           <a:p>
@@ -19232,9 +19380,16 @@
             </a:r>
           </a:p>
           <a:p>
+            <a:pPr lvl="1"/>
             <a:r>
               <a:rPr lang="en-US" dirty="0"/>
-              <a:t>Neural</a:t>
+              <a:t>Quick high-level, zoomed out example</a:t>
+            </a:r>
+          </a:p>
+          <a:p>
+            <a:r>
+              <a:rPr lang="en-US" dirty="0"/>
+              <a:t>Neural Network</a:t>
             </a:r>
           </a:p>
           <a:p>
@@ -24019,16 +24174,7 @@
             </a:pPr>
             <a:r>
               <a:rPr lang="en-US" dirty="0"/>
-              <a:t>What was the ultimate goal for regression again?  </a:t>
-            </a:r>
-          </a:p>
-          <a:p>
-            <a:pPr marL="0" indent="0">
-              <a:buNone/>
-            </a:pPr>
-            <a:r>
-              <a:rPr lang="en-US" dirty="0"/>
-              <a:t>What are we looking for?</a:t>
+              <a:t>What was the ultimate goal for regression again?  What are we looking for?</a:t>
             </a:r>
           </a:p>
         </p:txBody>
@@ -24199,8 +24345,8 @@
           </p:sp>
         </mc:Fallback>
       </mc:AlternateContent>
-      <mc:AlternateContent xmlns:mc="http://schemas.openxmlformats.org/markup-compatibility/2006">
-        <mc:Choice xmlns:a14="http://schemas.microsoft.com/office/drawing/2010/main" Requires="a14">
+      <mc:AlternateContent xmlns:mc="http://schemas.openxmlformats.org/markup-compatibility/2006" xmlns:a14="http://schemas.microsoft.com/office/drawing/2010/main">
+        <mc:Choice Requires="a14">
           <p:sp>
             <p:nvSpPr>
               <p:cNvPr id="2" name="Content Placeholder 1"/>
@@ -24322,7 +24468,7 @@
             </p:txBody>
           </p:sp>
         </mc:Choice>
-        <mc:Fallback>
+        <mc:Fallback xmlns="">
           <p:sp>
             <p:nvSpPr>
               <p:cNvPr id="2" name="Content Placeholder 1"/>
@@ -24408,8 +24554,8 @@
           </a:p>
         </p:txBody>
       </p:sp>
-      <mc:AlternateContent xmlns:mc="http://schemas.openxmlformats.org/markup-compatibility/2006">
-        <mc:Choice xmlns:a14="http://schemas.microsoft.com/office/drawing/2010/main" Requires="a14">
+      <mc:AlternateContent xmlns:mc="http://schemas.openxmlformats.org/markup-compatibility/2006" xmlns:a14="http://schemas.microsoft.com/office/drawing/2010/main">
+        <mc:Choice Requires="a14">
           <p:sp>
             <p:nvSpPr>
               <p:cNvPr id="3" name="Content Placeholder 2"/>
@@ -24601,7 +24747,7 @@
             </p:txBody>
           </p:sp>
         </mc:Choice>
-        <mc:Fallback>
+        <mc:Fallback xmlns="">
           <p:sp>
             <p:nvSpPr>
               <p:cNvPr id="3" name="Content Placeholder 2"/>
@@ -25195,7 +25341,7 @@
           <a:p>
             <a:r>
               <a:rPr lang="en-US" dirty="0"/>
-              <a:t>Linear regression example; Updating parameter values--Intuition:</a:t>
+              <a:t>Linear regression example; Updating parameter values—What’s the intuition:</a:t>
             </a:r>
           </a:p>
         </p:txBody>
@@ -25585,7 +25731,7 @@
           <a:p>
             <a:r>
               <a:rPr lang="en-US" dirty="0"/>
-              <a:t>What direction do we want this particular y-hat to go to minimize the loss for this observation?</a:t>
+              <a:t>What direction do we want this particular   y-hat to go to minimize the loss for this observation?</a:t>
             </a:r>
           </a:p>
           <a:p>
@@ -26961,16 +27107,25 @@
             <a:pPr marL="0" indent="0">
               <a:buNone/>
             </a:pPr>
-            <a:endParaRPr lang="en-US" dirty="0"/>
+            <a:r>
+              <a:rPr lang="en-US" dirty="0"/>
+              <a:t>What does this look like in practice? </a:t>
+            </a:r>
+          </a:p>
+          <a:p>
+            <a:pPr marL="457200" lvl="1" indent="0">
+              <a:buNone/>
+            </a:pPr>
+            <a:r>
+              <a:rPr lang="en-US" b="1" i="1" dirty="0"/>
+              <a:t>(switch to r)</a:t>
+            </a:r>
           </a:p>
           <a:p>
             <a:pPr marL="0" indent="0">
               <a:buNone/>
             </a:pPr>
-            <a:r>
-              <a:rPr lang="en-US" dirty="0"/>
-              <a:t>What does this look like in practice?  (switch to R (if there’s time))</a:t>
-            </a:r>
+            <a:endParaRPr lang="en-US" dirty="0"/>
           </a:p>
         </p:txBody>
       </p:sp>
@@ -27179,6 +27334,45 @@
           </a:prstGeom>
         </p:spPr>
       </p:pic>
+      <p:sp>
+        <p:nvSpPr>
+          <p:cNvPr id="4" name="TextBox 3">
+            <a:extLst>
+              <a:ext uri="{FF2B5EF4-FFF2-40B4-BE49-F238E27FC236}">
+                <a16:creationId xmlns:a16="http://schemas.microsoft.com/office/drawing/2014/main" id="{1562C506-AD20-4418-994B-826DEF0E9A08}"/>
+              </a:ext>
+            </a:extLst>
+          </p:cNvPr>
+          <p:cNvSpPr txBox="1"/>
+          <p:nvPr/>
+        </p:nvSpPr>
+        <p:spPr>
+          <a:xfrm>
+            <a:off x="1109472" y="2353056"/>
+            <a:ext cx="1109472" cy="461665"/>
+          </a:xfrm>
+          <a:prstGeom prst="rect">
+            <a:avLst/>
+          </a:prstGeom>
+          <a:noFill/>
+        </p:spPr>
+        <p:txBody>
+          <a:bodyPr wrap="square" rtlCol="0">
+            <a:spAutoFit/>
+          </a:bodyPr>
+          <a:lstStyle/>
+          <a:p>
+            <a:r>
+              <a:rPr lang="en-US" sz="1200" dirty="0">
+                <a:solidFill>
+                  <a:srgbClr val="FF0000"/>
+                </a:solidFill>
+              </a:rPr>
+              <a:t>Activations in red</a:t>
+            </a:r>
+          </a:p>
+        </p:txBody>
+      </p:sp>
     </p:spTree>
     <p:extLst>
       <p:ext uri="{BB962C8B-B14F-4D97-AF65-F5344CB8AC3E}">
@@ -27380,8 +27574,8 @@
           </a:p>
         </p:txBody>
       </p:sp>
-      <mc:AlternateContent xmlns:mc="http://schemas.openxmlformats.org/markup-compatibility/2006">
-        <mc:Choice xmlns:a14="http://schemas.microsoft.com/office/drawing/2010/main" Requires="a14">
+      <mc:AlternateContent xmlns:mc="http://schemas.openxmlformats.org/markup-compatibility/2006" xmlns:a14="http://schemas.microsoft.com/office/drawing/2010/main">
+        <mc:Choice Requires="a14">
           <p:sp>
             <p:nvSpPr>
               <p:cNvPr id="7" name="TextBox 6">
@@ -27479,7 +27673,7 @@
             </p:txBody>
           </p:sp>
         </mc:Choice>
-        <mc:Fallback>
+        <mc:Fallback xmlns="">
           <p:sp>
             <p:nvSpPr>
               <p:cNvPr id="7" name="TextBox 6">
@@ -27559,8 +27753,8 @@
           </a:p>
         </p:txBody>
       </p:sp>
-      <mc:AlternateContent xmlns:mc="http://schemas.openxmlformats.org/markup-compatibility/2006">
-        <mc:Choice xmlns:a14="http://schemas.microsoft.com/office/drawing/2010/main" Requires="a14">
+      <mc:AlternateContent xmlns:mc="http://schemas.openxmlformats.org/markup-compatibility/2006" xmlns:a14="http://schemas.microsoft.com/office/drawing/2010/main">
+        <mc:Choice Requires="a14">
           <p:sp>
             <p:nvSpPr>
               <p:cNvPr id="9" name="TextBox 8">
@@ -27798,7 +27992,7 @@
             </p:txBody>
           </p:sp>
         </mc:Choice>
-        <mc:Fallback>
+        <mc:Fallback xmlns="">
           <p:sp>
             <p:nvSpPr>
               <p:cNvPr id="9" name="TextBox 8">
@@ -27860,7 +28054,7 @@
             <p:spPr>
               <a:xfrm>
                 <a:off x="1030513" y="4291876"/>
-                <a:ext cx="10130971" cy="1846659"/>
+                <a:ext cx="10130971" cy="1569660"/>
               </a:xfrm>
               <a:prstGeom prst="rect">
                 <a:avLst/>
@@ -27930,12 +28124,6 @@
               <a:p>
                 <a:endParaRPr lang="en-US" sz="2400" dirty="0"/>
               </a:p>
-              <a:p>
-                <a:r>
-                  <a:rPr lang="en-US" dirty="0"/>
-                  <a:t>(switch to r)</a:t>
-                </a:r>
-              </a:p>
             </p:txBody>
           </p:sp>
         </mc:Choice>
@@ -27957,7 +28145,7 @@
             <p:spPr>
               <a:xfrm>
                 <a:off x="1030513" y="4291876"/>
-                <a:ext cx="10130971" cy="1846659"/>
+                <a:ext cx="10130971" cy="1569660"/>
               </a:xfrm>
               <a:prstGeom prst="rect">
                 <a:avLst/>
@@ -27965,7 +28153,7 @@
               <a:blipFill>
                 <a:blip r:embed="rId5"/>
                 <a:stretch>
-                  <a:fillRect l="-903" t="-2640" b="-4290"/>
+                  <a:fillRect l="-903" t="-3101"/>
                 </a:stretch>
               </a:blipFill>
             </p:spPr>
@@ -28137,6 +28325,45 @@
           </a:p>
         </p:txBody>
       </p:sp>
+      <p:sp>
+        <p:nvSpPr>
+          <p:cNvPr id="6" name="TextBox 5">
+            <a:extLst>
+              <a:ext uri="{FF2B5EF4-FFF2-40B4-BE49-F238E27FC236}">
+                <a16:creationId xmlns:a16="http://schemas.microsoft.com/office/drawing/2014/main" id="{6F32578A-09CC-4352-8D41-BDAEC3CEFCF4}"/>
+              </a:ext>
+            </a:extLst>
+          </p:cNvPr>
+          <p:cNvSpPr txBox="1"/>
+          <p:nvPr/>
+        </p:nvSpPr>
+        <p:spPr>
+          <a:xfrm>
+            <a:off x="1109472" y="2353056"/>
+            <a:ext cx="1109472" cy="461665"/>
+          </a:xfrm>
+          <a:prstGeom prst="rect">
+            <a:avLst/>
+          </a:prstGeom>
+          <a:noFill/>
+        </p:spPr>
+        <p:txBody>
+          <a:bodyPr wrap="square" rtlCol="0">
+            <a:spAutoFit/>
+          </a:bodyPr>
+          <a:lstStyle/>
+          <a:p>
+            <a:r>
+              <a:rPr lang="en-US" sz="1200" dirty="0">
+                <a:solidFill>
+                  <a:srgbClr val="FF0000"/>
+                </a:solidFill>
+              </a:rPr>
+              <a:t>Activations in red</a:t>
+            </a:r>
+          </a:p>
+        </p:txBody>
+      </p:sp>
     </p:spTree>
     <p:extLst>
       <p:ext uri="{BB962C8B-B14F-4D97-AF65-F5344CB8AC3E}">
@@ -28748,6 +28975,45 @@
           </a:prstGeom>
         </p:spPr>
       </p:pic>
+      <p:sp>
+        <p:nvSpPr>
+          <p:cNvPr id="6" name="TextBox 5">
+            <a:extLst>
+              <a:ext uri="{FF2B5EF4-FFF2-40B4-BE49-F238E27FC236}">
+                <a16:creationId xmlns:a16="http://schemas.microsoft.com/office/drawing/2014/main" id="{C5133176-F0B5-4F23-8CF9-390735500474}"/>
+              </a:ext>
+            </a:extLst>
+          </p:cNvPr>
+          <p:cNvSpPr txBox="1"/>
+          <p:nvPr/>
+        </p:nvSpPr>
+        <p:spPr>
+          <a:xfrm>
+            <a:off x="1109472" y="2353056"/>
+            <a:ext cx="1109472" cy="461665"/>
+          </a:xfrm>
+          <a:prstGeom prst="rect">
+            <a:avLst/>
+          </a:prstGeom>
+          <a:noFill/>
+        </p:spPr>
+        <p:txBody>
+          <a:bodyPr wrap="square" rtlCol="0">
+            <a:spAutoFit/>
+          </a:bodyPr>
+          <a:lstStyle/>
+          <a:p>
+            <a:r>
+              <a:rPr lang="en-US" sz="1200" dirty="0">
+                <a:solidFill>
+                  <a:srgbClr val="FF0000"/>
+                </a:solidFill>
+              </a:rPr>
+              <a:t>Activations in red</a:t>
+            </a:r>
+          </a:p>
+        </p:txBody>
+      </p:sp>
     </p:spTree>
     <p:extLst>
       <p:ext uri="{BB962C8B-B14F-4D97-AF65-F5344CB8AC3E}">
@@ -28874,6 +29140,45 @@
             <a:r>
               <a:rPr lang="en-US" dirty="0"/>
               <a:t>Okay, what’s the local gradient?</a:t>
+            </a:r>
+          </a:p>
+        </p:txBody>
+      </p:sp>
+      <p:sp>
+        <p:nvSpPr>
+          <p:cNvPr id="5" name="TextBox 4">
+            <a:extLst>
+              <a:ext uri="{FF2B5EF4-FFF2-40B4-BE49-F238E27FC236}">
+                <a16:creationId xmlns:a16="http://schemas.microsoft.com/office/drawing/2014/main" id="{94CCC78F-FEE3-4723-9298-C327904FB476}"/>
+              </a:ext>
+            </a:extLst>
+          </p:cNvPr>
+          <p:cNvSpPr txBox="1"/>
+          <p:nvPr/>
+        </p:nvSpPr>
+        <p:spPr>
+          <a:xfrm>
+            <a:off x="1109472" y="2353056"/>
+            <a:ext cx="1109472" cy="461665"/>
+          </a:xfrm>
+          <a:prstGeom prst="rect">
+            <a:avLst/>
+          </a:prstGeom>
+          <a:noFill/>
+        </p:spPr>
+        <p:txBody>
+          <a:bodyPr wrap="square" rtlCol="0">
+            <a:spAutoFit/>
+          </a:bodyPr>
+          <a:lstStyle/>
+          <a:p>
+            <a:r>
+              <a:rPr lang="en-US" sz="1200" dirty="0">
+                <a:solidFill>
+                  <a:srgbClr val="FF0000"/>
+                </a:solidFill>
+              </a:rPr>
+              <a:t>Activations in red</a:t>
             </a:r>
           </a:p>
         </p:txBody>
@@ -29480,6 +29785,45 @@
           </a:p>
         </p:txBody>
       </p:sp>
+      <p:sp>
+        <p:nvSpPr>
+          <p:cNvPr id="5" name="TextBox 4">
+            <a:extLst>
+              <a:ext uri="{FF2B5EF4-FFF2-40B4-BE49-F238E27FC236}">
+                <a16:creationId xmlns:a16="http://schemas.microsoft.com/office/drawing/2014/main" id="{AC720838-F074-4042-BC53-207258A83103}"/>
+              </a:ext>
+            </a:extLst>
+          </p:cNvPr>
+          <p:cNvSpPr txBox="1"/>
+          <p:nvPr/>
+        </p:nvSpPr>
+        <p:spPr>
+          <a:xfrm>
+            <a:off x="1109472" y="2353056"/>
+            <a:ext cx="1109472" cy="461665"/>
+          </a:xfrm>
+          <a:prstGeom prst="rect">
+            <a:avLst/>
+          </a:prstGeom>
+          <a:noFill/>
+        </p:spPr>
+        <p:txBody>
+          <a:bodyPr wrap="square" rtlCol="0">
+            <a:spAutoFit/>
+          </a:bodyPr>
+          <a:lstStyle/>
+          <a:p>
+            <a:r>
+              <a:rPr lang="en-US" sz="1200" dirty="0">
+                <a:solidFill>
+                  <a:srgbClr val="FF0000"/>
+                </a:solidFill>
+              </a:rPr>
+              <a:t>Activations in red</a:t>
+            </a:r>
+          </a:p>
+        </p:txBody>
+      </p:sp>
     </p:spTree>
     <p:extLst>
       <p:ext uri="{BB962C8B-B14F-4D97-AF65-F5344CB8AC3E}">
@@ -29577,10 +29921,10 @@
       </p:pic>
       <p:sp>
         <p:nvSpPr>
-          <p:cNvPr id="6" name="TextBox 5">
+          <p:cNvPr id="5" name="TextBox 4">
             <a:extLst>
               <a:ext uri="{FF2B5EF4-FFF2-40B4-BE49-F238E27FC236}">
-                <a16:creationId xmlns:a16="http://schemas.microsoft.com/office/drawing/2014/main" id="{80632590-0C3E-482D-BD43-2F36F7844CCA}"/>
+                <a16:creationId xmlns:a16="http://schemas.microsoft.com/office/drawing/2014/main" id="{9BBAFA7B-DE22-4EA9-B47C-C50F2EE0C60A}"/>
               </a:ext>
             </a:extLst>
           </p:cNvPr>
@@ -29589,8 +29933,47 @@
         </p:nvSpPr>
         <p:spPr>
           <a:xfrm>
-            <a:off x="1371190" y="5216045"/>
-            <a:ext cx="9117516" cy="369332"/>
+            <a:off x="1109472" y="2353056"/>
+            <a:ext cx="1109472" cy="461665"/>
+          </a:xfrm>
+          <a:prstGeom prst="rect">
+            <a:avLst/>
+          </a:prstGeom>
+          <a:noFill/>
+        </p:spPr>
+        <p:txBody>
+          <a:bodyPr wrap="square" rtlCol="0">
+            <a:spAutoFit/>
+          </a:bodyPr>
+          <a:lstStyle/>
+          <a:p>
+            <a:r>
+              <a:rPr lang="en-US" sz="1200" dirty="0">
+                <a:solidFill>
+                  <a:srgbClr val="FF0000"/>
+                </a:solidFill>
+              </a:rPr>
+              <a:t>Activations in red</a:t>
+            </a:r>
+          </a:p>
+        </p:txBody>
+      </p:sp>
+      <p:sp>
+        <p:nvSpPr>
+          <p:cNvPr id="7" name="TextBox 6">
+            <a:extLst>
+              <a:ext uri="{FF2B5EF4-FFF2-40B4-BE49-F238E27FC236}">
+                <a16:creationId xmlns:a16="http://schemas.microsoft.com/office/drawing/2014/main" id="{5A4C2BE3-010F-4ACB-997A-03DD178A3F9C}"/>
+              </a:ext>
+            </a:extLst>
+          </p:cNvPr>
+          <p:cNvSpPr txBox="1"/>
+          <p:nvPr/>
+        </p:nvSpPr>
+        <p:spPr>
+          <a:xfrm>
+            <a:off x="4194048" y="5216045"/>
+            <a:ext cx="1633728" cy="646331"/>
           </a:xfrm>
           <a:prstGeom prst="rect">
             <a:avLst/>
@@ -29605,7 +29988,13 @@
           <a:p>
             <a:r>
               <a:rPr lang="en-US" dirty="0"/>
-              <a:t>We’re going to speed through the rest.</a:t>
+              <a:t>f(x, c) = x + c</a:t>
+            </a:r>
+          </a:p>
+          <a:p>
+            <a:r>
+              <a:rPr lang="en-US" dirty="0"/>
+              <a:t>f(a1,B) = a1 + B </a:t>
             </a:r>
           </a:p>
         </p:txBody>
@@ -29705,6 +30094,94 @@
           </a:prstGeom>
         </p:spPr>
       </p:pic>
+      <p:sp>
+        <p:nvSpPr>
+          <p:cNvPr id="3" name="TextBox 2">
+            <a:extLst>
+              <a:ext uri="{FF2B5EF4-FFF2-40B4-BE49-F238E27FC236}">
+                <a16:creationId xmlns:a16="http://schemas.microsoft.com/office/drawing/2014/main" id="{99B4FCD9-C098-4BF8-AB12-1D675A0CC358}"/>
+              </a:ext>
+            </a:extLst>
+          </p:cNvPr>
+          <p:cNvSpPr txBox="1"/>
+          <p:nvPr/>
+        </p:nvSpPr>
+        <p:spPr>
+          <a:xfrm>
+            <a:off x="1109472" y="2353056"/>
+            <a:ext cx="1109472" cy="461665"/>
+          </a:xfrm>
+          <a:prstGeom prst="rect">
+            <a:avLst/>
+          </a:prstGeom>
+          <a:noFill/>
+        </p:spPr>
+        <p:txBody>
+          <a:bodyPr wrap="square" rtlCol="0">
+            <a:spAutoFit/>
+          </a:bodyPr>
+          <a:lstStyle/>
+          <a:p>
+            <a:r>
+              <a:rPr lang="en-US" sz="1200" dirty="0">
+                <a:solidFill>
+                  <a:srgbClr val="FF0000"/>
+                </a:solidFill>
+              </a:rPr>
+              <a:t>Activations in red</a:t>
+            </a:r>
+          </a:p>
+        </p:txBody>
+      </p:sp>
+      <p:sp>
+        <p:nvSpPr>
+          <p:cNvPr id="5" name="TextBox 4">
+            <a:extLst>
+              <a:ext uri="{FF2B5EF4-FFF2-40B4-BE49-F238E27FC236}">
+                <a16:creationId xmlns:a16="http://schemas.microsoft.com/office/drawing/2014/main" id="{820E91B5-3777-44BE-9114-4A6F6E90C513}"/>
+              </a:ext>
+            </a:extLst>
+          </p:cNvPr>
+          <p:cNvSpPr txBox="1"/>
+          <p:nvPr/>
+        </p:nvSpPr>
+        <p:spPr>
+          <a:xfrm>
+            <a:off x="2523744" y="5061861"/>
+            <a:ext cx="1950720" cy="646331"/>
+          </a:xfrm>
+          <a:prstGeom prst="rect">
+            <a:avLst/>
+          </a:prstGeom>
+          <a:noFill/>
+        </p:spPr>
+        <p:txBody>
+          <a:bodyPr wrap="square" rtlCol="0">
+            <a:spAutoFit/>
+          </a:bodyPr>
+          <a:lstStyle/>
+          <a:p>
+            <a:r>
+              <a:rPr lang="en-US" dirty="0"/>
+              <a:t>g(</a:t>
+            </a:r>
+            <a:r>
+              <a:rPr lang="en-US" dirty="0" err="1"/>
+              <a:t>x,d</a:t>
+            </a:r>
+            <a:r>
+              <a:rPr lang="en-US" dirty="0"/>
+              <a:t>) = x * d </a:t>
+            </a:r>
+          </a:p>
+          <a:p>
+            <a:r>
+              <a:rPr lang="en-US" dirty="0"/>
+              <a:t> g(a0,W) = a0 * W</a:t>
+            </a:r>
+          </a:p>
+        </p:txBody>
+      </p:sp>
     </p:spTree>
     <p:extLst>
       <p:ext uri="{BB962C8B-B14F-4D97-AF65-F5344CB8AC3E}">
@@ -30401,6 +30878,361 @@
           <p:cNvPr id="2" name="Title 1">
             <a:extLst>
               <a:ext uri="{FF2B5EF4-FFF2-40B4-BE49-F238E27FC236}">
+                <a16:creationId xmlns:a16="http://schemas.microsoft.com/office/drawing/2014/main" id="{9B7EA63C-3E99-42B8-BFD8-9F898B7A401D}"/>
+              </a:ext>
+            </a:extLst>
+          </p:cNvPr>
+          <p:cNvSpPr>
+            <a:spLocks noGrp="1"/>
+          </p:cNvSpPr>
+          <p:nvPr>
+            <p:ph type="title"/>
+          </p:nvPr>
+        </p:nvSpPr>
+        <p:spPr/>
+        <p:txBody>
+          <a:bodyPr/>
+          <a:lstStyle/>
+          <a:p>
+            <a:r>
+              <a:rPr lang="en-US" dirty="0"/>
+              <a:t>Big takeaway</a:t>
+            </a:r>
+          </a:p>
+        </p:txBody>
+      </p:sp>
+      <mc:AlternateContent xmlns:mc="http://schemas.openxmlformats.org/markup-compatibility/2006">
+        <mc:Choice xmlns:a14="http://schemas.microsoft.com/office/drawing/2010/main" Requires="a14">
+          <p:sp>
+            <p:nvSpPr>
+              <p:cNvPr id="3" name="Content Placeholder 2">
+                <a:extLst>
+                  <a:ext uri="{FF2B5EF4-FFF2-40B4-BE49-F238E27FC236}">
+                    <a16:creationId xmlns:a16="http://schemas.microsoft.com/office/drawing/2014/main" id="{9806BFDB-3FB0-44AB-ACA4-8F42DB21472E}"/>
+                  </a:ext>
+                </a:extLst>
+              </p:cNvPr>
+              <p:cNvSpPr>
+                <a:spLocks noGrp="1"/>
+              </p:cNvSpPr>
+              <p:nvPr>
+                <p:ph idx="1"/>
+              </p:nvPr>
+            </p:nvSpPr>
+            <p:spPr/>
+            <p:txBody>
+              <a:bodyPr/>
+              <a:lstStyle/>
+              <a:p>
+                <a:pPr marL="0" indent="0">
+                  <a:buNone/>
+                </a:pPr>
+                <a:r>
+                  <a:rPr lang="en-US" dirty="0"/>
+                  <a:t>Neural Networks are nothing more than a series of differentiable composite functions.</a:t>
+                </a:r>
+              </a:p>
+              <a:p>
+                <a:pPr marL="0" indent="0">
+                  <a:buNone/>
+                </a:pPr>
+                <a:endParaRPr lang="en-US" dirty="0"/>
+              </a:p>
+              <a:p>
+                <a:pPr marL="0" indent="0">
+                  <a:buNone/>
+                </a:pPr>
+                <a:r>
+                  <a:rPr lang="en-US" dirty="0"/>
+                  <a:t>This last one is:</a:t>
+                </a:r>
+              </a:p>
+              <a:p>
+                <a:pPr marL="0" indent="0">
+                  <a:buNone/>
+                </a:pPr>
+                <a14:m>
+                  <m:oMathPara xmlns:m="http://schemas.openxmlformats.org/officeDocument/2006/math">
+                    <m:oMathParaPr>
+                      <m:jc m:val="centerGroup"/>
+                    </m:oMathParaPr>
+                    <m:oMath xmlns:m="http://schemas.openxmlformats.org/officeDocument/2006/math">
+                      <m:acc>
+                        <m:accPr>
+                          <m:chr m:val="̂"/>
+                          <m:ctrlPr>
+                            <a:rPr lang="en-US" i="1">
+                              <a:latin typeface="Cambria Math" panose="02040503050406030204" pitchFamily="18" charset="0"/>
+                            </a:rPr>
+                          </m:ctrlPr>
+                        </m:accPr>
+                        <m:e>
+                          <m:r>
+                            <a:rPr lang="en-US" i="1">
+                              <a:latin typeface="Cambria Math" panose="02040503050406030204" pitchFamily="18" charset="0"/>
+                            </a:rPr>
+                            <m:t>𝑌</m:t>
+                          </m:r>
+                        </m:e>
+                      </m:acc>
+                      <m:r>
+                        <a:rPr lang="en-US" i="1">
+                          <a:latin typeface="Cambria Math" panose="02040503050406030204" pitchFamily="18" charset="0"/>
+                        </a:rPr>
+                        <m:t>=</m:t>
+                      </m:r>
+                      <m:r>
+                        <a:rPr lang="en-US" b="0" i="1" smtClean="0">
+                          <a:latin typeface="Cambria Math" panose="02040503050406030204" pitchFamily="18" charset="0"/>
+                        </a:rPr>
+                        <m:t>𝑓</m:t>
+                      </m:r>
+                      <m:r>
+                        <a:rPr lang="en-US" b="0" i="1" smtClean="0">
+                          <a:latin typeface="Cambria Math" panose="02040503050406030204" pitchFamily="18" charset="0"/>
+                        </a:rPr>
+                        <m:t>(</m:t>
+                      </m:r>
+                      <m:r>
+                        <a:rPr lang="en-US" b="0" i="1" smtClean="0">
+                          <a:latin typeface="Cambria Math" panose="02040503050406030204" pitchFamily="18" charset="0"/>
+                        </a:rPr>
+                        <m:t>𝑔</m:t>
+                      </m:r>
+                      <m:r>
+                        <a:rPr lang="en-US" b="0" i="1" smtClean="0">
+                          <a:latin typeface="Cambria Math" panose="02040503050406030204" pitchFamily="18" charset="0"/>
+                        </a:rPr>
+                        <m:t>(</m:t>
+                      </m:r>
+                      <m:func>
+                        <m:funcPr>
+                          <m:ctrlPr>
+                            <a:rPr lang="en-US" b="0" i="1" smtClean="0">
+                              <a:latin typeface="Cambria Math" panose="02040503050406030204" pitchFamily="18" charset="0"/>
+                            </a:rPr>
+                          </m:ctrlPr>
+                        </m:funcPr>
+                        <m:fName>
+                          <m:r>
+                            <m:rPr>
+                              <m:sty m:val="p"/>
+                            </m:rPr>
+                            <a:rPr lang="en-US" b="0" i="0" smtClean="0">
+                              <a:latin typeface="Cambria Math" panose="02040503050406030204" pitchFamily="18" charset="0"/>
+                            </a:rPr>
+                            <m:t>max</m:t>
+                          </m:r>
+                        </m:fName>
+                        <m:e>
+                          <m:d>
+                            <m:dPr>
+                              <m:ctrlPr>
+                                <a:rPr lang="en-US" b="0" i="1" smtClean="0">
+                                  <a:latin typeface="Cambria Math" panose="02040503050406030204" pitchFamily="18" charset="0"/>
+                                </a:rPr>
+                              </m:ctrlPr>
+                            </m:dPr>
+                            <m:e>
+                              <m:r>
+                                <a:rPr lang="en-US" b="0" i="1" smtClean="0">
+                                  <a:latin typeface="Cambria Math" panose="02040503050406030204" pitchFamily="18" charset="0"/>
+                                </a:rPr>
+                                <m:t>𝑓</m:t>
+                              </m:r>
+                              <m:d>
+                                <m:dPr>
+                                  <m:ctrlPr>
+                                    <a:rPr lang="en-US" b="0" i="1" smtClean="0">
+                                      <a:latin typeface="Cambria Math" panose="02040503050406030204" pitchFamily="18" charset="0"/>
+                                    </a:rPr>
+                                  </m:ctrlPr>
+                                </m:dPr>
+                                <m:e>
+                                  <m:r>
+                                    <a:rPr lang="en-US" b="0" i="1" smtClean="0">
+                                      <a:latin typeface="Cambria Math" panose="02040503050406030204" pitchFamily="18" charset="0"/>
+                                    </a:rPr>
+                                    <m:t>𝑔</m:t>
+                                  </m:r>
+                                  <m:d>
+                                    <m:dPr>
+                                      <m:ctrlPr>
+                                        <a:rPr lang="en-US" b="0" i="1" smtClean="0">
+                                          <a:latin typeface="Cambria Math" panose="02040503050406030204" pitchFamily="18" charset="0"/>
+                                        </a:rPr>
+                                      </m:ctrlPr>
+                                    </m:dPr>
+                                    <m:e>
+                                      <m:r>
+                                        <a:rPr lang="en-US" b="0" i="1" smtClean="0">
+                                          <a:latin typeface="Cambria Math" panose="02040503050406030204" pitchFamily="18" charset="0"/>
+                                        </a:rPr>
+                                        <m:t>𝑋</m:t>
+                                      </m:r>
+                                      <m:r>
+                                        <a:rPr lang="en-US" b="0" i="1" smtClean="0">
+                                          <a:latin typeface="Cambria Math" panose="02040503050406030204" pitchFamily="18" charset="0"/>
+                                        </a:rPr>
+                                        <m:t>,</m:t>
+                                      </m:r>
+                                      <m:r>
+                                        <a:rPr lang="en-US" b="0" i="1" smtClean="0">
+                                          <a:latin typeface="Cambria Math" panose="02040503050406030204" pitchFamily="18" charset="0"/>
+                                        </a:rPr>
+                                        <m:t>𝑊</m:t>
+                                      </m:r>
+                                      <m:r>
+                                        <a:rPr lang="en-US" b="0" i="1" smtClean="0">
+                                          <a:latin typeface="Cambria Math" panose="02040503050406030204" pitchFamily="18" charset="0"/>
+                                        </a:rPr>
+                                        <m:t>1</m:t>
+                                      </m:r>
+                                    </m:e>
+                                  </m:d>
+                                  <m:r>
+                                    <a:rPr lang="en-US" b="0" i="1" smtClean="0">
+                                      <a:latin typeface="Cambria Math" panose="02040503050406030204" pitchFamily="18" charset="0"/>
+                                    </a:rPr>
+                                    <m:t>,</m:t>
+                                  </m:r>
+                                  <m:r>
+                                    <a:rPr lang="en-US" b="0" i="1" smtClean="0">
+                                      <a:latin typeface="Cambria Math" panose="02040503050406030204" pitchFamily="18" charset="0"/>
+                                    </a:rPr>
+                                    <m:t>𝐵</m:t>
+                                  </m:r>
+                                  <m:r>
+                                    <a:rPr lang="en-US" b="0" i="1" smtClean="0">
+                                      <a:latin typeface="Cambria Math" panose="02040503050406030204" pitchFamily="18" charset="0"/>
+                                    </a:rPr>
+                                    <m:t>1</m:t>
+                                  </m:r>
+                                </m:e>
+                              </m:d>
+                              <m:r>
+                                <a:rPr lang="en-US" b="0" i="1" smtClean="0">
+                                  <a:latin typeface="Cambria Math" panose="02040503050406030204" pitchFamily="18" charset="0"/>
+                                </a:rPr>
+                                <m:t>,0</m:t>
+                              </m:r>
+                            </m:e>
+                          </m:d>
+                        </m:e>
+                      </m:func>
+                      <m:r>
+                        <a:rPr lang="en-US" b="0" i="1" smtClean="0">
+                          <a:latin typeface="Cambria Math" panose="02040503050406030204" pitchFamily="18" charset="0"/>
+                        </a:rPr>
+                        <m:t>,</m:t>
+                      </m:r>
+                      <m:r>
+                        <a:rPr lang="en-US" b="0" i="1" smtClean="0">
+                          <a:latin typeface="Cambria Math" panose="02040503050406030204" pitchFamily="18" charset="0"/>
+                        </a:rPr>
+                        <m:t>𝑊</m:t>
+                      </m:r>
+                      <m:r>
+                        <a:rPr lang="en-US" b="0" i="1" smtClean="0">
+                          <a:latin typeface="Cambria Math" panose="02040503050406030204" pitchFamily="18" charset="0"/>
+                        </a:rPr>
+                        <m:t>2),</m:t>
+                      </m:r>
+                      <m:r>
+                        <a:rPr lang="en-US" b="0" i="1" smtClean="0">
+                          <a:latin typeface="Cambria Math" panose="02040503050406030204" pitchFamily="18" charset="0"/>
+                        </a:rPr>
+                        <m:t>𝐵</m:t>
+                      </m:r>
+                      <m:r>
+                        <a:rPr lang="en-US" b="0" i="1" smtClean="0">
+                          <a:latin typeface="Cambria Math" panose="02040503050406030204" pitchFamily="18" charset="0"/>
+                        </a:rPr>
+                        <m:t>2)</m:t>
+                      </m:r>
+                    </m:oMath>
+                  </m:oMathPara>
+                </a14:m>
+                <a:endParaRPr lang="en-US" dirty="0"/>
+              </a:p>
+            </p:txBody>
+          </p:sp>
+        </mc:Choice>
+        <mc:Fallback>
+          <p:sp>
+            <p:nvSpPr>
+              <p:cNvPr id="3" name="Content Placeholder 2">
+                <a:extLst>
+                  <a:ext uri="{FF2B5EF4-FFF2-40B4-BE49-F238E27FC236}">
+                    <a16:creationId xmlns:a16="http://schemas.microsoft.com/office/drawing/2014/main" id="{9806BFDB-3FB0-44AB-ACA4-8F42DB21472E}"/>
+                  </a:ext>
+                </a:extLst>
+              </p:cNvPr>
+              <p:cNvSpPr>
+                <a:spLocks noGrp="1" noRot="1" noChangeAspect="1" noMove="1" noResize="1" noEditPoints="1" noAdjustHandles="1" noChangeArrowheads="1" noChangeShapeType="1" noTextEdit="1"/>
+              </p:cNvSpPr>
+              <p:nvPr>
+                <p:ph idx="1"/>
+              </p:nvPr>
+            </p:nvSpPr>
+            <p:spPr>
+              <a:blipFill>
+                <a:blip r:embed="rId2"/>
+                <a:stretch>
+                  <a:fillRect l="-1217" t="-2241"/>
+                </a:stretch>
+              </a:blipFill>
+            </p:spPr>
+            <p:txBody>
+              <a:bodyPr/>
+              <a:lstStyle/>
+              <a:p>
+                <a:r>
+                  <a:rPr lang="en-US">
+                    <a:noFill/>
+                  </a:rPr>
+                  <a:t> </a:t>
+                </a:r>
+              </a:p>
+            </p:txBody>
+          </p:sp>
+        </mc:Fallback>
+      </mc:AlternateContent>
+    </p:spTree>
+    <p:extLst>
+      <p:ext uri="{BB962C8B-B14F-4D97-AF65-F5344CB8AC3E}">
+        <p14:creationId xmlns:p14="http://schemas.microsoft.com/office/powerpoint/2010/main" val="3074158390"/>
+      </p:ext>
+    </p:extLst>
+  </p:cSld>
+  <p:clrMapOvr>
+    <a:masterClrMapping/>
+  </p:clrMapOvr>
+</p:sld>
+</file>
+
+<file path=ppt/slides/slide74.xml><?xml version="1.0" encoding="utf-8"?>
+<p:sld xmlns:a="http://schemas.openxmlformats.org/drawingml/2006/main" xmlns:r="http://schemas.openxmlformats.org/officeDocument/2006/relationships" xmlns:p="http://schemas.openxmlformats.org/presentationml/2006/main">
+  <p:cSld>
+    <p:spTree>
+      <p:nvGrpSpPr>
+        <p:cNvPr id="1" name=""/>
+        <p:cNvGrpSpPr/>
+        <p:nvPr/>
+      </p:nvGrpSpPr>
+      <p:grpSpPr>
+        <a:xfrm>
+          <a:off x="0" y="0"/>
+          <a:ext cx="0" cy="0"/>
+          <a:chOff x="0" y="0"/>
+          <a:chExt cx="0" cy="0"/>
+        </a:xfrm>
+      </p:grpSpPr>
+      <p:sp>
+        <p:nvSpPr>
+          <p:cNvPr id="2" name="Title 1">
+            <a:extLst>
+              <a:ext uri="{FF2B5EF4-FFF2-40B4-BE49-F238E27FC236}">
                 <a16:creationId xmlns:a16="http://schemas.microsoft.com/office/drawing/2014/main" id="{9E788952-3D1D-4A0A-8C19-EE74F203A537}"/>
               </a:ext>
             </a:extLst>
@@ -30553,7 +31385,7 @@
 </p:sld>
 </file>
 
-<file path=ppt/slides/slide74.xml><?xml version="1.0" encoding="utf-8"?>
+<file path=ppt/slides/slide75.xml><?xml version="1.0" encoding="utf-8"?>
 <p:sld xmlns:a="http://schemas.openxmlformats.org/drawingml/2006/main" xmlns:r="http://schemas.openxmlformats.org/officeDocument/2006/relationships" xmlns:p="http://schemas.openxmlformats.org/presentationml/2006/main">
   <p:cSld>
     <p:spTree>
@@ -30725,8 +31557,8 @@
           </a:p>
         </p:txBody>
       </p:sp>
-      <mc:AlternateContent xmlns:mc="http://schemas.openxmlformats.org/markup-compatibility/2006">
-        <mc:Choice xmlns:a14="http://schemas.microsoft.com/office/drawing/2010/main" Requires="a14">
+      <mc:AlternateContent xmlns:mc="http://schemas.openxmlformats.org/markup-compatibility/2006" xmlns:a14="http://schemas.microsoft.com/office/drawing/2010/main">
+        <mc:Choice Requires="a14">
           <p:sp>
             <p:nvSpPr>
               <p:cNvPr id="7" name="TextBox 6">
@@ -30824,7 +31656,7 @@
             </p:txBody>
           </p:sp>
         </mc:Choice>
-        <mc:Fallback>
+        <mc:Fallback xmlns="">
           <p:sp>
             <p:nvSpPr>
               <p:cNvPr id="7" name="TextBox 6">
@@ -30899,7 +31731,7 @@
           <a:p>
             <a:r>
               <a:rPr lang="en-US" sz="2400" dirty="0"/>
-              <a:t>What is the loss function?</a:t>
+              <a:t>What is the loss function (for one observation)?</a:t>
             </a:r>
           </a:p>
         </p:txBody>
@@ -30971,8 +31803,8 @@
           </a:p>
         </p:txBody>
       </p:sp>
-      <mc:AlternateContent xmlns:mc="http://schemas.openxmlformats.org/markup-compatibility/2006">
-        <mc:Choice xmlns:a14="http://schemas.microsoft.com/office/drawing/2010/main" Requires="a14">
+      <mc:AlternateContent xmlns:mc="http://schemas.openxmlformats.org/markup-compatibility/2006" xmlns:a14="http://schemas.microsoft.com/office/drawing/2010/main">
+        <mc:Choice Requires="a14">
           <p:sp>
             <p:nvSpPr>
               <p:cNvPr id="7" name="TextBox 6">
@@ -31070,7 +31902,7 @@
             </p:txBody>
           </p:sp>
         </mc:Choice>
-        <mc:Fallback>
+        <mc:Fallback xmlns="">
           <p:sp>
             <p:nvSpPr>
               <p:cNvPr id="7" name="TextBox 6">
@@ -31145,13 +31977,13 @@
           <a:p>
             <a:r>
               <a:rPr lang="en-US" sz="2400" dirty="0"/>
-              <a:t>What is the loss function?</a:t>
+              <a:t>What is the loss function (for one observation)?</a:t>
             </a:r>
           </a:p>
         </p:txBody>
       </p:sp>
-      <mc:AlternateContent xmlns:mc="http://schemas.openxmlformats.org/markup-compatibility/2006">
-        <mc:Choice xmlns:a14="http://schemas.microsoft.com/office/drawing/2010/main" Requires="a14">
+      <mc:AlternateContent xmlns:mc="http://schemas.openxmlformats.org/markup-compatibility/2006" xmlns:a14="http://schemas.microsoft.com/office/drawing/2010/main">
+        <mc:Choice Requires="a14">
           <p:sp>
             <p:nvSpPr>
               <p:cNvPr id="9" name="TextBox 8">
@@ -31389,7 +32221,7 @@
             </p:txBody>
           </p:sp>
         </mc:Choice>
-        <mc:Fallback>
+        <mc:Fallback xmlns="">
           <p:sp>
             <p:nvSpPr>
               <p:cNvPr id="9" name="TextBox 8">
@@ -31451,7 +32283,7 @@
             <p:spPr>
               <a:xfrm>
                 <a:off x="1030513" y="4291876"/>
-                <a:ext cx="10130971" cy="1846659"/>
+                <a:ext cx="10130971" cy="1569660"/>
               </a:xfrm>
               <a:prstGeom prst="rect">
                 <a:avLst/>
@@ -31521,12 +32353,6 @@
               <a:p>
                 <a:endParaRPr lang="en-US" sz="2400" dirty="0"/>
               </a:p>
-              <a:p>
-                <a:r>
-                  <a:rPr lang="en-US" dirty="0"/>
-                  <a:t>(switch to r)</a:t>
-                </a:r>
-              </a:p>
             </p:txBody>
           </p:sp>
         </mc:Choice>
@@ -31548,7 +32374,7 @@
             <p:spPr>
               <a:xfrm>
                 <a:off x="1030513" y="4291876"/>
-                <a:ext cx="10130971" cy="1846659"/>
+                <a:ext cx="10130971" cy="1569660"/>
               </a:xfrm>
               <a:prstGeom prst="rect">
                 <a:avLst/>
@@ -31556,7 +32382,7 @@
               <a:blipFill>
                 <a:blip r:embed="rId5"/>
                 <a:stretch>
-                  <a:fillRect l="-903" t="-2640" b="-4290"/>
+                  <a:fillRect l="-903" t="-3101"/>
                 </a:stretch>
               </a:blipFill>
             </p:spPr>

--- a/secondPart/Neural Networks - pt 2.pptx
+++ b/secondPart/Neural Networks - pt 2.pptx
@@ -5,7 +5,7 @@
     <p:sldMasterId id="2147483648" r:id="rId1"/>
   </p:sldMasterIdLst>
   <p:notesMasterIdLst>
-    <p:notesMasterId r:id="rId77"/>
+    <p:notesMasterId r:id="rId76"/>
   </p:notesMasterIdLst>
   <p:sldIdLst>
     <p:sldId id="256" r:id="rId2"/>
@@ -13,76 +13,75 @@
     <p:sldId id="353" r:id="rId4"/>
     <p:sldId id="257" r:id="rId5"/>
     <p:sldId id="258" r:id="rId6"/>
-    <p:sldId id="261" r:id="rId7"/>
-    <p:sldId id="354" r:id="rId8"/>
-    <p:sldId id="355" r:id="rId9"/>
-    <p:sldId id="356" r:id="rId10"/>
-    <p:sldId id="264" r:id="rId11"/>
-    <p:sldId id="269" r:id="rId12"/>
-    <p:sldId id="270" r:id="rId13"/>
-    <p:sldId id="271" r:id="rId14"/>
-    <p:sldId id="272" r:id="rId15"/>
-    <p:sldId id="273" r:id="rId16"/>
-    <p:sldId id="274" r:id="rId17"/>
-    <p:sldId id="275" r:id="rId18"/>
-    <p:sldId id="348" r:id="rId19"/>
-    <p:sldId id="276" r:id="rId20"/>
-    <p:sldId id="265" r:id="rId21"/>
-    <p:sldId id="277" r:id="rId22"/>
-    <p:sldId id="279" r:id="rId23"/>
-    <p:sldId id="280" r:id="rId24"/>
-    <p:sldId id="282" r:id="rId25"/>
-    <p:sldId id="321" r:id="rId26"/>
-    <p:sldId id="283" r:id="rId27"/>
-    <p:sldId id="288" r:id="rId28"/>
-    <p:sldId id="285" r:id="rId29"/>
-    <p:sldId id="289" r:id="rId30"/>
-    <p:sldId id="284" r:id="rId31"/>
-    <p:sldId id="290" r:id="rId32"/>
-    <p:sldId id="286" r:id="rId33"/>
-    <p:sldId id="291" r:id="rId34"/>
-    <p:sldId id="292" r:id="rId35"/>
-    <p:sldId id="293" r:id="rId36"/>
-    <p:sldId id="294" r:id="rId37"/>
-    <p:sldId id="295" r:id="rId38"/>
-    <p:sldId id="296" r:id="rId39"/>
-    <p:sldId id="297" r:id="rId40"/>
-    <p:sldId id="299" r:id="rId41"/>
-    <p:sldId id="298" r:id="rId42"/>
-    <p:sldId id="304" r:id="rId43"/>
-    <p:sldId id="303" r:id="rId44"/>
-    <p:sldId id="302" r:id="rId45"/>
-    <p:sldId id="305" r:id="rId46"/>
-    <p:sldId id="301" r:id="rId47"/>
-    <p:sldId id="306" r:id="rId48"/>
-    <p:sldId id="307" r:id="rId49"/>
-    <p:sldId id="308" r:id="rId50"/>
-    <p:sldId id="349" r:id="rId51"/>
-    <p:sldId id="350" r:id="rId52"/>
-    <p:sldId id="352" r:id="rId53"/>
-    <p:sldId id="351" r:id="rId54"/>
-    <p:sldId id="309" r:id="rId55"/>
-    <p:sldId id="316" r:id="rId56"/>
-    <p:sldId id="311" r:id="rId57"/>
-    <p:sldId id="312" r:id="rId58"/>
-    <p:sldId id="313" r:id="rId59"/>
-    <p:sldId id="319" r:id="rId60"/>
-    <p:sldId id="317" r:id="rId61"/>
-    <p:sldId id="318" r:id="rId62"/>
-    <p:sldId id="320" r:id="rId63"/>
-    <p:sldId id="326" r:id="rId64"/>
-    <p:sldId id="324" r:id="rId65"/>
-    <p:sldId id="325" r:id="rId66"/>
-    <p:sldId id="327" r:id="rId67"/>
-    <p:sldId id="322" r:id="rId68"/>
-    <p:sldId id="323" r:id="rId69"/>
-    <p:sldId id="328" r:id="rId70"/>
-    <p:sldId id="329" r:id="rId71"/>
-    <p:sldId id="330" r:id="rId72"/>
-    <p:sldId id="331" r:id="rId73"/>
-    <p:sldId id="357" r:id="rId74"/>
-    <p:sldId id="315" r:id="rId75"/>
-    <p:sldId id="266" r:id="rId76"/>
+    <p:sldId id="354" r:id="rId7"/>
+    <p:sldId id="355" r:id="rId8"/>
+    <p:sldId id="356" r:id="rId9"/>
+    <p:sldId id="264" r:id="rId10"/>
+    <p:sldId id="269" r:id="rId11"/>
+    <p:sldId id="270" r:id="rId12"/>
+    <p:sldId id="271" r:id="rId13"/>
+    <p:sldId id="272" r:id="rId14"/>
+    <p:sldId id="273" r:id="rId15"/>
+    <p:sldId id="274" r:id="rId16"/>
+    <p:sldId id="275" r:id="rId17"/>
+    <p:sldId id="348" r:id="rId18"/>
+    <p:sldId id="276" r:id="rId19"/>
+    <p:sldId id="265" r:id="rId20"/>
+    <p:sldId id="277" r:id="rId21"/>
+    <p:sldId id="279" r:id="rId22"/>
+    <p:sldId id="280" r:id="rId23"/>
+    <p:sldId id="282" r:id="rId24"/>
+    <p:sldId id="321" r:id="rId25"/>
+    <p:sldId id="283" r:id="rId26"/>
+    <p:sldId id="288" r:id="rId27"/>
+    <p:sldId id="285" r:id="rId28"/>
+    <p:sldId id="289" r:id="rId29"/>
+    <p:sldId id="284" r:id="rId30"/>
+    <p:sldId id="290" r:id="rId31"/>
+    <p:sldId id="286" r:id="rId32"/>
+    <p:sldId id="291" r:id="rId33"/>
+    <p:sldId id="292" r:id="rId34"/>
+    <p:sldId id="293" r:id="rId35"/>
+    <p:sldId id="294" r:id="rId36"/>
+    <p:sldId id="295" r:id="rId37"/>
+    <p:sldId id="296" r:id="rId38"/>
+    <p:sldId id="297" r:id="rId39"/>
+    <p:sldId id="299" r:id="rId40"/>
+    <p:sldId id="298" r:id="rId41"/>
+    <p:sldId id="304" r:id="rId42"/>
+    <p:sldId id="303" r:id="rId43"/>
+    <p:sldId id="302" r:id="rId44"/>
+    <p:sldId id="305" r:id="rId45"/>
+    <p:sldId id="301" r:id="rId46"/>
+    <p:sldId id="306" r:id="rId47"/>
+    <p:sldId id="307" r:id="rId48"/>
+    <p:sldId id="308" r:id="rId49"/>
+    <p:sldId id="349" r:id="rId50"/>
+    <p:sldId id="350" r:id="rId51"/>
+    <p:sldId id="352" r:id="rId52"/>
+    <p:sldId id="351" r:id="rId53"/>
+    <p:sldId id="309" r:id="rId54"/>
+    <p:sldId id="316" r:id="rId55"/>
+    <p:sldId id="311" r:id="rId56"/>
+    <p:sldId id="312" r:id="rId57"/>
+    <p:sldId id="313" r:id="rId58"/>
+    <p:sldId id="319" r:id="rId59"/>
+    <p:sldId id="317" r:id="rId60"/>
+    <p:sldId id="318" r:id="rId61"/>
+    <p:sldId id="320" r:id="rId62"/>
+    <p:sldId id="326" r:id="rId63"/>
+    <p:sldId id="324" r:id="rId64"/>
+    <p:sldId id="325" r:id="rId65"/>
+    <p:sldId id="327" r:id="rId66"/>
+    <p:sldId id="322" r:id="rId67"/>
+    <p:sldId id="323" r:id="rId68"/>
+    <p:sldId id="328" r:id="rId69"/>
+    <p:sldId id="329" r:id="rId70"/>
+    <p:sldId id="330" r:id="rId71"/>
+    <p:sldId id="331" r:id="rId72"/>
+    <p:sldId id="357" r:id="rId73"/>
+    <p:sldId id="315" r:id="rId74"/>
+    <p:sldId id="266" r:id="rId75"/>
   </p:sldIdLst>
   <p:sldSz cx="12192000" cy="6858000"/>
   <p:notesSz cx="6858000" cy="9144000"/>
@@ -297,7 +296,7 @@
           <a:p>
             <a:fld id="{766F6706-68D4-43E3-BBB5-61B91BFFF605}" type="datetimeFigureOut">
               <a:rPr lang="en-US" smtClean="0"/>
-              <a:t>10/22/2021</a:t>
+              <a:t>10/25/2021</a:t>
             </a:fld>
             <a:endParaRPr lang="en-US"/>
           </a:p>
@@ -719,7 +718,7 @@
           <a:p>
             <a:fld id="{2CD949DD-C26D-4FBF-B5EE-A3E892A3CC0A}" type="slidenum">
               <a:rPr lang="en-US" smtClean="0"/>
-              <a:t>52</a:t>
+              <a:t>51</a:t>
             </a:fld>
             <a:endParaRPr lang="en-US"/>
           </a:p>
@@ -806,7 +805,7 @@
           <a:p>
             <a:fld id="{2CD949DD-C26D-4FBF-B5EE-A3E892A3CC0A}" type="slidenum">
               <a:rPr lang="en-US" smtClean="0"/>
-              <a:t>53</a:t>
+              <a:t>52</a:t>
             </a:fld>
             <a:endParaRPr lang="en-US"/>
           </a:p>
@@ -893,7 +892,7 @@
           <a:p>
             <a:fld id="{2CD949DD-C26D-4FBF-B5EE-A3E892A3CC0A}" type="slidenum">
               <a:rPr lang="en-US" smtClean="0"/>
-              <a:t>12</a:t>
+              <a:t>11</a:t>
             </a:fld>
             <a:endParaRPr lang="en-US"/>
           </a:p>
@@ -980,7 +979,7 @@
           <a:p>
             <a:fld id="{2CD949DD-C26D-4FBF-B5EE-A3E892A3CC0A}" type="slidenum">
               <a:rPr lang="en-US" smtClean="0"/>
-              <a:t>15</a:t>
+              <a:t>14</a:t>
             </a:fld>
             <a:endParaRPr lang="en-US"/>
           </a:p>
@@ -1067,7 +1066,7 @@
           <a:p>
             <a:fld id="{2CD949DD-C26D-4FBF-B5EE-A3E892A3CC0A}" type="slidenum">
               <a:rPr lang="en-US" smtClean="0"/>
-              <a:t>27</a:t>
+              <a:t>26</a:t>
             </a:fld>
             <a:endParaRPr lang="en-US"/>
           </a:p>
@@ -1154,7 +1153,7 @@
           <a:p>
             <a:fld id="{2CD949DD-C26D-4FBF-B5EE-A3E892A3CC0A}" type="slidenum">
               <a:rPr lang="en-US" smtClean="0"/>
-              <a:t>30</a:t>
+              <a:t>29</a:t>
             </a:fld>
             <a:endParaRPr lang="en-US"/>
           </a:p>
@@ -1249,7 +1248,7 @@
           <a:p>
             <a:fld id="{2CD949DD-C26D-4FBF-B5EE-A3E892A3CC0A}" type="slidenum">
               <a:rPr lang="en-US" smtClean="0"/>
-              <a:t>38</a:t>
+              <a:t>37</a:t>
             </a:fld>
             <a:endParaRPr lang="en-US"/>
           </a:p>
@@ -1344,7 +1343,7 @@
           <a:p>
             <a:fld id="{2CD949DD-C26D-4FBF-B5EE-A3E892A3CC0A}" type="slidenum">
               <a:rPr lang="en-US" smtClean="0"/>
-              <a:t>40</a:t>
+              <a:t>39</a:t>
             </a:fld>
             <a:endParaRPr lang="en-US"/>
           </a:p>
@@ -1431,7 +1430,7 @@
           <a:p>
             <a:fld id="{2CD949DD-C26D-4FBF-B5EE-A3E892A3CC0A}" type="slidenum">
               <a:rPr lang="en-US" smtClean="0"/>
-              <a:t>50</a:t>
+              <a:t>49</a:t>
             </a:fld>
             <a:endParaRPr lang="en-US"/>
           </a:p>
@@ -1518,7 +1517,7 @@
           <a:p>
             <a:fld id="{2CD949DD-C26D-4FBF-B5EE-A3E892A3CC0A}" type="slidenum">
               <a:rPr lang="en-US" smtClean="0"/>
-              <a:t>51</a:t>
+              <a:t>50</a:t>
             </a:fld>
             <a:endParaRPr lang="en-US"/>
           </a:p>
@@ -1666,7 +1665,7 @@
           <a:p>
             <a:fld id="{73FE1430-CE5A-4672-87A4-A80896D430D3}" type="datetimeFigureOut">
               <a:rPr lang="en-US" smtClean="0"/>
-              <a:t>10/22/2021</a:t>
+              <a:t>10/25/2021</a:t>
             </a:fld>
             <a:endParaRPr lang="en-US"/>
           </a:p>
@@ -1834,7 +1833,7 @@
           <a:p>
             <a:fld id="{73FE1430-CE5A-4672-87A4-A80896D430D3}" type="datetimeFigureOut">
               <a:rPr lang="en-US" smtClean="0"/>
-              <a:t>10/22/2021</a:t>
+              <a:t>10/25/2021</a:t>
             </a:fld>
             <a:endParaRPr lang="en-US"/>
           </a:p>
@@ -2012,7 +2011,7 @@
           <a:p>
             <a:fld id="{73FE1430-CE5A-4672-87A4-A80896D430D3}" type="datetimeFigureOut">
               <a:rPr lang="en-US" smtClean="0"/>
-              <a:t>10/22/2021</a:t>
+              <a:t>10/25/2021</a:t>
             </a:fld>
             <a:endParaRPr lang="en-US"/>
           </a:p>
@@ -2180,7 +2179,7 @@
           <a:p>
             <a:fld id="{73FE1430-CE5A-4672-87A4-A80896D430D3}" type="datetimeFigureOut">
               <a:rPr lang="en-US" smtClean="0"/>
-              <a:t>10/22/2021</a:t>
+              <a:t>10/25/2021</a:t>
             </a:fld>
             <a:endParaRPr lang="en-US"/>
           </a:p>
@@ -2425,7 +2424,7 @@
           <a:p>
             <a:fld id="{73FE1430-CE5A-4672-87A4-A80896D430D3}" type="datetimeFigureOut">
               <a:rPr lang="en-US" smtClean="0"/>
-              <a:t>10/22/2021</a:t>
+              <a:t>10/25/2021</a:t>
             </a:fld>
             <a:endParaRPr lang="en-US"/>
           </a:p>
@@ -2654,7 +2653,7 @@
           <a:p>
             <a:fld id="{73FE1430-CE5A-4672-87A4-A80896D430D3}" type="datetimeFigureOut">
               <a:rPr lang="en-US" smtClean="0"/>
-              <a:t>10/22/2021</a:t>
+              <a:t>10/25/2021</a:t>
             </a:fld>
             <a:endParaRPr lang="en-US"/>
           </a:p>
@@ -3018,7 +3017,7 @@
           <a:p>
             <a:fld id="{73FE1430-CE5A-4672-87A4-A80896D430D3}" type="datetimeFigureOut">
               <a:rPr lang="en-US" smtClean="0"/>
-              <a:t>10/22/2021</a:t>
+              <a:t>10/25/2021</a:t>
             </a:fld>
             <a:endParaRPr lang="en-US"/>
           </a:p>
@@ -3135,7 +3134,7 @@
           <a:p>
             <a:fld id="{73FE1430-CE5A-4672-87A4-A80896D430D3}" type="datetimeFigureOut">
               <a:rPr lang="en-US" smtClean="0"/>
-              <a:t>10/22/2021</a:t>
+              <a:t>10/25/2021</a:t>
             </a:fld>
             <a:endParaRPr lang="en-US"/>
           </a:p>
@@ -3230,7 +3229,7 @@
           <a:p>
             <a:fld id="{73FE1430-CE5A-4672-87A4-A80896D430D3}" type="datetimeFigureOut">
               <a:rPr lang="en-US" smtClean="0"/>
-              <a:t>10/22/2021</a:t>
+              <a:t>10/25/2021</a:t>
             </a:fld>
             <a:endParaRPr lang="en-US"/>
           </a:p>
@@ -3505,7 +3504,7 @@
           <a:p>
             <a:fld id="{73FE1430-CE5A-4672-87A4-A80896D430D3}" type="datetimeFigureOut">
               <a:rPr lang="en-US" smtClean="0"/>
-              <a:t>10/22/2021</a:t>
+              <a:t>10/25/2021</a:t>
             </a:fld>
             <a:endParaRPr lang="en-US"/>
           </a:p>
@@ -3757,7 +3756,7 @@
           <a:p>
             <a:fld id="{73FE1430-CE5A-4672-87A4-A80896D430D3}" type="datetimeFigureOut">
               <a:rPr lang="en-US" smtClean="0"/>
-              <a:t>10/22/2021</a:t>
+              <a:t>10/25/2021</a:t>
             </a:fld>
             <a:endParaRPr lang="en-US"/>
           </a:p>
@@ -3968,7 +3967,7 @@
           <a:p>
             <a:fld id="{73FE1430-CE5A-4672-87A4-A80896D430D3}" type="datetimeFigureOut">
               <a:rPr lang="en-US" smtClean="0"/>
-              <a:t>10/22/2021</a:t>
+              <a:t>10/25/2021</a:t>
             </a:fld>
             <a:endParaRPr lang="en-US"/>
           </a:p>
@@ -4481,424 +4480,6 @@
             <p:ph type="title"/>
           </p:nvPr>
         </p:nvSpPr>
-        <p:spPr/>
-        <p:txBody>
-          <a:bodyPr/>
-          <a:lstStyle/>
-          <a:p>
-            <a:r>
-              <a:rPr lang="en-US" dirty="0"/>
-              <a:t>Gradient Descent</a:t>
-            </a:r>
-          </a:p>
-        </p:txBody>
-      </p:sp>
-      <mc:AlternateContent xmlns:mc="http://schemas.openxmlformats.org/markup-compatibility/2006">
-        <mc:Choice xmlns:a14="http://schemas.microsoft.com/office/drawing/2010/main" Requires="a14">
-          <p:sp>
-            <p:nvSpPr>
-              <p:cNvPr id="3" name="Content Placeholder 2"/>
-              <p:cNvSpPr>
-                <a:spLocks noGrp="1"/>
-              </p:cNvSpPr>
-              <p:nvPr>
-                <p:ph idx="1"/>
-              </p:nvPr>
-            </p:nvSpPr>
-            <p:spPr>
-              <a:xfrm>
-                <a:off x="838200" y="1825625"/>
-                <a:ext cx="10515600" cy="899646"/>
-              </a:xfrm>
-            </p:spPr>
-            <p:txBody>
-              <a:bodyPr>
-                <a:noAutofit/>
-              </a:bodyPr>
-              <a:lstStyle/>
-              <a:p>
-                <a:pPr marL="0" indent="0">
-                  <a:buNone/>
-                </a:pPr>
-                <a:r>
-                  <a:rPr lang="en-US" sz="2400" dirty="0"/>
-                  <a:t>What we are </a:t>
-                </a:r>
-                <a:r>
-                  <a:rPr lang="en-US" sz="2400" i="1" dirty="0"/>
-                  <a:t>really</a:t>
-                </a:r>
-                <a:r>
-                  <a:rPr lang="en-US" sz="2400" dirty="0"/>
-                  <a:t> after in gradient descent are the gradients of the Loss function with respect to the parameters, </a:t>
-                </a:r>
-                <a14:m>
-                  <m:oMath xmlns:m="http://schemas.openxmlformats.org/officeDocument/2006/math">
-                    <m:sSub>
-                      <m:sSubPr>
-                        <m:ctrlPr>
-                          <a:rPr lang="en-US" sz="2400" b="0" i="1" smtClean="0">
-                            <a:latin typeface="Cambria Math" panose="02040503050406030204" pitchFamily="18" charset="0"/>
-                          </a:rPr>
-                        </m:ctrlPr>
-                      </m:sSubPr>
-                      <m:e>
-                        <m:r>
-                          <a:rPr lang="en-US" sz="2400" b="0" i="1" smtClean="0">
-                            <a:latin typeface="Cambria Math" panose="02040503050406030204" pitchFamily="18" charset="0"/>
-                          </a:rPr>
-                          <m:t>𝐵</m:t>
-                        </m:r>
-                      </m:e>
-                      <m:sub/>
-                    </m:sSub>
-                  </m:oMath>
-                </a14:m>
-                <a:r>
-                  <a:rPr lang="en-US" sz="2400" dirty="0"/>
-                  <a:t> and </a:t>
-                </a:r>
-                <a14:m>
-                  <m:oMath xmlns:m="http://schemas.openxmlformats.org/officeDocument/2006/math">
-                    <m:sSub>
-                      <m:sSubPr>
-                        <m:ctrlPr>
-                          <a:rPr lang="en-US" sz="2400" i="1">
-                            <a:latin typeface="Cambria Math" panose="02040503050406030204" pitchFamily="18" charset="0"/>
-                          </a:rPr>
-                        </m:ctrlPr>
-                      </m:sSubPr>
-                      <m:e>
-                        <m:r>
-                          <a:rPr lang="en-US" sz="2400" i="1">
-                            <a:latin typeface="Cambria Math" panose="02040503050406030204" pitchFamily="18" charset="0"/>
-                          </a:rPr>
-                          <m:t>𝑊</m:t>
-                        </m:r>
-                      </m:e>
-                      <m:sub/>
-                    </m:sSub>
-                  </m:oMath>
-                </a14:m>
-                <a:r>
-                  <a:rPr lang="en-US" sz="2400" dirty="0"/>
-                  <a:t>.</a:t>
-                </a:r>
-              </a:p>
-              <a:p>
-                <a:pPr marL="0" indent="0">
-                  <a:buNone/>
-                </a:pPr>
-                <a:endParaRPr lang="en-US" sz="2400" dirty="0"/>
-              </a:p>
-              <a:p>
-                <a:pPr marL="0" indent="0" algn="ctr">
-                  <a:buNone/>
-                </a:pPr>
-                <a14:m>
-                  <m:oMath xmlns:m="http://schemas.openxmlformats.org/officeDocument/2006/math">
-                    <m:f>
-                      <m:fPr>
-                        <m:ctrlPr>
-                          <a:rPr lang="en-US" sz="3200" b="0" i="1" smtClean="0">
-                            <a:latin typeface="Cambria Math" panose="02040503050406030204" pitchFamily="18" charset="0"/>
-                          </a:rPr>
-                        </m:ctrlPr>
-                      </m:fPr>
-                      <m:num>
-                        <m:r>
-                          <a:rPr lang="en-US" sz="3200" b="0" i="1" smtClean="0">
-                            <a:latin typeface="Cambria Math" panose="02040503050406030204" pitchFamily="18" charset="0"/>
-                          </a:rPr>
-                          <m:t>𝜕</m:t>
-                        </m:r>
-                      </m:num>
-                      <m:den>
-                        <m:r>
-                          <a:rPr lang="en-US" sz="3200" b="0" i="1" smtClean="0">
-                            <a:latin typeface="Cambria Math" panose="02040503050406030204" pitchFamily="18" charset="0"/>
-                          </a:rPr>
-                          <m:t>𝜕</m:t>
-                        </m:r>
-                        <m:r>
-                          <a:rPr lang="en-US" sz="3200" i="1">
-                            <a:latin typeface="Cambria Math" panose="02040503050406030204" pitchFamily="18" charset="0"/>
-                          </a:rPr>
-                          <m:t>𝐵</m:t>
-                        </m:r>
-                      </m:den>
-                    </m:f>
-                    <m:r>
-                      <a:rPr lang="en-US" sz="3200" b="0" i="1" smtClean="0">
-                        <a:latin typeface="Cambria Math" panose="02040503050406030204" pitchFamily="18" charset="0"/>
-                      </a:rPr>
-                      <m:t>𝐿</m:t>
-                    </m:r>
-                    <m:r>
-                      <a:rPr lang="en-US" sz="3200" b="0" i="1" smtClean="0">
-                        <a:latin typeface="Cambria Math" panose="02040503050406030204" pitchFamily="18" charset="0"/>
-                      </a:rPr>
-                      <m:t>(</m:t>
-                    </m:r>
-                    <m:r>
-                      <a:rPr lang="en-US" sz="3200" b="0" i="1" smtClean="0">
-                        <a:latin typeface="Cambria Math" panose="02040503050406030204" pitchFamily="18" charset="0"/>
-                      </a:rPr>
-                      <m:t>𝑌</m:t>
-                    </m:r>
-                    <m:r>
-                      <a:rPr lang="en-US" sz="3200" b="0" i="1" smtClean="0">
-                        <a:latin typeface="Cambria Math" panose="02040503050406030204" pitchFamily="18" charset="0"/>
-                      </a:rPr>
-                      <m:t>, </m:t>
-                    </m:r>
-                    <m:acc>
-                      <m:accPr>
-                        <m:chr m:val="̂"/>
-                        <m:ctrlPr>
-                          <a:rPr lang="en-US" sz="3200" b="0" i="1" smtClean="0">
-                            <a:latin typeface="Cambria Math" panose="02040503050406030204" pitchFamily="18" charset="0"/>
-                          </a:rPr>
-                        </m:ctrlPr>
-                      </m:accPr>
-                      <m:e>
-                        <m:r>
-                          <a:rPr lang="en-US" sz="3200" b="0" i="1" smtClean="0">
-                            <a:latin typeface="Cambria Math" panose="02040503050406030204" pitchFamily="18" charset="0"/>
-                          </a:rPr>
-                          <m:t>𝑌</m:t>
-                        </m:r>
-                      </m:e>
-                    </m:acc>
-                    <m:r>
-                      <a:rPr lang="en-US" sz="3200" b="0" i="1" smtClean="0">
-                        <a:latin typeface="Cambria Math" panose="02040503050406030204" pitchFamily="18" charset="0"/>
-                      </a:rPr>
-                      <m:t>)</m:t>
-                    </m:r>
-                  </m:oMath>
-                </a14:m>
-                <a:r>
-                  <a:rPr lang="en-US" sz="3200" dirty="0"/>
-                  <a:t>   and   </a:t>
-                </a:r>
-                <a14:m>
-                  <m:oMath xmlns:m="http://schemas.openxmlformats.org/officeDocument/2006/math">
-                    <m:f>
-                      <m:fPr>
-                        <m:ctrlPr>
-                          <a:rPr lang="en-US" sz="3200" b="0" i="1" smtClean="0">
-                            <a:latin typeface="Cambria Math" panose="02040503050406030204" pitchFamily="18" charset="0"/>
-                          </a:rPr>
-                        </m:ctrlPr>
-                      </m:fPr>
-                      <m:num>
-                        <m:r>
-                          <a:rPr lang="en-US" sz="3200" b="0" i="1" smtClean="0">
-                            <a:latin typeface="Cambria Math" panose="02040503050406030204" pitchFamily="18" charset="0"/>
-                          </a:rPr>
-                          <m:t>𝜕</m:t>
-                        </m:r>
-                      </m:num>
-                      <m:den>
-                        <m:r>
-                          <a:rPr lang="en-US" sz="3200" b="0" i="1" smtClean="0">
-                            <a:latin typeface="Cambria Math" panose="02040503050406030204" pitchFamily="18" charset="0"/>
-                          </a:rPr>
-                          <m:t>𝜕</m:t>
-                        </m:r>
-                        <m:r>
-                          <a:rPr lang="en-US" sz="3200" i="1">
-                            <a:latin typeface="Cambria Math" panose="02040503050406030204" pitchFamily="18" charset="0"/>
-                          </a:rPr>
-                          <m:t>𝑊</m:t>
-                        </m:r>
-                      </m:den>
-                    </m:f>
-                  </m:oMath>
-                </a14:m>
-                <a:r>
-                  <a:rPr lang="en-US" sz="3200" dirty="0"/>
-                  <a:t> </a:t>
-                </a:r>
-                <a14:m>
-                  <m:oMath xmlns:m="http://schemas.openxmlformats.org/officeDocument/2006/math">
-                    <m:r>
-                      <a:rPr lang="en-US" sz="3200" b="0" i="1" smtClean="0">
-                        <a:latin typeface="Cambria Math" panose="02040503050406030204" pitchFamily="18" charset="0"/>
-                      </a:rPr>
-                      <m:t>𝐿</m:t>
-                    </m:r>
-                    <m:r>
-                      <a:rPr lang="en-US" sz="3200" b="0" i="1" smtClean="0">
-                        <a:latin typeface="Cambria Math" panose="02040503050406030204" pitchFamily="18" charset="0"/>
-                      </a:rPr>
-                      <m:t>(</m:t>
-                    </m:r>
-                    <m:r>
-                      <a:rPr lang="en-US" sz="3200" b="0" i="1" smtClean="0">
-                        <a:latin typeface="Cambria Math" panose="02040503050406030204" pitchFamily="18" charset="0"/>
-                      </a:rPr>
-                      <m:t>𝑌</m:t>
-                    </m:r>
-                    <m:r>
-                      <a:rPr lang="en-US" sz="3200" b="0" i="1" smtClean="0">
-                        <a:latin typeface="Cambria Math" panose="02040503050406030204" pitchFamily="18" charset="0"/>
-                      </a:rPr>
-                      <m:t>, </m:t>
-                    </m:r>
-                    <m:acc>
-                      <m:accPr>
-                        <m:chr m:val="̂"/>
-                        <m:ctrlPr>
-                          <a:rPr lang="en-US" sz="3200" b="0" i="1" smtClean="0">
-                            <a:latin typeface="Cambria Math" panose="02040503050406030204" pitchFamily="18" charset="0"/>
-                          </a:rPr>
-                        </m:ctrlPr>
-                      </m:accPr>
-                      <m:e>
-                        <m:r>
-                          <a:rPr lang="en-US" sz="3200" b="0" i="1" smtClean="0">
-                            <a:latin typeface="Cambria Math" panose="02040503050406030204" pitchFamily="18" charset="0"/>
-                          </a:rPr>
-                          <m:t>𝑌</m:t>
-                        </m:r>
-                      </m:e>
-                    </m:acc>
-                    <m:r>
-                      <a:rPr lang="en-US" sz="3200" b="0" i="1" smtClean="0">
-                        <a:latin typeface="Cambria Math" panose="02040503050406030204" pitchFamily="18" charset="0"/>
-                      </a:rPr>
-                      <m:t>)</m:t>
-                    </m:r>
-                  </m:oMath>
-                </a14:m>
-                <a:endParaRPr lang="en-US" sz="3200" dirty="0"/>
-              </a:p>
-            </p:txBody>
-          </p:sp>
-        </mc:Choice>
-        <mc:Fallback>
-          <p:sp>
-            <p:nvSpPr>
-              <p:cNvPr id="3" name="Content Placeholder 2"/>
-              <p:cNvSpPr>
-                <a:spLocks noGrp="1" noRot="1" noChangeAspect="1" noMove="1" noResize="1" noEditPoints="1" noAdjustHandles="1" noChangeArrowheads="1" noChangeShapeType="1" noTextEdit="1"/>
-              </p:cNvSpPr>
-              <p:nvPr>
-                <p:ph idx="1"/>
-              </p:nvPr>
-            </p:nvSpPr>
-            <p:spPr>
-              <a:xfrm>
-                <a:off x="838200" y="1825625"/>
-                <a:ext cx="10515600" cy="899646"/>
-              </a:xfrm>
-              <a:blipFill>
-                <a:blip r:embed="rId2"/>
-                <a:stretch>
-                  <a:fillRect l="-928" t="-9459" b="-133108"/>
-                </a:stretch>
-              </a:blipFill>
-            </p:spPr>
-            <p:txBody>
-              <a:bodyPr/>
-              <a:lstStyle/>
-              <a:p>
-                <a:r>
-                  <a:rPr lang="en-US">
-                    <a:noFill/>
-                  </a:rPr>
-                  <a:t> </a:t>
-                </a:r>
-              </a:p>
-            </p:txBody>
-          </p:sp>
-        </mc:Fallback>
-      </mc:AlternateContent>
-      <p:sp>
-        <p:nvSpPr>
-          <p:cNvPr id="4" name="TextBox 3"/>
-          <p:cNvSpPr txBox="1"/>
-          <p:nvPr/>
-        </p:nvSpPr>
-        <p:spPr>
-          <a:xfrm>
-            <a:off x="1146629" y="4325257"/>
-            <a:ext cx="9681028" cy="1200329"/>
-          </a:xfrm>
-          <a:prstGeom prst="rect">
-            <a:avLst/>
-          </a:prstGeom>
-          <a:noFill/>
-        </p:spPr>
-        <p:txBody>
-          <a:bodyPr wrap="square" rtlCol="0">
-            <a:spAutoFit/>
-          </a:bodyPr>
-          <a:lstStyle/>
-          <a:p>
-            <a:r>
-              <a:rPr lang="en-US" sz="2400" dirty="0"/>
-              <a:t>We could easily plug and perform symbolic calculus. Instead, we’ll take a different tack and </a:t>
-            </a:r>
-            <a:r>
-              <a:rPr lang="en-US" sz="2400" b="1" dirty="0"/>
-              <a:t>solve empirically</a:t>
-            </a:r>
-            <a:r>
-              <a:rPr lang="en-US" sz="2400" dirty="0"/>
-              <a:t>.</a:t>
-            </a:r>
-          </a:p>
-          <a:p>
-            <a:r>
-              <a:rPr lang="en-US" sz="2400" dirty="0"/>
-              <a:t>Let’s consider an example.</a:t>
-            </a:r>
-          </a:p>
-        </p:txBody>
-      </p:sp>
-    </p:spTree>
-    <p:extLst>
-      <p:ext uri="{BB962C8B-B14F-4D97-AF65-F5344CB8AC3E}">
-        <p14:creationId xmlns:p14="http://schemas.microsoft.com/office/powerpoint/2010/main" val="3222010528"/>
-      </p:ext>
-    </p:extLst>
-  </p:cSld>
-  <p:clrMapOvr>
-    <a:masterClrMapping/>
-  </p:clrMapOvr>
-</p:sld>
-</file>
-
-<file path=ppt/slides/slide11.xml><?xml version="1.0" encoding="utf-8"?>
-<p:sld xmlns:a="http://schemas.openxmlformats.org/drawingml/2006/main" xmlns:r="http://schemas.openxmlformats.org/officeDocument/2006/relationships" xmlns:p="http://schemas.openxmlformats.org/presentationml/2006/main">
-  <p:cSld>
-    <p:spTree>
-      <p:nvGrpSpPr>
-        <p:cNvPr id="1" name=""/>
-        <p:cNvGrpSpPr/>
-        <p:nvPr/>
-      </p:nvGrpSpPr>
-      <p:grpSpPr>
-        <a:xfrm>
-          <a:off x="0" y="0"/>
-          <a:ext cx="0" cy="0"/>
-          <a:chOff x="0" y="0"/>
-          <a:chExt cx="0" cy="0"/>
-        </a:xfrm>
-      </p:grpSpPr>
-      <p:sp>
-        <p:nvSpPr>
-          <p:cNvPr id="2" name="Title 1"/>
-          <p:cNvSpPr>
-            <a:spLocks noGrp="1"/>
-          </p:cNvSpPr>
-          <p:nvPr>
-            <p:ph type="title"/>
-          </p:nvPr>
-        </p:nvSpPr>
         <p:spPr>
           <a:xfrm>
             <a:off x="838200" y="365126"/>
@@ -4971,7 +4552,7 @@
 </p:sld>
 </file>
 
-<file path=ppt/slides/slide12.xml><?xml version="1.0" encoding="utf-8"?>
+<file path=ppt/slides/slide11.xml><?xml version="1.0" encoding="utf-8"?>
 <p:sld xmlns:a="http://schemas.openxmlformats.org/drawingml/2006/main" xmlns:r="http://schemas.openxmlformats.org/officeDocument/2006/relationships" xmlns:p="http://schemas.openxmlformats.org/presentationml/2006/main">
   <p:cSld>
     <p:spTree>
@@ -5347,7 +4928,7 @@
 </p:sld>
 </file>
 
-<file path=ppt/slides/slide13.xml><?xml version="1.0" encoding="utf-8"?>
+<file path=ppt/slides/slide12.xml><?xml version="1.0" encoding="utf-8"?>
 <p:sld xmlns:a="http://schemas.openxmlformats.org/drawingml/2006/main" xmlns:r="http://schemas.openxmlformats.org/officeDocument/2006/relationships" xmlns:p="http://schemas.openxmlformats.org/presentationml/2006/main">
   <p:cSld>
     <p:spTree>
@@ -5391,8 +4972,8 @@
           </a:p>
         </p:txBody>
       </p:sp>
-      <mc:AlternateContent xmlns:mc="http://schemas.openxmlformats.org/markup-compatibility/2006">
-        <mc:Choice xmlns:a14="http://schemas.microsoft.com/office/drawing/2010/main" Requires="a14">
+      <mc:AlternateContent xmlns:mc="http://schemas.openxmlformats.org/markup-compatibility/2006" xmlns:a14="http://schemas.microsoft.com/office/drawing/2010/main">
+        <mc:Choice Requires="a14">
           <p:sp>
             <p:nvSpPr>
               <p:cNvPr id="3" name="Content Placeholder 2"/>
@@ -5526,7 +5107,7 @@
             </p:txBody>
           </p:sp>
         </mc:Choice>
-        <mc:Fallback>
+        <mc:Fallback xmlns="">
           <p:sp>
             <p:nvSpPr>
               <p:cNvPr id="3" name="Content Placeholder 2"/>
@@ -5792,7 +5373,7 @@
 </p:sld>
 </file>
 
-<file path=ppt/slides/slide14.xml><?xml version="1.0" encoding="utf-8"?>
+<file path=ppt/slides/slide13.xml><?xml version="1.0" encoding="utf-8"?>
 <p:sld xmlns:a="http://schemas.openxmlformats.org/drawingml/2006/main" xmlns:r="http://schemas.openxmlformats.org/officeDocument/2006/relationships" xmlns:p="http://schemas.openxmlformats.org/presentationml/2006/main">
   <p:cSld>
     <p:spTree>
@@ -5997,7 +5578,7 @@
 </p:sld>
 </file>
 
-<file path=ppt/slides/slide15.xml><?xml version="1.0" encoding="utf-8"?>
+<file path=ppt/slides/slide14.xml><?xml version="1.0" encoding="utf-8"?>
 <p:sld xmlns:a="http://schemas.openxmlformats.org/drawingml/2006/main" xmlns:r="http://schemas.openxmlformats.org/officeDocument/2006/relationships" xmlns:p="http://schemas.openxmlformats.org/presentationml/2006/main">
   <p:cSld>
     <p:spTree>
@@ -6202,7 +5783,7 @@
 </p:sld>
 </file>
 
-<file path=ppt/slides/slide16.xml><?xml version="1.0" encoding="utf-8"?>
+<file path=ppt/slides/slide15.xml><?xml version="1.0" encoding="utf-8"?>
 <p:sld xmlns:a="http://schemas.openxmlformats.org/drawingml/2006/main" xmlns:r="http://schemas.openxmlformats.org/officeDocument/2006/relationships" xmlns:p="http://schemas.openxmlformats.org/presentationml/2006/main">
   <p:cSld>
     <p:spTree>
@@ -6401,7 +5982,7 @@
 </p:sld>
 </file>
 
-<file path=ppt/slides/slide17.xml><?xml version="1.0" encoding="utf-8"?>
+<file path=ppt/slides/slide16.xml><?xml version="1.0" encoding="utf-8"?>
 <p:sld xmlns:a="http://schemas.openxmlformats.org/drawingml/2006/main" xmlns:r="http://schemas.openxmlformats.org/officeDocument/2006/relationships" xmlns:p="http://schemas.openxmlformats.org/presentationml/2006/main">
   <p:cSld>
     <p:spTree>
@@ -6921,7 +6502,7 @@
 </p:sld>
 </file>
 
-<file path=ppt/slides/slide18.xml><?xml version="1.0" encoding="utf-8"?>
+<file path=ppt/slides/slide17.xml><?xml version="1.0" encoding="utf-8"?>
 <p:sld xmlns:a="http://schemas.openxmlformats.org/drawingml/2006/main" xmlns:r="http://schemas.openxmlformats.org/officeDocument/2006/relationships" xmlns:p="http://schemas.openxmlformats.org/presentationml/2006/main">
   <p:cSld>
     <p:spTree>
@@ -7515,7 +7096,7 @@
 </p:sld>
 </file>
 
-<file path=ppt/slides/slide19.xml><?xml version="1.0" encoding="utf-8"?>
+<file path=ppt/slides/slide18.xml><?xml version="1.0" encoding="utf-8"?>
 <p:sld xmlns:a="http://schemas.openxmlformats.org/drawingml/2006/main" xmlns:r="http://schemas.openxmlformats.org/officeDocument/2006/relationships" xmlns:p="http://schemas.openxmlformats.org/presentationml/2006/main">
   <p:cSld>
     <p:spTree>
@@ -8125,6 +7706,601 @@
     <p:extLst>
       <p:ext uri="{BB962C8B-B14F-4D97-AF65-F5344CB8AC3E}">
         <p14:creationId xmlns:p14="http://schemas.microsoft.com/office/powerpoint/2010/main" val="4227927398"/>
+      </p:ext>
+    </p:extLst>
+  </p:cSld>
+  <p:clrMapOvr>
+    <a:masterClrMapping/>
+  </p:clrMapOvr>
+</p:sld>
+</file>
+
+<file path=ppt/slides/slide19.xml><?xml version="1.0" encoding="utf-8"?>
+<p:sld xmlns:a="http://schemas.openxmlformats.org/drawingml/2006/main" xmlns:r="http://schemas.openxmlformats.org/officeDocument/2006/relationships" xmlns:p="http://schemas.openxmlformats.org/presentationml/2006/main">
+  <p:cSld>
+    <p:spTree>
+      <p:nvGrpSpPr>
+        <p:cNvPr id="1" name=""/>
+        <p:cNvGrpSpPr/>
+        <p:nvPr/>
+      </p:nvGrpSpPr>
+      <p:grpSpPr>
+        <a:xfrm>
+          <a:off x="0" y="0"/>
+          <a:ext cx="0" cy="0"/>
+          <a:chOff x="0" y="0"/>
+          <a:chExt cx="0" cy="0"/>
+        </a:xfrm>
+      </p:grpSpPr>
+      <mc:AlternateContent xmlns:mc="http://schemas.openxmlformats.org/markup-compatibility/2006" xmlns:a14="http://schemas.microsoft.com/office/drawing/2010/main">
+        <mc:Choice Requires="a14">
+          <p:sp>
+            <p:nvSpPr>
+              <p:cNvPr id="3" name="Content Placeholder 2"/>
+              <p:cNvSpPr>
+                <a:spLocks noGrp="1"/>
+              </p:cNvSpPr>
+              <p:nvPr>
+                <p:ph idx="1"/>
+              </p:nvPr>
+            </p:nvSpPr>
+            <p:spPr>
+              <a:xfrm>
+                <a:off x="838200" y="1378857"/>
+                <a:ext cx="10515600" cy="4798106"/>
+              </a:xfrm>
+            </p:spPr>
+            <p:txBody>
+              <a:bodyPr>
+                <a:normAutofit fontScale="92500" lnSpcReduction="20000"/>
+              </a:bodyPr>
+              <a:lstStyle/>
+              <a:p>
+                <a:pPr marL="0" indent="0">
+                  <a:buNone/>
+                </a:pPr>
+                <a:r>
+                  <a:rPr lang="en-US" dirty="0"/>
+                  <a:t>We’ve gone forwards.  Now, we need to go backwards (BACKPROPOGATION!) to get</a:t>
+                </a:r>
+              </a:p>
+              <a:p>
+                <a:pPr marL="0" indent="0" algn="ctr">
+                  <a:buNone/>
+                </a:pPr>
+                <a:r>
+                  <a:rPr lang="en-US" dirty="0"/>
+                  <a:t> </a:t>
+                </a:r>
+                <a14:m>
+                  <m:oMath xmlns:m="http://schemas.openxmlformats.org/officeDocument/2006/math">
+                    <m:f>
+                      <m:fPr>
+                        <m:ctrlPr>
+                          <a:rPr lang="en-US" i="1">
+                            <a:latin typeface="Cambria Math" panose="02040503050406030204" pitchFamily="18" charset="0"/>
+                          </a:rPr>
+                        </m:ctrlPr>
+                      </m:fPr>
+                      <m:num>
+                        <m:r>
+                          <a:rPr lang="en-US" i="1">
+                            <a:latin typeface="Cambria Math" panose="02040503050406030204" pitchFamily="18" charset="0"/>
+                          </a:rPr>
+                          <m:t>𝜕</m:t>
+                        </m:r>
+                      </m:num>
+                      <m:den>
+                        <m:r>
+                          <a:rPr lang="en-US" i="1">
+                            <a:latin typeface="Cambria Math" panose="02040503050406030204" pitchFamily="18" charset="0"/>
+                          </a:rPr>
+                          <m:t>𝜕</m:t>
+                        </m:r>
+                        <m:r>
+                          <a:rPr lang="en-US" i="1">
+                            <a:latin typeface="Cambria Math" panose="02040503050406030204" pitchFamily="18" charset="0"/>
+                          </a:rPr>
+                          <m:t>𝐵</m:t>
+                        </m:r>
+                      </m:den>
+                    </m:f>
+                    <m:r>
+                      <a:rPr lang="en-US" i="1">
+                        <a:latin typeface="Cambria Math" panose="02040503050406030204" pitchFamily="18" charset="0"/>
+                      </a:rPr>
+                      <m:t>𝐿</m:t>
+                    </m:r>
+                    <m:r>
+                      <a:rPr lang="en-US" i="1">
+                        <a:latin typeface="Cambria Math" panose="02040503050406030204" pitchFamily="18" charset="0"/>
+                      </a:rPr>
+                      <m:t>(</m:t>
+                    </m:r>
+                    <m:r>
+                      <a:rPr lang="en-US" i="1">
+                        <a:latin typeface="Cambria Math" panose="02040503050406030204" pitchFamily="18" charset="0"/>
+                      </a:rPr>
+                      <m:t>𝑌</m:t>
+                    </m:r>
+                    <m:r>
+                      <a:rPr lang="en-US" i="1">
+                        <a:latin typeface="Cambria Math" panose="02040503050406030204" pitchFamily="18" charset="0"/>
+                      </a:rPr>
+                      <m:t>, </m:t>
+                    </m:r>
+                    <m:acc>
+                      <m:accPr>
+                        <m:chr m:val="̂"/>
+                        <m:ctrlPr>
+                          <a:rPr lang="en-US" i="1">
+                            <a:latin typeface="Cambria Math" panose="02040503050406030204" pitchFamily="18" charset="0"/>
+                          </a:rPr>
+                        </m:ctrlPr>
+                      </m:accPr>
+                      <m:e>
+                        <m:r>
+                          <a:rPr lang="en-US" i="1">
+                            <a:latin typeface="Cambria Math" panose="02040503050406030204" pitchFamily="18" charset="0"/>
+                          </a:rPr>
+                          <m:t>𝑌</m:t>
+                        </m:r>
+                      </m:e>
+                    </m:acc>
+                    <m:r>
+                      <a:rPr lang="en-US" i="1">
+                        <a:latin typeface="Cambria Math" panose="02040503050406030204" pitchFamily="18" charset="0"/>
+                      </a:rPr>
+                      <m:t>)</m:t>
+                    </m:r>
+                  </m:oMath>
+                </a14:m>
+                <a:r>
+                  <a:rPr lang="en-US" dirty="0"/>
+                  <a:t>   and   </a:t>
+                </a:r>
+                <a14:m>
+                  <m:oMath xmlns:m="http://schemas.openxmlformats.org/officeDocument/2006/math">
+                    <m:f>
+                      <m:fPr>
+                        <m:ctrlPr>
+                          <a:rPr lang="en-US" i="1">
+                            <a:latin typeface="Cambria Math" panose="02040503050406030204" pitchFamily="18" charset="0"/>
+                          </a:rPr>
+                        </m:ctrlPr>
+                      </m:fPr>
+                      <m:num>
+                        <m:r>
+                          <a:rPr lang="en-US" i="1">
+                            <a:latin typeface="Cambria Math" panose="02040503050406030204" pitchFamily="18" charset="0"/>
+                          </a:rPr>
+                          <m:t>𝜕</m:t>
+                        </m:r>
+                      </m:num>
+                      <m:den>
+                        <m:r>
+                          <a:rPr lang="en-US" i="1">
+                            <a:latin typeface="Cambria Math" panose="02040503050406030204" pitchFamily="18" charset="0"/>
+                          </a:rPr>
+                          <m:t>𝜕</m:t>
+                        </m:r>
+                        <m:r>
+                          <a:rPr lang="en-US" i="1">
+                            <a:latin typeface="Cambria Math" panose="02040503050406030204" pitchFamily="18" charset="0"/>
+                          </a:rPr>
+                          <m:t>𝑊</m:t>
+                        </m:r>
+                      </m:den>
+                    </m:f>
+                  </m:oMath>
+                </a14:m>
+                <a:r>
+                  <a:rPr lang="en-US" dirty="0"/>
+                  <a:t> </a:t>
+                </a:r>
+                <a14:m>
+                  <m:oMath xmlns:m="http://schemas.openxmlformats.org/officeDocument/2006/math">
+                    <m:r>
+                      <a:rPr lang="en-US" i="1">
+                        <a:latin typeface="Cambria Math" panose="02040503050406030204" pitchFamily="18" charset="0"/>
+                      </a:rPr>
+                      <m:t>𝐿</m:t>
+                    </m:r>
+                    <m:d>
+                      <m:dPr>
+                        <m:ctrlPr>
+                          <a:rPr lang="en-US" i="1">
+                            <a:latin typeface="Cambria Math" panose="02040503050406030204" pitchFamily="18" charset="0"/>
+                          </a:rPr>
+                        </m:ctrlPr>
+                      </m:dPr>
+                      <m:e>
+                        <m:r>
+                          <a:rPr lang="en-US" i="1">
+                            <a:latin typeface="Cambria Math" panose="02040503050406030204" pitchFamily="18" charset="0"/>
+                          </a:rPr>
+                          <m:t>𝑌</m:t>
+                        </m:r>
+                        <m:r>
+                          <a:rPr lang="en-US" i="1">
+                            <a:latin typeface="Cambria Math" panose="02040503050406030204" pitchFamily="18" charset="0"/>
+                          </a:rPr>
+                          <m:t>, </m:t>
+                        </m:r>
+                        <m:acc>
+                          <m:accPr>
+                            <m:chr m:val="̂"/>
+                            <m:ctrlPr>
+                              <a:rPr lang="en-US" i="1">
+                                <a:latin typeface="Cambria Math" panose="02040503050406030204" pitchFamily="18" charset="0"/>
+                              </a:rPr>
+                            </m:ctrlPr>
+                          </m:accPr>
+                          <m:e>
+                            <m:r>
+                              <a:rPr lang="en-US" i="1">
+                                <a:latin typeface="Cambria Math" panose="02040503050406030204" pitchFamily="18" charset="0"/>
+                              </a:rPr>
+                              <m:t>𝑌</m:t>
+                            </m:r>
+                          </m:e>
+                        </m:acc>
+                      </m:e>
+                    </m:d>
+                  </m:oMath>
+                </a14:m>
+                <a:endParaRPr lang="en-US" dirty="0"/>
+              </a:p>
+              <a:p>
+                <a:pPr marL="0" indent="0">
+                  <a:buNone/>
+                </a:pPr>
+                <a:r>
+                  <a:rPr lang="en-US" dirty="0"/>
+                  <a:t>And perform gradient descent.</a:t>
+                </a:r>
+              </a:p>
+              <a:p>
+                <a:pPr marL="0" indent="0">
+                  <a:buNone/>
+                </a:pPr>
+                <a:endParaRPr lang="en-US" dirty="0"/>
+              </a:p>
+              <a:p>
+                <a:pPr marL="0" indent="0">
+                  <a:buNone/>
+                </a:pPr>
+                <a:r>
+                  <a:rPr lang="en-US" dirty="0"/>
+                  <a:t>Instead of plugging X into with these numbers, let’s think of this as a composition of individual functions:</a:t>
+                </a:r>
+              </a:p>
+              <a:p>
+                <a:r>
+                  <a:rPr lang="en-US" dirty="0"/>
+                  <a:t>f(x, c) = x + c</a:t>
+                </a:r>
+              </a:p>
+              <a:p>
+                <a:r>
+                  <a:rPr lang="en-US" dirty="0"/>
+                  <a:t>g(x, d) = x * d</a:t>
+                </a:r>
+              </a:p>
+              <a:p>
+                <a14:m>
+                  <m:oMath xmlns:m="http://schemas.openxmlformats.org/officeDocument/2006/math">
+                    <m:r>
+                      <a:rPr lang="en-US" i="1">
+                        <a:latin typeface="Cambria Math" panose="02040503050406030204" pitchFamily="18" charset="0"/>
+                      </a:rPr>
+                      <m:t>𝐿</m:t>
+                    </m:r>
+                    <m:r>
+                      <a:rPr lang="en-US" i="1">
+                        <a:latin typeface="Cambria Math" panose="02040503050406030204" pitchFamily="18" charset="0"/>
+                      </a:rPr>
+                      <m:t>(</m:t>
+                    </m:r>
+                    <m:r>
+                      <a:rPr lang="en-US" i="1">
+                        <a:latin typeface="Cambria Math" panose="02040503050406030204" pitchFamily="18" charset="0"/>
+                      </a:rPr>
+                      <m:t>𝑌</m:t>
+                    </m:r>
+                    <m:r>
+                      <a:rPr lang="en-US" i="1">
+                        <a:latin typeface="Cambria Math" panose="02040503050406030204" pitchFamily="18" charset="0"/>
+                      </a:rPr>
+                      <m:t>, </m:t>
+                    </m:r>
+                    <m:acc>
+                      <m:accPr>
+                        <m:chr m:val="̂"/>
+                        <m:ctrlPr>
+                          <a:rPr lang="en-US" i="1">
+                            <a:latin typeface="Cambria Math" panose="02040503050406030204" pitchFamily="18" charset="0"/>
+                          </a:rPr>
+                        </m:ctrlPr>
+                      </m:accPr>
+                      <m:e>
+                        <m:r>
+                          <a:rPr lang="en-US" i="1">
+                            <a:latin typeface="Cambria Math" panose="02040503050406030204" pitchFamily="18" charset="0"/>
+                          </a:rPr>
+                          <m:t>𝑌</m:t>
+                        </m:r>
+                      </m:e>
+                    </m:acc>
+                    <m:r>
+                      <a:rPr lang="en-US" i="1">
+                        <a:latin typeface="Cambria Math" panose="02040503050406030204" pitchFamily="18" charset="0"/>
+                      </a:rPr>
+                      <m:t>)</m:t>
+                    </m:r>
+                  </m:oMath>
+                </a14:m>
+                <a:r>
+                  <a:rPr lang="en-US" dirty="0"/>
+                  <a:t> = </a:t>
+                </a:r>
+                <a14:m>
+                  <m:oMath xmlns:m="http://schemas.openxmlformats.org/officeDocument/2006/math">
+                    <m:sSup>
+                      <m:sSupPr>
+                        <m:ctrlPr>
+                          <a:rPr lang="en-US" i="1">
+                            <a:latin typeface="Cambria Math" panose="02040503050406030204" pitchFamily="18" charset="0"/>
+                          </a:rPr>
+                        </m:ctrlPr>
+                      </m:sSupPr>
+                      <m:e>
+                        <m:d>
+                          <m:dPr>
+                            <m:ctrlPr>
+                              <a:rPr lang="en-US" i="1">
+                                <a:latin typeface="Cambria Math" panose="02040503050406030204" pitchFamily="18" charset="0"/>
+                              </a:rPr>
+                            </m:ctrlPr>
+                          </m:dPr>
+                          <m:e>
+                            <m:acc>
+                              <m:accPr>
+                                <m:chr m:val="̂"/>
+                                <m:ctrlPr>
+                                  <a:rPr lang="en-US" i="1">
+                                    <a:latin typeface="Cambria Math" panose="02040503050406030204" pitchFamily="18" charset="0"/>
+                                  </a:rPr>
+                                </m:ctrlPr>
+                              </m:accPr>
+                              <m:e>
+                                <m:r>
+                                  <a:rPr lang="en-US" i="1">
+                                    <a:latin typeface="Cambria Math" panose="02040503050406030204" pitchFamily="18" charset="0"/>
+                                  </a:rPr>
+                                  <m:t>𝑌</m:t>
+                                </m:r>
+                              </m:e>
+                            </m:acc>
+                            <m:r>
+                              <m:rPr>
+                                <m:nor/>
+                              </m:rPr>
+                              <a:rPr lang="en-US" dirty="0"/>
+                              <m:t> −</m:t>
+                            </m:r>
+                            <m:r>
+                              <a:rPr lang="en-US" i="1">
+                                <a:latin typeface="Cambria Math" panose="02040503050406030204" pitchFamily="18" charset="0"/>
+                              </a:rPr>
+                              <m:t>𝑌</m:t>
+                            </m:r>
+                          </m:e>
+                        </m:d>
+                      </m:e>
+                      <m:sup>
+                        <m:r>
+                          <a:rPr lang="en-US" i="1">
+                            <a:latin typeface="Cambria Math" panose="02040503050406030204" pitchFamily="18" charset="0"/>
+                          </a:rPr>
+                          <m:t>2</m:t>
+                        </m:r>
+                      </m:sup>
+                    </m:sSup>
+                  </m:oMath>
+                </a14:m>
+                <a:endParaRPr lang="en-US" dirty="0"/>
+              </a:p>
+              <a:p>
+                <a:pPr marL="0" indent="0">
+                  <a:buNone/>
+                </a:pPr>
+                <a:r>
+                  <a:rPr lang="en-US" dirty="0"/>
+                  <a:t>That is to say:</a:t>
+                </a:r>
+              </a:p>
+            </p:txBody>
+          </p:sp>
+        </mc:Choice>
+        <mc:Fallback xmlns="">
+          <p:sp>
+            <p:nvSpPr>
+              <p:cNvPr id="3" name="Content Placeholder 2"/>
+              <p:cNvSpPr>
+                <a:spLocks noGrp="1" noRot="1" noChangeAspect="1" noMove="1" noResize="1" noEditPoints="1" noAdjustHandles="1" noChangeArrowheads="1" noChangeShapeType="1" noTextEdit="1"/>
+              </p:cNvSpPr>
+              <p:nvPr>
+                <p:ph idx="1"/>
+              </p:nvPr>
+            </p:nvSpPr>
+            <p:spPr>
+              <a:xfrm>
+                <a:off x="838200" y="1378857"/>
+                <a:ext cx="10515600" cy="4798106"/>
+              </a:xfrm>
+              <a:blipFill>
+                <a:blip r:embed="rId2"/>
+                <a:stretch>
+                  <a:fillRect l="-1043" t="-3177" r="-1623"/>
+                </a:stretch>
+              </a:blipFill>
+            </p:spPr>
+            <p:txBody>
+              <a:bodyPr/>
+              <a:lstStyle/>
+              <a:p>
+                <a:r>
+                  <a:rPr lang="en-US">
+                    <a:noFill/>
+                  </a:rPr>
+                  <a:t> </a:t>
+                </a:r>
+              </a:p>
+            </p:txBody>
+          </p:sp>
+        </mc:Fallback>
+      </mc:AlternateContent>
+      <mc:AlternateContent xmlns:mc="http://schemas.openxmlformats.org/markup-compatibility/2006" xmlns:a14="http://schemas.microsoft.com/office/drawing/2010/main">
+        <mc:Choice Requires="a14">
+          <p:sp>
+            <p:nvSpPr>
+              <p:cNvPr id="4" name="Title 1"/>
+              <p:cNvSpPr>
+                <a:spLocks noGrp="1"/>
+              </p:cNvSpPr>
+              <p:nvPr>
+                <p:ph type="title"/>
+              </p:nvPr>
+            </p:nvSpPr>
+            <p:spPr>
+              <a:xfrm>
+                <a:off x="838200" y="365126"/>
+                <a:ext cx="10515600" cy="1028246"/>
+              </a:xfrm>
+            </p:spPr>
+            <p:txBody>
+              <a:bodyPr>
+                <a:normAutofit fontScale="90000"/>
+              </a:bodyPr>
+              <a:lstStyle/>
+              <a:p>
+                <a:r>
+                  <a:rPr lang="en-US" dirty="0"/>
+                  <a:t>Linear regression example; (x = 2, y = 7), </a:t>
+                </a:r>
+                <a14:m>
+                  <m:oMath xmlns:m="http://schemas.openxmlformats.org/officeDocument/2006/math">
+                    <m:r>
+                      <a:rPr lang="en-US" i="1">
+                        <a:latin typeface="Cambria Math" panose="02040503050406030204" pitchFamily="18" charset="0"/>
+                      </a:rPr>
+                      <m:t>𝐵</m:t>
+                    </m:r>
+                    <m:r>
+                      <a:rPr lang="en-US" i="1">
+                        <a:latin typeface="Cambria Math" panose="02040503050406030204" pitchFamily="18" charset="0"/>
+                      </a:rPr>
+                      <m:t>=2</m:t>
+                    </m:r>
+                  </m:oMath>
+                </a14:m>
+                <a:r>
+                  <a:rPr lang="en-US" dirty="0"/>
+                  <a:t>, and </a:t>
+                </a:r>
+                <a14:m>
+                  <m:oMath xmlns:m="http://schemas.openxmlformats.org/officeDocument/2006/math">
+                    <m:r>
+                      <a:rPr lang="en-US" i="1">
+                        <a:latin typeface="Cambria Math" panose="02040503050406030204" pitchFamily="18" charset="0"/>
+                      </a:rPr>
+                      <m:t>𝑊</m:t>
+                    </m:r>
+                    <m:r>
+                      <a:rPr lang="en-US" i="1">
+                        <a:latin typeface="Cambria Math" panose="02040503050406030204" pitchFamily="18" charset="0"/>
+                      </a:rPr>
+                      <m:t> </m:t>
+                    </m:r>
+                  </m:oMath>
+                </a14:m>
+                <a:r>
+                  <a:rPr lang="en-US" dirty="0"/>
+                  <a:t>= 3, </a:t>
+                </a:r>
+                <a14:m>
+                  <m:oMath xmlns:m="http://schemas.openxmlformats.org/officeDocument/2006/math">
+                    <m:acc>
+                      <m:accPr>
+                        <m:chr m:val="̂"/>
+                        <m:ctrlPr>
+                          <a:rPr lang="en-US" i="1">
+                            <a:latin typeface="Cambria Math" panose="02040503050406030204" pitchFamily="18" charset="0"/>
+                          </a:rPr>
+                        </m:ctrlPr>
+                      </m:accPr>
+                      <m:e>
+                        <m:r>
+                          <a:rPr lang="en-US" i="1">
+                            <a:latin typeface="Cambria Math" panose="02040503050406030204" pitchFamily="18" charset="0"/>
+                          </a:rPr>
+                          <m:t>𝑌</m:t>
+                        </m:r>
+                      </m:e>
+                    </m:acc>
+                  </m:oMath>
+                </a14:m>
+                <a:r>
+                  <a:rPr lang="en-US" dirty="0"/>
+                  <a:t> = 8</a:t>
+                </a:r>
+              </a:p>
+            </p:txBody>
+          </p:sp>
+        </mc:Choice>
+        <mc:Fallback xmlns="">
+          <p:sp>
+            <p:nvSpPr>
+              <p:cNvPr id="4" name="Title 1"/>
+              <p:cNvSpPr>
+                <a:spLocks noGrp="1" noRot="1" noChangeAspect="1" noMove="1" noResize="1" noEditPoints="1" noAdjustHandles="1" noChangeArrowheads="1" noChangeShapeType="1" noTextEdit="1"/>
+              </p:cNvSpPr>
+              <p:nvPr>
+                <p:ph type="title"/>
+              </p:nvPr>
+            </p:nvSpPr>
+            <p:spPr>
+              <a:xfrm>
+                <a:off x="838200" y="365126"/>
+                <a:ext cx="10515600" cy="1028246"/>
+              </a:xfrm>
+              <a:blipFill>
+                <a:blip r:embed="rId3"/>
+                <a:stretch>
+                  <a:fillRect l="-2087" t="-24852" b="-34320"/>
+                </a:stretch>
+              </a:blipFill>
+            </p:spPr>
+            <p:txBody>
+              <a:bodyPr/>
+              <a:lstStyle/>
+              <a:p>
+                <a:r>
+                  <a:rPr lang="en-US">
+                    <a:noFill/>
+                  </a:rPr>
+                  <a:t> </a:t>
+                </a:r>
+              </a:p>
+            </p:txBody>
+          </p:sp>
+        </mc:Fallback>
+      </mc:AlternateContent>
+    </p:spTree>
+    <p:extLst>
+      <p:ext uri="{BB962C8B-B14F-4D97-AF65-F5344CB8AC3E}">
+        <p14:creationId xmlns:p14="http://schemas.microsoft.com/office/powerpoint/2010/main" val="2520546888"/>
       </p:ext>
     </p:extLst>
   </p:cSld>
@@ -8276,601 +8452,6 @@
           <a:chExt cx="0" cy="0"/>
         </a:xfrm>
       </p:grpSpPr>
-      <mc:AlternateContent xmlns:mc="http://schemas.openxmlformats.org/markup-compatibility/2006" xmlns:a14="http://schemas.microsoft.com/office/drawing/2010/main">
-        <mc:Choice Requires="a14">
-          <p:sp>
-            <p:nvSpPr>
-              <p:cNvPr id="3" name="Content Placeholder 2"/>
-              <p:cNvSpPr>
-                <a:spLocks noGrp="1"/>
-              </p:cNvSpPr>
-              <p:nvPr>
-                <p:ph idx="1"/>
-              </p:nvPr>
-            </p:nvSpPr>
-            <p:spPr>
-              <a:xfrm>
-                <a:off x="838200" y="1378857"/>
-                <a:ext cx="10515600" cy="4798106"/>
-              </a:xfrm>
-            </p:spPr>
-            <p:txBody>
-              <a:bodyPr>
-                <a:normAutofit fontScale="92500" lnSpcReduction="10000"/>
-              </a:bodyPr>
-              <a:lstStyle/>
-              <a:p>
-                <a:pPr marL="0" indent="0">
-                  <a:buNone/>
-                </a:pPr>
-                <a:r>
-                  <a:rPr lang="en-US" dirty="0"/>
-                  <a:t>We’ve gone forwards.  Now, we need to go backwards to get</a:t>
-                </a:r>
-              </a:p>
-              <a:p>
-                <a:pPr marL="0" indent="0" algn="ctr">
-                  <a:buNone/>
-                </a:pPr>
-                <a:r>
-                  <a:rPr lang="en-US" dirty="0"/>
-                  <a:t> </a:t>
-                </a:r>
-                <a14:m>
-                  <m:oMath xmlns:m="http://schemas.openxmlformats.org/officeDocument/2006/math">
-                    <m:f>
-                      <m:fPr>
-                        <m:ctrlPr>
-                          <a:rPr lang="en-US" i="1">
-                            <a:latin typeface="Cambria Math" panose="02040503050406030204" pitchFamily="18" charset="0"/>
-                          </a:rPr>
-                        </m:ctrlPr>
-                      </m:fPr>
-                      <m:num>
-                        <m:r>
-                          <a:rPr lang="en-US" i="1">
-                            <a:latin typeface="Cambria Math" panose="02040503050406030204" pitchFamily="18" charset="0"/>
-                          </a:rPr>
-                          <m:t>𝜕</m:t>
-                        </m:r>
-                      </m:num>
-                      <m:den>
-                        <m:r>
-                          <a:rPr lang="en-US" i="1">
-                            <a:latin typeface="Cambria Math" panose="02040503050406030204" pitchFamily="18" charset="0"/>
-                          </a:rPr>
-                          <m:t>𝜕</m:t>
-                        </m:r>
-                        <m:r>
-                          <a:rPr lang="en-US" i="1">
-                            <a:latin typeface="Cambria Math" panose="02040503050406030204" pitchFamily="18" charset="0"/>
-                          </a:rPr>
-                          <m:t>𝐵</m:t>
-                        </m:r>
-                      </m:den>
-                    </m:f>
-                    <m:r>
-                      <a:rPr lang="en-US" i="1">
-                        <a:latin typeface="Cambria Math" panose="02040503050406030204" pitchFamily="18" charset="0"/>
-                      </a:rPr>
-                      <m:t>𝐿</m:t>
-                    </m:r>
-                    <m:r>
-                      <a:rPr lang="en-US" i="1">
-                        <a:latin typeface="Cambria Math" panose="02040503050406030204" pitchFamily="18" charset="0"/>
-                      </a:rPr>
-                      <m:t>(</m:t>
-                    </m:r>
-                    <m:r>
-                      <a:rPr lang="en-US" i="1">
-                        <a:latin typeface="Cambria Math" panose="02040503050406030204" pitchFamily="18" charset="0"/>
-                      </a:rPr>
-                      <m:t>𝑌</m:t>
-                    </m:r>
-                    <m:r>
-                      <a:rPr lang="en-US" i="1">
-                        <a:latin typeface="Cambria Math" panose="02040503050406030204" pitchFamily="18" charset="0"/>
-                      </a:rPr>
-                      <m:t>, </m:t>
-                    </m:r>
-                    <m:acc>
-                      <m:accPr>
-                        <m:chr m:val="̂"/>
-                        <m:ctrlPr>
-                          <a:rPr lang="en-US" i="1">
-                            <a:latin typeface="Cambria Math" panose="02040503050406030204" pitchFamily="18" charset="0"/>
-                          </a:rPr>
-                        </m:ctrlPr>
-                      </m:accPr>
-                      <m:e>
-                        <m:r>
-                          <a:rPr lang="en-US" i="1">
-                            <a:latin typeface="Cambria Math" panose="02040503050406030204" pitchFamily="18" charset="0"/>
-                          </a:rPr>
-                          <m:t>𝑌</m:t>
-                        </m:r>
-                      </m:e>
-                    </m:acc>
-                    <m:r>
-                      <a:rPr lang="en-US" i="1">
-                        <a:latin typeface="Cambria Math" panose="02040503050406030204" pitchFamily="18" charset="0"/>
-                      </a:rPr>
-                      <m:t>)</m:t>
-                    </m:r>
-                  </m:oMath>
-                </a14:m>
-                <a:r>
-                  <a:rPr lang="en-US" dirty="0"/>
-                  <a:t>   and   </a:t>
-                </a:r>
-                <a14:m>
-                  <m:oMath xmlns:m="http://schemas.openxmlformats.org/officeDocument/2006/math">
-                    <m:f>
-                      <m:fPr>
-                        <m:ctrlPr>
-                          <a:rPr lang="en-US" i="1">
-                            <a:latin typeface="Cambria Math" panose="02040503050406030204" pitchFamily="18" charset="0"/>
-                          </a:rPr>
-                        </m:ctrlPr>
-                      </m:fPr>
-                      <m:num>
-                        <m:r>
-                          <a:rPr lang="en-US" i="1">
-                            <a:latin typeface="Cambria Math" panose="02040503050406030204" pitchFamily="18" charset="0"/>
-                          </a:rPr>
-                          <m:t>𝜕</m:t>
-                        </m:r>
-                      </m:num>
-                      <m:den>
-                        <m:r>
-                          <a:rPr lang="en-US" i="1">
-                            <a:latin typeface="Cambria Math" panose="02040503050406030204" pitchFamily="18" charset="0"/>
-                          </a:rPr>
-                          <m:t>𝜕</m:t>
-                        </m:r>
-                        <m:r>
-                          <a:rPr lang="en-US" i="1">
-                            <a:latin typeface="Cambria Math" panose="02040503050406030204" pitchFamily="18" charset="0"/>
-                          </a:rPr>
-                          <m:t>𝑊</m:t>
-                        </m:r>
-                      </m:den>
-                    </m:f>
-                  </m:oMath>
-                </a14:m>
-                <a:r>
-                  <a:rPr lang="en-US" dirty="0"/>
-                  <a:t> </a:t>
-                </a:r>
-                <a14:m>
-                  <m:oMath xmlns:m="http://schemas.openxmlformats.org/officeDocument/2006/math">
-                    <m:r>
-                      <a:rPr lang="en-US" i="1">
-                        <a:latin typeface="Cambria Math" panose="02040503050406030204" pitchFamily="18" charset="0"/>
-                      </a:rPr>
-                      <m:t>𝐿</m:t>
-                    </m:r>
-                    <m:d>
-                      <m:dPr>
-                        <m:ctrlPr>
-                          <a:rPr lang="en-US" i="1">
-                            <a:latin typeface="Cambria Math" panose="02040503050406030204" pitchFamily="18" charset="0"/>
-                          </a:rPr>
-                        </m:ctrlPr>
-                      </m:dPr>
-                      <m:e>
-                        <m:r>
-                          <a:rPr lang="en-US" i="1">
-                            <a:latin typeface="Cambria Math" panose="02040503050406030204" pitchFamily="18" charset="0"/>
-                          </a:rPr>
-                          <m:t>𝑌</m:t>
-                        </m:r>
-                        <m:r>
-                          <a:rPr lang="en-US" i="1">
-                            <a:latin typeface="Cambria Math" panose="02040503050406030204" pitchFamily="18" charset="0"/>
-                          </a:rPr>
-                          <m:t>, </m:t>
-                        </m:r>
-                        <m:acc>
-                          <m:accPr>
-                            <m:chr m:val="̂"/>
-                            <m:ctrlPr>
-                              <a:rPr lang="en-US" i="1">
-                                <a:latin typeface="Cambria Math" panose="02040503050406030204" pitchFamily="18" charset="0"/>
-                              </a:rPr>
-                            </m:ctrlPr>
-                          </m:accPr>
-                          <m:e>
-                            <m:r>
-                              <a:rPr lang="en-US" i="1">
-                                <a:latin typeface="Cambria Math" panose="02040503050406030204" pitchFamily="18" charset="0"/>
-                              </a:rPr>
-                              <m:t>𝑌</m:t>
-                            </m:r>
-                          </m:e>
-                        </m:acc>
-                      </m:e>
-                    </m:d>
-                  </m:oMath>
-                </a14:m>
-                <a:endParaRPr lang="en-US" dirty="0"/>
-              </a:p>
-              <a:p>
-                <a:pPr marL="0" indent="0">
-                  <a:buNone/>
-                </a:pPr>
-                <a:r>
-                  <a:rPr lang="en-US" dirty="0"/>
-                  <a:t>And perform gradient descent.</a:t>
-                </a:r>
-              </a:p>
-              <a:p>
-                <a:pPr marL="0" indent="0">
-                  <a:buNone/>
-                </a:pPr>
-                <a:endParaRPr lang="en-US" dirty="0"/>
-              </a:p>
-              <a:p>
-                <a:pPr marL="0" indent="0">
-                  <a:buNone/>
-                </a:pPr>
-                <a:r>
-                  <a:rPr lang="en-US" dirty="0"/>
-                  <a:t>Instead of plugging X into with these numbers, let’s think of this as a composition of individual functions:</a:t>
-                </a:r>
-              </a:p>
-              <a:p>
-                <a:r>
-                  <a:rPr lang="en-US" dirty="0"/>
-                  <a:t>f(x, c) = x + c</a:t>
-                </a:r>
-              </a:p>
-              <a:p>
-                <a:r>
-                  <a:rPr lang="en-US" dirty="0"/>
-                  <a:t>g(x, d) = x * d</a:t>
-                </a:r>
-              </a:p>
-              <a:p>
-                <a14:m>
-                  <m:oMath xmlns:m="http://schemas.openxmlformats.org/officeDocument/2006/math">
-                    <m:r>
-                      <a:rPr lang="en-US" i="1">
-                        <a:latin typeface="Cambria Math" panose="02040503050406030204" pitchFamily="18" charset="0"/>
-                      </a:rPr>
-                      <m:t>𝐿</m:t>
-                    </m:r>
-                    <m:r>
-                      <a:rPr lang="en-US" i="1">
-                        <a:latin typeface="Cambria Math" panose="02040503050406030204" pitchFamily="18" charset="0"/>
-                      </a:rPr>
-                      <m:t>(</m:t>
-                    </m:r>
-                    <m:r>
-                      <a:rPr lang="en-US" i="1">
-                        <a:latin typeface="Cambria Math" panose="02040503050406030204" pitchFamily="18" charset="0"/>
-                      </a:rPr>
-                      <m:t>𝑌</m:t>
-                    </m:r>
-                    <m:r>
-                      <a:rPr lang="en-US" i="1">
-                        <a:latin typeface="Cambria Math" panose="02040503050406030204" pitchFamily="18" charset="0"/>
-                      </a:rPr>
-                      <m:t>, </m:t>
-                    </m:r>
-                    <m:acc>
-                      <m:accPr>
-                        <m:chr m:val="̂"/>
-                        <m:ctrlPr>
-                          <a:rPr lang="en-US" i="1">
-                            <a:latin typeface="Cambria Math" panose="02040503050406030204" pitchFamily="18" charset="0"/>
-                          </a:rPr>
-                        </m:ctrlPr>
-                      </m:accPr>
-                      <m:e>
-                        <m:r>
-                          <a:rPr lang="en-US" i="1">
-                            <a:latin typeface="Cambria Math" panose="02040503050406030204" pitchFamily="18" charset="0"/>
-                          </a:rPr>
-                          <m:t>𝑌</m:t>
-                        </m:r>
-                      </m:e>
-                    </m:acc>
-                    <m:r>
-                      <a:rPr lang="en-US" i="1">
-                        <a:latin typeface="Cambria Math" panose="02040503050406030204" pitchFamily="18" charset="0"/>
-                      </a:rPr>
-                      <m:t>)</m:t>
-                    </m:r>
-                  </m:oMath>
-                </a14:m>
-                <a:r>
-                  <a:rPr lang="en-US" dirty="0"/>
-                  <a:t> = </a:t>
-                </a:r>
-                <a14:m>
-                  <m:oMath xmlns:m="http://schemas.openxmlformats.org/officeDocument/2006/math">
-                    <m:sSup>
-                      <m:sSupPr>
-                        <m:ctrlPr>
-                          <a:rPr lang="en-US" i="1">
-                            <a:latin typeface="Cambria Math" panose="02040503050406030204" pitchFamily="18" charset="0"/>
-                          </a:rPr>
-                        </m:ctrlPr>
-                      </m:sSupPr>
-                      <m:e>
-                        <m:d>
-                          <m:dPr>
-                            <m:ctrlPr>
-                              <a:rPr lang="en-US" i="1">
-                                <a:latin typeface="Cambria Math" panose="02040503050406030204" pitchFamily="18" charset="0"/>
-                              </a:rPr>
-                            </m:ctrlPr>
-                          </m:dPr>
-                          <m:e>
-                            <m:acc>
-                              <m:accPr>
-                                <m:chr m:val="̂"/>
-                                <m:ctrlPr>
-                                  <a:rPr lang="en-US" i="1">
-                                    <a:latin typeface="Cambria Math" panose="02040503050406030204" pitchFamily="18" charset="0"/>
-                                  </a:rPr>
-                                </m:ctrlPr>
-                              </m:accPr>
-                              <m:e>
-                                <m:r>
-                                  <a:rPr lang="en-US" i="1">
-                                    <a:latin typeface="Cambria Math" panose="02040503050406030204" pitchFamily="18" charset="0"/>
-                                  </a:rPr>
-                                  <m:t>𝑌</m:t>
-                                </m:r>
-                              </m:e>
-                            </m:acc>
-                            <m:r>
-                              <m:rPr>
-                                <m:nor/>
-                              </m:rPr>
-                              <a:rPr lang="en-US" dirty="0"/>
-                              <m:t> −</m:t>
-                            </m:r>
-                            <m:r>
-                              <a:rPr lang="en-US" i="1">
-                                <a:latin typeface="Cambria Math" panose="02040503050406030204" pitchFamily="18" charset="0"/>
-                              </a:rPr>
-                              <m:t>𝑌</m:t>
-                            </m:r>
-                          </m:e>
-                        </m:d>
-                      </m:e>
-                      <m:sup>
-                        <m:r>
-                          <a:rPr lang="en-US" i="1">
-                            <a:latin typeface="Cambria Math" panose="02040503050406030204" pitchFamily="18" charset="0"/>
-                          </a:rPr>
-                          <m:t>2</m:t>
-                        </m:r>
-                      </m:sup>
-                    </m:sSup>
-                  </m:oMath>
-                </a14:m>
-                <a:endParaRPr lang="en-US" dirty="0"/>
-              </a:p>
-              <a:p>
-                <a:pPr marL="0" indent="0">
-                  <a:buNone/>
-                </a:pPr>
-                <a:r>
-                  <a:rPr lang="en-US" dirty="0"/>
-                  <a:t>That is to say:</a:t>
-                </a:r>
-              </a:p>
-            </p:txBody>
-          </p:sp>
-        </mc:Choice>
-        <mc:Fallback xmlns="">
-          <p:sp>
-            <p:nvSpPr>
-              <p:cNvPr id="3" name="Content Placeholder 2"/>
-              <p:cNvSpPr>
-                <a:spLocks noGrp="1" noRot="1" noChangeAspect="1" noMove="1" noResize="1" noEditPoints="1" noAdjustHandles="1" noChangeArrowheads="1" noChangeShapeType="1" noTextEdit="1"/>
-              </p:cNvSpPr>
-              <p:nvPr>
-                <p:ph idx="1"/>
-              </p:nvPr>
-            </p:nvSpPr>
-            <p:spPr>
-              <a:xfrm>
-                <a:off x="838200" y="1378857"/>
-                <a:ext cx="10515600" cy="4798106"/>
-              </a:xfrm>
-              <a:blipFill>
-                <a:blip r:embed="rId2"/>
-                <a:stretch>
-                  <a:fillRect l="-1043" t="-2541"/>
-                </a:stretch>
-              </a:blipFill>
-            </p:spPr>
-            <p:txBody>
-              <a:bodyPr/>
-              <a:lstStyle/>
-              <a:p>
-                <a:r>
-                  <a:rPr lang="en-US">
-                    <a:noFill/>
-                  </a:rPr>
-                  <a:t> </a:t>
-                </a:r>
-              </a:p>
-            </p:txBody>
-          </p:sp>
-        </mc:Fallback>
-      </mc:AlternateContent>
-      <mc:AlternateContent xmlns:mc="http://schemas.openxmlformats.org/markup-compatibility/2006" xmlns:a14="http://schemas.microsoft.com/office/drawing/2010/main">
-        <mc:Choice Requires="a14">
-          <p:sp>
-            <p:nvSpPr>
-              <p:cNvPr id="4" name="Title 1"/>
-              <p:cNvSpPr>
-                <a:spLocks noGrp="1"/>
-              </p:cNvSpPr>
-              <p:nvPr>
-                <p:ph type="title"/>
-              </p:nvPr>
-            </p:nvSpPr>
-            <p:spPr>
-              <a:xfrm>
-                <a:off x="838200" y="365126"/>
-                <a:ext cx="10515600" cy="1028246"/>
-              </a:xfrm>
-            </p:spPr>
-            <p:txBody>
-              <a:bodyPr>
-                <a:normAutofit fontScale="90000"/>
-              </a:bodyPr>
-              <a:lstStyle/>
-              <a:p>
-                <a:r>
-                  <a:rPr lang="en-US" dirty="0"/>
-                  <a:t>Linear regression example; (x = 2, y = 7), </a:t>
-                </a:r>
-                <a14:m>
-                  <m:oMath xmlns:m="http://schemas.openxmlformats.org/officeDocument/2006/math">
-                    <m:r>
-                      <a:rPr lang="en-US" i="1">
-                        <a:latin typeface="Cambria Math" panose="02040503050406030204" pitchFamily="18" charset="0"/>
-                      </a:rPr>
-                      <m:t>𝐵</m:t>
-                    </m:r>
-                    <m:r>
-                      <a:rPr lang="en-US" i="1">
-                        <a:latin typeface="Cambria Math" panose="02040503050406030204" pitchFamily="18" charset="0"/>
-                      </a:rPr>
-                      <m:t>=2</m:t>
-                    </m:r>
-                  </m:oMath>
-                </a14:m>
-                <a:r>
-                  <a:rPr lang="en-US" dirty="0"/>
-                  <a:t>, and </a:t>
-                </a:r>
-                <a14:m>
-                  <m:oMath xmlns:m="http://schemas.openxmlformats.org/officeDocument/2006/math">
-                    <m:r>
-                      <a:rPr lang="en-US" i="1">
-                        <a:latin typeface="Cambria Math" panose="02040503050406030204" pitchFamily="18" charset="0"/>
-                      </a:rPr>
-                      <m:t>𝑊</m:t>
-                    </m:r>
-                    <m:r>
-                      <a:rPr lang="en-US" i="1">
-                        <a:latin typeface="Cambria Math" panose="02040503050406030204" pitchFamily="18" charset="0"/>
-                      </a:rPr>
-                      <m:t> </m:t>
-                    </m:r>
-                  </m:oMath>
-                </a14:m>
-                <a:r>
-                  <a:rPr lang="en-US" dirty="0"/>
-                  <a:t>= 3, </a:t>
-                </a:r>
-                <a14:m>
-                  <m:oMath xmlns:m="http://schemas.openxmlformats.org/officeDocument/2006/math">
-                    <m:acc>
-                      <m:accPr>
-                        <m:chr m:val="̂"/>
-                        <m:ctrlPr>
-                          <a:rPr lang="en-US" i="1">
-                            <a:latin typeface="Cambria Math" panose="02040503050406030204" pitchFamily="18" charset="0"/>
-                          </a:rPr>
-                        </m:ctrlPr>
-                      </m:accPr>
-                      <m:e>
-                        <m:r>
-                          <a:rPr lang="en-US" i="1">
-                            <a:latin typeface="Cambria Math" panose="02040503050406030204" pitchFamily="18" charset="0"/>
-                          </a:rPr>
-                          <m:t>𝑌</m:t>
-                        </m:r>
-                      </m:e>
-                    </m:acc>
-                  </m:oMath>
-                </a14:m>
-                <a:r>
-                  <a:rPr lang="en-US" dirty="0"/>
-                  <a:t> = 8</a:t>
-                </a:r>
-              </a:p>
-            </p:txBody>
-          </p:sp>
-        </mc:Choice>
-        <mc:Fallback xmlns="">
-          <p:sp>
-            <p:nvSpPr>
-              <p:cNvPr id="4" name="Title 1"/>
-              <p:cNvSpPr>
-                <a:spLocks noGrp="1" noRot="1" noChangeAspect="1" noMove="1" noResize="1" noEditPoints="1" noAdjustHandles="1" noChangeArrowheads="1" noChangeShapeType="1" noTextEdit="1"/>
-              </p:cNvSpPr>
-              <p:nvPr>
-                <p:ph type="title"/>
-              </p:nvPr>
-            </p:nvSpPr>
-            <p:spPr>
-              <a:xfrm>
-                <a:off x="838200" y="365126"/>
-                <a:ext cx="10515600" cy="1028246"/>
-              </a:xfrm>
-              <a:blipFill>
-                <a:blip r:embed="rId3"/>
-                <a:stretch>
-                  <a:fillRect l="-2087" t="-24852" b="-34320"/>
-                </a:stretch>
-              </a:blipFill>
-            </p:spPr>
-            <p:txBody>
-              <a:bodyPr/>
-              <a:lstStyle/>
-              <a:p>
-                <a:r>
-                  <a:rPr lang="en-US">
-                    <a:noFill/>
-                  </a:rPr>
-                  <a:t> </a:t>
-                </a:r>
-              </a:p>
-            </p:txBody>
-          </p:sp>
-        </mc:Fallback>
-      </mc:AlternateContent>
-    </p:spTree>
-    <p:extLst>
-      <p:ext uri="{BB962C8B-B14F-4D97-AF65-F5344CB8AC3E}">
-        <p14:creationId xmlns:p14="http://schemas.microsoft.com/office/powerpoint/2010/main" val="2520546888"/>
-      </p:ext>
-    </p:extLst>
-  </p:cSld>
-  <p:clrMapOvr>
-    <a:masterClrMapping/>
-  </p:clrMapOvr>
-</p:sld>
-</file>
-
-<file path=ppt/slides/slide21.xml><?xml version="1.0" encoding="utf-8"?>
-<p:sld xmlns:a="http://schemas.openxmlformats.org/drawingml/2006/main" xmlns:r="http://schemas.openxmlformats.org/officeDocument/2006/relationships" xmlns:p="http://schemas.openxmlformats.org/presentationml/2006/main">
-  <p:cSld>
-    <p:spTree>
-      <p:nvGrpSpPr>
-        <p:cNvPr id="1" name=""/>
-        <p:cNvGrpSpPr/>
-        <p:nvPr/>
-      </p:nvGrpSpPr>
-      <p:grpSpPr>
-        <a:xfrm>
-          <a:off x="0" y="0"/>
-          <a:ext cx="0" cy="0"/>
-          <a:chOff x="0" y="0"/>
-          <a:chExt cx="0" cy="0"/>
-        </a:xfrm>
-      </p:grpSpPr>
       <mc:AlternateContent xmlns:mc="http://schemas.openxmlformats.org/markup-compatibility/2006">
         <mc:Choice xmlns:a14="http://schemas.microsoft.com/office/drawing/2010/main" Requires="a14">
           <p:sp>
@@ -8924,6 +8505,18 @@
                           <a:latin typeface="Cambria Math" panose="02040503050406030204" pitchFamily="18" charset="0"/>
                         </a:rPr>
                         <m:t>( </m:t>
+                      </m:r>
+                      <m:r>
+                        <a:rPr lang="en-US" b="0" i="1" smtClean="0">
+                          <a:latin typeface="Cambria Math" panose="02040503050406030204" pitchFamily="18" charset="0"/>
+                        </a:rPr>
+                        <m:t>𝑌</m:t>
+                      </m:r>
+                      <m:r>
+                        <a:rPr lang="en-US" b="0" i="1" smtClean="0">
+                          <a:latin typeface="Cambria Math" panose="02040503050406030204" pitchFamily="18" charset="0"/>
+                        </a:rPr>
+                        <m:t>,</m:t>
                       </m:r>
                       <m:r>
                         <a:rPr lang="en-US" i="1">
@@ -9056,7 +8649,7 @@
                 </a:pPr>
                 <a:r>
                   <a:rPr lang="en-US" dirty="0"/>
-                  <a:t>This is really busy.  We’re not going to actually use this.  </a:t>
+                  <a:t>This is a mess--we’re not going to actually use this.  </a:t>
                 </a:r>
               </a:p>
               <a:p>
@@ -9081,7 +8674,7 @@
                 </a:r>
                 <a:r>
                   <a:rPr lang="en-US" dirty="0"/>
-                  <a:t>, and break it down into individual functions.</a:t>
+                  <a:t>, and break it down into individual (differentiable) functions, and make use of intermediate values/gradients.</a:t>
                 </a:r>
               </a:p>
               <a:p>
@@ -9137,7 +8730,7 @@
               <a:blipFill>
                 <a:blip r:embed="rId4"/>
                 <a:stretch>
-                  <a:fillRect l="-1217" t="-2033"/>
+                  <a:fillRect l="-1217" t="-2033" b="-1525"/>
                 </a:stretch>
               </a:blipFill>
             </p:spPr>
@@ -9305,7 +8898,7 @@
 </p:sld>
 </file>
 
-<file path=ppt/slides/slide22.xml><?xml version="1.0" encoding="utf-8"?>
+<file path=ppt/slides/slide21.xml><?xml version="1.0" encoding="utf-8"?>
 <p:sld xmlns:a="http://schemas.openxmlformats.org/drawingml/2006/main" xmlns:r="http://schemas.openxmlformats.org/officeDocument/2006/relationships" xmlns:p="http://schemas.openxmlformats.org/presentationml/2006/main">
   <p:cSld>
     <p:spTree>
@@ -9912,7 +9505,7 @@
 </p:sld>
 </file>
 
-<file path=ppt/slides/slide23.xml><?xml version="1.0" encoding="utf-8"?>
+<file path=ppt/slides/slide22.xml><?xml version="1.0" encoding="utf-8"?>
 <p:sld xmlns:a="http://schemas.openxmlformats.org/drawingml/2006/main" xmlns:r="http://schemas.openxmlformats.org/officeDocument/2006/relationships" xmlns:p="http://schemas.openxmlformats.org/presentationml/2006/main">
   <p:cSld>
     <p:spTree>
@@ -10433,7 +10026,7 @@
 </p:sld>
 </file>
 
-<file path=ppt/slides/slide24.xml><?xml version="1.0" encoding="utf-8"?>
+<file path=ppt/slides/slide23.xml><?xml version="1.0" encoding="utf-8"?>
 <p:sld xmlns:a="http://schemas.openxmlformats.org/drawingml/2006/main" xmlns:r="http://schemas.openxmlformats.org/officeDocument/2006/relationships" xmlns:p="http://schemas.openxmlformats.org/presentationml/2006/main">
   <p:cSld>
     <p:spTree>
@@ -11069,7 +10662,7 @@
 </p:sld>
 </file>
 
-<file path=ppt/slides/slide25.xml><?xml version="1.0" encoding="utf-8"?>
+<file path=ppt/slides/slide24.xml><?xml version="1.0" encoding="utf-8"?>
 <p:sld xmlns:a="http://schemas.openxmlformats.org/drawingml/2006/main" xmlns:r="http://schemas.openxmlformats.org/officeDocument/2006/relationships" xmlns:p="http://schemas.openxmlformats.org/presentationml/2006/main">
   <p:cSld>
     <p:spTree>
@@ -11767,7 +11360,7 @@
 </p:sld>
 </file>
 
-<file path=ppt/slides/slide26.xml><?xml version="1.0" encoding="utf-8"?>
+<file path=ppt/slides/slide25.xml><?xml version="1.0" encoding="utf-8"?>
 <p:sld xmlns:a="http://schemas.openxmlformats.org/drawingml/2006/main" xmlns:r="http://schemas.openxmlformats.org/officeDocument/2006/relationships" xmlns:p="http://schemas.openxmlformats.org/presentationml/2006/main">
   <p:cSld>
     <p:spTree>
@@ -12483,7 +12076,7 @@
 </p:sld>
 </file>
 
-<file path=ppt/slides/slide27.xml><?xml version="1.0" encoding="utf-8"?>
+<file path=ppt/slides/slide26.xml><?xml version="1.0" encoding="utf-8"?>
 <p:sld xmlns:a="http://schemas.openxmlformats.org/drawingml/2006/main" xmlns:r="http://schemas.openxmlformats.org/officeDocument/2006/relationships" xmlns:p="http://schemas.openxmlformats.org/presentationml/2006/main">
   <p:cSld>
     <p:spTree>
@@ -12762,7 +12355,7 @@
 </p:sld>
 </file>
 
-<file path=ppt/slides/slide28.xml><?xml version="1.0" encoding="utf-8"?>
+<file path=ppt/slides/slide27.xml><?xml version="1.0" encoding="utf-8"?>
 <p:sld xmlns:a="http://schemas.openxmlformats.org/drawingml/2006/main" xmlns:r="http://schemas.openxmlformats.org/officeDocument/2006/relationships" xmlns:p="http://schemas.openxmlformats.org/presentationml/2006/main">
   <p:cSld>
     <p:spTree>
@@ -13006,8 +12599,8 @@
           </a:p>
         </p:txBody>
       </p:sp>
-      <mc:AlternateContent xmlns:mc="http://schemas.openxmlformats.org/markup-compatibility/2006">
-        <mc:Choice xmlns:a14="http://schemas.microsoft.com/office/drawing/2010/main" Requires="a14">
+      <mc:AlternateContent xmlns:mc="http://schemas.openxmlformats.org/markup-compatibility/2006" xmlns:a14="http://schemas.microsoft.com/office/drawing/2010/main">
+        <mc:Choice Requires="a14">
           <p:sp>
             <p:nvSpPr>
               <p:cNvPr id="6" name="TextBox 5"/>
@@ -13143,7 +12736,7 @@
             </p:txBody>
           </p:sp>
         </mc:Choice>
-        <mc:Fallback>
+        <mc:Fallback xmlns="">
           <p:sp>
             <p:nvSpPr>
               <p:cNvPr id="6" name="TextBox 5"/>
@@ -13195,7 +12788,7 @@
 </p:sld>
 </file>
 
-<file path=ppt/slides/slide29.xml><?xml version="1.0" encoding="utf-8"?>
+<file path=ppt/slides/slide28.xml><?xml version="1.0" encoding="utf-8"?>
 <p:sld xmlns:a="http://schemas.openxmlformats.org/drawingml/2006/main" xmlns:r="http://schemas.openxmlformats.org/officeDocument/2006/relationships" xmlns:p="http://schemas.openxmlformats.org/presentationml/2006/main">
   <p:cSld>
     <p:spTree>
@@ -13648,6 +13241,480 @@
 </p:sld>
 </file>
 
+<file path=ppt/slides/slide29.xml><?xml version="1.0" encoding="utf-8"?>
+<p:sld xmlns:a="http://schemas.openxmlformats.org/drawingml/2006/main" xmlns:r="http://schemas.openxmlformats.org/officeDocument/2006/relationships" xmlns:p="http://schemas.openxmlformats.org/presentationml/2006/main">
+  <p:cSld>
+    <p:spTree>
+      <p:nvGrpSpPr>
+        <p:cNvPr id="1" name=""/>
+        <p:cNvGrpSpPr/>
+        <p:nvPr/>
+      </p:nvGrpSpPr>
+      <p:grpSpPr>
+        <a:xfrm>
+          <a:off x="0" y="0"/>
+          <a:ext cx="0" cy="0"/>
+          <a:chOff x="0" y="0"/>
+          <a:chExt cx="0" cy="0"/>
+        </a:xfrm>
+      </p:grpSpPr>
+      <p:sp>
+        <p:nvSpPr>
+          <p:cNvPr id="3" name="Content Placeholder 2"/>
+          <p:cNvSpPr>
+            <a:spLocks noGrp="1"/>
+          </p:cNvSpPr>
+          <p:nvPr>
+            <p:ph idx="1"/>
+          </p:nvPr>
+        </p:nvSpPr>
+        <p:spPr>
+          <a:xfrm>
+            <a:off x="838200" y="1378857"/>
+            <a:ext cx="10515600" cy="4798106"/>
+          </a:xfrm>
+        </p:spPr>
+        <p:txBody>
+          <a:bodyPr>
+            <a:normAutofit/>
+          </a:bodyPr>
+          <a:lstStyle/>
+          <a:p>
+            <a:pPr marL="0" indent="0" algn="ctr">
+              <a:buNone/>
+            </a:pPr>
+            <a:endParaRPr lang="en-US" b="0" dirty="0"/>
+          </a:p>
+          <a:p>
+            <a:pPr marL="0" indent="0">
+              <a:buNone/>
+            </a:pPr>
+            <a:endParaRPr lang="en-US" b="0" dirty="0"/>
+          </a:p>
+        </p:txBody>
+      </p:sp>
+      <mc:AlternateContent xmlns:mc="http://schemas.openxmlformats.org/markup-compatibility/2006" xmlns:a14="http://schemas.microsoft.com/office/drawing/2010/main">
+        <mc:Choice Requires="a14">
+          <p:sp>
+            <p:nvSpPr>
+              <p:cNvPr id="4" name="Title 1"/>
+              <p:cNvSpPr>
+                <a:spLocks noGrp="1"/>
+              </p:cNvSpPr>
+              <p:nvPr>
+                <p:ph type="title"/>
+              </p:nvPr>
+            </p:nvSpPr>
+            <p:spPr>
+              <a:xfrm>
+                <a:off x="838200" y="365126"/>
+                <a:ext cx="10515600" cy="1028246"/>
+              </a:xfrm>
+            </p:spPr>
+            <p:txBody>
+              <a:bodyPr>
+                <a:normAutofit fontScale="90000"/>
+              </a:bodyPr>
+              <a:lstStyle/>
+              <a:p>
+                <a:r>
+                  <a:rPr lang="en-US" dirty="0"/>
+                  <a:t>Linear regression example; (x = 2, y = 7), </a:t>
+                </a:r>
+                <a14:m>
+                  <m:oMath xmlns:m="http://schemas.openxmlformats.org/officeDocument/2006/math">
+                    <m:r>
+                      <a:rPr lang="en-US" i="1">
+                        <a:latin typeface="Cambria Math" panose="02040503050406030204" pitchFamily="18" charset="0"/>
+                      </a:rPr>
+                      <m:t>𝐵</m:t>
+                    </m:r>
+                    <m:r>
+                      <a:rPr lang="en-US" i="1">
+                        <a:latin typeface="Cambria Math" panose="02040503050406030204" pitchFamily="18" charset="0"/>
+                      </a:rPr>
+                      <m:t>=2</m:t>
+                    </m:r>
+                  </m:oMath>
+                </a14:m>
+                <a:r>
+                  <a:rPr lang="en-US" dirty="0"/>
+                  <a:t>, and </a:t>
+                </a:r>
+                <a14:m>
+                  <m:oMath xmlns:m="http://schemas.openxmlformats.org/officeDocument/2006/math">
+                    <m:r>
+                      <a:rPr lang="en-US" i="1">
+                        <a:latin typeface="Cambria Math" panose="02040503050406030204" pitchFamily="18" charset="0"/>
+                      </a:rPr>
+                      <m:t>𝑊</m:t>
+                    </m:r>
+                    <m:r>
+                      <a:rPr lang="en-US" i="1">
+                        <a:latin typeface="Cambria Math" panose="02040503050406030204" pitchFamily="18" charset="0"/>
+                      </a:rPr>
+                      <m:t> </m:t>
+                    </m:r>
+                  </m:oMath>
+                </a14:m>
+                <a:r>
+                  <a:rPr lang="en-US" dirty="0"/>
+                  <a:t>= 3, </a:t>
+                </a:r>
+                <a14:m>
+                  <m:oMath xmlns:m="http://schemas.openxmlformats.org/officeDocument/2006/math">
+                    <m:acc>
+                      <m:accPr>
+                        <m:chr m:val="̂"/>
+                        <m:ctrlPr>
+                          <a:rPr lang="en-US" i="1">
+                            <a:latin typeface="Cambria Math" panose="02040503050406030204" pitchFamily="18" charset="0"/>
+                          </a:rPr>
+                        </m:ctrlPr>
+                      </m:accPr>
+                      <m:e>
+                        <m:r>
+                          <a:rPr lang="en-US" i="1">
+                            <a:latin typeface="Cambria Math" panose="02040503050406030204" pitchFamily="18" charset="0"/>
+                          </a:rPr>
+                          <m:t>𝑌</m:t>
+                        </m:r>
+                      </m:e>
+                    </m:acc>
+                  </m:oMath>
+                </a14:m>
+                <a:r>
+                  <a:rPr lang="en-US" dirty="0"/>
+                  <a:t> = 8</a:t>
+                </a:r>
+              </a:p>
+            </p:txBody>
+          </p:sp>
+        </mc:Choice>
+        <mc:Fallback xmlns="">
+          <p:sp>
+            <p:nvSpPr>
+              <p:cNvPr id="4" name="Title 1"/>
+              <p:cNvSpPr>
+                <a:spLocks noGrp="1" noRot="1" noChangeAspect="1" noMove="1" noResize="1" noEditPoints="1" noAdjustHandles="1" noChangeArrowheads="1" noChangeShapeType="1" noTextEdit="1"/>
+              </p:cNvSpPr>
+              <p:nvPr>
+                <p:ph type="title"/>
+              </p:nvPr>
+            </p:nvSpPr>
+            <p:spPr>
+              <a:xfrm>
+                <a:off x="838200" y="365126"/>
+                <a:ext cx="10515600" cy="1028246"/>
+              </a:xfrm>
+              <a:blipFill>
+                <a:blip r:embed="rId3"/>
+                <a:stretch>
+                  <a:fillRect l="-2087" t="-24852" b="-34320"/>
+                </a:stretch>
+              </a:blipFill>
+            </p:spPr>
+            <p:txBody>
+              <a:bodyPr/>
+              <a:lstStyle/>
+              <a:p>
+                <a:r>
+                  <a:rPr lang="en-US">
+                    <a:noFill/>
+                  </a:rPr>
+                  <a:t> </a:t>
+                </a:r>
+              </a:p>
+            </p:txBody>
+          </p:sp>
+        </mc:Fallback>
+      </mc:AlternateContent>
+      <p:pic>
+        <p:nvPicPr>
+          <p:cNvPr id="2" name="Picture 1"/>
+          <p:cNvPicPr>
+            <a:picLocks noChangeAspect="1"/>
+          </p:cNvPicPr>
+          <p:nvPr/>
+        </p:nvPicPr>
+        <p:blipFill>
+          <a:blip r:embed="rId4">
+            <a:extLst>
+              <a:ext uri="{28A0092B-C50C-407E-A947-70E740481C1C}">
+                <a14:useLocalDpi xmlns:a14="http://schemas.microsoft.com/office/drawing/2010/main" val="0"/>
+              </a:ext>
+            </a:extLst>
+          </a:blip>
+          <a:stretch>
+            <a:fillRect/>
+          </a:stretch>
+        </p:blipFill>
+        <p:spPr>
+          <a:xfrm>
+            <a:off x="1938930" y="1923919"/>
+            <a:ext cx="8314140" cy="3010161"/>
+          </a:xfrm>
+          <a:prstGeom prst="rect">
+            <a:avLst/>
+          </a:prstGeom>
+        </p:spPr>
+      </p:pic>
+      <p:sp>
+        <p:nvSpPr>
+          <p:cNvPr id="5" name="TextBox 4"/>
+          <p:cNvSpPr txBox="1"/>
+          <p:nvPr/>
+        </p:nvSpPr>
+        <p:spPr>
+          <a:xfrm>
+            <a:off x="1712686" y="5167086"/>
+            <a:ext cx="8540384" cy="754743"/>
+          </a:xfrm>
+          <a:prstGeom prst="rect">
+            <a:avLst/>
+          </a:prstGeom>
+          <a:noFill/>
+        </p:spPr>
+        <p:txBody>
+          <a:bodyPr wrap="square" rtlCol="0">
+            <a:spAutoFit/>
+          </a:bodyPr>
+          <a:lstStyle/>
+          <a:p>
+            <a:endParaRPr lang="en-US"/>
+          </a:p>
+        </p:txBody>
+      </p:sp>
+      <mc:AlternateContent xmlns:mc="http://schemas.openxmlformats.org/markup-compatibility/2006" xmlns:a14="http://schemas.microsoft.com/office/drawing/2010/main">
+        <mc:Choice Requires="a14">
+          <p:sp>
+            <p:nvSpPr>
+              <p:cNvPr id="6" name="TextBox 5"/>
+              <p:cNvSpPr txBox="1"/>
+              <p:nvPr/>
+            </p:nvSpPr>
+            <p:spPr>
+              <a:xfrm>
+                <a:off x="1712686" y="5167086"/>
+                <a:ext cx="9231085" cy="499560"/>
+              </a:xfrm>
+              <a:prstGeom prst="rect">
+                <a:avLst/>
+              </a:prstGeom>
+              <a:noFill/>
+            </p:spPr>
+            <p:txBody>
+              <a:bodyPr wrap="square" rtlCol="0">
+                <a:spAutoFit/>
+              </a:bodyPr>
+              <a:lstStyle/>
+              <a:p>
+                <a:r>
+                  <a:rPr lang="en-US" dirty="0"/>
+                  <a:t>What does the Chain Rule say </a:t>
+                </a:r>
+                <a14:m>
+                  <m:oMath xmlns:m="http://schemas.openxmlformats.org/officeDocument/2006/math">
+                    <m:f>
+                      <m:fPr>
+                        <m:ctrlPr>
+                          <a:rPr lang="en-US" i="1" smtClean="0">
+                            <a:latin typeface="Cambria Math" panose="02040503050406030204" pitchFamily="18" charset="0"/>
+                          </a:rPr>
+                        </m:ctrlPr>
+                      </m:fPr>
+                      <m:num>
+                        <m:r>
+                          <a:rPr lang="en-US" i="1" smtClean="0">
+                            <a:latin typeface="Cambria Math" panose="02040503050406030204" pitchFamily="18" charset="0"/>
+                            <a:ea typeface="Cambria Math" panose="02040503050406030204" pitchFamily="18" charset="0"/>
+                          </a:rPr>
+                          <m:t>𝛿</m:t>
+                        </m:r>
+                        <m:r>
+                          <a:rPr lang="en-US" b="0" i="1" smtClean="0">
+                            <a:latin typeface="Cambria Math" panose="02040503050406030204" pitchFamily="18" charset="0"/>
+                            <a:ea typeface="Cambria Math" panose="02040503050406030204" pitchFamily="18" charset="0"/>
+                          </a:rPr>
+                          <m:t>𝐿𝑜𝑠𝑠</m:t>
+                        </m:r>
+                      </m:num>
+                      <m:den>
+                        <m:r>
+                          <a:rPr lang="en-US" i="1" smtClean="0">
+                            <a:latin typeface="Cambria Math" panose="02040503050406030204" pitchFamily="18" charset="0"/>
+                            <a:ea typeface="Cambria Math" panose="02040503050406030204" pitchFamily="18" charset="0"/>
+                          </a:rPr>
+                          <m:t>𝛿</m:t>
+                        </m:r>
+                        <m:r>
+                          <a:rPr lang="en-US" b="0" i="1" smtClean="0">
+                            <a:latin typeface="Cambria Math" panose="02040503050406030204" pitchFamily="18" charset="0"/>
+                            <a:ea typeface="Cambria Math" panose="02040503050406030204" pitchFamily="18" charset="0"/>
+                          </a:rPr>
+                          <m:t>𝐵</m:t>
+                        </m:r>
+                      </m:den>
+                    </m:f>
+                  </m:oMath>
+                </a14:m>
+                <a:r>
+                  <a:rPr lang="en-US" dirty="0"/>
+                  <a:t> and </a:t>
+                </a:r>
+                <a14:m>
+                  <m:oMath xmlns:m="http://schemas.openxmlformats.org/officeDocument/2006/math">
+                    <m:f>
+                      <m:fPr>
+                        <m:ctrlPr>
+                          <a:rPr lang="en-US" i="1">
+                            <a:latin typeface="Cambria Math" panose="02040503050406030204" pitchFamily="18" charset="0"/>
+                          </a:rPr>
+                        </m:ctrlPr>
+                      </m:fPr>
+                      <m:num>
+                        <m:r>
+                          <a:rPr lang="en-US" i="1">
+                            <a:latin typeface="Cambria Math" panose="02040503050406030204" pitchFamily="18" charset="0"/>
+                            <a:ea typeface="Cambria Math" panose="02040503050406030204" pitchFamily="18" charset="0"/>
+                          </a:rPr>
+                          <m:t>𝛿</m:t>
+                        </m:r>
+                        <m:r>
+                          <a:rPr lang="en-US" i="1">
+                            <a:latin typeface="Cambria Math" panose="02040503050406030204" pitchFamily="18" charset="0"/>
+                            <a:ea typeface="Cambria Math" panose="02040503050406030204" pitchFamily="18" charset="0"/>
+                          </a:rPr>
+                          <m:t>𝐿𝑜𝑠𝑠</m:t>
+                        </m:r>
+                      </m:num>
+                      <m:den>
+                        <m:r>
+                          <a:rPr lang="en-US" i="1">
+                            <a:latin typeface="Cambria Math" panose="02040503050406030204" pitchFamily="18" charset="0"/>
+                            <a:ea typeface="Cambria Math" panose="02040503050406030204" pitchFamily="18" charset="0"/>
+                          </a:rPr>
+                          <m:t>𝛿</m:t>
+                        </m:r>
+                        <m:r>
+                          <a:rPr lang="en-US" b="0" i="1" smtClean="0">
+                            <a:latin typeface="Cambria Math" panose="02040503050406030204" pitchFamily="18" charset="0"/>
+                            <a:ea typeface="Cambria Math" panose="02040503050406030204" pitchFamily="18" charset="0"/>
+                          </a:rPr>
+                          <m:t>𝑎</m:t>
+                        </m:r>
+                        <m:r>
+                          <a:rPr lang="en-US" b="0" i="1" smtClean="0">
+                            <a:latin typeface="Cambria Math" panose="02040503050406030204" pitchFamily="18" charset="0"/>
+                            <a:ea typeface="Cambria Math" panose="02040503050406030204" pitchFamily="18" charset="0"/>
+                          </a:rPr>
+                          <m:t>1</m:t>
+                        </m:r>
+                      </m:den>
+                    </m:f>
+                  </m:oMath>
+                </a14:m>
+                <a:r>
+                  <a:rPr lang="en-US" dirty="0"/>
+                  <a:t>?</a:t>
+                </a:r>
+              </a:p>
+            </p:txBody>
+          </p:sp>
+        </mc:Choice>
+        <mc:Fallback xmlns="">
+          <p:sp>
+            <p:nvSpPr>
+              <p:cNvPr id="6" name="TextBox 5"/>
+              <p:cNvSpPr txBox="1">
+                <a:spLocks noRot="1" noChangeAspect="1" noMove="1" noResize="1" noEditPoints="1" noAdjustHandles="1" noChangeArrowheads="1" noChangeShapeType="1" noTextEdit="1"/>
+              </p:cNvSpPr>
+              <p:nvPr/>
+            </p:nvSpPr>
+            <p:spPr>
+              <a:xfrm>
+                <a:off x="1712686" y="5167086"/>
+                <a:ext cx="9231085" cy="499560"/>
+              </a:xfrm>
+              <a:prstGeom prst="rect">
+                <a:avLst/>
+              </a:prstGeom>
+              <a:blipFill rotWithShape="0">
+                <a:blip r:embed="rId5"/>
+                <a:stretch>
+                  <a:fillRect l="-594" b="-7317"/>
+                </a:stretch>
+              </a:blipFill>
+            </p:spPr>
+            <p:txBody>
+              <a:bodyPr/>
+              <a:lstStyle/>
+              <a:p>
+                <a:r>
+                  <a:rPr lang="en-US">
+                    <a:noFill/>
+                  </a:rPr>
+                  <a:t> </a:t>
+                </a:r>
+              </a:p>
+            </p:txBody>
+          </p:sp>
+        </mc:Fallback>
+      </mc:AlternateContent>
+      <p:sp>
+        <p:nvSpPr>
+          <p:cNvPr id="7" name="TextBox 6">
+            <a:extLst>
+              <a:ext uri="{FF2B5EF4-FFF2-40B4-BE49-F238E27FC236}">
+                <a16:creationId xmlns:a16="http://schemas.microsoft.com/office/drawing/2014/main" id="{AE45B483-706B-4C6E-82BB-B89605C2901D}"/>
+              </a:ext>
+            </a:extLst>
+          </p:cNvPr>
+          <p:cNvSpPr txBox="1"/>
+          <p:nvPr/>
+        </p:nvSpPr>
+        <p:spPr>
+          <a:xfrm>
+            <a:off x="6742176" y="4632960"/>
+            <a:ext cx="1426464" cy="646331"/>
+          </a:xfrm>
+          <a:prstGeom prst="rect">
+            <a:avLst/>
+          </a:prstGeom>
+          <a:noFill/>
+        </p:spPr>
+        <p:txBody>
+          <a:bodyPr wrap="square" rtlCol="0">
+            <a:spAutoFit/>
+          </a:bodyPr>
+          <a:lstStyle/>
+          <a:p>
+            <a:r>
+              <a:rPr lang="en-US" dirty="0"/>
+              <a:t>f(x, c) = x + c</a:t>
+            </a:r>
+          </a:p>
+          <a:p>
+            <a:r>
+              <a:rPr lang="en-US" dirty="0"/>
+              <a:t>f(a1,B)</a:t>
+            </a:r>
+          </a:p>
+        </p:txBody>
+      </p:sp>
+    </p:spTree>
+    <p:extLst>
+      <p:ext uri="{BB962C8B-B14F-4D97-AF65-F5344CB8AC3E}">
+        <p14:creationId xmlns:p14="http://schemas.microsoft.com/office/powerpoint/2010/main" val="1082541119"/>
+      </p:ext>
+    </p:extLst>
+  </p:cSld>
+  <p:clrMapOvr>
+    <a:masterClrMapping/>
+  </p:clrMapOvr>
+</p:sld>
+</file>
+
 <file path=ppt/slides/slide3.xml><?xml version="1.0" encoding="utf-8"?>
 <p:sld xmlns:a="http://schemas.openxmlformats.org/drawingml/2006/main" xmlns:r="http://schemas.openxmlformats.org/officeDocument/2006/relationships" xmlns:p="http://schemas.openxmlformats.org/presentationml/2006/main">
   <p:cSld>
@@ -13766,480 +13833,6 @@
           <a:chExt cx="0" cy="0"/>
         </a:xfrm>
       </p:grpSpPr>
-      <p:sp>
-        <p:nvSpPr>
-          <p:cNvPr id="3" name="Content Placeholder 2"/>
-          <p:cNvSpPr>
-            <a:spLocks noGrp="1"/>
-          </p:cNvSpPr>
-          <p:nvPr>
-            <p:ph idx="1"/>
-          </p:nvPr>
-        </p:nvSpPr>
-        <p:spPr>
-          <a:xfrm>
-            <a:off x="838200" y="1378857"/>
-            <a:ext cx="10515600" cy="4798106"/>
-          </a:xfrm>
-        </p:spPr>
-        <p:txBody>
-          <a:bodyPr>
-            <a:normAutofit/>
-          </a:bodyPr>
-          <a:lstStyle/>
-          <a:p>
-            <a:pPr marL="0" indent="0" algn="ctr">
-              <a:buNone/>
-            </a:pPr>
-            <a:endParaRPr lang="en-US" b="0" dirty="0"/>
-          </a:p>
-          <a:p>
-            <a:pPr marL="0" indent="0">
-              <a:buNone/>
-            </a:pPr>
-            <a:endParaRPr lang="en-US" b="0" dirty="0"/>
-          </a:p>
-        </p:txBody>
-      </p:sp>
-      <mc:AlternateContent xmlns:mc="http://schemas.openxmlformats.org/markup-compatibility/2006" xmlns:a14="http://schemas.microsoft.com/office/drawing/2010/main">
-        <mc:Choice Requires="a14">
-          <p:sp>
-            <p:nvSpPr>
-              <p:cNvPr id="4" name="Title 1"/>
-              <p:cNvSpPr>
-                <a:spLocks noGrp="1"/>
-              </p:cNvSpPr>
-              <p:nvPr>
-                <p:ph type="title"/>
-              </p:nvPr>
-            </p:nvSpPr>
-            <p:spPr>
-              <a:xfrm>
-                <a:off x="838200" y="365126"/>
-                <a:ext cx="10515600" cy="1028246"/>
-              </a:xfrm>
-            </p:spPr>
-            <p:txBody>
-              <a:bodyPr>
-                <a:normAutofit fontScale="90000"/>
-              </a:bodyPr>
-              <a:lstStyle/>
-              <a:p>
-                <a:r>
-                  <a:rPr lang="en-US" dirty="0"/>
-                  <a:t>Linear regression example; (x = 2, y = 7), </a:t>
-                </a:r>
-                <a14:m>
-                  <m:oMath xmlns:m="http://schemas.openxmlformats.org/officeDocument/2006/math">
-                    <m:r>
-                      <a:rPr lang="en-US" i="1">
-                        <a:latin typeface="Cambria Math" panose="02040503050406030204" pitchFamily="18" charset="0"/>
-                      </a:rPr>
-                      <m:t>𝐵</m:t>
-                    </m:r>
-                    <m:r>
-                      <a:rPr lang="en-US" i="1">
-                        <a:latin typeface="Cambria Math" panose="02040503050406030204" pitchFamily="18" charset="0"/>
-                      </a:rPr>
-                      <m:t>=2</m:t>
-                    </m:r>
-                  </m:oMath>
-                </a14:m>
-                <a:r>
-                  <a:rPr lang="en-US" dirty="0"/>
-                  <a:t>, and </a:t>
-                </a:r>
-                <a14:m>
-                  <m:oMath xmlns:m="http://schemas.openxmlformats.org/officeDocument/2006/math">
-                    <m:r>
-                      <a:rPr lang="en-US" i="1">
-                        <a:latin typeface="Cambria Math" panose="02040503050406030204" pitchFamily="18" charset="0"/>
-                      </a:rPr>
-                      <m:t>𝑊</m:t>
-                    </m:r>
-                    <m:r>
-                      <a:rPr lang="en-US" i="1">
-                        <a:latin typeface="Cambria Math" panose="02040503050406030204" pitchFamily="18" charset="0"/>
-                      </a:rPr>
-                      <m:t> </m:t>
-                    </m:r>
-                  </m:oMath>
-                </a14:m>
-                <a:r>
-                  <a:rPr lang="en-US" dirty="0"/>
-                  <a:t>= 3, </a:t>
-                </a:r>
-                <a14:m>
-                  <m:oMath xmlns:m="http://schemas.openxmlformats.org/officeDocument/2006/math">
-                    <m:acc>
-                      <m:accPr>
-                        <m:chr m:val="̂"/>
-                        <m:ctrlPr>
-                          <a:rPr lang="en-US" i="1">
-                            <a:latin typeface="Cambria Math" panose="02040503050406030204" pitchFamily="18" charset="0"/>
-                          </a:rPr>
-                        </m:ctrlPr>
-                      </m:accPr>
-                      <m:e>
-                        <m:r>
-                          <a:rPr lang="en-US" i="1">
-                            <a:latin typeface="Cambria Math" panose="02040503050406030204" pitchFamily="18" charset="0"/>
-                          </a:rPr>
-                          <m:t>𝑌</m:t>
-                        </m:r>
-                      </m:e>
-                    </m:acc>
-                  </m:oMath>
-                </a14:m>
-                <a:r>
-                  <a:rPr lang="en-US" dirty="0"/>
-                  <a:t> = 8</a:t>
-                </a:r>
-              </a:p>
-            </p:txBody>
-          </p:sp>
-        </mc:Choice>
-        <mc:Fallback xmlns="">
-          <p:sp>
-            <p:nvSpPr>
-              <p:cNvPr id="4" name="Title 1"/>
-              <p:cNvSpPr>
-                <a:spLocks noGrp="1" noRot="1" noChangeAspect="1" noMove="1" noResize="1" noEditPoints="1" noAdjustHandles="1" noChangeArrowheads="1" noChangeShapeType="1" noTextEdit="1"/>
-              </p:cNvSpPr>
-              <p:nvPr>
-                <p:ph type="title"/>
-              </p:nvPr>
-            </p:nvSpPr>
-            <p:spPr>
-              <a:xfrm>
-                <a:off x="838200" y="365126"/>
-                <a:ext cx="10515600" cy="1028246"/>
-              </a:xfrm>
-              <a:blipFill>
-                <a:blip r:embed="rId3"/>
-                <a:stretch>
-                  <a:fillRect l="-2087" t="-24852" b="-34320"/>
-                </a:stretch>
-              </a:blipFill>
-            </p:spPr>
-            <p:txBody>
-              <a:bodyPr/>
-              <a:lstStyle/>
-              <a:p>
-                <a:r>
-                  <a:rPr lang="en-US">
-                    <a:noFill/>
-                  </a:rPr>
-                  <a:t> </a:t>
-                </a:r>
-              </a:p>
-            </p:txBody>
-          </p:sp>
-        </mc:Fallback>
-      </mc:AlternateContent>
-      <p:pic>
-        <p:nvPicPr>
-          <p:cNvPr id="2" name="Picture 1"/>
-          <p:cNvPicPr>
-            <a:picLocks noChangeAspect="1"/>
-          </p:cNvPicPr>
-          <p:nvPr/>
-        </p:nvPicPr>
-        <p:blipFill>
-          <a:blip r:embed="rId4">
-            <a:extLst>
-              <a:ext uri="{28A0092B-C50C-407E-A947-70E740481C1C}">
-                <a14:useLocalDpi xmlns:a14="http://schemas.microsoft.com/office/drawing/2010/main" val="0"/>
-              </a:ext>
-            </a:extLst>
-          </a:blip>
-          <a:stretch>
-            <a:fillRect/>
-          </a:stretch>
-        </p:blipFill>
-        <p:spPr>
-          <a:xfrm>
-            <a:off x="1938930" y="1923919"/>
-            <a:ext cx="8314140" cy="3010161"/>
-          </a:xfrm>
-          <a:prstGeom prst="rect">
-            <a:avLst/>
-          </a:prstGeom>
-        </p:spPr>
-      </p:pic>
-      <p:sp>
-        <p:nvSpPr>
-          <p:cNvPr id="5" name="TextBox 4"/>
-          <p:cNvSpPr txBox="1"/>
-          <p:nvPr/>
-        </p:nvSpPr>
-        <p:spPr>
-          <a:xfrm>
-            <a:off x="1712686" y="5167086"/>
-            <a:ext cx="8540384" cy="754743"/>
-          </a:xfrm>
-          <a:prstGeom prst="rect">
-            <a:avLst/>
-          </a:prstGeom>
-          <a:noFill/>
-        </p:spPr>
-        <p:txBody>
-          <a:bodyPr wrap="square" rtlCol="0">
-            <a:spAutoFit/>
-          </a:bodyPr>
-          <a:lstStyle/>
-          <a:p>
-            <a:endParaRPr lang="en-US"/>
-          </a:p>
-        </p:txBody>
-      </p:sp>
-      <mc:AlternateContent xmlns:mc="http://schemas.openxmlformats.org/markup-compatibility/2006" xmlns:a14="http://schemas.microsoft.com/office/drawing/2010/main">
-        <mc:Choice Requires="a14">
-          <p:sp>
-            <p:nvSpPr>
-              <p:cNvPr id="6" name="TextBox 5"/>
-              <p:cNvSpPr txBox="1"/>
-              <p:nvPr/>
-            </p:nvSpPr>
-            <p:spPr>
-              <a:xfrm>
-                <a:off x="1712686" y="5167086"/>
-                <a:ext cx="9231085" cy="499560"/>
-              </a:xfrm>
-              <a:prstGeom prst="rect">
-                <a:avLst/>
-              </a:prstGeom>
-              <a:noFill/>
-            </p:spPr>
-            <p:txBody>
-              <a:bodyPr wrap="square" rtlCol="0">
-                <a:spAutoFit/>
-              </a:bodyPr>
-              <a:lstStyle/>
-              <a:p>
-                <a:r>
-                  <a:rPr lang="en-US" dirty="0"/>
-                  <a:t>What does the Chain Rule say </a:t>
-                </a:r>
-                <a14:m>
-                  <m:oMath xmlns:m="http://schemas.openxmlformats.org/officeDocument/2006/math">
-                    <m:f>
-                      <m:fPr>
-                        <m:ctrlPr>
-                          <a:rPr lang="en-US" i="1" smtClean="0">
-                            <a:latin typeface="Cambria Math" panose="02040503050406030204" pitchFamily="18" charset="0"/>
-                          </a:rPr>
-                        </m:ctrlPr>
-                      </m:fPr>
-                      <m:num>
-                        <m:r>
-                          <a:rPr lang="en-US" i="1" smtClean="0">
-                            <a:latin typeface="Cambria Math" panose="02040503050406030204" pitchFamily="18" charset="0"/>
-                            <a:ea typeface="Cambria Math" panose="02040503050406030204" pitchFamily="18" charset="0"/>
-                          </a:rPr>
-                          <m:t>𝛿</m:t>
-                        </m:r>
-                        <m:r>
-                          <a:rPr lang="en-US" b="0" i="1" smtClean="0">
-                            <a:latin typeface="Cambria Math" panose="02040503050406030204" pitchFamily="18" charset="0"/>
-                            <a:ea typeface="Cambria Math" panose="02040503050406030204" pitchFamily="18" charset="0"/>
-                          </a:rPr>
-                          <m:t>𝐿𝑜𝑠𝑠</m:t>
-                        </m:r>
-                      </m:num>
-                      <m:den>
-                        <m:r>
-                          <a:rPr lang="en-US" i="1" smtClean="0">
-                            <a:latin typeface="Cambria Math" panose="02040503050406030204" pitchFamily="18" charset="0"/>
-                            <a:ea typeface="Cambria Math" panose="02040503050406030204" pitchFamily="18" charset="0"/>
-                          </a:rPr>
-                          <m:t>𝛿</m:t>
-                        </m:r>
-                        <m:r>
-                          <a:rPr lang="en-US" b="0" i="1" smtClean="0">
-                            <a:latin typeface="Cambria Math" panose="02040503050406030204" pitchFamily="18" charset="0"/>
-                            <a:ea typeface="Cambria Math" panose="02040503050406030204" pitchFamily="18" charset="0"/>
-                          </a:rPr>
-                          <m:t>𝐵</m:t>
-                        </m:r>
-                      </m:den>
-                    </m:f>
-                  </m:oMath>
-                </a14:m>
-                <a:r>
-                  <a:rPr lang="en-US" dirty="0"/>
-                  <a:t> and </a:t>
-                </a:r>
-                <a14:m>
-                  <m:oMath xmlns:m="http://schemas.openxmlformats.org/officeDocument/2006/math">
-                    <m:f>
-                      <m:fPr>
-                        <m:ctrlPr>
-                          <a:rPr lang="en-US" i="1">
-                            <a:latin typeface="Cambria Math" panose="02040503050406030204" pitchFamily="18" charset="0"/>
-                          </a:rPr>
-                        </m:ctrlPr>
-                      </m:fPr>
-                      <m:num>
-                        <m:r>
-                          <a:rPr lang="en-US" i="1">
-                            <a:latin typeface="Cambria Math" panose="02040503050406030204" pitchFamily="18" charset="0"/>
-                            <a:ea typeface="Cambria Math" panose="02040503050406030204" pitchFamily="18" charset="0"/>
-                          </a:rPr>
-                          <m:t>𝛿</m:t>
-                        </m:r>
-                        <m:r>
-                          <a:rPr lang="en-US" i="1">
-                            <a:latin typeface="Cambria Math" panose="02040503050406030204" pitchFamily="18" charset="0"/>
-                            <a:ea typeface="Cambria Math" panose="02040503050406030204" pitchFamily="18" charset="0"/>
-                          </a:rPr>
-                          <m:t>𝐿𝑜𝑠𝑠</m:t>
-                        </m:r>
-                      </m:num>
-                      <m:den>
-                        <m:r>
-                          <a:rPr lang="en-US" i="1">
-                            <a:latin typeface="Cambria Math" panose="02040503050406030204" pitchFamily="18" charset="0"/>
-                            <a:ea typeface="Cambria Math" panose="02040503050406030204" pitchFamily="18" charset="0"/>
-                          </a:rPr>
-                          <m:t>𝛿</m:t>
-                        </m:r>
-                        <m:r>
-                          <a:rPr lang="en-US" b="0" i="1" smtClean="0">
-                            <a:latin typeface="Cambria Math" panose="02040503050406030204" pitchFamily="18" charset="0"/>
-                            <a:ea typeface="Cambria Math" panose="02040503050406030204" pitchFamily="18" charset="0"/>
-                          </a:rPr>
-                          <m:t>𝑎</m:t>
-                        </m:r>
-                        <m:r>
-                          <a:rPr lang="en-US" b="0" i="1" smtClean="0">
-                            <a:latin typeface="Cambria Math" panose="02040503050406030204" pitchFamily="18" charset="0"/>
-                            <a:ea typeface="Cambria Math" panose="02040503050406030204" pitchFamily="18" charset="0"/>
-                          </a:rPr>
-                          <m:t>1</m:t>
-                        </m:r>
-                      </m:den>
-                    </m:f>
-                  </m:oMath>
-                </a14:m>
-                <a:r>
-                  <a:rPr lang="en-US" dirty="0"/>
-                  <a:t>?</a:t>
-                </a:r>
-              </a:p>
-            </p:txBody>
-          </p:sp>
-        </mc:Choice>
-        <mc:Fallback xmlns="">
-          <p:sp>
-            <p:nvSpPr>
-              <p:cNvPr id="6" name="TextBox 5"/>
-              <p:cNvSpPr txBox="1">
-                <a:spLocks noRot="1" noChangeAspect="1" noMove="1" noResize="1" noEditPoints="1" noAdjustHandles="1" noChangeArrowheads="1" noChangeShapeType="1" noTextEdit="1"/>
-              </p:cNvSpPr>
-              <p:nvPr/>
-            </p:nvSpPr>
-            <p:spPr>
-              <a:xfrm>
-                <a:off x="1712686" y="5167086"/>
-                <a:ext cx="9231085" cy="499560"/>
-              </a:xfrm>
-              <a:prstGeom prst="rect">
-                <a:avLst/>
-              </a:prstGeom>
-              <a:blipFill rotWithShape="0">
-                <a:blip r:embed="rId5"/>
-                <a:stretch>
-                  <a:fillRect l="-594" b="-7317"/>
-                </a:stretch>
-              </a:blipFill>
-            </p:spPr>
-            <p:txBody>
-              <a:bodyPr/>
-              <a:lstStyle/>
-              <a:p>
-                <a:r>
-                  <a:rPr lang="en-US">
-                    <a:noFill/>
-                  </a:rPr>
-                  <a:t> </a:t>
-                </a:r>
-              </a:p>
-            </p:txBody>
-          </p:sp>
-        </mc:Fallback>
-      </mc:AlternateContent>
-      <p:sp>
-        <p:nvSpPr>
-          <p:cNvPr id="7" name="TextBox 6">
-            <a:extLst>
-              <a:ext uri="{FF2B5EF4-FFF2-40B4-BE49-F238E27FC236}">
-                <a16:creationId xmlns:a16="http://schemas.microsoft.com/office/drawing/2014/main" id="{AE45B483-706B-4C6E-82BB-B89605C2901D}"/>
-              </a:ext>
-            </a:extLst>
-          </p:cNvPr>
-          <p:cNvSpPr txBox="1"/>
-          <p:nvPr/>
-        </p:nvSpPr>
-        <p:spPr>
-          <a:xfrm>
-            <a:off x="6742176" y="4632960"/>
-            <a:ext cx="1426464" cy="646331"/>
-          </a:xfrm>
-          <a:prstGeom prst="rect">
-            <a:avLst/>
-          </a:prstGeom>
-          <a:noFill/>
-        </p:spPr>
-        <p:txBody>
-          <a:bodyPr wrap="square" rtlCol="0">
-            <a:spAutoFit/>
-          </a:bodyPr>
-          <a:lstStyle/>
-          <a:p>
-            <a:r>
-              <a:rPr lang="en-US" dirty="0"/>
-              <a:t>f(x, c) = x + c</a:t>
-            </a:r>
-          </a:p>
-          <a:p>
-            <a:r>
-              <a:rPr lang="en-US" dirty="0"/>
-              <a:t>f(a1,B)</a:t>
-            </a:r>
-          </a:p>
-        </p:txBody>
-      </p:sp>
-    </p:spTree>
-    <p:extLst>
-      <p:ext uri="{BB962C8B-B14F-4D97-AF65-F5344CB8AC3E}">
-        <p14:creationId xmlns:p14="http://schemas.microsoft.com/office/powerpoint/2010/main" val="1082541119"/>
-      </p:ext>
-    </p:extLst>
-  </p:cSld>
-  <p:clrMapOvr>
-    <a:masterClrMapping/>
-  </p:clrMapOvr>
-</p:sld>
-</file>
-
-<file path=ppt/slides/slide31.xml><?xml version="1.0" encoding="utf-8"?>
-<p:sld xmlns:a="http://schemas.openxmlformats.org/drawingml/2006/main" xmlns:r="http://schemas.openxmlformats.org/officeDocument/2006/relationships" xmlns:p="http://schemas.openxmlformats.org/presentationml/2006/main">
-  <p:cSld>
-    <p:spTree>
-      <p:nvGrpSpPr>
-        <p:cNvPr id="1" name=""/>
-        <p:cNvGrpSpPr/>
-        <p:nvPr/>
-      </p:nvGrpSpPr>
-      <p:grpSpPr>
-        <a:xfrm>
-          <a:off x="0" y="0"/>
-          <a:ext cx="0" cy="0"/>
-          <a:chOff x="0" y="0"/>
-          <a:chExt cx="0" cy="0"/>
-        </a:xfrm>
-      </p:grpSpPr>
       <mc:AlternateContent xmlns:mc="http://schemas.openxmlformats.org/markup-compatibility/2006" xmlns:a14="http://schemas.microsoft.com/office/drawing/2010/main">
         <mc:Choice Requires="a14">
           <p:sp>
@@ -15030,7 +14623,7 @@
 </p:sld>
 </file>
 
-<file path=ppt/slides/slide32.xml><?xml version="1.0" encoding="utf-8"?>
+<file path=ppt/slides/slide31.xml><?xml version="1.0" encoding="utf-8"?>
 <p:sld xmlns:a="http://schemas.openxmlformats.org/drawingml/2006/main" xmlns:r="http://schemas.openxmlformats.org/officeDocument/2006/relationships" xmlns:p="http://schemas.openxmlformats.org/presentationml/2006/main">
   <p:cSld>
     <p:spTree>
@@ -15238,7 +14831,7 @@
               <a:p>
                 <a:r>
                   <a:rPr lang="en-US" dirty="0"/>
-                  <a:t>(I am guilty of using a2 and </a:t>
+                  <a:t>(we’re using a2 and </a:t>
                 </a:r>
                 <a14:m>
                   <m:oMath xmlns:m="http://schemas.openxmlformats.org/officeDocument/2006/math">
@@ -15296,7 +14889,7 @@
               <a:prstGeom prst="rect">
                 <a:avLst/>
               </a:prstGeom>
-              <a:blipFill rotWithShape="0">
+              <a:blipFill>
                 <a:blip r:embed="rId4"/>
                 <a:stretch>
                   <a:fillRect l="-567" t="-1974" b="-9868"/>
@@ -15331,7 +14924,7 @@
 </p:sld>
 </file>
 
-<file path=ppt/slides/slide33.xml><?xml version="1.0" encoding="utf-8"?>
+<file path=ppt/slides/slide32.xml><?xml version="1.0" encoding="utf-8"?>
 <p:sld xmlns:a="http://schemas.openxmlformats.org/drawingml/2006/main" xmlns:r="http://schemas.openxmlformats.org/officeDocument/2006/relationships" xmlns:p="http://schemas.openxmlformats.org/presentationml/2006/main">
   <p:cSld>
     <p:spTree>
@@ -15894,6 +15487,416 @@
 </p:sld>
 </file>
 
+<file path=ppt/slides/slide33.xml><?xml version="1.0" encoding="utf-8"?>
+<p:sld xmlns:a="http://schemas.openxmlformats.org/drawingml/2006/main" xmlns:r="http://schemas.openxmlformats.org/officeDocument/2006/relationships" xmlns:p="http://schemas.openxmlformats.org/presentationml/2006/main">
+  <p:cSld>
+    <p:spTree>
+      <p:nvGrpSpPr>
+        <p:cNvPr id="1" name=""/>
+        <p:cNvGrpSpPr/>
+        <p:nvPr/>
+      </p:nvGrpSpPr>
+      <p:grpSpPr>
+        <a:xfrm>
+          <a:off x="0" y="0"/>
+          <a:ext cx="0" cy="0"/>
+          <a:chOff x="0" y="0"/>
+          <a:chExt cx="0" cy="0"/>
+        </a:xfrm>
+      </p:grpSpPr>
+      <mc:AlternateContent xmlns:mc="http://schemas.openxmlformats.org/markup-compatibility/2006" xmlns:a14="http://schemas.microsoft.com/office/drawing/2010/main">
+        <mc:Choice Requires="a14">
+          <p:sp>
+            <p:nvSpPr>
+              <p:cNvPr id="3" name="Content Placeholder 2"/>
+              <p:cNvSpPr>
+                <a:spLocks noGrp="1"/>
+              </p:cNvSpPr>
+              <p:nvPr>
+                <p:ph idx="1"/>
+              </p:nvPr>
+            </p:nvSpPr>
+            <p:spPr>
+              <a:xfrm>
+                <a:off x="838200" y="1378857"/>
+                <a:ext cx="10515600" cy="4798106"/>
+              </a:xfrm>
+            </p:spPr>
+            <p:txBody>
+              <a:bodyPr>
+                <a:normAutofit/>
+              </a:bodyPr>
+              <a:lstStyle/>
+              <a:p>
+                <a:pPr marL="0" indent="0">
+                  <a:buNone/>
+                </a:pPr>
+                <a:endParaRPr lang="en-US" dirty="0"/>
+              </a:p>
+              <a:p>
+                <a:pPr marL="0" indent="0">
+                  <a:buNone/>
+                </a:pPr>
+                <a:r>
+                  <a:rPr lang="en-US" dirty="0"/>
+                  <a:t>a2 = a1 + B</a:t>
+                </a:r>
+              </a:p>
+              <a:p>
+                <a:pPr marL="0" indent="0">
+                  <a:buNone/>
+                </a:pPr>
+                <a:endParaRPr lang="en-US" dirty="0"/>
+              </a:p>
+              <a:p>
+                <a:pPr marL="0" indent="0">
+                  <a:buNone/>
+                </a:pPr>
+                <a:r>
+                  <a:rPr lang="en-US" dirty="0"/>
+                  <a:t>What is </a:t>
+                </a:r>
+                <a14:m>
+                  <m:oMath xmlns:m="http://schemas.openxmlformats.org/officeDocument/2006/math">
+                    <m:f>
+                      <m:fPr>
+                        <m:ctrlPr>
+                          <a:rPr lang="en-US" i="1" smtClean="0">
+                            <a:latin typeface="Cambria Math" panose="02040503050406030204" pitchFamily="18" charset="0"/>
+                          </a:rPr>
+                        </m:ctrlPr>
+                      </m:fPr>
+                      <m:num>
+                        <m:r>
+                          <a:rPr lang="en-US" i="1" smtClean="0">
+                            <a:latin typeface="Cambria Math" panose="02040503050406030204" pitchFamily="18" charset="0"/>
+                            <a:ea typeface="Cambria Math" panose="02040503050406030204" pitchFamily="18" charset="0"/>
+                          </a:rPr>
+                          <m:t>𝛿</m:t>
+                        </m:r>
+                      </m:num>
+                      <m:den>
+                        <m:r>
+                          <a:rPr lang="en-US" i="1">
+                            <a:latin typeface="Cambria Math" panose="02040503050406030204" pitchFamily="18" charset="0"/>
+                            <a:ea typeface="Cambria Math" panose="02040503050406030204" pitchFamily="18" charset="0"/>
+                          </a:rPr>
+                          <m:t>𝛿</m:t>
+                        </m:r>
+                        <m:r>
+                          <a:rPr lang="en-US" b="0" i="1" smtClean="0">
+                            <a:latin typeface="Cambria Math" panose="02040503050406030204" pitchFamily="18" charset="0"/>
+                            <a:ea typeface="Cambria Math" panose="02040503050406030204" pitchFamily="18" charset="0"/>
+                          </a:rPr>
+                          <m:t>𝑎</m:t>
+                        </m:r>
+                        <m:r>
+                          <a:rPr lang="en-US" b="0" i="1" smtClean="0">
+                            <a:latin typeface="Cambria Math" panose="02040503050406030204" pitchFamily="18" charset="0"/>
+                            <a:ea typeface="Cambria Math" panose="02040503050406030204" pitchFamily="18" charset="0"/>
+                          </a:rPr>
+                          <m:t>1</m:t>
+                        </m:r>
+                      </m:den>
+                    </m:f>
+                    <m:d>
+                      <m:dPr>
+                        <m:begChr m:val="["/>
+                        <m:endChr m:val="]"/>
+                        <m:ctrlPr>
+                          <a:rPr lang="en-US" i="1" smtClean="0">
+                            <a:latin typeface="Cambria Math" panose="02040503050406030204" pitchFamily="18" charset="0"/>
+                          </a:rPr>
+                        </m:ctrlPr>
+                      </m:dPr>
+                      <m:e>
+                        <m:r>
+                          <a:rPr lang="en-US" b="0" i="1" smtClean="0">
+                            <a:latin typeface="Cambria Math" panose="02040503050406030204" pitchFamily="18" charset="0"/>
+                          </a:rPr>
+                          <m:t>𝑎</m:t>
+                        </m:r>
+                        <m:r>
+                          <a:rPr lang="en-US" b="0" i="1" smtClean="0">
+                            <a:latin typeface="Cambria Math" panose="02040503050406030204" pitchFamily="18" charset="0"/>
+                          </a:rPr>
+                          <m:t>2</m:t>
+                        </m:r>
+                      </m:e>
+                    </m:d>
+                  </m:oMath>
+                </a14:m>
+                <a:endParaRPr lang="en-US" dirty="0"/>
+              </a:p>
+              <a:p>
+                <a:pPr marL="0" indent="0">
+                  <a:buNone/>
+                </a:pPr>
+                <a:endParaRPr lang="en-US" dirty="0"/>
+              </a:p>
+              <a:p>
+                <a:pPr marL="0" indent="0">
+                  <a:buNone/>
+                </a:pPr>
+                <a:r>
+                  <a:rPr lang="en-US" dirty="0"/>
+                  <a:t>What is </a:t>
+                </a:r>
+                <a14:m>
+                  <m:oMath xmlns:m="http://schemas.openxmlformats.org/officeDocument/2006/math">
+                    <m:f>
+                      <m:fPr>
+                        <m:ctrlPr>
+                          <a:rPr lang="en-US" i="1">
+                            <a:latin typeface="Cambria Math" panose="02040503050406030204" pitchFamily="18" charset="0"/>
+                          </a:rPr>
+                        </m:ctrlPr>
+                      </m:fPr>
+                      <m:num>
+                        <m:r>
+                          <a:rPr lang="en-US" i="1">
+                            <a:latin typeface="Cambria Math" panose="02040503050406030204" pitchFamily="18" charset="0"/>
+                            <a:ea typeface="Cambria Math" panose="02040503050406030204" pitchFamily="18" charset="0"/>
+                          </a:rPr>
+                          <m:t>𝛿</m:t>
+                        </m:r>
+                      </m:num>
+                      <m:den>
+                        <m:r>
+                          <a:rPr lang="en-US" i="1">
+                            <a:latin typeface="Cambria Math" panose="02040503050406030204" pitchFamily="18" charset="0"/>
+                            <a:ea typeface="Cambria Math" panose="02040503050406030204" pitchFamily="18" charset="0"/>
+                          </a:rPr>
+                          <m:t>𝛿</m:t>
+                        </m:r>
+                        <m:r>
+                          <a:rPr lang="en-US" b="0" i="1" smtClean="0">
+                            <a:latin typeface="Cambria Math" panose="02040503050406030204" pitchFamily="18" charset="0"/>
+                            <a:ea typeface="Cambria Math" panose="02040503050406030204" pitchFamily="18" charset="0"/>
+                          </a:rPr>
+                          <m:t>𝐵</m:t>
+                        </m:r>
+                      </m:den>
+                    </m:f>
+                    <m:d>
+                      <m:dPr>
+                        <m:begChr m:val="["/>
+                        <m:endChr m:val="]"/>
+                        <m:ctrlPr>
+                          <a:rPr lang="en-US" i="1">
+                            <a:latin typeface="Cambria Math" panose="02040503050406030204" pitchFamily="18" charset="0"/>
+                          </a:rPr>
+                        </m:ctrlPr>
+                      </m:dPr>
+                      <m:e>
+                        <m:r>
+                          <a:rPr lang="en-US" i="1">
+                            <a:latin typeface="Cambria Math" panose="02040503050406030204" pitchFamily="18" charset="0"/>
+                          </a:rPr>
+                          <m:t>𝑎</m:t>
+                        </m:r>
+                        <m:r>
+                          <a:rPr lang="en-US" i="1">
+                            <a:latin typeface="Cambria Math" panose="02040503050406030204" pitchFamily="18" charset="0"/>
+                          </a:rPr>
+                          <m:t>2</m:t>
+                        </m:r>
+                      </m:e>
+                    </m:d>
+                  </m:oMath>
+                </a14:m>
+                <a:endParaRPr lang="en-US" dirty="0"/>
+              </a:p>
+            </p:txBody>
+          </p:sp>
+        </mc:Choice>
+        <mc:Fallback xmlns="">
+          <p:sp>
+            <p:nvSpPr>
+              <p:cNvPr id="3" name="Content Placeholder 2"/>
+              <p:cNvSpPr>
+                <a:spLocks noGrp="1" noRot="1" noChangeAspect="1" noMove="1" noResize="1" noEditPoints="1" noAdjustHandles="1" noChangeArrowheads="1" noChangeShapeType="1" noTextEdit="1"/>
+              </p:cNvSpPr>
+              <p:nvPr>
+                <p:ph idx="1"/>
+              </p:nvPr>
+            </p:nvSpPr>
+            <p:spPr>
+              <a:xfrm>
+                <a:off x="838200" y="1378857"/>
+                <a:ext cx="10515600" cy="4798106"/>
+              </a:xfrm>
+              <a:blipFill>
+                <a:blip r:embed="rId2"/>
+                <a:stretch>
+                  <a:fillRect l="-1217"/>
+                </a:stretch>
+              </a:blipFill>
+            </p:spPr>
+            <p:txBody>
+              <a:bodyPr/>
+              <a:lstStyle/>
+              <a:p>
+                <a:r>
+                  <a:rPr lang="en-US">
+                    <a:noFill/>
+                  </a:rPr>
+                  <a:t> </a:t>
+                </a:r>
+              </a:p>
+            </p:txBody>
+          </p:sp>
+        </mc:Fallback>
+      </mc:AlternateContent>
+      <mc:AlternateContent xmlns:mc="http://schemas.openxmlformats.org/markup-compatibility/2006" xmlns:a14="http://schemas.microsoft.com/office/drawing/2010/main">
+        <mc:Choice Requires="a14">
+          <p:sp>
+            <p:nvSpPr>
+              <p:cNvPr id="4" name="Title 1"/>
+              <p:cNvSpPr>
+                <a:spLocks noGrp="1"/>
+              </p:cNvSpPr>
+              <p:nvPr>
+                <p:ph type="title"/>
+              </p:nvPr>
+            </p:nvSpPr>
+            <p:spPr>
+              <a:xfrm>
+                <a:off x="838200" y="365126"/>
+                <a:ext cx="10515600" cy="1028246"/>
+              </a:xfrm>
+            </p:spPr>
+            <p:txBody>
+              <a:bodyPr>
+                <a:normAutofit fontScale="90000"/>
+              </a:bodyPr>
+              <a:lstStyle/>
+              <a:p>
+                <a:r>
+                  <a:rPr lang="en-US" dirty="0"/>
+                  <a:t>Linear regression example; (x = 2, y = 7), </a:t>
+                </a:r>
+                <a14:m>
+                  <m:oMath xmlns:m="http://schemas.openxmlformats.org/officeDocument/2006/math">
+                    <m:r>
+                      <a:rPr lang="en-US" i="1">
+                        <a:latin typeface="Cambria Math" panose="02040503050406030204" pitchFamily="18" charset="0"/>
+                      </a:rPr>
+                      <m:t>𝐵</m:t>
+                    </m:r>
+                    <m:r>
+                      <a:rPr lang="en-US" i="1">
+                        <a:latin typeface="Cambria Math" panose="02040503050406030204" pitchFamily="18" charset="0"/>
+                      </a:rPr>
+                      <m:t>=2</m:t>
+                    </m:r>
+                  </m:oMath>
+                </a14:m>
+                <a:r>
+                  <a:rPr lang="en-US" dirty="0"/>
+                  <a:t>, and </a:t>
+                </a:r>
+                <a14:m>
+                  <m:oMath xmlns:m="http://schemas.openxmlformats.org/officeDocument/2006/math">
+                    <m:r>
+                      <a:rPr lang="en-US" i="1">
+                        <a:latin typeface="Cambria Math" panose="02040503050406030204" pitchFamily="18" charset="0"/>
+                      </a:rPr>
+                      <m:t>𝑊</m:t>
+                    </m:r>
+                    <m:r>
+                      <a:rPr lang="en-US" i="1">
+                        <a:latin typeface="Cambria Math" panose="02040503050406030204" pitchFamily="18" charset="0"/>
+                      </a:rPr>
+                      <m:t> </m:t>
+                    </m:r>
+                  </m:oMath>
+                </a14:m>
+                <a:r>
+                  <a:rPr lang="en-US" dirty="0"/>
+                  <a:t>= 3, </a:t>
+                </a:r>
+                <a14:m>
+                  <m:oMath xmlns:m="http://schemas.openxmlformats.org/officeDocument/2006/math">
+                    <m:acc>
+                      <m:accPr>
+                        <m:chr m:val="̂"/>
+                        <m:ctrlPr>
+                          <a:rPr lang="en-US" i="1">
+                            <a:latin typeface="Cambria Math" panose="02040503050406030204" pitchFamily="18" charset="0"/>
+                          </a:rPr>
+                        </m:ctrlPr>
+                      </m:accPr>
+                      <m:e>
+                        <m:r>
+                          <a:rPr lang="en-US" i="1">
+                            <a:latin typeface="Cambria Math" panose="02040503050406030204" pitchFamily="18" charset="0"/>
+                          </a:rPr>
+                          <m:t>𝑌</m:t>
+                        </m:r>
+                      </m:e>
+                    </m:acc>
+                  </m:oMath>
+                </a14:m>
+                <a:r>
+                  <a:rPr lang="en-US" dirty="0"/>
+                  <a:t> = 8</a:t>
+                </a:r>
+              </a:p>
+            </p:txBody>
+          </p:sp>
+        </mc:Choice>
+        <mc:Fallback xmlns="">
+          <p:sp>
+            <p:nvSpPr>
+              <p:cNvPr id="4" name="Title 1"/>
+              <p:cNvSpPr>
+                <a:spLocks noGrp="1" noRot="1" noChangeAspect="1" noMove="1" noResize="1" noEditPoints="1" noAdjustHandles="1" noChangeArrowheads="1" noChangeShapeType="1" noTextEdit="1"/>
+              </p:cNvSpPr>
+              <p:nvPr>
+                <p:ph type="title"/>
+              </p:nvPr>
+            </p:nvSpPr>
+            <p:spPr>
+              <a:xfrm>
+                <a:off x="838200" y="365126"/>
+                <a:ext cx="10515600" cy="1028246"/>
+              </a:xfrm>
+              <a:blipFill>
+                <a:blip r:embed="rId3"/>
+                <a:stretch>
+                  <a:fillRect l="-2087" t="-24852" b="-34320"/>
+                </a:stretch>
+              </a:blipFill>
+            </p:spPr>
+            <p:txBody>
+              <a:bodyPr/>
+              <a:lstStyle/>
+              <a:p>
+                <a:r>
+                  <a:rPr lang="en-US">
+                    <a:noFill/>
+                  </a:rPr>
+                  <a:t> </a:t>
+                </a:r>
+              </a:p>
+            </p:txBody>
+          </p:sp>
+        </mc:Fallback>
+      </mc:AlternateContent>
+    </p:spTree>
+    <p:extLst>
+      <p:ext uri="{BB962C8B-B14F-4D97-AF65-F5344CB8AC3E}">
+        <p14:creationId xmlns:p14="http://schemas.microsoft.com/office/powerpoint/2010/main" val="3937061338"/>
+      </p:ext>
+    </p:extLst>
+  </p:cSld>
+  <p:clrMapOvr>
+    <a:masterClrMapping/>
+  </p:clrMapOvr>
+</p:sld>
+</file>
+
 <file path=ppt/slides/slide34.xml><?xml version="1.0" encoding="utf-8"?>
 <p:sld xmlns:a="http://schemas.openxmlformats.org/drawingml/2006/main" xmlns:r="http://schemas.openxmlformats.org/officeDocument/2006/relationships" xmlns:p="http://schemas.openxmlformats.org/presentationml/2006/main">
   <p:cSld>
@@ -16031,26 +16034,12 @@
                         </m:r>
                       </m:e>
                     </m:d>
-                  </m:oMath>
-                </a14:m>
-                <a:endParaRPr lang="en-US" dirty="0"/>
-              </a:p>
-              <a:p>
-                <a:pPr marL="0" indent="0">
-                  <a:buNone/>
-                </a:pPr>
-                <a:endParaRPr lang="en-US" dirty="0"/>
-              </a:p>
-              <a:p>
-                <a:pPr marL="0" indent="0">
-                  <a:buNone/>
-                </a:pPr>
-                <a:r>
-                  <a:rPr lang="en-US" dirty="0"/>
-                  <a:t>What is </a:t>
-                </a:r>
-                <a14:m>
-                  <m:oMath xmlns:m="http://schemas.openxmlformats.org/officeDocument/2006/math">
+                    <m:r>
+                      <a:rPr lang="en-US" b="0" i="1" smtClean="0">
+                        <a:latin typeface="Cambria Math" panose="02040503050406030204" pitchFamily="18" charset="0"/>
+                      </a:rPr>
+                      <m:t>=</m:t>
+                    </m:r>
                     <m:f>
                       <m:fPr>
                         <m:ctrlPr>
@@ -16077,11 +16066,18 @@
                           <m:t>𝛿</m:t>
                         </m:r>
                         <m:r>
-                          <a:rPr lang="en-US" b="0" i="1" smtClean="0">
+                          <a:rPr lang="en-US" i="1">
                             <a:latin typeface="Cambria Math" panose="02040503050406030204" pitchFamily="18" charset="0"/>
                             <a:ea typeface="Cambria Math" panose="02040503050406030204" pitchFamily="18" charset="0"/>
                           </a:rPr>
-                          <m:t>𝐵</m:t>
+                          <m:t>𝑎</m:t>
+                        </m:r>
+                        <m:r>
+                          <a:rPr lang="en-US" i="1">
+                            <a:latin typeface="Cambria Math" panose="02040503050406030204" pitchFamily="18" charset="0"/>
+                            <a:ea typeface="Cambria Math" panose="02040503050406030204" pitchFamily="18" charset="0"/>
+                          </a:rPr>
+                          <m:t>1</m:t>
                         </m:r>
                       </m:den>
                     </m:f>
@@ -16103,10 +16099,166 @@
                           <m:t>𝑎</m:t>
                         </m:r>
                         <m:r>
+                          <a:rPr lang="en-US" b="0" i="1" smtClean="0">
+                            <a:latin typeface="Cambria Math" panose="02040503050406030204" pitchFamily="18" charset="0"/>
+                          </a:rPr>
+                          <m:t>1+</m:t>
+                        </m:r>
+                        <m:r>
+                          <a:rPr lang="en-US" b="0" i="1" smtClean="0">
+                            <a:latin typeface="Cambria Math" panose="02040503050406030204" pitchFamily="18" charset="0"/>
+                          </a:rPr>
+                          <m:t>𝐵</m:t>
+                        </m:r>
+                      </m:e>
+                    </m:d>
+                  </m:oMath>
+                </a14:m>
+                <a:endParaRPr lang="en-US" dirty="0"/>
+              </a:p>
+              <a:p>
+                <a:pPr marL="0" indent="0">
+                  <a:buNone/>
+                </a:pPr>
+                <a:endParaRPr lang="en-US" dirty="0"/>
+              </a:p>
+              <a:p>
+                <a:pPr marL="0" indent="0">
+                  <a:buNone/>
+                </a:pPr>
+                <a:r>
+                  <a:rPr lang="en-US" dirty="0"/>
+                  <a:t>What is </a:t>
+                </a:r>
+                <a14:m>
+                  <m:oMath xmlns:m="http://schemas.openxmlformats.org/officeDocument/2006/math">
+                    <m:f>
+                      <m:fPr>
+                        <m:ctrlPr>
+                          <a:rPr lang="en-US" i="1">
+                            <a:latin typeface="Cambria Math" panose="02040503050406030204" pitchFamily="18" charset="0"/>
+                          </a:rPr>
+                        </m:ctrlPr>
+                      </m:fPr>
+                      <m:num>
+                        <m:r>
+                          <a:rPr lang="en-US" i="1">
+                            <a:latin typeface="Cambria Math" panose="02040503050406030204" pitchFamily="18" charset="0"/>
+                            <a:ea typeface="Cambria Math" panose="02040503050406030204" pitchFamily="18" charset="0"/>
+                          </a:rPr>
+                          <m:t>𝛿</m:t>
+                        </m:r>
+                      </m:num>
+                      <m:den>
+                        <m:r>
+                          <a:rPr lang="en-US" i="1">
+                            <a:latin typeface="Cambria Math" panose="02040503050406030204" pitchFamily="18" charset="0"/>
+                            <a:ea typeface="Cambria Math" panose="02040503050406030204" pitchFamily="18" charset="0"/>
+                          </a:rPr>
+                          <m:t>𝛿</m:t>
+                        </m:r>
+                        <m:r>
+                          <a:rPr lang="en-US" b="0" i="1" smtClean="0">
+                            <a:latin typeface="Cambria Math" panose="02040503050406030204" pitchFamily="18" charset="0"/>
+                            <a:ea typeface="Cambria Math" panose="02040503050406030204" pitchFamily="18" charset="0"/>
+                          </a:rPr>
+                          <m:t>𝐵</m:t>
+                        </m:r>
+                      </m:den>
+                    </m:f>
+                    <m:d>
+                      <m:dPr>
+                        <m:begChr m:val="["/>
+                        <m:endChr m:val="]"/>
+                        <m:ctrlPr>
+                          <a:rPr lang="en-US" i="1">
+                            <a:latin typeface="Cambria Math" panose="02040503050406030204" pitchFamily="18" charset="0"/>
+                          </a:rPr>
+                        </m:ctrlPr>
+                      </m:dPr>
+                      <m:e>
+                        <m:r>
+                          <a:rPr lang="en-US" i="1">
+                            <a:latin typeface="Cambria Math" panose="02040503050406030204" pitchFamily="18" charset="0"/>
+                          </a:rPr>
+                          <m:t>𝑎</m:t>
+                        </m:r>
+                        <m:r>
                           <a:rPr lang="en-US" i="1">
                             <a:latin typeface="Cambria Math" panose="02040503050406030204" pitchFamily="18" charset="0"/>
                           </a:rPr>
                           <m:t>2</m:t>
+                        </m:r>
+                      </m:e>
+                    </m:d>
+                    <m:r>
+                      <a:rPr lang="en-US" b="0" i="1" smtClean="0">
+                        <a:latin typeface="Cambria Math" panose="02040503050406030204" pitchFamily="18" charset="0"/>
+                      </a:rPr>
+                      <m:t>=</m:t>
+                    </m:r>
+                    <m:f>
+                      <m:fPr>
+                        <m:ctrlPr>
+                          <a:rPr lang="en-US" i="1">
+                            <a:latin typeface="Cambria Math" panose="02040503050406030204" pitchFamily="18" charset="0"/>
+                          </a:rPr>
+                        </m:ctrlPr>
+                      </m:fPr>
+                      <m:num>
+                        <m:r>
+                          <a:rPr lang="en-US" i="1">
+                            <a:latin typeface="Cambria Math" panose="02040503050406030204" pitchFamily="18" charset="0"/>
+                            <a:ea typeface="Cambria Math" panose="02040503050406030204" pitchFamily="18" charset="0"/>
+                          </a:rPr>
+                          <m:t>𝛿</m:t>
+                        </m:r>
+                      </m:num>
+                      <m:den>
+                        <m:r>
+                          <a:rPr lang="en-US" i="1">
+                            <a:latin typeface="Cambria Math" panose="02040503050406030204" pitchFamily="18" charset="0"/>
+                            <a:ea typeface="Cambria Math" panose="02040503050406030204" pitchFamily="18" charset="0"/>
+                          </a:rPr>
+                          <m:t>𝛿</m:t>
+                        </m:r>
+                        <m:r>
+                          <a:rPr lang="en-US" i="1">
+                            <a:latin typeface="Cambria Math" panose="02040503050406030204" pitchFamily="18" charset="0"/>
+                            <a:ea typeface="Cambria Math" panose="02040503050406030204" pitchFamily="18" charset="0"/>
+                          </a:rPr>
+                          <m:t>𝐵</m:t>
+                        </m:r>
+                      </m:den>
+                    </m:f>
+                    <m:d>
+                      <m:dPr>
+                        <m:begChr m:val="["/>
+                        <m:endChr m:val="]"/>
+                        <m:ctrlPr>
+                          <a:rPr lang="en-US" i="1">
+                            <a:latin typeface="Cambria Math" panose="02040503050406030204" pitchFamily="18" charset="0"/>
+                          </a:rPr>
+                        </m:ctrlPr>
+                      </m:dPr>
+                      <m:e>
+                        <m:r>
+                          <a:rPr lang="en-US" i="1">
+                            <a:latin typeface="Cambria Math" panose="02040503050406030204" pitchFamily="18" charset="0"/>
+                          </a:rPr>
+                          <m:t>𝑎</m:t>
+                        </m:r>
+                        <m:r>
+                          <a:rPr lang="en-US" b="0" i="1" smtClean="0">
+                            <a:latin typeface="Cambria Math" panose="02040503050406030204" pitchFamily="18" charset="0"/>
+                          </a:rPr>
+                          <m:t>1+</m:t>
+                        </m:r>
+                        <m:r>
+                          <a:rPr lang="en-US" b="0" i="1" smtClean="0">
+                            <a:latin typeface="Cambria Math" panose="02040503050406030204" pitchFamily="18" charset="0"/>
+                          </a:rPr>
+                          <m:t>𝐵</m:t>
                         </m:r>
                       </m:e>
                     </m:d>
@@ -16294,7 +16446,7 @@
     </p:spTree>
     <p:extLst>
       <p:ext uri="{BB962C8B-B14F-4D97-AF65-F5344CB8AC3E}">
-        <p14:creationId xmlns:p14="http://schemas.microsoft.com/office/powerpoint/2010/main" val="3937061338"/>
+        <p14:creationId xmlns:p14="http://schemas.microsoft.com/office/powerpoint/2010/main" val="3561135909"/>
       </p:ext>
     </p:extLst>
   </p:cSld>
@@ -16519,6 +16671,31 @@
                         </m:r>
                       </m:e>
                     </m:d>
+                    <m:r>
+                      <a:rPr lang="en-US" b="0" i="1" smtClean="0">
+                        <a:latin typeface="Cambria Math" panose="02040503050406030204" pitchFamily="18" charset="0"/>
+                      </a:rPr>
+                      <m:t>=</m:t>
+                    </m:r>
+                    <m:d>
+                      <m:dPr>
+                        <m:begChr m:val="["/>
+                        <m:endChr m:val="]"/>
+                        <m:ctrlPr>
+                          <a:rPr lang="en-US" b="0" i="1" smtClean="0">
+                            <a:latin typeface="Cambria Math" panose="02040503050406030204" pitchFamily="18" charset="0"/>
+                          </a:rPr>
+                        </m:ctrlPr>
+                      </m:dPr>
+                      <m:e>
+                        <m:r>
+                          <a:rPr lang="en-US" b="0" i="1" smtClean="0">
+                            <a:latin typeface="Cambria Math" panose="02040503050406030204" pitchFamily="18" charset="0"/>
+                          </a:rPr>
+                          <m:t>1+0</m:t>
+                        </m:r>
+                      </m:e>
+                    </m:d>
                   </m:oMath>
                 </a14:m>
                 <a:endParaRPr lang="en-US" dirty="0"/>
@@ -16669,6 +16846,12 @@
                         </m:r>
                       </m:e>
                     </m:d>
+                    <m:r>
+                      <a:rPr lang="en-US" b="0" i="1" smtClean="0">
+                        <a:latin typeface="Cambria Math" panose="02040503050406030204" pitchFamily="18" charset="0"/>
+                      </a:rPr>
+                      <m:t>=[0+1]</m:t>
+                    </m:r>
                   </m:oMath>
                 </a14:m>
                 <a:endParaRPr lang="en-US" dirty="0"/>
@@ -16853,7 +17036,7 @@
     </p:spTree>
     <p:extLst>
       <p:ext uri="{BB962C8B-B14F-4D97-AF65-F5344CB8AC3E}">
-        <p14:creationId xmlns:p14="http://schemas.microsoft.com/office/powerpoint/2010/main" val="3561135909"/>
+        <p14:creationId xmlns:p14="http://schemas.microsoft.com/office/powerpoint/2010/main" val="1772482125"/>
       </p:ext>
     </p:extLst>
   </p:cSld>
@@ -17103,6 +17286,12 @@
                         </m:r>
                       </m:e>
                     </m:d>
+                    <m:r>
+                      <a:rPr lang="en-US" b="0" i="1" smtClean="0">
+                        <a:latin typeface="Cambria Math" panose="02040503050406030204" pitchFamily="18" charset="0"/>
+                      </a:rPr>
+                      <m:t>=1</m:t>
+                    </m:r>
                   </m:oMath>
                 </a14:m>
                 <a:endParaRPr lang="en-US" dirty="0"/>
@@ -17257,11 +17446,54 @@
                       <a:rPr lang="en-US" b="0" i="1" smtClean="0">
                         <a:latin typeface="Cambria Math" panose="02040503050406030204" pitchFamily="18" charset="0"/>
                       </a:rPr>
-                      <m:t>=[0+1]</m:t>
+                      <m:t>=</m:t>
+                    </m:r>
+                    <m:d>
+                      <m:dPr>
+                        <m:begChr m:val="["/>
+                        <m:endChr m:val="]"/>
+                        <m:ctrlPr>
+                          <a:rPr lang="en-US" b="0" i="1" smtClean="0">
+                            <a:latin typeface="Cambria Math" panose="02040503050406030204" pitchFamily="18" charset="0"/>
+                          </a:rPr>
+                        </m:ctrlPr>
+                      </m:dPr>
+                      <m:e>
+                        <m:r>
+                          <a:rPr lang="en-US" b="0" i="1" smtClean="0">
+                            <a:latin typeface="Cambria Math" panose="02040503050406030204" pitchFamily="18" charset="0"/>
+                          </a:rPr>
+                          <m:t>0+1</m:t>
+                        </m:r>
+                      </m:e>
+                    </m:d>
+                    <m:r>
+                      <a:rPr lang="en-US" b="0" i="1" smtClean="0">
+                        <a:latin typeface="Cambria Math" panose="02040503050406030204" pitchFamily="18" charset="0"/>
+                      </a:rPr>
+                      <m:t>=1</m:t>
                     </m:r>
                   </m:oMath>
                 </a14:m>
+                <a:r>
+                  <a:rPr lang="en-US" dirty="0"/>
+                  <a:t> </a:t>
+                </a:r>
+              </a:p>
+              <a:p>
+                <a:pPr marL="0" indent="0">
+                  <a:buNone/>
+                </a:pPr>
                 <a:endParaRPr lang="en-US" dirty="0"/>
+              </a:p>
+              <a:p>
+                <a:pPr marL="0" indent="0">
+                  <a:buNone/>
+                </a:pPr>
+                <a:r>
+                  <a:rPr lang="en-US" dirty="0"/>
+                  <a:t>Let’s plug this into out chart:</a:t>
+                </a:r>
               </a:p>
             </p:txBody>
           </p:sp>
@@ -17443,7 +17675,7 @@
     </p:spTree>
     <p:extLst>
       <p:ext uri="{BB962C8B-B14F-4D97-AF65-F5344CB8AC3E}">
-        <p14:creationId xmlns:p14="http://schemas.microsoft.com/office/powerpoint/2010/main" val="1772482125"/>
+        <p14:creationId xmlns:p14="http://schemas.microsoft.com/office/powerpoint/2010/main" val="1841804078"/>
       </p:ext>
     </p:extLst>
   </p:cSld>
@@ -17454,645 +17686,6 @@
 </file>
 
 <file path=ppt/slides/slide37.xml><?xml version="1.0" encoding="utf-8"?>
-<p:sld xmlns:a="http://schemas.openxmlformats.org/drawingml/2006/main" xmlns:r="http://schemas.openxmlformats.org/officeDocument/2006/relationships" xmlns:p="http://schemas.openxmlformats.org/presentationml/2006/main">
-  <p:cSld>
-    <p:spTree>
-      <p:nvGrpSpPr>
-        <p:cNvPr id="1" name=""/>
-        <p:cNvGrpSpPr/>
-        <p:nvPr/>
-      </p:nvGrpSpPr>
-      <p:grpSpPr>
-        <a:xfrm>
-          <a:off x="0" y="0"/>
-          <a:ext cx="0" cy="0"/>
-          <a:chOff x="0" y="0"/>
-          <a:chExt cx="0" cy="0"/>
-        </a:xfrm>
-      </p:grpSpPr>
-      <mc:AlternateContent xmlns:mc="http://schemas.openxmlformats.org/markup-compatibility/2006" xmlns:a14="http://schemas.microsoft.com/office/drawing/2010/main">
-        <mc:Choice Requires="a14">
-          <p:sp>
-            <p:nvSpPr>
-              <p:cNvPr id="3" name="Content Placeholder 2"/>
-              <p:cNvSpPr>
-                <a:spLocks noGrp="1"/>
-              </p:cNvSpPr>
-              <p:nvPr>
-                <p:ph idx="1"/>
-              </p:nvPr>
-            </p:nvSpPr>
-            <p:spPr>
-              <a:xfrm>
-                <a:off x="838200" y="1378857"/>
-                <a:ext cx="10515600" cy="4798106"/>
-              </a:xfrm>
-            </p:spPr>
-            <p:txBody>
-              <a:bodyPr>
-                <a:normAutofit/>
-              </a:bodyPr>
-              <a:lstStyle/>
-              <a:p>
-                <a:pPr marL="0" indent="0">
-                  <a:buNone/>
-                </a:pPr>
-                <a:endParaRPr lang="en-US" dirty="0"/>
-              </a:p>
-              <a:p>
-                <a:pPr marL="0" indent="0">
-                  <a:buNone/>
-                </a:pPr>
-                <a:r>
-                  <a:rPr lang="en-US" dirty="0"/>
-                  <a:t>a2 = a1 + B</a:t>
-                </a:r>
-              </a:p>
-              <a:p>
-                <a:pPr marL="0" indent="0">
-                  <a:buNone/>
-                </a:pPr>
-                <a:endParaRPr lang="en-US" dirty="0"/>
-              </a:p>
-              <a:p>
-                <a:pPr marL="0" indent="0">
-                  <a:buNone/>
-                </a:pPr>
-                <a:r>
-                  <a:rPr lang="en-US" dirty="0"/>
-                  <a:t>What is </a:t>
-                </a:r>
-                <a14:m>
-                  <m:oMath xmlns:m="http://schemas.openxmlformats.org/officeDocument/2006/math">
-                    <m:f>
-                      <m:fPr>
-                        <m:ctrlPr>
-                          <a:rPr lang="en-US" i="1" smtClean="0">
-                            <a:latin typeface="Cambria Math" panose="02040503050406030204" pitchFamily="18" charset="0"/>
-                          </a:rPr>
-                        </m:ctrlPr>
-                      </m:fPr>
-                      <m:num>
-                        <m:r>
-                          <a:rPr lang="en-US" i="1" smtClean="0">
-                            <a:latin typeface="Cambria Math" panose="02040503050406030204" pitchFamily="18" charset="0"/>
-                            <a:ea typeface="Cambria Math" panose="02040503050406030204" pitchFamily="18" charset="0"/>
-                          </a:rPr>
-                          <m:t>𝛿</m:t>
-                        </m:r>
-                      </m:num>
-                      <m:den>
-                        <m:r>
-                          <a:rPr lang="en-US" i="1">
-                            <a:latin typeface="Cambria Math" panose="02040503050406030204" pitchFamily="18" charset="0"/>
-                            <a:ea typeface="Cambria Math" panose="02040503050406030204" pitchFamily="18" charset="0"/>
-                          </a:rPr>
-                          <m:t>𝛿</m:t>
-                        </m:r>
-                        <m:r>
-                          <a:rPr lang="en-US" b="0" i="1" smtClean="0">
-                            <a:latin typeface="Cambria Math" panose="02040503050406030204" pitchFamily="18" charset="0"/>
-                            <a:ea typeface="Cambria Math" panose="02040503050406030204" pitchFamily="18" charset="0"/>
-                          </a:rPr>
-                          <m:t>𝑎</m:t>
-                        </m:r>
-                        <m:r>
-                          <a:rPr lang="en-US" b="0" i="1" smtClean="0">
-                            <a:latin typeface="Cambria Math" panose="02040503050406030204" pitchFamily="18" charset="0"/>
-                            <a:ea typeface="Cambria Math" panose="02040503050406030204" pitchFamily="18" charset="0"/>
-                          </a:rPr>
-                          <m:t>1</m:t>
-                        </m:r>
-                      </m:den>
-                    </m:f>
-                    <m:d>
-                      <m:dPr>
-                        <m:begChr m:val="["/>
-                        <m:endChr m:val="]"/>
-                        <m:ctrlPr>
-                          <a:rPr lang="en-US" i="1" smtClean="0">
-                            <a:latin typeface="Cambria Math" panose="02040503050406030204" pitchFamily="18" charset="0"/>
-                          </a:rPr>
-                        </m:ctrlPr>
-                      </m:dPr>
-                      <m:e>
-                        <m:r>
-                          <a:rPr lang="en-US" b="0" i="1" smtClean="0">
-                            <a:latin typeface="Cambria Math" panose="02040503050406030204" pitchFamily="18" charset="0"/>
-                          </a:rPr>
-                          <m:t>𝑎</m:t>
-                        </m:r>
-                        <m:r>
-                          <a:rPr lang="en-US" b="0" i="1" smtClean="0">
-                            <a:latin typeface="Cambria Math" panose="02040503050406030204" pitchFamily="18" charset="0"/>
-                          </a:rPr>
-                          <m:t>2</m:t>
-                        </m:r>
-                      </m:e>
-                    </m:d>
-                    <m:r>
-                      <a:rPr lang="en-US" b="0" i="1" smtClean="0">
-                        <a:latin typeface="Cambria Math" panose="02040503050406030204" pitchFamily="18" charset="0"/>
-                      </a:rPr>
-                      <m:t>=</m:t>
-                    </m:r>
-                    <m:f>
-                      <m:fPr>
-                        <m:ctrlPr>
-                          <a:rPr lang="en-US" i="1">
-                            <a:latin typeface="Cambria Math" panose="02040503050406030204" pitchFamily="18" charset="0"/>
-                          </a:rPr>
-                        </m:ctrlPr>
-                      </m:fPr>
-                      <m:num>
-                        <m:r>
-                          <a:rPr lang="en-US" i="1">
-                            <a:latin typeface="Cambria Math" panose="02040503050406030204" pitchFamily="18" charset="0"/>
-                            <a:ea typeface="Cambria Math" panose="02040503050406030204" pitchFamily="18" charset="0"/>
-                          </a:rPr>
-                          <m:t>𝛿</m:t>
-                        </m:r>
-                      </m:num>
-                      <m:den>
-                        <m:r>
-                          <a:rPr lang="en-US" i="1">
-                            <a:latin typeface="Cambria Math" panose="02040503050406030204" pitchFamily="18" charset="0"/>
-                            <a:ea typeface="Cambria Math" panose="02040503050406030204" pitchFamily="18" charset="0"/>
-                          </a:rPr>
-                          <m:t>𝛿</m:t>
-                        </m:r>
-                        <m:r>
-                          <a:rPr lang="en-US" i="1">
-                            <a:latin typeface="Cambria Math" panose="02040503050406030204" pitchFamily="18" charset="0"/>
-                            <a:ea typeface="Cambria Math" panose="02040503050406030204" pitchFamily="18" charset="0"/>
-                          </a:rPr>
-                          <m:t>𝑎</m:t>
-                        </m:r>
-                        <m:r>
-                          <a:rPr lang="en-US" i="1">
-                            <a:latin typeface="Cambria Math" panose="02040503050406030204" pitchFamily="18" charset="0"/>
-                            <a:ea typeface="Cambria Math" panose="02040503050406030204" pitchFamily="18" charset="0"/>
-                          </a:rPr>
-                          <m:t>1</m:t>
-                        </m:r>
-                      </m:den>
-                    </m:f>
-                    <m:d>
-                      <m:dPr>
-                        <m:begChr m:val="["/>
-                        <m:endChr m:val="]"/>
-                        <m:ctrlPr>
-                          <a:rPr lang="en-US" i="1">
-                            <a:latin typeface="Cambria Math" panose="02040503050406030204" pitchFamily="18" charset="0"/>
-                          </a:rPr>
-                        </m:ctrlPr>
-                      </m:dPr>
-                      <m:e>
-                        <m:r>
-                          <a:rPr lang="en-US" i="1">
-                            <a:latin typeface="Cambria Math" panose="02040503050406030204" pitchFamily="18" charset="0"/>
-                          </a:rPr>
-                          <m:t>𝑎</m:t>
-                        </m:r>
-                        <m:r>
-                          <a:rPr lang="en-US" b="0" i="1" smtClean="0">
-                            <a:latin typeface="Cambria Math" panose="02040503050406030204" pitchFamily="18" charset="0"/>
-                          </a:rPr>
-                          <m:t>1+</m:t>
-                        </m:r>
-                        <m:r>
-                          <a:rPr lang="en-US" b="0" i="1" smtClean="0">
-                            <a:latin typeface="Cambria Math" panose="02040503050406030204" pitchFamily="18" charset="0"/>
-                          </a:rPr>
-                          <m:t>𝐵</m:t>
-                        </m:r>
-                      </m:e>
-                    </m:d>
-                    <m:r>
-                      <a:rPr lang="en-US" b="0" i="1" smtClean="0">
-                        <a:latin typeface="Cambria Math" panose="02040503050406030204" pitchFamily="18" charset="0"/>
-                      </a:rPr>
-                      <m:t>=</m:t>
-                    </m:r>
-                    <m:d>
-                      <m:dPr>
-                        <m:begChr m:val="["/>
-                        <m:endChr m:val="]"/>
-                        <m:ctrlPr>
-                          <a:rPr lang="en-US" b="0" i="1" smtClean="0">
-                            <a:latin typeface="Cambria Math" panose="02040503050406030204" pitchFamily="18" charset="0"/>
-                          </a:rPr>
-                        </m:ctrlPr>
-                      </m:dPr>
-                      <m:e>
-                        <m:r>
-                          <a:rPr lang="en-US" b="0" i="1" smtClean="0">
-                            <a:latin typeface="Cambria Math" panose="02040503050406030204" pitchFamily="18" charset="0"/>
-                          </a:rPr>
-                          <m:t>1+0</m:t>
-                        </m:r>
-                      </m:e>
-                    </m:d>
-                    <m:r>
-                      <a:rPr lang="en-US" b="0" i="1" smtClean="0">
-                        <a:latin typeface="Cambria Math" panose="02040503050406030204" pitchFamily="18" charset="0"/>
-                      </a:rPr>
-                      <m:t>=1</m:t>
-                    </m:r>
-                  </m:oMath>
-                </a14:m>
-                <a:endParaRPr lang="en-US" dirty="0"/>
-              </a:p>
-              <a:p>
-                <a:pPr marL="0" indent="0">
-                  <a:buNone/>
-                </a:pPr>
-                <a:endParaRPr lang="en-US" dirty="0"/>
-              </a:p>
-              <a:p>
-                <a:pPr marL="0" indent="0">
-                  <a:buNone/>
-                </a:pPr>
-                <a:r>
-                  <a:rPr lang="en-US" dirty="0"/>
-                  <a:t>What is </a:t>
-                </a:r>
-                <a14:m>
-                  <m:oMath xmlns:m="http://schemas.openxmlformats.org/officeDocument/2006/math">
-                    <m:f>
-                      <m:fPr>
-                        <m:ctrlPr>
-                          <a:rPr lang="en-US" i="1">
-                            <a:latin typeface="Cambria Math" panose="02040503050406030204" pitchFamily="18" charset="0"/>
-                          </a:rPr>
-                        </m:ctrlPr>
-                      </m:fPr>
-                      <m:num>
-                        <m:r>
-                          <a:rPr lang="en-US" i="1">
-                            <a:latin typeface="Cambria Math" panose="02040503050406030204" pitchFamily="18" charset="0"/>
-                            <a:ea typeface="Cambria Math" panose="02040503050406030204" pitchFamily="18" charset="0"/>
-                          </a:rPr>
-                          <m:t>𝛿</m:t>
-                        </m:r>
-                      </m:num>
-                      <m:den>
-                        <m:r>
-                          <a:rPr lang="en-US" i="1">
-                            <a:latin typeface="Cambria Math" panose="02040503050406030204" pitchFamily="18" charset="0"/>
-                            <a:ea typeface="Cambria Math" panose="02040503050406030204" pitchFamily="18" charset="0"/>
-                          </a:rPr>
-                          <m:t>𝛿</m:t>
-                        </m:r>
-                        <m:r>
-                          <a:rPr lang="en-US" b="0" i="1" smtClean="0">
-                            <a:latin typeface="Cambria Math" panose="02040503050406030204" pitchFamily="18" charset="0"/>
-                            <a:ea typeface="Cambria Math" panose="02040503050406030204" pitchFamily="18" charset="0"/>
-                          </a:rPr>
-                          <m:t>𝐵</m:t>
-                        </m:r>
-                      </m:den>
-                    </m:f>
-                    <m:d>
-                      <m:dPr>
-                        <m:begChr m:val="["/>
-                        <m:endChr m:val="]"/>
-                        <m:ctrlPr>
-                          <a:rPr lang="en-US" i="1">
-                            <a:latin typeface="Cambria Math" panose="02040503050406030204" pitchFamily="18" charset="0"/>
-                          </a:rPr>
-                        </m:ctrlPr>
-                      </m:dPr>
-                      <m:e>
-                        <m:r>
-                          <a:rPr lang="en-US" i="1">
-                            <a:latin typeface="Cambria Math" panose="02040503050406030204" pitchFamily="18" charset="0"/>
-                          </a:rPr>
-                          <m:t>𝑎</m:t>
-                        </m:r>
-                        <m:r>
-                          <a:rPr lang="en-US" i="1">
-                            <a:latin typeface="Cambria Math" panose="02040503050406030204" pitchFamily="18" charset="0"/>
-                          </a:rPr>
-                          <m:t>2</m:t>
-                        </m:r>
-                      </m:e>
-                    </m:d>
-                    <m:r>
-                      <a:rPr lang="en-US" b="0" i="1" smtClean="0">
-                        <a:latin typeface="Cambria Math" panose="02040503050406030204" pitchFamily="18" charset="0"/>
-                      </a:rPr>
-                      <m:t>=</m:t>
-                    </m:r>
-                    <m:f>
-                      <m:fPr>
-                        <m:ctrlPr>
-                          <a:rPr lang="en-US" i="1">
-                            <a:latin typeface="Cambria Math" panose="02040503050406030204" pitchFamily="18" charset="0"/>
-                          </a:rPr>
-                        </m:ctrlPr>
-                      </m:fPr>
-                      <m:num>
-                        <m:r>
-                          <a:rPr lang="en-US" i="1">
-                            <a:latin typeface="Cambria Math" panose="02040503050406030204" pitchFamily="18" charset="0"/>
-                            <a:ea typeface="Cambria Math" panose="02040503050406030204" pitchFamily="18" charset="0"/>
-                          </a:rPr>
-                          <m:t>𝛿</m:t>
-                        </m:r>
-                      </m:num>
-                      <m:den>
-                        <m:r>
-                          <a:rPr lang="en-US" i="1">
-                            <a:latin typeface="Cambria Math" panose="02040503050406030204" pitchFamily="18" charset="0"/>
-                            <a:ea typeface="Cambria Math" panose="02040503050406030204" pitchFamily="18" charset="0"/>
-                          </a:rPr>
-                          <m:t>𝛿</m:t>
-                        </m:r>
-                        <m:r>
-                          <a:rPr lang="en-US" i="1">
-                            <a:latin typeface="Cambria Math" panose="02040503050406030204" pitchFamily="18" charset="0"/>
-                            <a:ea typeface="Cambria Math" panose="02040503050406030204" pitchFamily="18" charset="0"/>
-                          </a:rPr>
-                          <m:t>𝐵</m:t>
-                        </m:r>
-                      </m:den>
-                    </m:f>
-                    <m:d>
-                      <m:dPr>
-                        <m:begChr m:val="["/>
-                        <m:endChr m:val="]"/>
-                        <m:ctrlPr>
-                          <a:rPr lang="en-US" i="1">
-                            <a:latin typeface="Cambria Math" panose="02040503050406030204" pitchFamily="18" charset="0"/>
-                          </a:rPr>
-                        </m:ctrlPr>
-                      </m:dPr>
-                      <m:e>
-                        <m:r>
-                          <a:rPr lang="en-US" i="1">
-                            <a:latin typeface="Cambria Math" panose="02040503050406030204" pitchFamily="18" charset="0"/>
-                          </a:rPr>
-                          <m:t>𝑎</m:t>
-                        </m:r>
-                        <m:r>
-                          <a:rPr lang="en-US" b="0" i="1" smtClean="0">
-                            <a:latin typeface="Cambria Math" panose="02040503050406030204" pitchFamily="18" charset="0"/>
-                          </a:rPr>
-                          <m:t>1+</m:t>
-                        </m:r>
-                        <m:r>
-                          <a:rPr lang="en-US" b="0" i="1" smtClean="0">
-                            <a:latin typeface="Cambria Math" panose="02040503050406030204" pitchFamily="18" charset="0"/>
-                          </a:rPr>
-                          <m:t>𝐵</m:t>
-                        </m:r>
-                      </m:e>
-                    </m:d>
-                    <m:r>
-                      <a:rPr lang="en-US" b="0" i="1" smtClean="0">
-                        <a:latin typeface="Cambria Math" panose="02040503050406030204" pitchFamily="18" charset="0"/>
-                      </a:rPr>
-                      <m:t>=</m:t>
-                    </m:r>
-                    <m:d>
-                      <m:dPr>
-                        <m:begChr m:val="["/>
-                        <m:endChr m:val="]"/>
-                        <m:ctrlPr>
-                          <a:rPr lang="en-US" b="0" i="1" smtClean="0">
-                            <a:latin typeface="Cambria Math" panose="02040503050406030204" pitchFamily="18" charset="0"/>
-                          </a:rPr>
-                        </m:ctrlPr>
-                      </m:dPr>
-                      <m:e>
-                        <m:r>
-                          <a:rPr lang="en-US" b="0" i="1" smtClean="0">
-                            <a:latin typeface="Cambria Math" panose="02040503050406030204" pitchFamily="18" charset="0"/>
-                          </a:rPr>
-                          <m:t>0+1</m:t>
-                        </m:r>
-                      </m:e>
-                    </m:d>
-                    <m:r>
-                      <a:rPr lang="en-US" b="0" i="1" smtClean="0">
-                        <a:latin typeface="Cambria Math" panose="02040503050406030204" pitchFamily="18" charset="0"/>
-                      </a:rPr>
-                      <m:t>=1</m:t>
-                    </m:r>
-                  </m:oMath>
-                </a14:m>
-                <a:r>
-                  <a:rPr lang="en-US" dirty="0"/>
-                  <a:t> </a:t>
-                </a:r>
-              </a:p>
-              <a:p>
-                <a:pPr marL="0" indent="0">
-                  <a:buNone/>
-                </a:pPr>
-                <a:endParaRPr lang="en-US" dirty="0"/>
-              </a:p>
-              <a:p>
-                <a:pPr marL="0" indent="0">
-                  <a:buNone/>
-                </a:pPr>
-                <a:r>
-                  <a:rPr lang="en-US" dirty="0"/>
-                  <a:t>Let’s plug this into out chart:</a:t>
-                </a:r>
-              </a:p>
-            </p:txBody>
-          </p:sp>
-        </mc:Choice>
-        <mc:Fallback xmlns="">
-          <p:sp>
-            <p:nvSpPr>
-              <p:cNvPr id="3" name="Content Placeholder 2"/>
-              <p:cNvSpPr>
-                <a:spLocks noGrp="1" noRot="1" noChangeAspect="1" noMove="1" noResize="1" noEditPoints="1" noAdjustHandles="1" noChangeArrowheads="1" noChangeShapeType="1" noTextEdit="1"/>
-              </p:cNvSpPr>
-              <p:nvPr>
-                <p:ph idx="1"/>
-              </p:nvPr>
-            </p:nvSpPr>
-            <p:spPr>
-              <a:xfrm>
-                <a:off x="838200" y="1378857"/>
-                <a:ext cx="10515600" cy="4798106"/>
-              </a:xfrm>
-              <a:blipFill>
-                <a:blip r:embed="rId2"/>
-                <a:stretch>
-                  <a:fillRect l="-1217"/>
-                </a:stretch>
-              </a:blipFill>
-            </p:spPr>
-            <p:txBody>
-              <a:bodyPr/>
-              <a:lstStyle/>
-              <a:p>
-                <a:r>
-                  <a:rPr lang="en-US">
-                    <a:noFill/>
-                  </a:rPr>
-                  <a:t> </a:t>
-                </a:r>
-              </a:p>
-            </p:txBody>
-          </p:sp>
-        </mc:Fallback>
-      </mc:AlternateContent>
-      <mc:AlternateContent xmlns:mc="http://schemas.openxmlformats.org/markup-compatibility/2006" xmlns:a14="http://schemas.microsoft.com/office/drawing/2010/main">
-        <mc:Choice Requires="a14">
-          <p:sp>
-            <p:nvSpPr>
-              <p:cNvPr id="4" name="Title 1"/>
-              <p:cNvSpPr>
-                <a:spLocks noGrp="1"/>
-              </p:cNvSpPr>
-              <p:nvPr>
-                <p:ph type="title"/>
-              </p:nvPr>
-            </p:nvSpPr>
-            <p:spPr>
-              <a:xfrm>
-                <a:off x="838200" y="365126"/>
-                <a:ext cx="10515600" cy="1028246"/>
-              </a:xfrm>
-            </p:spPr>
-            <p:txBody>
-              <a:bodyPr>
-                <a:normAutofit fontScale="90000"/>
-              </a:bodyPr>
-              <a:lstStyle/>
-              <a:p>
-                <a:r>
-                  <a:rPr lang="en-US" dirty="0"/>
-                  <a:t>Linear regression example; (x = 2, y = 7), </a:t>
-                </a:r>
-                <a14:m>
-                  <m:oMath xmlns:m="http://schemas.openxmlformats.org/officeDocument/2006/math">
-                    <m:r>
-                      <a:rPr lang="en-US" i="1">
-                        <a:latin typeface="Cambria Math" panose="02040503050406030204" pitchFamily="18" charset="0"/>
-                      </a:rPr>
-                      <m:t>𝐵</m:t>
-                    </m:r>
-                    <m:r>
-                      <a:rPr lang="en-US" i="1">
-                        <a:latin typeface="Cambria Math" panose="02040503050406030204" pitchFamily="18" charset="0"/>
-                      </a:rPr>
-                      <m:t>=2</m:t>
-                    </m:r>
-                  </m:oMath>
-                </a14:m>
-                <a:r>
-                  <a:rPr lang="en-US" dirty="0"/>
-                  <a:t>, and </a:t>
-                </a:r>
-                <a14:m>
-                  <m:oMath xmlns:m="http://schemas.openxmlformats.org/officeDocument/2006/math">
-                    <m:r>
-                      <a:rPr lang="en-US" i="1">
-                        <a:latin typeface="Cambria Math" panose="02040503050406030204" pitchFamily="18" charset="0"/>
-                      </a:rPr>
-                      <m:t>𝑊</m:t>
-                    </m:r>
-                    <m:r>
-                      <a:rPr lang="en-US" i="1">
-                        <a:latin typeface="Cambria Math" panose="02040503050406030204" pitchFamily="18" charset="0"/>
-                      </a:rPr>
-                      <m:t> </m:t>
-                    </m:r>
-                  </m:oMath>
-                </a14:m>
-                <a:r>
-                  <a:rPr lang="en-US" dirty="0"/>
-                  <a:t>= 3, </a:t>
-                </a:r>
-                <a14:m>
-                  <m:oMath xmlns:m="http://schemas.openxmlformats.org/officeDocument/2006/math">
-                    <m:acc>
-                      <m:accPr>
-                        <m:chr m:val="̂"/>
-                        <m:ctrlPr>
-                          <a:rPr lang="en-US" i="1">
-                            <a:latin typeface="Cambria Math" panose="02040503050406030204" pitchFamily="18" charset="0"/>
-                          </a:rPr>
-                        </m:ctrlPr>
-                      </m:accPr>
-                      <m:e>
-                        <m:r>
-                          <a:rPr lang="en-US" i="1">
-                            <a:latin typeface="Cambria Math" panose="02040503050406030204" pitchFamily="18" charset="0"/>
-                          </a:rPr>
-                          <m:t>𝑌</m:t>
-                        </m:r>
-                      </m:e>
-                    </m:acc>
-                  </m:oMath>
-                </a14:m>
-                <a:r>
-                  <a:rPr lang="en-US" dirty="0"/>
-                  <a:t> = 8</a:t>
-                </a:r>
-              </a:p>
-            </p:txBody>
-          </p:sp>
-        </mc:Choice>
-        <mc:Fallback xmlns="">
-          <p:sp>
-            <p:nvSpPr>
-              <p:cNvPr id="4" name="Title 1"/>
-              <p:cNvSpPr>
-                <a:spLocks noGrp="1" noRot="1" noChangeAspect="1" noMove="1" noResize="1" noEditPoints="1" noAdjustHandles="1" noChangeArrowheads="1" noChangeShapeType="1" noTextEdit="1"/>
-              </p:cNvSpPr>
-              <p:nvPr>
-                <p:ph type="title"/>
-              </p:nvPr>
-            </p:nvSpPr>
-            <p:spPr>
-              <a:xfrm>
-                <a:off x="838200" y="365126"/>
-                <a:ext cx="10515600" cy="1028246"/>
-              </a:xfrm>
-              <a:blipFill>
-                <a:blip r:embed="rId3"/>
-                <a:stretch>
-                  <a:fillRect l="-2087" t="-24852" b="-34320"/>
-                </a:stretch>
-              </a:blipFill>
-            </p:spPr>
-            <p:txBody>
-              <a:bodyPr/>
-              <a:lstStyle/>
-              <a:p>
-                <a:r>
-                  <a:rPr lang="en-US">
-                    <a:noFill/>
-                  </a:rPr>
-                  <a:t> </a:t>
-                </a:r>
-              </a:p>
-            </p:txBody>
-          </p:sp>
-        </mc:Fallback>
-      </mc:AlternateContent>
-    </p:spTree>
-    <p:extLst>
-      <p:ext uri="{BB962C8B-B14F-4D97-AF65-F5344CB8AC3E}">
-        <p14:creationId xmlns:p14="http://schemas.microsoft.com/office/powerpoint/2010/main" val="1841804078"/>
-      </p:ext>
-    </p:extLst>
-  </p:cSld>
-  <p:clrMapOvr>
-    <a:masterClrMapping/>
-  </p:clrMapOvr>
-</p:sld>
-</file>
-
-<file path=ppt/slides/slide38.xml><?xml version="1.0" encoding="utf-8"?>
 <p:sld xmlns:a="http://schemas.openxmlformats.org/drawingml/2006/main" xmlns:r="http://schemas.openxmlformats.org/officeDocument/2006/relationships" xmlns:p="http://schemas.openxmlformats.org/presentationml/2006/main">
   <p:cSld>
     <p:spTree>
@@ -18571,7 +18164,7 @@
 </p:sld>
 </file>
 
-<file path=ppt/slides/slide39.xml><?xml version="1.0" encoding="utf-8"?>
+<file path=ppt/slides/slide38.xml><?xml version="1.0" encoding="utf-8"?>
 <p:sld xmlns:a="http://schemas.openxmlformats.org/drawingml/2006/main" xmlns:r="http://schemas.openxmlformats.org/officeDocument/2006/relationships" xmlns:p="http://schemas.openxmlformats.org/presentationml/2006/main">
   <p:cSld>
     <p:spTree>
@@ -19291,6 +18884,231 @@
     <p:extLst>
       <p:ext uri="{BB962C8B-B14F-4D97-AF65-F5344CB8AC3E}">
         <p14:creationId xmlns:p14="http://schemas.microsoft.com/office/powerpoint/2010/main" val="2602145987"/>
+      </p:ext>
+    </p:extLst>
+  </p:cSld>
+  <p:clrMapOvr>
+    <a:masterClrMapping/>
+  </p:clrMapOvr>
+</p:sld>
+</file>
+
+<file path=ppt/slides/slide39.xml><?xml version="1.0" encoding="utf-8"?>
+<p:sld xmlns:a="http://schemas.openxmlformats.org/drawingml/2006/main" xmlns:r="http://schemas.openxmlformats.org/officeDocument/2006/relationships" xmlns:p="http://schemas.openxmlformats.org/presentationml/2006/main">
+  <p:cSld>
+    <p:spTree>
+      <p:nvGrpSpPr>
+        <p:cNvPr id="1" name=""/>
+        <p:cNvGrpSpPr/>
+        <p:nvPr/>
+      </p:nvGrpSpPr>
+      <p:grpSpPr>
+        <a:xfrm>
+          <a:off x="0" y="0"/>
+          <a:ext cx="0" cy="0"/>
+          <a:chOff x="0" y="0"/>
+          <a:chExt cx="0" cy="0"/>
+        </a:xfrm>
+      </p:grpSpPr>
+      <mc:AlternateContent xmlns:mc="http://schemas.openxmlformats.org/markup-compatibility/2006" xmlns:a14="http://schemas.microsoft.com/office/drawing/2010/main">
+        <mc:Choice Requires="a14">
+          <p:sp>
+            <p:nvSpPr>
+              <p:cNvPr id="4" name="Title 1"/>
+              <p:cNvSpPr>
+                <a:spLocks noGrp="1"/>
+              </p:cNvSpPr>
+              <p:nvPr>
+                <p:ph type="title"/>
+              </p:nvPr>
+            </p:nvSpPr>
+            <p:spPr>
+              <a:xfrm>
+                <a:off x="838200" y="365126"/>
+                <a:ext cx="10515600" cy="1028246"/>
+              </a:xfrm>
+            </p:spPr>
+            <p:txBody>
+              <a:bodyPr>
+                <a:normAutofit fontScale="90000"/>
+              </a:bodyPr>
+              <a:lstStyle/>
+              <a:p>
+                <a:r>
+                  <a:rPr lang="en-US" dirty="0"/>
+                  <a:t>Linear regression example; (x = 2, y = 7), </a:t>
+                </a:r>
+                <a14:m>
+                  <m:oMath xmlns:m="http://schemas.openxmlformats.org/officeDocument/2006/math">
+                    <m:r>
+                      <a:rPr lang="en-US" i="1">
+                        <a:latin typeface="Cambria Math" panose="02040503050406030204" pitchFamily="18" charset="0"/>
+                      </a:rPr>
+                      <m:t>𝐵</m:t>
+                    </m:r>
+                    <m:r>
+                      <a:rPr lang="en-US" i="1">
+                        <a:latin typeface="Cambria Math" panose="02040503050406030204" pitchFamily="18" charset="0"/>
+                      </a:rPr>
+                      <m:t>=2</m:t>
+                    </m:r>
+                  </m:oMath>
+                </a14:m>
+                <a:r>
+                  <a:rPr lang="en-US" dirty="0"/>
+                  <a:t>, and </a:t>
+                </a:r>
+                <a14:m>
+                  <m:oMath xmlns:m="http://schemas.openxmlformats.org/officeDocument/2006/math">
+                    <m:r>
+                      <a:rPr lang="en-US" i="1">
+                        <a:latin typeface="Cambria Math" panose="02040503050406030204" pitchFamily="18" charset="0"/>
+                      </a:rPr>
+                      <m:t>𝑊</m:t>
+                    </m:r>
+                    <m:r>
+                      <a:rPr lang="en-US" i="1">
+                        <a:latin typeface="Cambria Math" panose="02040503050406030204" pitchFamily="18" charset="0"/>
+                      </a:rPr>
+                      <m:t> </m:t>
+                    </m:r>
+                  </m:oMath>
+                </a14:m>
+                <a:r>
+                  <a:rPr lang="en-US" dirty="0"/>
+                  <a:t>= 3, </a:t>
+                </a:r>
+                <a14:m>
+                  <m:oMath xmlns:m="http://schemas.openxmlformats.org/officeDocument/2006/math">
+                    <m:acc>
+                      <m:accPr>
+                        <m:chr m:val="̂"/>
+                        <m:ctrlPr>
+                          <a:rPr lang="en-US" i="1">
+                            <a:latin typeface="Cambria Math" panose="02040503050406030204" pitchFamily="18" charset="0"/>
+                          </a:rPr>
+                        </m:ctrlPr>
+                      </m:accPr>
+                      <m:e>
+                        <m:r>
+                          <a:rPr lang="en-US" i="1">
+                            <a:latin typeface="Cambria Math" panose="02040503050406030204" pitchFamily="18" charset="0"/>
+                          </a:rPr>
+                          <m:t>𝑌</m:t>
+                        </m:r>
+                      </m:e>
+                    </m:acc>
+                  </m:oMath>
+                </a14:m>
+                <a:r>
+                  <a:rPr lang="en-US" dirty="0"/>
+                  <a:t> = 8</a:t>
+                </a:r>
+              </a:p>
+            </p:txBody>
+          </p:sp>
+        </mc:Choice>
+        <mc:Fallback xmlns="">
+          <p:sp>
+            <p:nvSpPr>
+              <p:cNvPr id="4" name="Title 1"/>
+              <p:cNvSpPr>
+                <a:spLocks noGrp="1" noRot="1" noChangeAspect="1" noMove="1" noResize="1" noEditPoints="1" noAdjustHandles="1" noChangeArrowheads="1" noChangeShapeType="1" noTextEdit="1"/>
+              </p:cNvSpPr>
+              <p:nvPr>
+                <p:ph type="title"/>
+              </p:nvPr>
+            </p:nvSpPr>
+            <p:spPr>
+              <a:xfrm>
+                <a:off x="838200" y="365126"/>
+                <a:ext cx="10515600" cy="1028246"/>
+              </a:xfrm>
+              <a:blipFill>
+                <a:blip r:embed="rId3"/>
+                <a:stretch>
+                  <a:fillRect l="-2087" t="-24852" b="-34320"/>
+                </a:stretch>
+              </a:blipFill>
+            </p:spPr>
+            <p:txBody>
+              <a:bodyPr/>
+              <a:lstStyle/>
+              <a:p>
+                <a:r>
+                  <a:rPr lang="en-US">
+                    <a:noFill/>
+                  </a:rPr>
+                  <a:t> </a:t>
+                </a:r>
+              </a:p>
+            </p:txBody>
+          </p:sp>
+        </mc:Fallback>
+      </mc:AlternateContent>
+      <p:sp>
+        <p:nvSpPr>
+          <p:cNvPr id="5" name="TextBox 4"/>
+          <p:cNvSpPr txBox="1"/>
+          <p:nvPr/>
+        </p:nvSpPr>
+        <p:spPr>
+          <a:xfrm>
+            <a:off x="1611993" y="4771832"/>
+            <a:ext cx="9579428" cy="523220"/>
+          </a:xfrm>
+          <a:prstGeom prst="rect">
+            <a:avLst/>
+          </a:prstGeom>
+          <a:noFill/>
+        </p:spPr>
+        <p:txBody>
+          <a:bodyPr wrap="square" rtlCol="0">
+            <a:spAutoFit/>
+          </a:bodyPr>
+          <a:lstStyle/>
+          <a:p>
+            <a:r>
+              <a:rPr lang="en-US" sz="2800" dirty="0"/>
+              <a:t>Does anyone see anything useful?</a:t>
+            </a:r>
+            <a:endParaRPr lang="en-US" dirty="0"/>
+          </a:p>
+        </p:txBody>
+      </p:sp>
+      <p:pic>
+        <p:nvPicPr>
+          <p:cNvPr id="8" name="Content Placeholder 7"/>
+          <p:cNvPicPr>
+            <a:picLocks noGrp="1" noChangeAspect="1"/>
+          </p:cNvPicPr>
+          <p:nvPr>
+            <p:ph idx="1"/>
+          </p:nvPr>
+        </p:nvPicPr>
+        <p:blipFill>
+          <a:blip r:embed="rId4">
+            <a:extLst>
+              <a:ext uri="{28A0092B-C50C-407E-A947-70E740481C1C}">
+                <a14:useLocalDpi xmlns:a14="http://schemas.microsoft.com/office/drawing/2010/main" val="0"/>
+              </a:ext>
+            </a:extLst>
+          </a:blip>
+          <a:stretch>
+            <a:fillRect/>
+          </a:stretch>
+        </p:blipFill>
+        <p:spPr>
+          <a:xfrm>
+            <a:off x="1938930" y="1769292"/>
+            <a:ext cx="8314140" cy="3002540"/>
+          </a:xfrm>
+        </p:spPr>
+      </p:pic>
+    </p:spTree>
+    <p:extLst>
+      <p:ext uri="{BB962C8B-B14F-4D97-AF65-F5344CB8AC3E}">
+        <p14:creationId xmlns:p14="http://schemas.microsoft.com/office/powerpoint/2010/main" val="2438029864"/>
       </p:ext>
     </p:extLst>
   </p:cSld>
@@ -19552,231 +19370,6 @@
                 <a:ext cx="10515600" cy="1028246"/>
               </a:xfrm>
               <a:blipFill>
-                <a:blip r:embed="rId3"/>
-                <a:stretch>
-                  <a:fillRect l="-2087" t="-24852" b="-34320"/>
-                </a:stretch>
-              </a:blipFill>
-            </p:spPr>
-            <p:txBody>
-              <a:bodyPr/>
-              <a:lstStyle/>
-              <a:p>
-                <a:r>
-                  <a:rPr lang="en-US">
-                    <a:noFill/>
-                  </a:rPr>
-                  <a:t> </a:t>
-                </a:r>
-              </a:p>
-            </p:txBody>
-          </p:sp>
-        </mc:Fallback>
-      </mc:AlternateContent>
-      <p:sp>
-        <p:nvSpPr>
-          <p:cNvPr id="5" name="TextBox 4"/>
-          <p:cNvSpPr txBox="1"/>
-          <p:nvPr/>
-        </p:nvSpPr>
-        <p:spPr>
-          <a:xfrm>
-            <a:off x="1611993" y="4771832"/>
-            <a:ext cx="9579428" cy="523220"/>
-          </a:xfrm>
-          <a:prstGeom prst="rect">
-            <a:avLst/>
-          </a:prstGeom>
-          <a:noFill/>
-        </p:spPr>
-        <p:txBody>
-          <a:bodyPr wrap="square" rtlCol="0">
-            <a:spAutoFit/>
-          </a:bodyPr>
-          <a:lstStyle/>
-          <a:p>
-            <a:r>
-              <a:rPr lang="en-US" sz="2800" dirty="0"/>
-              <a:t>Does anyone see anything useful?</a:t>
-            </a:r>
-            <a:endParaRPr lang="en-US" dirty="0"/>
-          </a:p>
-        </p:txBody>
-      </p:sp>
-      <p:pic>
-        <p:nvPicPr>
-          <p:cNvPr id="8" name="Content Placeholder 7"/>
-          <p:cNvPicPr>
-            <a:picLocks noGrp="1" noChangeAspect="1"/>
-          </p:cNvPicPr>
-          <p:nvPr>
-            <p:ph idx="1"/>
-          </p:nvPr>
-        </p:nvPicPr>
-        <p:blipFill>
-          <a:blip r:embed="rId4">
-            <a:extLst>
-              <a:ext uri="{28A0092B-C50C-407E-A947-70E740481C1C}">
-                <a14:useLocalDpi xmlns:a14="http://schemas.microsoft.com/office/drawing/2010/main" val="0"/>
-              </a:ext>
-            </a:extLst>
-          </a:blip>
-          <a:stretch>
-            <a:fillRect/>
-          </a:stretch>
-        </p:blipFill>
-        <p:spPr>
-          <a:xfrm>
-            <a:off x="1938930" y="1769292"/>
-            <a:ext cx="8314140" cy="3002540"/>
-          </a:xfrm>
-        </p:spPr>
-      </p:pic>
-    </p:spTree>
-    <p:extLst>
-      <p:ext uri="{BB962C8B-B14F-4D97-AF65-F5344CB8AC3E}">
-        <p14:creationId xmlns:p14="http://schemas.microsoft.com/office/powerpoint/2010/main" val="2438029864"/>
-      </p:ext>
-    </p:extLst>
-  </p:cSld>
-  <p:clrMapOvr>
-    <a:masterClrMapping/>
-  </p:clrMapOvr>
-</p:sld>
-</file>
-
-<file path=ppt/slides/slide41.xml><?xml version="1.0" encoding="utf-8"?>
-<p:sld xmlns:a="http://schemas.openxmlformats.org/drawingml/2006/main" xmlns:r="http://schemas.openxmlformats.org/officeDocument/2006/relationships" xmlns:p="http://schemas.openxmlformats.org/presentationml/2006/main">
-  <p:cSld>
-    <p:spTree>
-      <p:nvGrpSpPr>
-        <p:cNvPr id="1" name=""/>
-        <p:cNvGrpSpPr/>
-        <p:nvPr/>
-      </p:nvGrpSpPr>
-      <p:grpSpPr>
-        <a:xfrm>
-          <a:off x="0" y="0"/>
-          <a:ext cx="0" cy="0"/>
-          <a:chOff x="0" y="0"/>
-          <a:chExt cx="0" cy="0"/>
-        </a:xfrm>
-      </p:grpSpPr>
-      <mc:AlternateContent xmlns:mc="http://schemas.openxmlformats.org/markup-compatibility/2006" xmlns:a14="http://schemas.microsoft.com/office/drawing/2010/main">
-        <mc:Choice Requires="a14">
-          <p:sp>
-            <p:nvSpPr>
-              <p:cNvPr id="4" name="Title 1"/>
-              <p:cNvSpPr>
-                <a:spLocks noGrp="1"/>
-              </p:cNvSpPr>
-              <p:nvPr>
-                <p:ph type="title"/>
-              </p:nvPr>
-            </p:nvSpPr>
-            <p:spPr>
-              <a:xfrm>
-                <a:off x="838200" y="365126"/>
-                <a:ext cx="10515600" cy="1028246"/>
-              </a:xfrm>
-            </p:spPr>
-            <p:txBody>
-              <a:bodyPr>
-                <a:normAutofit fontScale="90000"/>
-              </a:bodyPr>
-              <a:lstStyle/>
-              <a:p>
-                <a:r>
-                  <a:rPr lang="en-US" dirty="0"/>
-                  <a:t>Linear regression example; (x = 2, y = 7), </a:t>
-                </a:r>
-                <a14:m>
-                  <m:oMath xmlns:m="http://schemas.openxmlformats.org/officeDocument/2006/math">
-                    <m:r>
-                      <a:rPr lang="en-US" i="1">
-                        <a:latin typeface="Cambria Math" panose="02040503050406030204" pitchFamily="18" charset="0"/>
-                      </a:rPr>
-                      <m:t>𝐵</m:t>
-                    </m:r>
-                    <m:r>
-                      <a:rPr lang="en-US" i="1">
-                        <a:latin typeface="Cambria Math" panose="02040503050406030204" pitchFamily="18" charset="0"/>
-                      </a:rPr>
-                      <m:t>=2</m:t>
-                    </m:r>
-                  </m:oMath>
-                </a14:m>
-                <a:r>
-                  <a:rPr lang="en-US" dirty="0"/>
-                  <a:t>, and </a:t>
-                </a:r>
-                <a14:m>
-                  <m:oMath xmlns:m="http://schemas.openxmlformats.org/officeDocument/2006/math">
-                    <m:r>
-                      <a:rPr lang="en-US" i="1">
-                        <a:latin typeface="Cambria Math" panose="02040503050406030204" pitchFamily="18" charset="0"/>
-                      </a:rPr>
-                      <m:t>𝑊</m:t>
-                    </m:r>
-                    <m:r>
-                      <a:rPr lang="en-US" i="1">
-                        <a:latin typeface="Cambria Math" panose="02040503050406030204" pitchFamily="18" charset="0"/>
-                      </a:rPr>
-                      <m:t> </m:t>
-                    </m:r>
-                  </m:oMath>
-                </a14:m>
-                <a:r>
-                  <a:rPr lang="en-US" dirty="0"/>
-                  <a:t>= 3, </a:t>
-                </a:r>
-                <a14:m>
-                  <m:oMath xmlns:m="http://schemas.openxmlformats.org/officeDocument/2006/math">
-                    <m:acc>
-                      <m:accPr>
-                        <m:chr m:val="̂"/>
-                        <m:ctrlPr>
-                          <a:rPr lang="en-US" i="1">
-                            <a:latin typeface="Cambria Math" panose="02040503050406030204" pitchFamily="18" charset="0"/>
-                          </a:rPr>
-                        </m:ctrlPr>
-                      </m:accPr>
-                      <m:e>
-                        <m:r>
-                          <a:rPr lang="en-US" i="1">
-                            <a:latin typeface="Cambria Math" panose="02040503050406030204" pitchFamily="18" charset="0"/>
-                          </a:rPr>
-                          <m:t>𝑌</m:t>
-                        </m:r>
-                      </m:e>
-                    </m:acc>
-                  </m:oMath>
-                </a14:m>
-                <a:r>
-                  <a:rPr lang="en-US" dirty="0"/>
-                  <a:t> = 8</a:t>
-                </a:r>
-              </a:p>
-            </p:txBody>
-          </p:sp>
-        </mc:Choice>
-        <mc:Fallback xmlns="">
-          <p:sp>
-            <p:nvSpPr>
-              <p:cNvPr id="4" name="Title 1"/>
-              <p:cNvSpPr>
-                <a:spLocks noGrp="1" noRot="1" noChangeAspect="1" noMove="1" noResize="1" noEditPoints="1" noAdjustHandles="1" noChangeArrowheads="1" noChangeShapeType="1" noTextEdit="1"/>
-              </p:cNvSpPr>
-              <p:nvPr>
-                <p:ph type="title"/>
-              </p:nvPr>
-            </p:nvSpPr>
-            <p:spPr>
-              <a:xfrm>
-                <a:off x="838200" y="365126"/>
-                <a:ext cx="10515600" cy="1028246"/>
-              </a:xfrm>
-              <a:blipFill>
                 <a:blip r:embed="rId2"/>
                 <a:stretch>
                   <a:fillRect l="-2087" t="-24852" b="-34320"/>
@@ -19869,6 +19462,540 @@
 </p:sld>
 </file>
 
+<file path=ppt/slides/slide41.xml><?xml version="1.0" encoding="utf-8"?>
+<p:sld xmlns:a="http://schemas.openxmlformats.org/drawingml/2006/main" xmlns:r="http://schemas.openxmlformats.org/officeDocument/2006/relationships" xmlns:p="http://schemas.openxmlformats.org/presentationml/2006/main">
+  <p:cSld>
+    <p:spTree>
+      <p:nvGrpSpPr>
+        <p:cNvPr id="1" name=""/>
+        <p:cNvGrpSpPr/>
+        <p:nvPr/>
+      </p:nvGrpSpPr>
+      <p:grpSpPr>
+        <a:xfrm>
+          <a:off x="0" y="0"/>
+          <a:ext cx="0" cy="0"/>
+          <a:chOff x="0" y="0"/>
+          <a:chExt cx="0" cy="0"/>
+        </a:xfrm>
+      </p:grpSpPr>
+      <mc:AlternateContent xmlns:mc="http://schemas.openxmlformats.org/markup-compatibility/2006" xmlns:a14="http://schemas.microsoft.com/office/drawing/2010/main">
+        <mc:Choice Requires="a14">
+          <p:sp>
+            <p:nvSpPr>
+              <p:cNvPr id="3" name="Content Placeholder 2"/>
+              <p:cNvSpPr>
+                <a:spLocks noGrp="1"/>
+              </p:cNvSpPr>
+              <p:nvPr>
+                <p:ph idx="1"/>
+              </p:nvPr>
+            </p:nvSpPr>
+            <p:spPr>
+              <a:xfrm>
+                <a:off x="838200" y="1378857"/>
+                <a:ext cx="10515600" cy="4798106"/>
+              </a:xfrm>
+            </p:spPr>
+            <p:txBody>
+              <a:bodyPr>
+                <a:normAutofit/>
+              </a:bodyPr>
+              <a:lstStyle/>
+              <a:p>
+                <a:pPr marL="0" indent="0">
+                  <a:buNone/>
+                </a:pPr>
+                <a:endParaRPr lang="en-US" i="1" dirty="0">
+                  <a:latin typeface="Cambria Math" panose="02040503050406030204" pitchFamily="18" charset="0"/>
+                </a:endParaRPr>
+              </a:p>
+              <a:p>
+                <a:pPr marL="0" indent="0">
+                  <a:buNone/>
+                </a:pPr>
+                <a14:m>
+                  <m:oMath xmlns:m="http://schemas.openxmlformats.org/officeDocument/2006/math">
+                    <m:sSub>
+                      <m:sSubPr>
+                        <m:ctrlPr>
+                          <a:rPr lang="en-US" i="1">
+                            <a:latin typeface="Cambria Math" panose="02040503050406030204" pitchFamily="18" charset="0"/>
+                          </a:rPr>
+                        </m:ctrlPr>
+                      </m:sSubPr>
+                      <m:e>
+                        <m:r>
+                          <a:rPr lang="en-US" i="1">
+                            <a:latin typeface="Cambria Math" panose="02040503050406030204" pitchFamily="18" charset="0"/>
+                          </a:rPr>
+                          <m:t>𝑎</m:t>
+                        </m:r>
+                      </m:e>
+                      <m:sub>
+                        <m:r>
+                          <a:rPr lang="en-US" i="1">
+                            <a:latin typeface="Cambria Math" panose="02040503050406030204" pitchFamily="18" charset="0"/>
+                          </a:rPr>
+                          <m:t>1</m:t>
+                        </m:r>
+                      </m:sub>
+                    </m:sSub>
+                  </m:oMath>
+                </a14:m>
+                <a:r>
+                  <a:rPr lang="en-US" dirty="0"/>
+                  <a:t> = </a:t>
+                </a:r>
+                <a14:m>
+                  <m:oMath xmlns:m="http://schemas.openxmlformats.org/officeDocument/2006/math">
+                    <m:sSub>
+                      <m:sSubPr>
+                        <m:ctrlPr>
+                          <a:rPr lang="en-US" i="1">
+                            <a:latin typeface="Cambria Math" panose="02040503050406030204" pitchFamily="18" charset="0"/>
+                          </a:rPr>
+                        </m:ctrlPr>
+                      </m:sSubPr>
+                      <m:e>
+                        <m:r>
+                          <a:rPr lang="en-US" i="1">
+                            <a:latin typeface="Cambria Math" panose="02040503050406030204" pitchFamily="18" charset="0"/>
+                          </a:rPr>
+                          <m:t>𝑎</m:t>
+                        </m:r>
+                      </m:e>
+                      <m:sub>
+                        <m:r>
+                          <a:rPr lang="en-US" i="1">
+                            <a:latin typeface="Cambria Math" panose="02040503050406030204" pitchFamily="18" charset="0"/>
+                          </a:rPr>
+                          <m:t>0</m:t>
+                        </m:r>
+                      </m:sub>
+                    </m:sSub>
+                    <m:r>
+                      <m:rPr>
+                        <m:nor/>
+                      </m:rPr>
+                      <a:rPr lang="en-US" dirty="0"/>
+                      <m:t>∗ </m:t>
+                    </m:r>
+                    <m:r>
+                      <m:rPr>
+                        <m:nor/>
+                      </m:rPr>
+                      <a:rPr lang="en-US" dirty="0"/>
+                      <m:t>W</m:t>
+                    </m:r>
+                  </m:oMath>
+                </a14:m>
+                <a:endParaRPr lang="en-US" dirty="0"/>
+              </a:p>
+              <a:p>
+                <a:pPr marL="0" indent="0">
+                  <a:buNone/>
+                </a:pPr>
+                <a:endParaRPr lang="en-US" dirty="0"/>
+              </a:p>
+              <a:p>
+                <a:pPr marL="0" indent="0">
+                  <a:buNone/>
+                </a:pPr>
+                <a:r>
+                  <a:rPr lang="en-US" dirty="0"/>
+                  <a:t>What is </a:t>
+                </a:r>
+                <a14:m>
+                  <m:oMath xmlns:m="http://schemas.openxmlformats.org/officeDocument/2006/math">
+                    <m:f>
+                      <m:fPr>
+                        <m:ctrlPr>
+                          <a:rPr lang="en-US" i="1" smtClean="0">
+                            <a:latin typeface="Cambria Math" panose="02040503050406030204" pitchFamily="18" charset="0"/>
+                          </a:rPr>
+                        </m:ctrlPr>
+                      </m:fPr>
+                      <m:num>
+                        <m:r>
+                          <a:rPr lang="en-US" i="1" smtClean="0">
+                            <a:latin typeface="Cambria Math" panose="02040503050406030204" pitchFamily="18" charset="0"/>
+                            <a:ea typeface="Cambria Math" panose="02040503050406030204" pitchFamily="18" charset="0"/>
+                          </a:rPr>
+                          <m:t>𝛿</m:t>
+                        </m:r>
+                      </m:num>
+                      <m:den>
+                        <m:r>
+                          <a:rPr lang="en-US" i="1">
+                            <a:latin typeface="Cambria Math" panose="02040503050406030204" pitchFamily="18" charset="0"/>
+                            <a:ea typeface="Cambria Math" panose="02040503050406030204" pitchFamily="18" charset="0"/>
+                          </a:rPr>
+                          <m:t>𝛿</m:t>
+                        </m:r>
+                        <m:sSub>
+                          <m:sSubPr>
+                            <m:ctrlPr>
+                              <a:rPr lang="en-US" i="1">
+                                <a:latin typeface="Cambria Math" panose="02040503050406030204" pitchFamily="18" charset="0"/>
+                              </a:rPr>
+                            </m:ctrlPr>
+                          </m:sSubPr>
+                          <m:e>
+                            <m:r>
+                              <a:rPr lang="en-US" i="1">
+                                <a:latin typeface="Cambria Math" panose="02040503050406030204" pitchFamily="18" charset="0"/>
+                              </a:rPr>
+                              <m:t>𝑎</m:t>
+                            </m:r>
+                          </m:e>
+                          <m:sub>
+                            <m:r>
+                              <a:rPr lang="en-US" b="0" i="1" smtClean="0">
+                                <a:latin typeface="Cambria Math" panose="02040503050406030204" pitchFamily="18" charset="0"/>
+                              </a:rPr>
+                              <m:t>0</m:t>
+                            </m:r>
+                          </m:sub>
+                        </m:sSub>
+                      </m:den>
+                    </m:f>
+                    <m:d>
+                      <m:dPr>
+                        <m:begChr m:val="["/>
+                        <m:endChr m:val="]"/>
+                        <m:ctrlPr>
+                          <a:rPr lang="en-US" i="1" smtClean="0">
+                            <a:latin typeface="Cambria Math" panose="02040503050406030204" pitchFamily="18" charset="0"/>
+                          </a:rPr>
+                        </m:ctrlPr>
+                      </m:dPr>
+                      <m:e>
+                        <m:sSub>
+                          <m:sSubPr>
+                            <m:ctrlPr>
+                              <a:rPr lang="en-US" i="1" smtClean="0">
+                                <a:latin typeface="Cambria Math" panose="02040503050406030204" pitchFamily="18" charset="0"/>
+                              </a:rPr>
+                            </m:ctrlPr>
+                          </m:sSubPr>
+                          <m:e>
+                            <m:r>
+                              <a:rPr lang="en-US" b="0" i="1" smtClean="0">
+                                <a:latin typeface="Cambria Math" panose="02040503050406030204" pitchFamily="18" charset="0"/>
+                              </a:rPr>
+                              <m:t>𝑎</m:t>
+                            </m:r>
+                          </m:e>
+                          <m:sub>
+                            <m:r>
+                              <a:rPr lang="en-US" b="0" i="1" smtClean="0">
+                                <a:latin typeface="Cambria Math" panose="02040503050406030204" pitchFamily="18" charset="0"/>
+                              </a:rPr>
+                              <m:t>1</m:t>
+                            </m:r>
+                          </m:sub>
+                        </m:sSub>
+                      </m:e>
+                    </m:d>
+                    <m:r>
+                      <a:rPr lang="en-US" b="0" i="1" smtClean="0">
+                        <a:latin typeface="Cambria Math" panose="02040503050406030204" pitchFamily="18" charset="0"/>
+                      </a:rPr>
+                      <m:t>=</m:t>
+                    </m:r>
+                  </m:oMath>
+                </a14:m>
+                <a:endParaRPr lang="en-US" dirty="0"/>
+              </a:p>
+              <a:p>
+                <a:pPr marL="0" indent="0">
+                  <a:buNone/>
+                </a:pPr>
+                <a:endParaRPr lang="en-US" dirty="0"/>
+              </a:p>
+              <a:p>
+                <a:pPr marL="0" indent="0">
+                  <a:buNone/>
+                </a:pPr>
+                <a:r>
+                  <a:rPr lang="en-US" dirty="0"/>
+                  <a:t>What is </a:t>
+                </a:r>
+                <a14:m>
+                  <m:oMath xmlns:m="http://schemas.openxmlformats.org/officeDocument/2006/math">
+                    <m:f>
+                      <m:fPr>
+                        <m:ctrlPr>
+                          <a:rPr lang="en-US" i="1">
+                            <a:latin typeface="Cambria Math" panose="02040503050406030204" pitchFamily="18" charset="0"/>
+                          </a:rPr>
+                        </m:ctrlPr>
+                      </m:fPr>
+                      <m:num>
+                        <m:r>
+                          <a:rPr lang="en-US" i="1">
+                            <a:latin typeface="Cambria Math" panose="02040503050406030204" pitchFamily="18" charset="0"/>
+                            <a:ea typeface="Cambria Math" panose="02040503050406030204" pitchFamily="18" charset="0"/>
+                          </a:rPr>
+                          <m:t>𝛿</m:t>
+                        </m:r>
+                      </m:num>
+                      <m:den>
+                        <m:r>
+                          <a:rPr lang="en-US" i="1">
+                            <a:latin typeface="Cambria Math" panose="02040503050406030204" pitchFamily="18" charset="0"/>
+                            <a:ea typeface="Cambria Math" panose="02040503050406030204" pitchFamily="18" charset="0"/>
+                          </a:rPr>
+                          <m:t>𝛿</m:t>
+                        </m:r>
+                        <m:r>
+                          <a:rPr lang="en-US" b="0" i="1" smtClean="0">
+                            <a:latin typeface="Cambria Math" panose="02040503050406030204" pitchFamily="18" charset="0"/>
+                            <a:ea typeface="Cambria Math" panose="02040503050406030204" pitchFamily="18" charset="0"/>
+                          </a:rPr>
+                          <m:t>𝑊</m:t>
+                        </m:r>
+                      </m:den>
+                    </m:f>
+                    <m:d>
+                      <m:dPr>
+                        <m:begChr m:val="["/>
+                        <m:endChr m:val="]"/>
+                        <m:ctrlPr>
+                          <a:rPr lang="en-US" i="1">
+                            <a:latin typeface="Cambria Math" panose="02040503050406030204" pitchFamily="18" charset="0"/>
+                          </a:rPr>
+                        </m:ctrlPr>
+                      </m:dPr>
+                      <m:e>
+                        <m:sSub>
+                          <m:sSubPr>
+                            <m:ctrlPr>
+                              <a:rPr lang="en-US" i="1">
+                                <a:latin typeface="Cambria Math" panose="02040503050406030204" pitchFamily="18" charset="0"/>
+                              </a:rPr>
+                            </m:ctrlPr>
+                          </m:sSubPr>
+                          <m:e>
+                            <m:r>
+                              <a:rPr lang="en-US" i="1">
+                                <a:latin typeface="Cambria Math" panose="02040503050406030204" pitchFamily="18" charset="0"/>
+                              </a:rPr>
+                              <m:t>𝑎</m:t>
+                            </m:r>
+                          </m:e>
+                          <m:sub>
+                            <m:r>
+                              <a:rPr lang="en-US" i="1">
+                                <a:latin typeface="Cambria Math" panose="02040503050406030204" pitchFamily="18" charset="0"/>
+                              </a:rPr>
+                              <m:t>1</m:t>
+                            </m:r>
+                          </m:sub>
+                        </m:sSub>
+                      </m:e>
+                    </m:d>
+                    <m:r>
+                      <a:rPr lang="en-US" b="0" i="1" smtClean="0">
+                        <a:latin typeface="Cambria Math" panose="02040503050406030204" pitchFamily="18" charset="0"/>
+                      </a:rPr>
+                      <m:t>=</m:t>
+                    </m:r>
+                  </m:oMath>
+                </a14:m>
+                <a:endParaRPr lang="en-US" dirty="0"/>
+              </a:p>
+            </p:txBody>
+          </p:sp>
+        </mc:Choice>
+        <mc:Fallback xmlns="">
+          <p:sp>
+            <p:nvSpPr>
+              <p:cNvPr id="3" name="Content Placeholder 2"/>
+              <p:cNvSpPr>
+                <a:spLocks noGrp="1" noRot="1" noChangeAspect="1" noMove="1" noResize="1" noEditPoints="1" noAdjustHandles="1" noChangeArrowheads="1" noChangeShapeType="1" noTextEdit="1"/>
+              </p:cNvSpPr>
+              <p:nvPr>
+                <p:ph idx="1"/>
+              </p:nvPr>
+            </p:nvSpPr>
+            <p:spPr>
+              <a:xfrm>
+                <a:off x="838200" y="1378857"/>
+                <a:ext cx="10515600" cy="4798106"/>
+              </a:xfrm>
+              <a:blipFill>
+                <a:blip r:embed="rId2"/>
+                <a:stretch>
+                  <a:fillRect l="-1217"/>
+                </a:stretch>
+              </a:blipFill>
+            </p:spPr>
+            <p:txBody>
+              <a:bodyPr/>
+              <a:lstStyle/>
+              <a:p>
+                <a:r>
+                  <a:rPr lang="en-US">
+                    <a:noFill/>
+                  </a:rPr>
+                  <a:t> </a:t>
+                </a:r>
+              </a:p>
+            </p:txBody>
+          </p:sp>
+        </mc:Fallback>
+      </mc:AlternateContent>
+      <mc:AlternateContent xmlns:mc="http://schemas.openxmlformats.org/markup-compatibility/2006" xmlns:a14="http://schemas.microsoft.com/office/drawing/2010/main">
+        <mc:Choice Requires="a14">
+          <p:sp>
+            <p:nvSpPr>
+              <p:cNvPr id="4" name="Title 1"/>
+              <p:cNvSpPr>
+                <a:spLocks noGrp="1"/>
+              </p:cNvSpPr>
+              <p:nvPr>
+                <p:ph type="title"/>
+              </p:nvPr>
+            </p:nvSpPr>
+            <p:spPr>
+              <a:xfrm>
+                <a:off x="838200" y="365126"/>
+                <a:ext cx="10515600" cy="1028246"/>
+              </a:xfrm>
+            </p:spPr>
+            <p:txBody>
+              <a:bodyPr>
+                <a:normAutofit fontScale="90000"/>
+              </a:bodyPr>
+              <a:lstStyle/>
+              <a:p>
+                <a:r>
+                  <a:rPr lang="en-US" dirty="0"/>
+                  <a:t>Linear regression example; (x = 2, y = 7), </a:t>
+                </a:r>
+                <a14:m>
+                  <m:oMath xmlns:m="http://schemas.openxmlformats.org/officeDocument/2006/math">
+                    <m:r>
+                      <a:rPr lang="en-US" i="1">
+                        <a:latin typeface="Cambria Math" panose="02040503050406030204" pitchFamily="18" charset="0"/>
+                      </a:rPr>
+                      <m:t>𝐵</m:t>
+                    </m:r>
+                    <m:r>
+                      <a:rPr lang="en-US" i="1">
+                        <a:latin typeface="Cambria Math" panose="02040503050406030204" pitchFamily="18" charset="0"/>
+                      </a:rPr>
+                      <m:t>=2</m:t>
+                    </m:r>
+                  </m:oMath>
+                </a14:m>
+                <a:r>
+                  <a:rPr lang="en-US" dirty="0"/>
+                  <a:t>, and </a:t>
+                </a:r>
+                <a14:m>
+                  <m:oMath xmlns:m="http://schemas.openxmlformats.org/officeDocument/2006/math">
+                    <m:r>
+                      <a:rPr lang="en-US" i="1">
+                        <a:latin typeface="Cambria Math" panose="02040503050406030204" pitchFamily="18" charset="0"/>
+                      </a:rPr>
+                      <m:t>𝑊</m:t>
+                    </m:r>
+                    <m:r>
+                      <a:rPr lang="en-US" i="1">
+                        <a:latin typeface="Cambria Math" panose="02040503050406030204" pitchFamily="18" charset="0"/>
+                      </a:rPr>
+                      <m:t> </m:t>
+                    </m:r>
+                  </m:oMath>
+                </a14:m>
+                <a:r>
+                  <a:rPr lang="en-US" dirty="0"/>
+                  <a:t>= 3, </a:t>
+                </a:r>
+                <a14:m>
+                  <m:oMath xmlns:m="http://schemas.openxmlformats.org/officeDocument/2006/math">
+                    <m:acc>
+                      <m:accPr>
+                        <m:chr m:val="̂"/>
+                        <m:ctrlPr>
+                          <a:rPr lang="en-US" i="1">
+                            <a:latin typeface="Cambria Math" panose="02040503050406030204" pitchFamily="18" charset="0"/>
+                          </a:rPr>
+                        </m:ctrlPr>
+                      </m:accPr>
+                      <m:e>
+                        <m:r>
+                          <a:rPr lang="en-US" i="1">
+                            <a:latin typeface="Cambria Math" panose="02040503050406030204" pitchFamily="18" charset="0"/>
+                          </a:rPr>
+                          <m:t>𝑌</m:t>
+                        </m:r>
+                      </m:e>
+                    </m:acc>
+                  </m:oMath>
+                </a14:m>
+                <a:r>
+                  <a:rPr lang="en-US" dirty="0"/>
+                  <a:t> = 8</a:t>
+                </a:r>
+              </a:p>
+            </p:txBody>
+          </p:sp>
+        </mc:Choice>
+        <mc:Fallback xmlns="">
+          <p:sp>
+            <p:nvSpPr>
+              <p:cNvPr id="4" name="Title 1"/>
+              <p:cNvSpPr>
+                <a:spLocks noGrp="1" noRot="1" noChangeAspect="1" noMove="1" noResize="1" noEditPoints="1" noAdjustHandles="1" noChangeArrowheads="1" noChangeShapeType="1" noTextEdit="1"/>
+              </p:cNvSpPr>
+              <p:nvPr>
+                <p:ph type="title"/>
+              </p:nvPr>
+            </p:nvSpPr>
+            <p:spPr>
+              <a:xfrm>
+                <a:off x="838200" y="365126"/>
+                <a:ext cx="10515600" cy="1028246"/>
+              </a:xfrm>
+              <a:blipFill>
+                <a:blip r:embed="rId3"/>
+                <a:stretch>
+                  <a:fillRect l="-2087" t="-24852" b="-34320"/>
+                </a:stretch>
+              </a:blipFill>
+            </p:spPr>
+            <p:txBody>
+              <a:bodyPr/>
+              <a:lstStyle/>
+              <a:p>
+                <a:r>
+                  <a:rPr lang="en-US">
+                    <a:noFill/>
+                  </a:rPr>
+                  <a:t> </a:t>
+                </a:r>
+              </a:p>
+            </p:txBody>
+          </p:sp>
+        </mc:Fallback>
+      </mc:AlternateContent>
+    </p:spTree>
+    <p:extLst>
+      <p:ext uri="{BB962C8B-B14F-4D97-AF65-F5344CB8AC3E}">
+        <p14:creationId xmlns:p14="http://schemas.microsoft.com/office/powerpoint/2010/main" val="1742071144"/>
+      </p:ext>
+    </p:extLst>
+  </p:cSld>
+  <p:clrMapOvr>
+    <a:masterClrMapping/>
+  </p:clrMapOvr>
+</p:sld>
+</file>
+
 <file path=ppt/slides/slide42.xml><?xml version="1.0" encoding="utf-8"?>
 <p:sld xmlns:a="http://schemas.openxmlformats.org/drawingml/2006/main" xmlns:r="http://schemas.openxmlformats.org/officeDocument/2006/relationships" xmlns:p="http://schemas.openxmlformats.org/presentationml/2006/main">
   <p:cSld>
@@ -19926,7 +20053,7 @@
                     <m:sSub>
                       <m:sSubPr>
                         <m:ctrlPr>
-                          <a:rPr lang="en-US" i="1">
+                          <a:rPr lang="en-US" i="1" smtClean="0">
                             <a:latin typeface="Cambria Math" panose="02040503050406030204" pitchFamily="18" charset="0"/>
                           </a:rPr>
                         </m:ctrlPr>
@@ -20111,9 +20238,115 @@
                       </a:rPr>
                       <m:t>=</m:t>
                     </m:r>
+                    <m:f>
+                      <m:fPr>
+                        <m:ctrlPr>
+                          <a:rPr lang="en-US" i="1">
+                            <a:latin typeface="Cambria Math" panose="02040503050406030204" pitchFamily="18" charset="0"/>
+                          </a:rPr>
+                        </m:ctrlPr>
+                      </m:fPr>
+                      <m:num>
+                        <m:r>
+                          <a:rPr lang="en-US" i="1">
+                            <a:latin typeface="Cambria Math" panose="02040503050406030204" pitchFamily="18" charset="0"/>
+                            <a:ea typeface="Cambria Math" panose="02040503050406030204" pitchFamily="18" charset="0"/>
+                          </a:rPr>
+                          <m:t>𝛿</m:t>
+                        </m:r>
+                      </m:num>
+                      <m:den>
+                        <m:r>
+                          <a:rPr lang="en-US" i="1">
+                            <a:latin typeface="Cambria Math" panose="02040503050406030204" pitchFamily="18" charset="0"/>
+                            <a:ea typeface="Cambria Math" panose="02040503050406030204" pitchFamily="18" charset="0"/>
+                          </a:rPr>
+                          <m:t>𝛿</m:t>
+                        </m:r>
+                        <m:sSub>
+                          <m:sSubPr>
+                            <m:ctrlPr>
+                              <a:rPr lang="en-US" i="1">
+                                <a:latin typeface="Cambria Math" panose="02040503050406030204" pitchFamily="18" charset="0"/>
+                              </a:rPr>
+                            </m:ctrlPr>
+                          </m:sSubPr>
+                          <m:e>
+                            <m:r>
+                              <a:rPr lang="en-US" i="1">
+                                <a:latin typeface="Cambria Math" panose="02040503050406030204" pitchFamily="18" charset="0"/>
+                              </a:rPr>
+                              <m:t>𝑎</m:t>
+                            </m:r>
+                          </m:e>
+                          <m:sub>
+                            <m:r>
+                              <a:rPr lang="en-US" b="0" i="1" smtClean="0">
+                                <a:latin typeface="Cambria Math" panose="02040503050406030204" pitchFamily="18" charset="0"/>
+                              </a:rPr>
+                              <m:t>0</m:t>
+                            </m:r>
+                          </m:sub>
+                        </m:sSub>
+                      </m:den>
+                    </m:f>
+                    <m:d>
+                      <m:dPr>
+                        <m:begChr m:val="["/>
+                        <m:endChr m:val="]"/>
+                        <m:ctrlPr>
+                          <a:rPr lang="en-US" i="1">
+                            <a:latin typeface="Cambria Math" panose="02040503050406030204" pitchFamily="18" charset="0"/>
+                          </a:rPr>
+                        </m:ctrlPr>
+                      </m:dPr>
+                      <m:e>
+                        <m:sSub>
+                          <m:sSubPr>
+                            <m:ctrlPr>
+                              <a:rPr lang="en-US" i="1">
+                                <a:latin typeface="Cambria Math" panose="02040503050406030204" pitchFamily="18" charset="0"/>
+                              </a:rPr>
+                            </m:ctrlPr>
+                          </m:sSubPr>
+                          <m:e>
+                            <m:r>
+                              <a:rPr lang="en-US" i="1">
+                                <a:latin typeface="Cambria Math" panose="02040503050406030204" pitchFamily="18" charset="0"/>
+                              </a:rPr>
+                              <m:t>𝑎</m:t>
+                            </m:r>
+                          </m:e>
+                          <m:sub>
+                            <m:r>
+                              <a:rPr lang="en-US" b="0" i="1" smtClean="0">
+                                <a:latin typeface="Cambria Math" panose="02040503050406030204" pitchFamily="18" charset="0"/>
+                              </a:rPr>
+                              <m:t>0</m:t>
+                            </m:r>
+                          </m:sub>
+                        </m:sSub>
+                        <m:r>
+                          <m:rPr>
+                            <m:nor/>
+                          </m:rPr>
+                          <a:rPr lang="en-US" dirty="0"/>
+                          <m:t>∗ </m:t>
+                        </m:r>
+                        <m:r>
+                          <m:rPr>
+                            <m:nor/>
+                          </m:rPr>
+                          <a:rPr lang="en-US" dirty="0"/>
+                          <m:t>W</m:t>
+                        </m:r>
+                      </m:e>
+                    </m:d>
                   </m:oMath>
                 </a14:m>
-                <a:endParaRPr lang="en-US" dirty="0"/>
+                <a:endParaRPr lang="en-US" b="0" i="1" dirty="0">
+                  <a:latin typeface="Cambria Math" panose="02040503050406030204" pitchFamily="18" charset="0"/>
+                </a:endParaRPr>
               </a:p>
               <a:p>
                 <a:pPr marL="0" indent="0">
@@ -20209,8 +20442,102 @@
                       </a:rPr>
                       <m:t>=</m:t>
                     </m:r>
+                    <m:f>
+                      <m:fPr>
+                        <m:ctrlPr>
+                          <a:rPr lang="en-US" i="1">
+                            <a:latin typeface="Cambria Math" panose="02040503050406030204" pitchFamily="18" charset="0"/>
+                          </a:rPr>
+                        </m:ctrlPr>
+                      </m:fPr>
+                      <m:num>
+                        <m:r>
+                          <a:rPr lang="en-US" i="1">
+                            <a:latin typeface="Cambria Math" panose="02040503050406030204" pitchFamily="18" charset="0"/>
+                            <a:ea typeface="Cambria Math" panose="02040503050406030204" pitchFamily="18" charset="0"/>
+                          </a:rPr>
+                          <m:t>𝛿</m:t>
+                        </m:r>
+                      </m:num>
+                      <m:den>
+                        <m:r>
+                          <a:rPr lang="en-US" i="1">
+                            <a:latin typeface="Cambria Math" panose="02040503050406030204" pitchFamily="18" charset="0"/>
+                            <a:ea typeface="Cambria Math" panose="02040503050406030204" pitchFamily="18" charset="0"/>
+                          </a:rPr>
+                          <m:t>𝛿</m:t>
+                        </m:r>
+                        <m:r>
+                          <a:rPr lang="en-US" b="0" i="1" smtClean="0">
+                            <a:latin typeface="Cambria Math" panose="02040503050406030204" pitchFamily="18" charset="0"/>
+                            <a:ea typeface="Cambria Math" panose="02040503050406030204" pitchFamily="18" charset="0"/>
+                          </a:rPr>
+                          <m:t>𝑊</m:t>
+                        </m:r>
+                      </m:den>
+                    </m:f>
+                    <m:d>
+                      <m:dPr>
+                        <m:begChr m:val="["/>
+                        <m:endChr m:val="]"/>
+                        <m:ctrlPr>
+                          <a:rPr lang="en-US" i="1">
+                            <a:latin typeface="Cambria Math" panose="02040503050406030204" pitchFamily="18" charset="0"/>
+                          </a:rPr>
+                        </m:ctrlPr>
+                      </m:dPr>
+                      <m:e>
+                        <m:sSub>
+                          <m:sSubPr>
+                            <m:ctrlPr>
+                              <a:rPr lang="en-US" i="1">
+                                <a:latin typeface="Cambria Math" panose="02040503050406030204" pitchFamily="18" charset="0"/>
+                              </a:rPr>
+                            </m:ctrlPr>
+                          </m:sSubPr>
+                          <m:e>
+                            <m:r>
+                              <a:rPr lang="en-US" i="1">
+                                <a:latin typeface="Cambria Math" panose="02040503050406030204" pitchFamily="18" charset="0"/>
+                              </a:rPr>
+                              <m:t>𝑎</m:t>
+                            </m:r>
+                          </m:e>
+                          <m:sub>
+                            <m:r>
+                              <a:rPr lang="en-US" i="1">
+                                <a:latin typeface="Cambria Math" panose="02040503050406030204" pitchFamily="18" charset="0"/>
+                              </a:rPr>
+                              <m:t>0</m:t>
+                            </m:r>
+                          </m:sub>
+                        </m:sSub>
+                        <m:r>
+                          <m:rPr>
+                            <m:nor/>
+                          </m:rPr>
+                          <a:rPr lang="en-US" dirty="0"/>
+                          <m:t>∗ </m:t>
+                        </m:r>
+                        <m:r>
+                          <m:rPr>
+                            <m:nor/>
+                          </m:rPr>
+                          <a:rPr lang="en-US" dirty="0"/>
+                          <m:t>W</m:t>
+                        </m:r>
+                      </m:e>
+                    </m:d>
                   </m:oMath>
                 </a14:m>
+                <a:endParaRPr lang="en-US" b="0" i="1" dirty="0">
+                  <a:latin typeface="Cambria Math" panose="02040503050406030204" pitchFamily="18" charset="0"/>
+                </a:endParaRPr>
+              </a:p>
+              <a:p>
+                <a:pPr marL="0" indent="0">
+                  <a:buNone/>
+                </a:pPr>
                 <a:endParaRPr lang="en-US" dirty="0"/>
               </a:p>
             </p:txBody>
@@ -20393,7 +20720,7 @@
     </p:spTree>
     <p:extLst>
       <p:ext uri="{BB962C8B-B14F-4D97-AF65-F5344CB8AC3E}">
-        <p14:creationId xmlns:p14="http://schemas.microsoft.com/office/powerpoint/2010/main" val="1742071144"/>
+        <p14:creationId xmlns:p14="http://schemas.microsoft.com/office/powerpoint/2010/main" val="4126554912"/>
       </p:ext>
     </p:extLst>
   </p:cSld>
@@ -20749,6 +21076,37 @@
                         </m:r>
                       </m:e>
                     </m:d>
+                    <m:r>
+                      <a:rPr lang="en-US" b="0" i="1" smtClean="0">
+                        <a:latin typeface="Cambria Math" panose="02040503050406030204" pitchFamily="18" charset="0"/>
+                      </a:rPr>
+                      <m:t>=</m:t>
+                    </m:r>
+                    <m:d>
+                      <m:dPr>
+                        <m:begChr m:val="["/>
+                        <m:endChr m:val="]"/>
+                        <m:ctrlPr>
+                          <a:rPr lang="en-US" b="0" i="1" smtClean="0">
+                            <a:latin typeface="Cambria Math" panose="02040503050406030204" pitchFamily="18" charset="0"/>
+                          </a:rPr>
+                        </m:ctrlPr>
+                      </m:dPr>
+                      <m:e>
+                        <m:r>
+                          <a:rPr lang="en-US" b="0" i="1" smtClean="0">
+                            <a:latin typeface="Cambria Math" panose="02040503050406030204" pitchFamily="18" charset="0"/>
+                          </a:rPr>
+                          <m:t>1 ∗ </m:t>
+                        </m:r>
+                        <m:r>
+                          <a:rPr lang="en-US" b="0" i="1" smtClean="0">
+                            <a:latin typeface="Cambria Math" panose="02040503050406030204" pitchFamily="18" charset="0"/>
+                          </a:rPr>
+                          <m:t>𝑊</m:t>
+                        </m:r>
+                      </m:e>
+                    </m:d>
                   </m:oMath>
                 </a14:m>
                 <a:endParaRPr lang="en-US" b="0" i="1" dirty="0">
@@ -20935,11 +21293,75 @@
                         </m:r>
                       </m:e>
                     </m:d>
+                    <m:r>
+                      <a:rPr lang="en-US" b="0" i="1" smtClean="0">
+                        <a:latin typeface="Cambria Math" panose="02040503050406030204" pitchFamily="18" charset="0"/>
+                      </a:rPr>
+                      <m:t>=</m:t>
+                    </m:r>
+                    <m:d>
+                      <m:dPr>
+                        <m:begChr m:val="["/>
+                        <m:endChr m:val="]"/>
+                        <m:ctrlPr>
+                          <a:rPr lang="en-US" b="0" i="1" smtClean="0">
+                            <a:latin typeface="Cambria Math" panose="02040503050406030204" pitchFamily="18" charset="0"/>
+                          </a:rPr>
+                        </m:ctrlPr>
+                      </m:dPr>
+                      <m:e>
+                        <m:sSub>
+                          <m:sSubPr>
+                            <m:ctrlPr>
+                              <a:rPr lang="en-US" i="1">
+                                <a:latin typeface="Cambria Math" panose="02040503050406030204" pitchFamily="18" charset="0"/>
+                              </a:rPr>
+                            </m:ctrlPr>
+                          </m:sSubPr>
+                          <m:e>
+                            <m:r>
+                              <a:rPr lang="en-US" i="1">
+                                <a:latin typeface="Cambria Math" panose="02040503050406030204" pitchFamily="18" charset="0"/>
+                              </a:rPr>
+                              <m:t>𝑎</m:t>
+                            </m:r>
+                          </m:e>
+                          <m:sub>
+                            <m:r>
+                              <a:rPr lang="en-US" i="1">
+                                <a:latin typeface="Cambria Math" panose="02040503050406030204" pitchFamily="18" charset="0"/>
+                              </a:rPr>
+                              <m:t>0</m:t>
+                            </m:r>
+                          </m:sub>
+                        </m:sSub>
+                        <m:r>
+                          <m:rPr>
+                            <m:nor/>
+                          </m:rPr>
+                          <a:rPr lang="en-US" dirty="0"/>
+                          <m:t>∗ </m:t>
+                        </m:r>
+                        <m:r>
+                          <m:rPr>
+                            <m:nor/>
+                          </m:rPr>
+                          <a:rPr lang="en-US" b="0" i="0" dirty="0" smtClean="0"/>
+                          <m:t>1</m:t>
+                        </m:r>
+                      </m:e>
+                    </m:d>
                   </m:oMath>
                 </a14:m>
                 <a:endParaRPr lang="en-US" b="0" i="1" dirty="0">
                   <a:latin typeface="Cambria Math" panose="02040503050406030204" pitchFamily="18" charset="0"/>
                 </a:endParaRPr>
+              </a:p>
+              <a:p>
+                <a:pPr marL="0" indent="0">
+                  <a:buNone/>
+                </a:pPr>
+                <a:endParaRPr lang="en-US" dirty="0"/>
               </a:p>
               <a:p>
                 <a:pPr marL="0" indent="0">
@@ -21127,7 +21549,7 @@
     </p:spTree>
     <p:extLst>
       <p:ext uri="{BB962C8B-B14F-4D97-AF65-F5344CB8AC3E}">
-        <p14:creationId xmlns:p14="http://schemas.microsoft.com/office/powerpoint/2010/main" val="4126554912"/>
+        <p14:creationId xmlns:p14="http://schemas.microsoft.com/office/powerpoint/2010/main" val="3052350684"/>
       </p:ext>
     </p:extLst>
   </p:cSld>
@@ -21174,7 +21596,7 @@
             </p:spPr>
             <p:txBody>
               <a:bodyPr>
-                <a:normAutofit/>
+                <a:normAutofit lnSpcReduction="10000"/>
               </a:bodyPr>
               <a:lstStyle/>
               <a:p>
@@ -21504,21 +21926,31 @@
                           <a:rPr lang="en-US" b="0" i="1" smtClean="0">
                             <a:latin typeface="Cambria Math" panose="02040503050406030204" pitchFamily="18" charset="0"/>
                           </a:rPr>
-                          <m:t>1 ∗ </m:t>
+                          <m:t>𝑊</m:t>
                         </m:r>
                         <m:r>
                           <a:rPr lang="en-US" b="0" i="1" smtClean="0">
                             <a:latin typeface="Cambria Math" panose="02040503050406030204" pitchFamily="18" charset="0"/>
                           </a:rPr>
-                          <m:t>𝑊</m:t>
+                          <m:t> ∗1</m:t>
                         </m:r>
                       </m:e>
                     </m:d>
+                    <m:r>
+                      <a:rPr lang="en-US" b="0" i="1" smtClean="0">
+                        <a:latin typeface="Cambria Math" panose="02040503050406030204" pitchFamily="18" charset="0"/>
+                      </a:rPr>
+                      <m:t>=</m:t>
+                    </m:r>
+                    <m:r>
+                      <a:rPr lang="en-US" b="0" i="1" smtClean="0">
+                        <a:latin typeface="Cambria Math" panose="02040503050406030204" pitchFamily="18" charset="0"/>
+                      </a:rPr>
+                      <m:t>𝑊</m:t>
+                    </m:r>
                   </m:oMath>
                 </a14:m>
-                <a:endParaRPr lang="en-US" b="0" i="1" dirty="0">
-                  <a:latin typeface="Cambria Math" panose="02040503050406030204" pitchFamily="18" charset="0"/>
-                </a:endParaRPr>
+                <a:endParaRPr lang="en-US" b="0" dirty="0"/>
               </a:p>
               <a:p>
                 <a:pPr marL="0" indent="0">
@@ -21758,11 +22190,43 @@
                         </m:r>
                       </m:e>
                     </m:d>
+                    <m:r>
+                      <a:rPr lang="en-US" b="0" i="1" smtClean="0">
+                        <a:latin typeface="Cambria Math" panose="02040503050406030204" pitchFamily="18" charset="0"/>
+                      </a:rPr>
+                      <m:t>=</m:t>
+                    </m:r>
+                    <m:sSub>
+                      <m:sSubPr>
+                        <m:ctrlPr>
+                          <a:rPr lang="en-US" i="1">
+                            <a:latin typeface="Cambria Math" panose="02040503050406030204" pitchFamily="18" charset="0"/>
+                          </a:rPr>
+                        </m:ctrlPr>
+                      </m:sSubPr>
+                      <m:e>
+                        <m:r>
+                          <a:rPr lang="en-US" i="1">
+                            <a:latin typeface="Cambria Math" panose="02040503050406030204" pitchFamily="18" charset="0"/>
+                          </a:rPr>
+                          <m:t>𝑎</m:t>
+                        </m:r>
+                      </m:e>
+                      <m:sub>
+                        <m:r>
+                          <a:rPr lang="en-US" i="1">
+                            <a:latin typeface="Cambria Math" panose="02040503050406030204" pitchFamily="18" charset="0"/>
+                          </a:rPr>
+                          <m:t>0</m:t>
+                        </m:r>
+                      </m:sub>
+                    </m:sSub>
                   </m:oMath>
                 </a14:m>
-                <a:endParaRPr lang="en-US" b="0" i="1" dirty="0">
-                  <a:latin typeface="Cambria Math" panose="02040503050406030204" pitchFamily="18" charset="0"/>
-                </a:endParaRPr>
+                <a:r>
+                  <a:rPr lang="en-US" dirty="0"/>
+                  <a:t> </a:t>
+                </a:r>
               </a:p>
               <a:p>
                 <a:pPr marL="0" indent="0">
@@ -21774,7 +22238,52 @@
                 <a:pPr marL="0" indent="0">
                   <a:buNone/>
                 </a:pPr>
-                <a:endParaRPr lang="en-US" dirty="0"/>
+                <a:r>
+                  <a:rPr lang="en-US" dirty="0"/>
+                  <a:t>What is the value of W?</a:t>
+                </a:r>
+              </a:p>
+              <a:p>
+                <a:pPr marL="0" indent="0">
+                  <a:buNone/>
+                </a:pPr>
+                <a:r>
+                  <a:rPr lang="en-US" dirty="0"/>
+                  <a:t>What is another name for </a:t>
+                </a:r>
+                <a14:m>
+                  <m:oMath xmlns:m="http://schemas.openxmlformats.org/officeDocument/2006/math">
+                    <m:sSub>
+                      <m:sSubPr>
+                        <m:ctrlPr>
+                          <a:rPr lang="en-US" i="1">
+                            <a:latin typeface="Cambria Math" panose="02040503050406030204" pitchFamily="18" charset="0"/>
+                          </a:rPr>
+                        </m:ctrlPr>
+                      </m:sSubPr>
+                      <m:e>
+                        <m:r>
+                          <a:rPr lang="en-US" i="1">
+                            <a:latin typeface="Cambria Math" panose="02040503050406030204" pitchFamily="18" charset="0"/>
+                          </a:rPr>
+                          <m:t>𝑎</m:t>
+                        </m:r>
+                      </m:e>
+                      <m:sub>
+                        <m:r>
+                          <a:rPr lang="en-US" i="1">
+                            <a:latin typeface="Cambria Math" panose="02040503050406030204" pitchFamily="18" charset="0"/>
+                          </a:rPr>
+                          <m:t>0</m:t>
+                        </m:r>
+                      </m:sub>
+                    </m:sSub>
+                  </m:oMath>
+                </a14:m>
+                <a:r>
+                  <a:rPr lang="en-US" dirty="0"/>
+                  <a:t>?</a:t>
+                </a:r>
               </a:p>
             </p:txBody>
           </p:sp>
@@ -21956,7 +22465,7 @@
     </p:spTree>
     <p:extLst>
       <p:ext uri="{BB962C8B-B14F-4D97-AF65-F5344CB8AC3E}">
-        <p14:creationId xmlns:p14="http://schemas.microsoft.com/office/powerpoint/2010/main" val="3052350684"/>
+        <p14:creationId xmlns:p14="http://schemas.microsoft.com/office/powerpoint/2010/main" val="2641005515"/>
       </p:ext>
     </p:extLst>
   </p:cSld>
@@ -22003,7 +22512,7 @@
             </p:spPr>
             <p:txBody>
               <a:bodyPr>
-                <a:normAutofit lnSpcReduction="10000"/>
+                <a:normAutofit/>
               </a:bodyPr>
               <a:lstStyle/>
               <a:p>
@@ -22355,9 +22864,15 @@
                       </a:rPr>
                       <m:t>𝑊</m:t>
                     </m:r>
+                    <m:r>
+                      <a:rPr lang="en-US" b="0" i="1" smtClean="0">
+                        <a:latin typeface="Cambria Math" panose="02040503050406030204" pitchFamily="18" charset="0"/>
+                      </a:rPr>
+                      <m:t>=3</m:t>
+                    </m:r>
                   </m:oMath>
                 </a14:m>
-                <a:endParaRPr lang="en-US" b="0" dirty="0"/>
+                <a:endParaRPr lang="en-US" dirty="0"/>
               </a:p>
               <a:p>
                 <a:pPr marL="0" indent="0">
@@ -22632,7 +23147,7 @@
                 </a14:m>
                 <a:r>
                   <a:rPr lang="en-US" dirty="0"/>
-                  <a:t> </a:t>
+                  <a:t> = x = 2</a:t>
                 </a:r>
               </a:p>
               <a:p>
@@ -22647,49 +23162,7 @@
                 </a:pPr>
                 <a:r>
                   <a:rPr lang="en-US" dirty="0"/>
-                  <a:t>What is the value of W?</a:t>
-                </a:r>
-              </a:p>
-              <a:p>
-                <a:pPr marL="0" indent="0">
-                  <a:buNone/>
-                </a:pPr>
-                <a:r>
-                  <a:rPr lang="en-US" dirty="0"/>
-                  <a:t>What is another name for </a:t>
-                </a:r>
-                <a14:m>
-                  <m:oMath xmlns:m="http://schemas.openxmlformats.org/officeDocument/2006/math">
-                    <m:sSub>
-                      <m:sSubPr>
-                        <m:ctrlPr>
-                          <a:rPr lang="en-US" i="1">
-                            <a:latin typeface="Cambria Math" panose="02040503050406030204" pitchFamily="18" charset="0"/>
-                          </a:rPr>
-                        </m:ctrlPr>
-                      </m:sSubPr>
-                      <m:e>
-                        <m:r>
-                          <a:rPr lang="en-US" i="1">
-                            <a:latin typeface="Cambria Math" panose="02040503050406030204" pitchFamily="18" charset="0"/>
-                          </a:rPr>
-                          <m:t>𝑎</m:t>
-                        </m:r>
-                      </m:e>
-                      <m:sub>
-                        <m:r>
-                          <a:rPr lang="en-US" i="1">
-                            <a:latin typeface="Cambria Math" panose="02040503050406030204" pitchFamily="18" charset="0"/>
-                          </a:rPr>
-                          <m:t>0</m:t>
-                        </m:r>
-                      </m:sub>
-                    </m:sSub>
-                  </m:oMath>
-                </a14:m>
-                <a:r>
-                  <a:rPr lang="en-US" dirty="0"/>
-                  <a:t>?</a:t>
+                  <a:t>Let’s plug this into out chart:</a:t>
                 </a:r>
               </a:p>
             </p:txBody>
@@ -22872,7 +23345,7 @@
     </p:spTree>
     <p:extLst>
       <p:ext uri="{BB962C8B-B14F-4D97-AF65-F5344CB8AC3E}">
-        <p14:creationId xmlns:p14="http://schemas.microsoft.com/office/powerpoint/2010/main" val="2641005515"/>
+        <p14:creationId xmlns:p14="http://schemas.microsoft.com/office/powerpoint/2010/main" val="2536839650"/>
       </p:ext>
     </p:extLst>
   </p:cSld>
@@ -22883,886 +23356,6 @@
 </file>
 
 <file path=ppt/slides/slide46.xml><?xml version="1.0" encoding="utf-8"?>
-<p:sld xmlns:a="http://schemas.openxmlformats.org/drawingml/2006/main" xmlns:r="http://schemas.openxmlformats.org/officeDocument/2006/relationships" xmlns:p="http://schemas.openxmlformats.org/presentationml/2006/main">
-  <p:cSld>
-    <p:spTree>
-      <p:nvGrpSpPr>
-        <p:cNvPr id="1" name=""/>
-        <p:cNvGrpSpPr/>
-        <p:nvPr/>
-      </p:nvGrpSpPr>
-      <p:grpSpPr>
-        <a:xfrm>
-          <a:off x="0" y="0"/>
-          <a:ext cx="0" cy="0"/>
-          <a:chOff x="0" y="0"/>
-          <a:chExt cx="0" cy="0"/>
-        </a:xfrm>
-      </p:grpSpPr>
-      <mc:AlternateContent xmlns:mc="http://schemas.openxmlformats.org/markup-compatibility/2006" xmlns:a14="http://schemas.microsoft.com/office/drawing/2010/main">
-        <mc:Choice Requires="a14">
-          <p:sp>
-            <p:nvSpPr>
-              <p:cNvPr id="3" name="Content Placeholder 2"/>
-              <p:cNvSpPr>
-                <a:spLocks noGrp="1"/>
-              </p:cNvSpPr>
-              <p:nvPr>
-                <p:ph idx="1"/>
-              </p:nvPr>
-            </p:nvSpPr>
-            <p:spPr>
-              <a:xfrm>
-                <a:off x="838200" y="1378857"/>
-                <a:ext cx="10515600" cy="4798106"/>
-              </a:xfrm>
-            </p:spPr>
-            <p:txBody>
-              <a:bodyPr>
-                <a:normAutofit/>
-              </a:bodyPr>
-              <a:lstStyle/>
-              <a:p>
-                <a:pPr marL="0" indent="0">
-                  <a:buNone/>
-                </a:pPr>
-                <a:endParaRPr lang="en-US" i="1" dirty="0">
-                  <a:latin typeface="Cambria Math" panose="02040503050406030204" pitchFamily="18" charset="0"/>
-                </a:endParaRPr>
-              </a:p>
-              <a:p>
-                <a:pPr marL="0" indent="0">
-                  <a:buNone/>
-                </a:pPr>
-                <a14:m>
-                  <m:oMath xmlns:m="http://schemas.openxmlformats.org/officeDocument/2006/math">
-                    <m:sSub>
-                      <m:sSubPr>
-                        <m:ctrlPr>
-                          <a:rPr lang="en-US" i="1" smtClean="0">
-                            <a:latin typeface="Cambria Math" panose="02040503050406030204" pitchFamily="18" charset="0"/>
-                          </a:rPr>
-                        </m:ctrlPr>
-                      </m:sSubPr>
-                      <m:e>
-                        <m:r>
-                          <a:rPr lang="en-US" i="1">
-                            <a:latin typeface="Cambria Math" panose="02040503050406030204" pitchFamily="18" charset="0"/>
-                          </a:rPr>
-                          <m:t>𝑎</m:t>
-                        </m:r>
-                      </m:e>
-                      <m:sub>
-                        <m:r>
-                          <a:rPr lang="en-US" i="1">
-                            <a:latin typeface="Cambria Math" panose="02040503050406030204" pitchFamily="18" charset="0"/>
-                          </a:rPr>
-                          <m:t>1</m:t>
-                        </m:r>
-                      </m:sub>
-                    </m:sSub>
-                  </m:oMath>
-                </a14:m>
-                <a:r>
-                  <a:rPr lang="en-US" dirty="0"/>
-                  <a:t> = </a:t>
-                </a:r>
-                <a14:m>
-                  <m:oMath xmlns:m="http://schemas.openxmlformats.org/officeDocument/2006/math">
-                    <m:sSub>
-                      <m:sSubPr>
-                        <m:ctrlPr>
-                          <a:rPr lang="en-US" i="1">
-                            <a:latin typeface="Cambria Math" panose="02040503050406030204" pitchFamily="18" charset="0"/>
-                          </a:rPr>
-                        </m:ctrlPr>
-                      </m:sSubPr>
-                      <m:e>
-                        <m:r>
-                          <a:rPr lang="en-US" i="1">
-                            <a:latin typeface="Cambria Math" panose="02040503050406030204" pitchFamily="18" charset="0"/>
-                          </a:rPr>
-                          <m:t>𝑎</m:t>
-                        </m:r>
-                      </m:e>
-                      <m:sub>
-                        <m:r>
-                          <a:rPr lang="en-US" i="1">
-                            <a:latin typeface="Cambria Math" panose="02040503050406030204" pitchFamily="18" charset="0"/>
-                          </a:rPr>
-                          <m:t>0</m:t>
-                        </m:r>
-                      </m:sub>
-                    </m:sSub>
-                    <m:r>
-                      <m:rPr>
-                        <m:nor/>
-                      </m:rPr>
-                      <a:rPr lang="en-US" dirty="0"/>
-                      <m:t>∗ </m:t>
-                    </m:r>
-                    <m:r>
-                      <m:rPr>
-                        <m:nor/>
-                      </m:rPr>
-                      <a:rPr lang="en-US" dirty="0"/>
-                      <m:t>W</m:t>
-                    </m:r>
-                  </m:oMath>
-                </a14:m>
-                <a:endParaRPr lang="en-US" dirty="0"/>
-              </a:p>
-              <a:p>
-                <a:pPr marL="0" indent="0">
-                  <a:buNone/>
-                </a:pPr>
-                <a:endParaRPr lang="en-US" dirty="0"/>
-              </a:p>
-              <a:p>
-                <a:pPr marL="0" indent="0">
-                  <a:buNone/>
-                </a:pPr>
-                <a:r>
-                  <a:rPr lang="en-US" dirty="0"/>
-                  <a:t>What is </a:t>
-                </a:r>
-                <a14:m>
-                  <m:oMath xmlns:m="http://schemas.openxmlformats.org/officeDocument/2006/math">
-                    <m:f>
-                      <m:fPr>
-                        <m:ctrlPr>
-                          <a:rPr lang="en-US" i="1" smtClean="0">
-                            <a:latin typeface="Cambria Math" panose="02040503050406030204" pitchFamily="18" charset="0"/>
-                          </a:rPr>
-                        </m:ctrlPr>
-                      </m:fPr>
-                      <m:num>
-                        <m:r>
-                          <a:rPr lang="en-US" i="1" smtClean="0">
-                            <a:latin typeface="Cambria Math" panose="02040503050406030204" pitchFamily="18" charset="0"/>
-                            <a:ea typeface="Cambria Math" panose="02040503050406030204" pitchFamily="18" charset="0"/>
-                          </a:rPr>
-                          <m:t>𝛿</m:t>
-                        </m:r>
-                      </m:num>
-                      <m:den>
-                        <m:r>
-                          <a:rPr lang="en-US" i="1">
-                            <a:latin typeface="Cambria Math" panose="02040503050406030204" pitchFamily="18" charset="0"/>
-                            <a:ea typeface="Cambria Math" panose="02040503050406030204" pitchFamily="18" charset="0"/>
-                          </a:rPr>
-                          <m:t>𝛿</m:t>
-                        </m:r>
-                        <m:sSub>
-                          <m:sSubPr>
-                            <m:ctrlPr>
-                              <a:rPr lang="en-US" i="1">
-                                <a:latin typeface="Cambria Math" panose="02040503050406030204" pitchFamily="18" charset="0"/>
-                              </a:rPr>
-                            </m:ctrlPr>
-                          </m:sSubPr>
-                          <m:e>
-                            <m:r>
-                              <a:rPr lang="en-US" i="1">
-                                <a:latin typeface="Cambria Math" panose="02040503050406030204" pitchFamily="18" charset="0"/>
-                              </a:rPr>
-                              <m:t>𝑎</m:t>
-                            </m:r>
-                          </m:e>
-                          <m:sub>
-                            <m:r>
-                              <a:rPr lang="en-US" b="0" i="1" smtClean="0">
-                                <a:latin typeface="Cambria Math" panose="02040503050406030204" pitchFamily="18" charset="0"/>
-                              </a:rPr>
-                              <m:t>0</m:t>
-                            </m:r>
-                          </m:sub>
-                        </m:sSub>
-                      </m:den>
-                    </m:f>
-                    <m:d>
-                      <m:dPr>
-                        <m:begChr m:val="["/>
-                        <m:endChr m:val="]"/>
-                        <m:ctrlPr>
-                          <a:rPr lang="en-US" i="1" smtClean="0">
-                            <a:latin typeface="Cambria Math" panose="02040503050406030204" pitchFamily="18" charset="0"/>
-                          </a:rPr>
-                        </m:ctrlPr>
-                      </m:dPr>
-                      <m:e>
-                        <m:sSub>
-                          <m:sSubPr>
-                            <m:ctrlPr>
-                              <a:rPr lang="en-US" i="1" smtClean="0">
-                                <a:latin typeface="Cambria Math" panose="02040503050406030204" pitchFamily="18" charset="0"/>
-                              </a:rPr>
-                            </m:ctrlPr>
-                          </m:sSubPr>
-                          <m:e>
-                            <m:r>
-                              <a:rPr lang="en-US" b="0" i="1" smtClean="0">
-                                <a:latin typeface="Cambria Math" panose="02040503050406030204" pitchFamily="18" charset="0"/>
-                              </a:rPr>
-                              <m:t>𝑎</m:t>
-                            </m:r>
-                          </m:e>
-                          <m:sub>
-                            <m:r>
-                              <a:rPr lang="en-US" b="0" i="1" smtClean="0">
-                                <a:latin typeface="Cambria Math" panose="02040503050406030204" pitchFamily="18" charset="0"/>
-                              </a:rPr>
-                              <m:t>1</m:t>
-                            </m:r>
-                          </m:sub>
-                        </m:sSub>
-                      </m:e>
-                    </m:d>
-                    <m:r>
-                      <a:rPr lang="en-US" b="0" i="1" smtClean="0">
-                        <a:latin typeface="Cambria Math" panose="02040503050406030204" pitchFamily="18" charset="0"/>
-                      </a:rPr>
-                      <m:t>=</m:t>
-                    </m:r>
-                    <m:f>
-                      <m:fPr>
-                        <m:ctrlPr>
-                          <a:rPr lang="en-US" i="1">
-                            <a:latin typeface="Cambria Math" panose="02040503050406030204" pitchFamily="18" charset="0"/>
-                          </a:rPr>
-                        </m:ctrlPr>
-                      </m:fPr>
-                      <m:num>
-                        <m:r>
-                          <a:rPr lang="en-US" i="1">
-                            <a:latin typeface="Cambria Math" panose="02040503050406030204" pitchFamily="18" charset="0"/>
-                            <a:ea typeface="Cambria Math" panose="02040503050406030204" pitchFamily="18" charset="0"/>
-                          </a:rPr>
-                          <m:t>𝛿</m:t>
-                        </m:r>
-                      </m:num>
-                      <m:den>
-                        <m:r>
-                          <a:rPr lang="en-US" i="1">
-                            <a:latin typeface="Cambria Math" panose="02040503050406030204" pitchFamily="18" charset="0"/>
-                            <a:ea typeface="Cambria Math" panose="02040503050406030204" pitchFamily="18" charset="0"/>
-                          </a:rPr>
-                          <m:t>𝛿</m:t>
-                        </m:r>
-                        <m:sSub>
-                          <m:sSubPr>
-                            <m:ctrlPr>
-                              <a:rPr lang="en-US" i="1">
-                                <a:latin typeface="Cambria Math" panose="02040503050406030204" pitchFamily="18" charset="0"/>
-                              </a:rPr>
-                            </m:ctrlPr>
-                          </m:sSubPr>
-                          <m:e>
-                            <m:r>
-                              <a:rPr lang="en-US" i="1">
-                                <a:latin typeface="Cambria Math" panose="02040503050406030204" pitchFamily="18" charset="0"/>
-                              </a:rPr>
-                              <m:t>𝑎</m:t>
-                            </m:r>
-                          </m:e>
-                          <m:sub>
-                            <m:r>
-                              <a:rPr lang="en-US" b="0" i="1" smtClean="0">
-                                <a:latin typeface="Cambria Math" panose="02040503050406030204" pitchFamily="18" charset="0"/>
-                              </a:rPr>
-                              <m:t>0</m:t>
-                            </m:r>
-                          </m:sub>
-                        </m:sSub>
-                      </m:den>
-                    </m:f>
-                    <m:d>
-                      <m:dPr>
-                        <m:begChr m:val="["/>
-                        <m:endChr m:val="]"/>
-                        <m:ctrlPr>
-                          <a:rPr lang="en-US" i="1">
-                            <a:latin typeface="Cambria Math" panose="02040503050406030204" pitchFamily="18" charset="0"/>
-                          </a:rPr>
-                        </m:ctrlPr>
-                      </m:dPr>
-                      <m:e>
-                        <m:sSub>
-                          <m:sSubPr>
-                            <m:ctrlPr>
-                              <a:rPr lang="en-US" i="1">
-                                <a:latin typeface="Cambria Math" panose="02040503050406030204" pitchFamily="18" charset="0"/>
-                              </a:rPr>
-                            </m:ctrlPr>
-                          </m:sSubPr>
-                          <m:e>
-                            <m:r>
-                              <a:rPr lang="en-US" i="1">
-                                <a:latin typeface="Cambria Math" panose="02040503050406030204" pitchFamily="18" charset="0"/>
-                              </a:rPr>
-                              <m:t>𝑎</m:t>
-                            </m:r>
-                          </m:e>
-                          <m:sub>
-                            <m:r>
-                              <a:rPr lang="en-US" b="0" i="1" smtClean="0">
-                                <a:latin typeface="Cambria Math" panose="02040503050406030204" pitchFamily="18" charset="0"/>
-                              </a:rPr>
-                              <m:t>0</m:t>
-                            </m:r>
-                          </m:sub>
-                        </m:sSub>
-                        <m:r>
-                          <m:rPr>
-                            <m:nor/>
-                          </m:rPr>
-                          <a:rPr lang="en-US" dirty="0"/>
-                          <m:t>∗ </m:t>
-                        </m:r>
-                        <m:r>
-                          <m:rPr>
-                            <m:nor/>
-                          </m:rPr>
-                          <a:rPr lang="en-US" dirty="0"/>
-                          <m:t>W</m:t>
-                        </m:r>
-                      </m:e>
-                    </m:d>
-                    <m:r>
-                      <a:rPr lang="en-US" b="0" i="1" smtClean="0">
-                        <a:latin typeface="Cambria Math" panose="02040503050406030204" pitchFamily="18" charset="0"/>
-                      </a:rPr>
-                      <m:t>=</m:t>
-                    </m:r>
-                    <m:d>
-                      <m:dPr>
-                        <m:begChr m:val="["/>
-                        <m:endChr m:val="]"/>
-                        <m:ctrlPr>
-                          <a:rPr lang="en-US" b="0" i="1" smtClean="0">
-                            <a:latin typeface="Cambria Math" panose="02040503050406030204" pitchFamily="18" charset="0"/>
-                          </a:rPr>
-                        </m:ctrlPr>
-                      </m:dPr>
-                      <m:e>
-                        <m:r>
-                          <a:rPr lang="en-US" b="0" i="1" smtClean="0">
-                            <a:latin typeface="Cambria Math" panose="02040503050406030204" pitchFamily="18" charset="0"/>
-                          </a:rPr>
-                          <m:t>𝑊</m:t>
-                        </m:r>
-                        <m:r>
-                          <a:rPr lang="en-US" b="0" i="1" smtClean="0">
-                            <a:latin typeface="Cambria Math" panose="02040503050406030204" pitchFamily="18" charset="0"/>
-                          </a:rPr>
-                          <m:t> ∗1</m:t>
-                        </m:r>
-                      </m:e>
-                    </m:d>
-                    <m:r>
-                      <a:rPr lang="en-US" b="0" i="1" smtClean="0">
-                        <a:latin typeface="Cambria Math" panose="02040503050406030204" pitchFamily="18" charset="0"/>
-                      </a:rPr>
-                      <m:t>=</m:t>
-                    </m:r>
-                    <m:r>
-                      <a:rPr lang="en-US" b="0" i="1" smtClean="0">
-                        <a:latin typeface="Cambria Math" panose="02040503050406030204" pitchFamily="18" charset="0"/>
-                      </a:rPr>
-                      <m:t>𝑊</m:t>
-                    </m:r>
-                    <m:r>
-                      <a:rPr lang="en-US" b="0" i="1" smtClean="0">
-                        <a:latin typeface="Cambria Math" panose="02040503050406030204" pitchFamily="18" charset="0"/>
-                      </a:rPr>
-                      <m:t>=3</m:t>
-                    </m:r>
-                  </m:oMath>
-                </a14:m>
-                <a:endParaRPr lang="en-US" dirty="0"/>
-              </a:p>
-              <a:p>
-                <a:pPr marL="0" indent="0">
-                  <a:buNone/>
-                </a:pPr>
-                <a:endParaRPr lang="en-US" dirty="0"/>
-              </a:p>
-              <a:p>
-                <a:pPr marL="0" indent="0">
-                  <a:buNone/>
-                </a:pPr>
-                <a:r>
-                  <a:rPr lang="en-US" dirty="0"/>
-                  <a:t>What is </a:t>
-                </a:r>
-                <a14:m>
-                  <m:oMath xmlns:m="http://schemas.openxmlformats.org/officeDocument/2006/math">
-                    <m:f>
-                      <m:fPr>
-                        <m:ctrlPr>
-                          <a:rPr lang="en-US" i="1">
-                            <a:latin typeface="Cambria Math" panose="02040503050406030204" pitchFamily="18" charset="0"/>
-                          </a:rPr>
-                        </m:ctrlPr>
-                      </m:fPr>
-                      <m:num>
-                        <m:r>
-                          <a:rPr lang="en-US" i="1">
-                            <a:latin typeface="Cambria Math" panose="02040503050406030204" pitchFamily="18" charset="0"/>
-                            <a:ea typeface="Cambria Math" panose="02040503050406030204" pitchFamily="18" charset="0"/>
-                          </a:rPr>
-                          <m:t>𝛿</m:t>
-                        </m:r>
-                      </m:num>
-                      <m:den>
-                        <m:r>
-                          <a:rPr lang="en-US" i="1">
-                            <a:latin typeface="Cambria Math" panose="02040503050406030204" pitchFamily="18" charset="0"/>
-                            <a:ea typeface="Cambria Math" panose="02040503050406030204" pitchFamily="18" charset="0"/>
-                          </a:rPr>
-                          <m:t>𝛿</m:t>
-                        </m:r>
-                        <m:r>
-                          <a:rPr lang="en-US" b="0" i="1" smtClean="0">
-                            <a:latin typeface="Cambria Math" panose="02040503050406030204" pitchFamily="18" charset="0"/>
-                            <a:ea typeface="Cambria Math" panose="02040503050406030204" pitchFamily="18" charset="0"/>
-                          </a:rPr>
-                          <m:t>𝑊</m:t>
-                        </m:r>
-                      </m:den>
-                    </m:f>
-                    <m:d>
-                      <m:dPr>
-                        <m:begChr m:val="["/>
-                        <m:endChr m:val="]"/>
-                        <m:ctrlPr>
-                          <a:rPr lang="en-US" i="1">
-                            <a:latin typeface="Cambria Math" panose="02040503050406030204" pitchFamily="18" charset="0"/>
-                          </a:rPr>
-                        </m:ctrlPr>
-                      </m:dPr>
-                      <m:e>
-                        <m:sSub>
-                          <m:sSubPr>
-                            <m:ctrlPr>
-                              <a:rPr lang="en-US" i="1">
-                                <a:latin typeface="Cambria Math" panose="02040503050406030204" pitchFamily="18" charset="0"/>
-                              </a:rPr>
-                            </m:ctrlPr>
-                          </m:sSubPr>
-                          <m:e>
-                            <m:r>
-                              <a:rPr lang="en-US" i="1">
-                                <a:latin typeface="Cambria Math" panose="02040503050406030204" pitchFamily="18" charset="0"/>
-                              </a:rPr>
-                              <m:t>𝑎</m:t>
-                            </m:r>
-                          </m:e>
-                          <m:sub>
-                            <m:r>
-                              <a:rPr lang="en-US" i="1">
-                                <a:latin typeface="Cambria Math" panose="02040503050406030204" pitchFamily="18" charset="0"/>
-                              </a:rPr>
-                              <m:t>1</m:t>
-                            </m:r>
-                          </m:sub>
-                        </m:sSub>
-                      </m:e>
-                    </m:d>
-                    <m:r>
-                      <a:rPr lang="en-US" b="0" i="1" smtClean="0">
-                        <a:latin typeface="Cambria Math" panose="02040503050406030204" pitchFamily="18" charset="0"/>
-                      </a:rPr>
-                      <m:t>=</m:t>
-                    </m:r>
-                    <m:f>
-                      <m:fPr>
-                        <m:ctrlPr>
-                          <a:rPr lang="en-US" i="1">
-                            <a:latin typeface="Cambria Math" panose="02040503050406030204" pitchFamily="18" charset="0"/>
-                          </a:rPr>
-                        </m:ctrlPr>
-                      </m:fPr>
-                      <m:num>
-                        <m:r>
-                          <a:rPr lang="en-US" i="1">
-                            <a:latin typeface="Cambria Math" panose="02040503050406030204" pitchFamily="18" charset="0"/>
-                            <a:ea typeface="Cambria Math" panose="02040503050406030204" pitchFamily="18" charset="0"/>
-                          </a:rPr>
-                          <m:t>𝛿</m:t>
-                        </m:r>
-                      </m:num>
-                      <m:den>
-                        <m:r>
-                          <a:rPr lang="en-US" i="1">
-                            <a:latin typeface="Cambria Math" panose="02040503050406030204" pitchFamily="18" charset="0"/>
-                            <a:ea typeface="Cambria Math" panose="02040503050406030204" pitchFamily="18" charset="0"/>
-                          </a:rPr>
-                          <m:t>𝛿</m:t>
-                        </m:r>
-                        <m:r>
-                          <a:rPr lang="en-US" b="0" i="1" smtClean="0">
-                            <a:latin typeface="Cambria Math" panose="02040503050406030204" pitchFamily="18" charset="0"/>
-                            <a:ea typeface="Cambria Math" panose="02040503050406030204" pitchFamily="18" charset="0"/>
-                          </a:rPr>
-                          <m:t>𝑊</m:t>
-                        </m:r>
-                      </m:den>
-                    </m:f>
-                    <m:d>
-                      <m:dPr>
-                        <m:begChr m:val="["/>
-                        <m:endChr m:val="]"/>
-                        <m:ctrlPr>
-                          <a:rPr lang="en-US" i="1">
-                            <a:latin typeface="Cambria Math" panose="02040503050406030204" pitchFamily="18" charset="0"/>
-                          </a:rPr>
-                        </m:ctrlPr>
-                      </m:dPr>
-                      <m:e>
-                        <m:sSub>
-                          <m:sSubPr>
-                            <m:ctrlPr>
-                              <a:rPr lang="en-US" i="1">
-                                <a:latin typeface="Cambria Math" panose="02040503050406030204" pitchFamily="18" charset="0"/>
-                              </a:rPr>
-                            </m:ctrlPr>
-                          </m:sSubPr>
-                          <m:e>
-                            <m:r>
-                              <a:rPr lang="en-US" i="1">
-                                <a:latin typeface="Cambria Math" panose="02040503050406030204" pitchFamily="18" charset="0"/>
-                              </a:rPr>
-                              <m:t>𝑎</m:t>
-                            </m:r>
-                          </m:e>
-                          <m:sub>
-                            <m:r>
-                              <a:rPr lang="en-US" i="1">
-                                <a:latin typeface="Cambria Math" panose="02040503050406030204" pitchFamily="18" charset="0"/>
-                              </a:rPr>
-                              <m:t>0</m:t>
-                            </m:r>
-                          </m:sub>
-                        </m:sSub>
-                        <m:r>
-                          <m:rPr>
-                            <m:nor/>
-                          </m:rPr>
-                          <a:rPr lang="en-US" dirty="0"/>
-                          <m:t>∗ </m:t>
-                        </m:r>
-                        <m:r>
-                          <m:rPr>
-                            <m:nor/>
-                          </m:rPr>
-                          <a:rPr lang="en-US" dirty="0"/>
-                          <m:t>W</m:t>
-                        </m:r>
-                      </m:e>
-                    </m:d>
-                    <m:r>
-                      <a:rPr lang="en-US" b="0" i="1" smtClean="0">
-                        <a:latin typeface="Cambria Math" panose="02040503050406030204" pitchFamily="18" charset="0"/>
-                      </a:rPr>
-                      <m:t>=</m:t>
-                    </m:r>
-                    <m:d>
-                      <m:dPr>
-                        <m:begChr m:val="["/>
-                        <m:endChr m:val="]"/>
-                        <m:ctrlPr>
-                          <a:rPr lang="en-US" b="0" i="1" smtClean="0">
-                            <a:latin typeface="Cambria Math" panose="02040503050406030204" pitchFamily="18" charset="0"/>
-                          </a:rPr>
-                        </m:ctrlPr>
-                      </m:dPr>
-                      <m:e>
-                        <m:sSub>
-                          <m:sSubPr>
-                            <m:ctrlPr>
-                              <a:rPr lang="en-US" i="1">
-                                <a:latin typeface="Cambria Math" panose="02040503050406030204" pitchFamily="18" charset="0"/>
-                              </a:rPr>
-                            </m:ctrlPr>
-                          </m:sSubPr>
-                          <m:e>
-                            <m:r>
-                              <a:rPr lang="en-US" i="1">
-                                <a:latin typeface="Cambria Math" panose="02040503050406030204" pitchFamily="18" charset="0"/>
-                              </a:rPr>
-                              <m:t>𝑎</m:t>
-                            </m:r>
-                          </m:e>
-                          <m:sub>
-                            <m:r>
-                              <a:rPr lang="en-US" i="1">
-                                <a:latin typeface="Cambria Math" panose="02040503050406030204" pitchFamily="18" charset="0"/>
-                              </a:rPr>
-                              <m:t>0</m:t>
-                            </m:r>
-                          </m:sub>
-                        </m:sSub>
-                        <m:r>
-                          <m:rPr>
-                            <m:nor/>
-                          </m:rPr>
-                          <a:rPr lang="en-US" dirty="0"/>
-                          <m:t>∗ </m:t>
-                        </m:r>
-                        <m:r>
-                          <m:rPr>
-                            <m:nor/>
-                          </m:rPr>
-                          <a:rPr lang="en-US" b="0" i="0" dirty="0" smtClean="0"/>
-                          <m:t>1</m:t>
-                        </m:r>
-                      </m:e>
-                    </m:d>
-                    <m:r>
-                      <a:rPr lang="en-US" b="0" i="1" smtClean="0">
-                        <a:latin typeface="Cambria Math" panose="02040503050406030204" pitchFamily="18" charset="0"/>
-                      </a:rPr>
-                      <m:t>=</m:t>
-                    </m:r>
-                    <m:sSub>
-                      <m:sSubPr>
-                        <m:ctrlPr>
-                          <a:rPr lang="en-US" i="1">
-                            <a:latin typeface="Cambria Math" panose="02040503050406030204" pitchFamily="18" charset="0"/>
-                          </a:rPr>
-                        </m:ctrlPr>
-                      </m:sSubPr>
-                      <m:e>
-                        <m:r>
-                          <a:rPr lang="en-US" i="1">
-                            <a:latin typeface="Cambria Math" panose="02040503050406030204" pitchFamily="18" charset="0"/>
-                          </a:rPr>
-                          <m:t>𝑎</m:t>
-                        </m:r>
-                      </m:e>
-                      <m:sub>
-                        <m:r>
-                          <a:rPr lang="en-US" i="1">
-                            <a:latin typeface="Cambria Math" panose="02040503050406030204" pitchFamily="18" charset="0"/>
-                          </a:rPr>
-                          <m:t>0</m:t>
-                        </m:r>
-                      </m:sub>
-                    </m:sSub>
-                  </m:oMath>
-                </a14:m>
-                <a:r>
-                  <a:rPr lang="en-US" dirty="0"/>
-                  <a:t> = x = 2</a:t>
-                </a:r>
-              </a:p>
-              <a:p>
-                <a:pPr marL="0" indent="0">
-                  <a:buNone/>
-                </a:pPr>
-                <a:endParaRPr lang="en-US" dirty="0"/>
-              </a:p>
-              <a:p>
-                <a:pPr marL="0" indent="0">
-                  <a:buNone/>
-                </a:pPr>
-                <a:r>
-                  <a:rPr lang="en-US" dirty="0"/>
-                  <a:t>Let’s plug this into out chart:</a:t>
-                </a:r>
-              </a:p>
-            </p:txBody>
-          </p:sp>
-        </mc:Choice>
-        <mc:Fallback xmlns="">
-          <p:sp>
-            <p:nvSpPr>
-              <p:cNvPr id="3" name="Content Placeholder 2"/>
-              <p:cNvSpPr>
-                <a:spLocks noGrp="1" noRot="1" noChangeAspect="1" noMove="1" noResize="1" noEditPoints="1" noAdjustHandles="1" noChangeArrowheads="1" noChangeShapeType="1" noTextEdit="1"/>
-              </p:cNvSpPr>
-              <p:nvPr>
-                <p:ph idx="1"/>
-              </p:nvPr>
-            </p:nvSpPr>
-            <p:spPr>
-              <a:xfrm>
-                <a:off x="838200" y="1378857"/>
-                <a:ext cx="10515600" cy="4798106"/>
-              </a:xfrm>
-              <a:blipFill>
-                <a:blip r:embed="rId2"/>
-                <a:stretch>
-                  <a:fillRect l="-1217"/>
-                </a:stretch>
-              </a:blipFill>
-            </p:spPr>
-            <p:txBody>
-              <a:bodyPr/>
-              <a:lstStyle/>
-              <a:p>
-                <a:r>
-                  <a:rPr lang="en-US">
-                    <a:noFill/>
-                  </a:rPr>
-                  <a:t> </a:t>
-                </a:r>
-              </a:p>
-            </p:txBody>
-          </p:sp>
-        </mc:Fallback>
-      </mc:AlternateContent>
-      <mc:AlternateContent xmlns:mc="http://schemas.openxmlformats.org/markup-compatibility/2006" xmlns:a14="http://schemas.microsoft.com/office/drawing/2010/main">
-        <mc:Choice Requires="a14">
-          <p:sp>
-            <p:nvSpPr>
-              <p:cNvPr id="4" name="Title 1"/>
-              <p:cNvSpPr>
-                <a:spLocks noGrp="1"/>
-              </p:cNvSpPr>
-              <p:nvPr>
-                <p:ph type="title"/>
-              </p:nvPr>
-            </p:nvSpPr>
-            <p:spPr>
-              <a:xfrm>
-                <a:off x="838200" y="365126"/>
-                <a:ext cx="10515600" cy="1028246"/>
-              </a:xfrm>
-            </p:spPr>
-            <p:txBody>
-              <a:bodyPr>
-                <a:normAutofit fontScale="90000"/>
-              </a:bodyPr>
-              <a:lstStyle/>
-              <a:p>
-                <a:r>
-                  <a:rPr lang="en-US" dirty="0"/>
-                  <a:t>Linear regression example; (x = 2, y = 7), </a:t>
-                </a:r>
-                <a14:m>
-                  <m:oMath xmlns:m="http://schemas.openxmlformats.org/officeDocument/2006/math">
-                    <m:r>
-                      <a:rPr lang="en-US" i="1">
-                        <a:latin typeface="Cambria Math" panose="02040503050406030204" pitchFamily="18" charset="0"/>
-                      </a:rPr>
-                      <m:t>𝐵</m:t>
-                    </m:r>
-                    <m:r>
-                      <a:rPr lang="en-US" i="1">
-                        <a:latin typeface="Cambria Math" panose="02040503050406030204" pitchFamily="18" charset="0"/>
-                      </a:rPr>
-                      <m:t>=2</m:t>
-                    </m:r>
-                  </m:oMath>
-                </a14:m>
-                <a:r>
-                  <a:rPr lang="en-US" dirty="0"/>
-                  <a:t>, and </a:t>
-                </a:r>
-                <a14:m>
-                  <m:oMath xmlns:m="http://schemas.openxmlformats.org/officeDocument/2006/math">
-                    <m:r>
-                      <a:rPr lang="en-US" i="1">
-                        <a:latin typeface="Cambria Math" panose="02040503050406030204" pitchFamily="18" charset="0"/>
-                      </a:rPr>
-                      <m:t>𝑊</m:t>
-                    </m:r>
-                    <m:r>
-                      <a:rPr lang="en-US" i="1">
-                        <a:latin typeface="Cambria Math" panose="02040503050406030204" pitchFamily="18" charset="0"/>
-                      </a:rPr>
-                      <m:t> </m:t>
-                    </m:r>
-                  </m:oMath>
-                </a14:m>
-                <a:r>
-                  <a:rPr lang="en-US" dirty="0"/>
-                  <a:t>= 3, </a:t>
-                </a:r>
-                <a14:m>
-                  <m:oMath xmlns:m="http://schemas.openxmlformats.org/officeDocument/2006/math">
-                    <m:acc>
-                      <m:accPr>
-                        <m:chr m:val="̂"/>
-                        <m:ctrlPr>
-                          <a:rPr lang="en-US" i="1">
-                            <a:latin typeface="Cambria Math" panose="02040503050406030204" pitchFamily="18" charset="0"/>
-                          </a:rPr>
-                        </m:ctrlPr>
-                      </m:accPr>
-                      <m:e>
-                        <m:r>
-                          <a:rPr lang="en-US" i="1">
-                            <a:latin typeface="Cambria Math" panose="02040503050406030204" pitchFamily="18" charset="0"/>
-                          </a:rPr>
-                          <m:t>𝑌</m:t>
-                        </m:r>
-                      </m:e>
-                    </m:acc>
-                  </m:oMath>
-                </a14:m>
-                <a:r>
-                  <a:rPr lang="en-US" dirty="0"/>
-                  <a:t> = 8</a:t>
-                </a:r>
-              </a:p>
-            </p:txBody>
-          </p:sp>
-        </mc:Choice>
-        <mc:Fallback xmlns="">
-          <p:sp>
-            <p:nvSpPr>
-              <p:cNvPr id="4" name="Title 1"/>
-              <p:cNvSpPr>
-                <a:spLocks noGrp="1" noRot="1" noChangeAspect="1" noMove="1" noResize="1" noEditPoints="1" noAdjustHandles="1" noChangeArrowheads="1" noChangeShapeType="1" noTextEdit="1"/>
-              </p:cNvSpPr>
-              <p:nvPr>
-                <p:ph type="title"/>
-              </p:nvPr>
-            </p:nvSpPr>
-            <p:spPr>
-              <a:xfrm>
-                <a:off x="838200" y="365126"/>
-                <a:ext cx="10515600" cy="1028246"/>
-              </a:xfrm>
-              <a:blipFill>
-                <a:blip r:embed="rId3"/>
-                <a:stretch>
-                  <a:fillRect l="-2087" t="-24852" b="-34320"/>
-                </a:stretch>
-              </a:blipFill>
-            </p:spPr>
-            <p:txBody>
-              <a:bodyPr/>
-              <a:lstStyle/>
-              <a:p>
-                <a:r>
-                  <a:rPr lang="en-US">
-                    <a:noFill/>
-                  </a:rPr>
-                  <a:t> </a:t>
-                </a:r>
-              </a:p>
-            </p:txBody>
-          </p:sp>
-        </mc:Fallback>
-      </mc:AlternateContent>
-    </p:spTree>
-    <p:extLst>
-      <p:ext uri="{BB962C8B-B14F-4D97-AF65-F5344CB8AC3E}">
-        <p14:creationId xmlns:p14="http://schemas.microsoft.com/office/powerpoint/2010/main" val="2536839650"/>
-      </p:ext>
-    </p:extLst>
-  </p:cSld>
-  <p:clrMapOvr>
-    <a:masterClrMapping/>
-  </p:clrMapOvr>
-</p:sld>
-</file>
-
-<file path=ppt/slides/slide47.xml><?xml version="1.0" encoding="utf-8"?>
 <p:sld xmlns:a="http://schemas.openxmlformats.org/drawingml/2006/main" xmlns:r="http://schemas.openxmlformats.org/officeDocument/2006/relationships" xmlns:p="http://schemas.openxmlformats.org/presentationml/2006/main">
   <p:cSld>
     <p:spTree>
@@ -24001,7 +23594,7 @@
 </p:sld>
 </file>
 
-<file path=ppt/slides/slide48.xml><?xml version="1.0" encoding="utf-8"?>
+<file path=ppt/slides/slide47.xml><?xml version="1.0" encoding="utf-8"?>
 <p:sld xmlns:a="http://schemas.openxmlformats.org/drawingml/2006/main" xmlns:r="http://schemas.openxmlformats.org/officeDocument/2006/relationships" xmlns:p="http://schemas.openxmlformats.org/presentationml/2006/main">
   <p:cSld>
     <p:spTree>
@@ -24192,7 +23785,7 @@
 </p:sld>
 </file>
 
-<file path=ppt/slides/slide49.xml><?xml version="1.0" encoding="utf-8"?>
+<file path=ppt/slides/slide48.xml><?xml version="1.0" encoding="utf-8"?>
 <p:sld xmlns:a="http://schemas.openxmlformats.org/drawingml/2006/main" xmlns:r="http://schemas.openxmlformats.org/officeDocument/2006/relationships" xmlns:p="http://schemas.openxmlformats.org/presentationml/2006/main">
   <p:cSld>
     <p:spTree>
@@ -24515,286 +24108,7 @@
 </p:sld>
 </file>
 
-<file path=ppt/slides/slide5.xml><?xml version="1.0" encoding="utf-8"?>
-<p:sld xmlns:a="http://schemas.openxmlformats.org/drawingml/2006/main" xmlns:r="http://schemas.openxmlformats.org/officeDocument/2006/relationships" xmlns:p="http://schemas.openxmlformats.org/presentationml/2006/main">
-  <p:cSld>
-    <p:spTree>
-      <p:nvGrpSpPr>
-        <p:cNvPr id="1" name=""/>
-        <p:cNvGrpSpPr/>
-        <p:nvPr/>
-      </p:nvGrpSpPr>
-      <p:grpSpPr>
-        <a:xfrm>
-          <a:off x="0" y="0"/>
-          <a:ext cx="0" cy="0"/>
-          <a:chOff x="0" y="0"/>
-          <a:chExt cx="0" cy="0"/>
-        </a:xfrm>
-      </p:grpSpPr>
-      <p:sp>
-        <p:nvSpPr>
-          <p:cNvPr id="2" name="Title 1"/>
-          <p:cNvSpPr>
-            <a:spLocks noGrp="1"/>
-          </p:cNvSpPr>
-          <p:nvPr>
-            <p:ph type="title"/>
-          </p:nvPr>
-        </p:nvSpPr>
-        <p:spPr/>
-        <p:txBody>
-          <a:bodyPr/>
-          <a:lstStyle/>
-          <a:p>
-            <a:r>
-              <a:rPr lang="en-US" dirty="0"/>
-              <a:t>Machine learning –Supervised learning</a:t>
-            </a:r>
-          </a:p>
-        </p:txBody>
-      </p:sp>
-      <mc:AlternateContent xmlns:mc="http://schemas.openxmlformats.org/markup-compatibility/2006" xmlns:a14="http://schemas.microsoft.com/office/drawing/2010/main">
-        <mc:Choice Requires="a14">
-          <p:sp>
-            <p:nvSpPr>
-              <p:cNvPr id="3" name="Content Placeholder 2"/>
-              <p:cNvSpPr>
-                <a:spLocks noGrp="1"/>
-              </p:cNvSpPr>
-              <p:nvPr>
-                <p:ph idx="1"/>
-              </p:nvPr>
-            </p:nvSpPr>
-            <p:spPr/>
-            <p:txBody>
-              <a:bodyPr>
-                <a:normAutofit fontScale="92500" lnSpcReduction="20000"/>
-              </a:bodyPr>
-              <a:lstStyle/>
-              <a:p>
-                <a:pPr marL="0" indent="0">
-                  <a:buNone/>
-                </a:pPr>
-                <a:r>
-                  <a:rPr lang="en-US" dirty="0"/>
-                  <a:t>Given a labeled training set; that is, a data set with a known set of explanatory variables X, and known outcome(s) Y; all supervised machine learning algorithms have the following two components:</a:t>
-                </a:r>
-              </a:p>
-              <a:p>
-                <a:r>
-                  <a:rPr lang="en-US" dirty="0"/>
-                  <a:t>A </a:t>
-                </a:r>
-                <a:r>
-                  <a:rPr lang="en-US" b="1" dirty="0"/>
-                  <a:t>model</a:t>
-                </a:r>
-                <a:r>
-                  <a:rPr lang="en-US" dirty="0"/>
-                  <a:t>, i.e. something that maps explanatory variables, X, to a prediction for Y.  Let’s call this h(X,</a:t>
-                </a:r>
-                <a:r>
-                  <a:rPr lang="el-GR" dirty="0">
-                    <a:latin typeface="Calibri" panose="020F0502020204030204" pitchFamily="34" charset="0"/>
-                  </a:rPr>
-                  <a:t>θ</a:t>
-                </a:r>
-                <a:r>
-                  <a:rPr lang="en-US" dirty="0"/>
-                  <a:t>) which produces </a:t>
-                </a:r>
-                <a14:m>
-                  <m:oMath xmlns:m="http://schemas.openxmlformats.org/officeDocument/2006/math">
-                    <m:acc>
-                      <m:accPr>
-                        <m:chr m:val="̂"/>
-                        <m:ctrlPr>
-                          <a:rPr lang="en-US" i="1" dirty="0" smtClean="0">
-                            <a:latin typeface="Cambria Math" panose="02040503050406030204" pitchFamily="18" charset="0"/>
-                          </a:rPr>
-                        </m:ctrlPr>
-                      </m:accPr>
-                      <m:e>
-                        <m:r>
-                          <a:rPr lang="en-US" i="1" dirty="0" smtClean="0">
-                            <a:latin typeface="Cambria Math" panose="02040503050406030204" pitchFamily="18" charset="0"/>
-                          </a:rPr>
-                          <m:t>𝑌</m:t>
-                        </m:r>
-                      </m:e>
-                    </m:acc>
-                  </m:oMath>
-                </a14:m>
-                <a:r>
-                  <a:rPr lang="en-US" dirty="0"/>
-                  <a:t>; and</a:t>
-                </a:r>
-              </a:p>
-              <a:p>
-                <a:r>
-                  <a:rPr lang="en-US" dirty="0"/>
-                  <a:t>A </a:t>
-                </a:r>
-                <a:r>
-                  <a:rPr lang="en-US" b="1" dirty="0">
-                    <a:hlinkClick r:id="rId3"/>
-                  </a:rPr>
-                  <a:t>loss function</a:t>
-                </a:r>
-                <a:r>
-                  <a:rPr lang="en-US" dirty="0"/>
-                  <a:t>, which quantifies the difference between the prediction, </a:t>
-                </a:r>
-                <a14:m>
-                  <m:oMath xmlns:m="http://schemas.openxmlformats.org/officeDocument/2006/math">
-                    <m:acc>
-                      <m:accPr>
-                        <m:chr m:val="̂"/>
-                        <m:ctrlPr>
-                          <a:rPr lang="en-US" i="1" dirty="0" smtClean="0">
-                            <a:latin typeface="Cambria Math" panose="02040503050406030204" pitchFamily="18" charset="0"/>
-                          </a:rPr>
-                        </m:ctrlPr>
-                      </m:accPr>
-                      <m:e>
-                        <m:r>
-                          <a:rPr lang="en-US" i="1" dirty="0" smtClean="0">
-                            <a:latin typeface="Cambria Math" panose="02040503050406030204" pitchFamily="18" charset="0"/>
-                          </a:rPr>
-                          <m:t>𝑌</m:t>
-                        </m:r>
-                      </m:e>
-                    </m:acc>
-                  </m:oMath>
-                </a14:m>
-                <a:r>
-                  <a:rPr lang="en-US" dirty="0"/>
-                  <a:t>, and the outcome, Y. We’ll call this L(Y, </a:t>
-                </a:r>
-                <a14:m>
-                  <m:oMath xmlns:m="http://schemas.openxmlformats.org/officeDocument/2006/math">
-                    <m:acc>
-                      <m:accPr>
-                        <m:chr m:val="̂"/>
-                        <m:ctrlPr>
-                          <a:rPr lang="en-US" i="1" dirty="0" smtClean="0">
-                            <a:latin typeface="Cambria Math" panose="02040503050406030204" pitchFamily="18" charset="0"/>
-                          </a:rPr>
-                        </m:ctrlPr>
-                      </m:accPr>
-                      <m:e>
-                        <m:r>
-                          <a:rPr lang="en-US" i="1" dirty="0" smtClean="0">
-                            <a:latin typeface="Cambria Math" panose="02040503050406030204" pitchFamily="18" charset="0"/>
-                          </a:rPr>
-                          <m:t>𝑌</m:t>
-                        </m:r>
-                      </m:e>
-                    </m:acc>
-                  </m:oMath>
-                </a14:m>
-                <a:r>
-                  <a:rPr lang="en-US" dirty="0"/>
-                  <a:t>).</a:t>
-                </a:r>
-              </a:p>
-              <a:p>
-                <a:pPr marL="0" indent="0">
-                  <a:buNone/>
-                </a:pPr>
-                <a:r>
-                  <a:rPr lang="en-US" dirty="0"/>
-                  <a:t>The goal is (usually) to find the parameters, </a:t>
-                </a:r>
-                <a:r>
-                  <a:rPr lang="el-GR" dirty="0">
-                    <a:latin typeface="Calibri" panose="020F0502020204030204" pitchFamily="34" charset="0"/>
-                  </a:rPr>
-                  <a:t>θ</a:t>
-                </a:r>
-                <a:r>
-                  <a:rPr lang="en-US" dirty="0">
-                    <a:latin typeface="Calibri" panose="020F0502020204030204" pitchFamily="34" charset="0"/>
-                  </a:rPr>
-                  <a:t>, which minimize the loss across all observations.</a:t>
-                </a:r>
-              </a:p>
-              <a:p>
-                <a:pPr marL="0" indent="0">
-                  <a:buNone/>
-                </a:pPr>
-                <a:endParaRPr lang="en-US" dirty="0"/>
-              </a:p>
-              <a:p>
-                <a:pPr marL="0" indent="0">
-                  <a:buNone/>
-                </a:pPr>
-                <a:r>
-                  <a:rPr lang="en-US" dirty="0"/>
-                  <a:t>There are a lot of models, and many loss functions.</a:t>
-                </a:r>
-              </a:p>
-              <a:p>
-                <a:pPr marL="0" indent="0">
-                  <a:buNone/>
-                </a:pPr>
-                <a:r>
-                  <a:rPr lang="en-US" dirty="0"/>
-                  <a:t>Let’s consider simple linear regression with exactly one variable.</a:t>
-                </a:r>
-              </a:p>
-            </p:txBody>
-          </p:sp>
-        </mc:Choice>
-        <mc:Fallback xmlns="">
-          <p:sp>
-            <p:nvSpPr>
-              <p:cNvPr id="3" name="Content Placeholder 2"/>
-              <p:cNvSpPr>
-                <a:spLocks noGrp="1" noRot="1" noChangeAspect="1" noMove="1" noResize="1" noEditPoints="1" noAdjustHandles="1" noChangeArrowheads="1" noChangeShapeType="1" noTextEdit="1"/>
-              </p:cNvSpPr>
-              <p:nvPr>
-                <p:ph idx="1"/>
-              </p:nvPr>
-            </p:nvSpPr>
-            <p:spPr>
-              <a:blipFill>
-                <a:blip r:embed="rId4"/>
-                <a:stretch>
-                  <a:fillRect l="-1043" t="-3501" r="-1449" b="-700"/>
-                </a:stretch>
-              </a:blipFill>
-            </p:spPr>
-            <p:txBody>
-              <a:bodyPr/>
-              <a:lstStyle/>
-              <a:p>
-                <a:r>
-                  <a:rPr lang="en-US">
-                    <a:noFill/>
-                  </a:rPr>
-                  <a:t> </a:t>
-                </a:r>
-              </a:p>
-            </p:txBody>
-          </p:sp>
-        </mc:Fallback>
-      </mc:AlternateContent>
-    </p:spTree>
-    <p:extLst>
-      <p:ext uri="{BB962C8B-B14F-4D97-AF65-F5344CB8AC3E}">
-        <p14:creationId xmlns:p14="http://schemas.microsoft.com/office/powerpoint/2010/main" val="2057443262"/>
-      </p:ext>
-    </p:extLst>
-  </p:cSld>
-  <p:clrMapOvr>
-    <a:masterClrMapping/>
-  </p:clrMapOvr>
-</p:sld>
-</file>
-
-<file path=ppt/slides/slide50.xml><?xml version="1.0" encoding="utf-8"?>
+<file path=ppt/slides/slide49.xml><?xml version="1.0" encoding="utf-8"?>
 <p:sld xmlns:a="http://schemas.openxmlformats.org/drawingml/2006/main" xmlns:r="http://schemas.openxmlformats.org/officeDocument/2006/relationships" xmlns:p="http://schemas.openxmlformats.org/presentationml/2006/main">
   <p:cSld>
     <p:spTree>
@@ -25301,7 +24615,286 @@
 </p:sld>
 </file>
 
-<file path=ppt/slides/slide51.xml><?xml version="1.0" encoding="utf-8"?>
+<file path=ppt/slides/slide5.xml><?xml version="1.0" encoding="utf-8"?>
+<p:sld xmlns:a="http://schemas.openxmlformats.org/drawingml/2006/main" xmlns:r="http://schemas.openxmlformats.org/officeDocument/2006/relationships" xmlns:p="http://schemas.openxmlformats.org/presentationml/2006/main">
+  <p:cSld>
+    <p:spTree>
+      <p:nvGrpSpPr>
+        <p:cNvPr id="1" name=""/>
+        <p:cNvGrpSpPr/>
+        <p:nvPr/>
+      </p:nvGrpSpPr>
+      <p:grpSpPr>
+        <a:xfrm>
+          <a:off x="0" y="0"/>
+          <a:ext cx="0" cy="0"/>
+          <a:chOff x="0" y="0"/>
+          <a:chExt cx="0" cy="0"/>
+        </a:xfrm>
+      </p:grpSpPr>
+      <p:sp>
+        <p:nvSpPr>
+          <p:cNvPr id="2" name="Title 1"/>
+          <p:cNvSpPr>
+            <a:spLocks noGrp="1"/>
+          </p:cNvSpPr>
+          <p:nvPr>
+            <p:ph type="title"/>
+          </p:nvPr>
+        </p:nvSpPr>
+        <p:spPr/>
+        <p:txBody>
+          <a:bodyPr/>
+          <a:lstStyle/>
+          <a:p>
+            <a:r>
+              <a:rPr lang="en-US" dirty="0"/>
+              <a:t>Machine learning –Supervised learning</a:t>
+            </a:r>
+          </a:p>
+        </p:txBody>
+      </p:sp>
+      <mc:AlternateContent xmlns:mc="http://schemas.openxmlformats.org/markup-compatibility/2006" xmlns:a14="http://schemas.microsoft.com/office/drawing/2010/main">
+        <mc:Choice Requires="a14">
+          <p:sp>
+            <p:nvSpPr>
+              <p:cNvPr id="3" name="Content Placeholder 2"/>
+              <p:cNvSpPr>
+                <a:spLocks noGrp="1"/>
+              </p:cNvSpPr>
+              <p:nvPr>
+                <p:ph idx="1"/>
+              </p:nvPr>
+            </p:nvSpPr>
+            <p:spPr/>
+            <p:txBody>
+              <a:bodyPr>
+                <a:normAutofit fontScale="92500" lnSpcReduction="20000"/>
+              </a:bodyPr>
+              <a:lstStyle/>
+              <a:p>
+                <a:pPr marL="0" indent="0">
+                  <a:buNone/>
+                </a:pPr>
+                <a:r>
+                  <a:rPr lang="en-US" dirty="0"/>
+                  <a:t>Given a labeled training set; that is, a data set with a known set of explanatory variables X, and known outcome(s) Y; all supervised machine learning algorithms have the following two components:</a:t>
+                </a:r>
+              </a:p>
+              <a:p>
+                <a:r>
+                  <a:rPr lang="en-US" dirty="0"/>
+                  <a:t>A </a:t>
+                </a:r>
+                <a:r>
+                  <a:rPr lang="en-US" b="1" dirty="0"/>
+                  <a:t>model</a:t>
+                </a:r>
+                <a:r>
+                  <a:rPr lang="en-US" dirty="0"/>
+                  <a:t>, i.e. something that maps explanatory variables, X, to a prediction for Y.  Let’s call this h(X,</a:t>
+                </a:r>
+                <a:r>
+                  <a:rPr lang="el-GR" dirty="0">
+                    <a:latin typeface="Calibri" panose="020F0502020204030204" pitchFamily="34" charset="0"/>
+                  </a:rPr>
+                  <a:t>θ</a:t>
+                </a:r>
+                <a:r>
+                  <a:rPr lang="en-US" dirty="0"/>
+                  <a:t>) which produces </a:t>
+                </a:r>
+                <a14:m>
+                  <m:oMath xmlns:m="http://schemas.openxmlformats.org/officeDocument/2006/math">
+                    <m:acc>
+                      <m:accPr>
+                        <m:chr m:val="̂"/>
+                        <m:ctrlPr>
+                          <a:rPr lang="en-US" i="1" dirty="0" smtClean="0">
+                            <a:latin typeface="Cambria Math" panose="02040503050406030204" pitchFamily="18" charset="0"/>
+                          </a:rPr>
+                        </m:ctrlPr>
+                      </m:accPr>
+                      <m:e>
+                        <m:r>
+                          <a:rPr lang="en-US" i="1" dirty="0" smtClean="0">
+                            <a:latin typeface="Cambria Math" panose="02040503050406030204" pitchFamily="18" charset="0"/>
+                          </a:rPr>
+                          <m:t>𝑌</m:t>
+                        </m:r>
+                      </m:e>
+                    </m:acc>
+                  </m:oMath>
+                </a14:m>
+                <a:r>
+                  <a:rPr lang="en-US" dirty="0"/>
+                  <a:t>; and</a:t>
+                </a:r>
+              </a:p>
+              <a:p>
+                <a:r>
+                  <a:rPr lang="en-US" dirty="0"/>
+                  <a:t>A </a:t>
+                </a:r>
+                <a:r>
+                  <a:rPr lang="en-US" b="1" dirty="0">
+                    <a:hlinkClick r:id="rId3"/>
+                  </a:rPr>
+                  <a:t>loss function</a:t>
+                </a:r>
+                <a:r>
+                  <a:rPr lang="en-US" dirty="0"/>
+                  <a:t>, which quantifies the difference between the prediction, </a:t>
+                </a:r>
+                <a14:m>
+                  <m:oMath xmlns:m="http://schemas.openxmlformats.org/officeDocument/2006/math">
+                    <m:acc>
+                      <m:accPr>
+                        <m:chr m:val="̂"/>
+                        <m:ctrlPr>
+                          <a:rPr lang="en-US" i="1" dirty="0" smtClean="0">
+                            <a:latin typeface="Cambria Math" panose="02040503050406030204" pitchFamily="18" charset="0"/>
+                          </a:rPr>
+                        </m:ctrlPr>
+                      </m:accPr>
+                      <m:e>
+                        <m:r>
+                          <a:rPr lang="en-US" i="1" dirty="0" smtClean="0">
+                            <a:latin typeface="Cambria Math" panose="02040503050406030204" pitchFamily="18" charset="0"/>
+                          </a:rPr>
+                          <m:t>𝑌</m:t>
+                        </m:r>
+                      </m:e>
+                    </m:acc>
+                  </m:oMath>
+                </a14:m>
+                <a:r>
+                  <a:rPr lang="en-US" dirty="0"/>
+                  <a:t>, and the outcome, Y. We’ll call this L(Y, </a:t>
+                </a:r>
+                <a14:m>
+                  <m:oMath xmlns:m="http://schemas.openxmlformats.org/officeDocument/2006/math">
+                    <m:acc>
+                      <m:accPr>
+                        <m:chr m:val="̂"/>
+                        <m:ctrlPr>
+                          <a:rPr lang="en-US" i="1" dirty="0" smtClean="0">
+                            <a:latin typeface="Cambria Math" panose="02040503050406030204" pitchFamily="18" charset="0"/>
+                          </a:rPr>
+                        </m:ctrlPr>
+                      </m:accPr>
+                      <m:e>
+                        <m:r>
+                          <a:rPr lang="en-US" i="1" dirty="0" smtClean="0">
+                            <a:latin typeface="Cambria Math" panose="02040503050406030204" pitchFamily="18" charset="0"/>
+                          </a:rPr>
+                          <m:t>𝑌</m:t>
+                        </m:r>
+                      </m:e>
+                    </m:acc>
+                  </m:oMath>
+                </a14:m>
+                <a:r>
+                  <a:rPr lang="en-US" dirty="0"/>
+                  <a:t>).</a:t>
+                </a:r>
+              </a:p>
+              <a:p>
+                <a:pPr marL="0" indent="0">
+                  <a:buNone/>
+                </a:pPr>
+                <a:r>
+                  <a:rPr lang="en-US" dirty="0"/>
+                  <a:t>The goal is (usually) to find the parameters, </a:t>
+                </a:r>
+                <a:r>
+                  <a:rPr lang="el-GR" dirty="0">
+                    <a:latin typeface="Calibri" panose="020F0502020204030204" pitchFamily="34" charset="0"/>
+                  </a:rPr>
+                  <a:t>θ</a:t>
+                </a:r>
+                <a:r>
+                  <a:rPr lang="en-US" dirty="0">
+                    <a:latin typeface="Calibri" panose="020F0502020204030204" pitchFamily="34" charset="0"/>
+                  </a:rPr>
+                  <a:t>, which minimize the loss across all observations.</a:t>
+                </a:r>
+              </a:p>
+              <a:p>
+                <a:pPr marL="0" indent="0">
+                  <a:buNone/>
+                </a:pPr>
+                <a:endParaRPr lang="en-US" dirty="0"/>
+              </a:p>
+              <a:p>
+                <a:pPr marL="0" indent="0">
+                  <a:buNone/>
+                </a:pPr>
+                <a:r>
+                  <a:rPr lang="en-US" dirty="0"/>
+                  <a:t>There are a lot of models, and many loss functions.</a:t>
+                </a:r>
+              </a:p>
+              <a:p>
+                <a:pPr marL="0" indent="0">
+                  <a:buNone/>
+                </a:pPr>
+                <a:r>
+                  <a:rPr lang="en-US" dirty="0"/>
+                  <a:t>Let’s consider simple linear regression with exactly one variable.</a:t>
+                </a:r>
+              </a:p>
+            </p:txBody>
+          </p:sp>
+        </mc:Choice>
+        <mc:Fallback xmlns="">
+          <p:sp>
+            <p:nvSpPr>
+              <p:cNvPr id="3" name="Content Placeholder 2"/>
+              <p:cNvSpPr>
+                <a:spLocks noGrp="1" noRot="1" noChangeAspect="1" noMove="1" noResize="1" noEditPoints="1" noAdjustHandles="1" noChangeArrowheads="1" noChangeShapeType="1" noTextEdit="1"/>
+              </p:cNvSpPr>
+              <p:nvPr>
+                <p:ph idx="1"/>
+              </p:nvPr>
+            </p:nvSpPr>
+            <p:spPr>
+              <a:blipFill>
+                <a:blip r:embed="rId4"/>
+                <a:stretch>
+                  <a:fillRect l="-1043" t="-3501" r="-1449" b="-700"/>
+                </a:stretch>
+              </a:blipFill>
+            </p:spPr>
+            <p:txBody>
+              <a:bodyPr/>
+              <a:lstStyle/>
+              <a:p>
+                <a:r>
+                  <a:rPr lang="en-US">
+                    <a:noFill/>
+                  </a:rPr>
+                  <a:t> </a:t>
+                </a:r>
+              </a:p>
+            </p:txBody>
+          </p:sp>
+        </mc:Fallback>
+      </mc:AlternateContent>
+    </p:spTree>
+    <p:extLst>
+      <p:ext uri="{BB962C8B-B14F-4D97-AF65-F5344CB8AC3E}">
+        <p14:creationId xmlns:p14="http://schemas.microsoft.com/office/powerpoint/2010/main" val="2057443262"/>
+      </p:ext>
+    </p:extLst>
+  </p:cSld>
+  <p:clrMapOvr>
+    <a:masterClrMapping/>
+  </p:clrMapOvr>
+</p:sld>
+</file>
+
+<file path=ppt/slides/slide50.xml><?xml version="1.0" encoding="utf-8"?>
 <p:sld xmlns:a="http://schemas.openxmlformats.org/drawingml/2006/main" xmlns:r="http://schemas.openxmlformats.org/officeDocument/2006/relationships" xmlns:p="http://schemas.openxmlformats.org/presentationml/2006/main">
   <p:cSld>
     <p:spTree>
@@ -25447,7 +25040,7 @@
 </p:sld>
 </file>
 
-<file path=ppt/slides/slide52.xml><?xml version="1.0" encoding="utf-8"?>
+<file path=ppt/slides/slide51.xml><?xml version="1.0" encoding="utf-8"?>
 <p:sld xmlns:a="http://schemas.openxmlformats.org/drawingml/2006/main" xmlns:r="http://schemas.openxmlformats.org/officeDocument/2006/relationships" xmlns:p="http://schemas.openxmlformats.org/presentationml/2006/main">
   <p:cSld>
     <p:spTree>
@@ -25603,7 +25196,7 @@
 </p:sld>
 </file>
 
-<file path=ppt/slides/slide53.xml><?xml version="1.0" encoding="utf-8"?>
+<file path=ppt/slides/slide52.xml><?xml version="1.0" encoding="utf-8"?>
 <p:sld xmlns:a="http://schemas.openxmlformats.org/drawingml/2006/main" xmlns:r="http://schemas.openxmlformats.org/officeDocument/2006/relationships" xmlns:p="http://schemas.openxmlformats.org/presentationml/2006/main">
   <p:cSld>
     <p:spTree>
@@ -25778,7 +25371,7 @@
 </p:sld>
 </file>
 
-<file path=ppt/slides/slide54.xml><?xml version="1.0" encoding="utf-8"?>
+<file path=ppt/slides/slide53.xml><?xml version="1.0" encoding="utf-8"?>
 <p:sld xmlns:a="http://schemas.openxmlformats.org/drawingml/2006/main" xmlns:r="http://schemas.openxmlformats.org/officeDocument/2006/relationships" xmlns:p="http://schemas.openxmlformats.org/presentationml/2006/main">
   <p:cSld>
     <p:spTree>
@@ -26440,7 +26033,7 @@
 </p:sld>
 </file>
 
-<file path=ppt/slides/slide55.xml><?xml version="1.0" encoding="utf-8"?>
+<file path=ppt/slides/slide54.xml><?xml version="1.0" encoding="utf-8"?>
 <p:sld xmlns:a="http://schemas.openxmlformats.org/drawingml/2006/main" xmlns:r="http://schemas.openxmlformats.org/officeDocument/2006/relationships" xmlns:p="http://schemas.openxmlformats.org/presentationml/2006/main">
   <p:cSld>
     <p:spTree>
@@ -26976,7 +26569,7 @@
 </p:sld>
 </file>
 
-<file path=ppt/slides/slide56.xml><?xml version="1.0" encoding="utf-8"?>
+<file path=ppt/slides/slide55.xml><?xml version="1.0" encoding="utf-8"?>
 <p:sld xmlns:a="http://schemas.openxmlformats.org/drawingml/2006/main" xmlns:r="http://schemas.openxmlformats.org/officeDocument/2006/relationships" xmlns:p="http://schemas.openxmlformats.org/presentationml/2006/main">
   <p:cSld>
     <p:spTree>
@@ -27142,7 +26735,7 @@
 </p:sld>
 </file>
 
-<file path=ppt/slides/slide57.xml><?xml version="1.0" encoding="utf-8"?>
+<file path=ppt/slides/slide56.xml><?xml version="1.0" encoding="utf-8"?>
 <p:sld xmlns:a="http://schemas.openxmlformats.org/drawingml/2006/main" xmlns:r="http://schemas.openxmlformats.org/officeDocument/2006/relationships" xmlns:p="http://schemas.openxmlformats.org/presentationml/2006/main">
   <p:cSld>
     <p:spTree>
@@ -27252,7 +26845,7 @@
 </p:sld>
 </file>
 
-<file path=ppt/slides/slide58.xml><?xml version="1.0" encoding="utf-8"?>
+<file path=ppt/slides/slide57.xml><?xml version="1.0" encoding="utf-8"?>
 <p:sld xmlns:a="http://schemas.openxmlformats.org/drawingml/2006/main" xmlns:r="http://schemas.openxmlformats.org/officeDocument/2006/relationships" xmlns:p="http://schemas.openxmlformats.org/presentationml/2006/main">
   <p:cSld>
     <p:spTree>
@@ -27386,7 +26979,7 @@
 </p:sld>
 </file>
 
-<file path=ppt/slides/slide59.xml><?xml version="1.0" encoding="utf-8"?>
+<file path=ppt/slides/slide58.xml><?xml version="1.0" encoding="utf-8"?>
 <p:sld xmlns:a="http://schemas.openxmlformats.org/drawingml/2006/main" xmlns:r="http://schemas.openxmlformats.org/officeDocument/2006/relationships" xmlns:p="http://schemas.openxmlformats.org/presentationml/2006/main">
   <p:cSld>
     <p:spTree>
@@ -27528,672 +27121,7 @@
 </p:sld>
 </file>
 
-<file path=ppt/slides/slide6.xml><?xml version="1.0" encoding="utf-8"?>
-<p:sld xmlns:a="http://schemas.openxmlformats.org/drawingml/2006/main" xmlns:r="http://schemas.openxmlformats.org/officeDocument/2006/relationships" xmlns:p="http://schemas.openxmlformats.org/presentationml/2006/main">
-  <p:cSld>
-    <p:spTree>
-      <p:nvGrpSpPr>
-        <p:cNvPr id="1" name=""/>
-        <p:cNvGrpSpPr/>
-        <p:nvPr/>
-      </p:nvGrpSpPr>
-      <p:grpSpPr>
-        <a:xfrm>
-          <a:off x="0" y="0"/>
-          <a:ext cx="0" cy="0"/>
-          <a:chOff x="0" y="0"/>
-          <a:chExt cx="0" cy="0"/>
-        </a:xfrm>
-      </p:grpSpPr>
-      <p:sp>
-        <p:nvSpPr>
-          <p:cNvPr id="6" name="TextBox 5"/>
-          <p:cNvSpPr txBox="1"/>
-          <p:nvPr/>
-        </p:nvSpPr>
-        <p:spPr>
-          <a:xfrm>
-            <a:off x="820057" y="869808"/>
-            <a:ext cx="10551886" cy="830997"/>
-          </a:xfrm>
-          <a:prstGeom prst="rect">
-            <a:avLst/>
-          </a:prstGeom>
-          <a:noFill/>
-        </p:spPr>
-        <p:txBody>
-          <a:bodyPr wrap="square" rtlCol="0">
-            <a:spAutoFit/>
-          </a:bodyPr>
-          <a:lstStyle/>
-          <a:p>
-            <a:r>
-              <a:rPr lang="en-US" sz="2400" dirty="0"/>
-              <a:t>What is the form of that model for linear regression, i.e. how do we get our y-hat (for one observation)?</a:t>
-            </a:r>
-          </a:p>
-        </p:txBody>
-      </p:sp>
-      <mc:AlternateContent xmlns:mc="http://schemas.openxmlformats.org/markup-compatibility/2006" xmlns:a14="http://schemas.microsoft.com/office/drawing/2010/main">
-        <mc:Choice Requires="a14">
-          <p:sp>
-            <p:nvSpPr>
-              <p:cNvPr id="7" name="TextBox 6">
-                <a:extLst>
-                  <a:ext uri="{FF2B5EF4-FFF2-40B4-BE49-F238E27FC236}">
-                    <a16:creationId xmlns:a16="http://schemas.microsoft.com/office/drawing/2014/main" id="{CC921F88-2195-4823-BA8D-76803B17B3AA}"/>
-                  </a:ext>
-                </a:extLst>
-              </p:cNvPr>
-              <p:cNvSpPr txBox="1"/>
-              <p:nvPr/>
-            </p:nvSpPr>
-            <p:spPr>
-              <a:xfrm>
-                <a:off x="1190171" y="1700805"/>
-                <a:ext cx="9811658" cy="376770"/>
-              </a:xfrm>
-              <a:prstGeom prst="rect">
-                <a:avLst/>
-              </a:prstGeom>
-              <a:noFill/>
-            </p:spPr>
-            <p:txBody>
-              <a:bodyPr wrap="square" rtlCol="0">
-                <a:spAutoFit/>
-              </a:bodyPr>
-              <a:lstStyle/>
-              <a:p>
-                <a:pPr/>
-                <a14:m>
-                  <m:oMathPara xmlns:m="http://schemas.openxmlformats.org/officeDocument/2006/math">
-                    <m:oMathParaPr>
-                      <m:jc m:val="centerGroup"/>
-                    </m:oMathParaPr>
-                    <m:oMath xmlns:m="http://schemas.openxmlformats.org/officeDocument/2006/math">
-                      <m:acc>
-                        <m:accPr>
-                          <m:chr m:val="̂"/>
-                          <m:ctrlPr>
-                            <a:rPr lang="en-US" b="0" i="1" smtClean="0">
-                              <a:latin typeface="Cambria Math" panose="02040503050406030204" pitchFamily="18" charset="0"/>
-                            </a:rPr>
-                          </m:ctrlPr>
-                        </m:accPr>
-                        <m:e>
-                          <m:r>
-                            <a:rPr lang="en-US" b="0" i="1" smtClean="0">
-                              <a:latin typeface="Cambria Math" panose="02040503050406030204" pitchFamily="18" charset="0"/>
-                            </a:rPr>
-                            <m:t>𝑌</m:t>
-                          </m:r>
-                        </m:e>
-                      </m:acc>
-                      <m:r>
-                        <a:rPr lang="en-US" b="0" i="1" smtClean="0">
-                          <a:latin typeface="Cambria Math" panose="02040503050406030204" pitchFamily="18" charset="0"/>
-                        </a:rPr>
-                        <m:t>=</m:t>
-                      </m:r>
-                      <m:r>
-                        <a:rPr lang="en-US" i="1">
-                          <a:latin typeface="Cambria Math" panose="02040503050406030204" pitchFamily="18" charset="0"/>
-                        </a:rPr>
-                        <m:t>𝐵</m:t>
-                      </m:r>
-                      <m:r>
-                        <a:rPr lang="en-US" b="0" i="1" smtClean="0">
-                          <a:latin typeface="Cambria Math" panose="02040503050406030204" pitchFamily="18" charset="0"/>
-                        </a:rPr>
-                        <m:t>+</m:t>
-                      </m:r>
-                      <m:r>
-                        <a:rPr lang="en-US" i="1">
-                          <a:latin typeface="Cambria Math" panose="02040503050406030204" pitchFamily="18" charset="0"/>
-                        </a:rPr>
-                        <m:t>𝑊</m:t>
-                      </m:r>
-                      <m:r>
-                        <a:rPr lang="en-US" b="0" i="1" smtClean="0">
-                          <a:latin typeface="Cambria Math" panose="02040503050406030204" pitchFamily="18" charset="0"/>
-                        </a:rPr>
-                        <m:t>∗</m:t>
-                      </m:r>
-                      <m:r>
-                        <a:rPr lang="en-US" b="0" i="1" smtClean="0">
-                          <a:latin typeface="Cambria Math" panose="02040503050406030204" pitchFamily="18" charset="0"/>
-                        </a:rPr>
-                        <m:t>𝑋</m:t>
-                      </m:r>
-                    </m:oMath>
-                  </m:oMathPara>
-                </a14:m>
-                <a:endParaRPr lang="en-US" dirty="0"/>
-              </a:p>
-            </p:txBody>
-          </p:sp>
-        </mc:Choice>
-        <mc:Fallback xmlns="">
-          <p:sp>
-            <p:nvSpPr>
-              <p:cNvPr id="7" name="TextBox 6">
-                <a:extLst>
-                  <a:ext uri="{FF2B5EF4-FFF2-40B4-BE49-F238E27FC236}">
-                    <a16:creationId xmlns:a16="http://schemas.microsoft.com/office/drawing/2014/main" id="{CC921F88-2195-4823-BA8D-76803B17B3AA}"/>
-                  </a:ext>
-                </a:extLst>
-              </p:cNvPr>
-              <p:cNvSpPr txBox="1">
-                <a:spLocks noRot="1" noChangeAspect="1" noMove="1" noResize="1" noEditPoints="1" noAdjustHandles="1" noChangeArrowheads="1" noChangeShapeType="1" noTextEdit="1"/>
-              </p:cNvSpPr>
-              <p:nvPr/>
-            </p:nvSpPr>
-            <p:spPr>
-              <a:xfrm>
-                <a:off x="1190171" y="1700805"/>
-                <a:ext cx="9811658" cy="376770"/>
-              </a:xfrm>
-              <a:prstGeom prst="rect">
-                <a:avLst/>
-              </a:prstGeom>
-              <a:blipFill>
-                <a:blip r:embed="rId2"/>
-                <a:stretch>
-                  <a:fillRect t="-1613"/>
-                </a:stretch>
-              </a:blipFill>
-            </p:spPr>
-            <p:txBody>
-              <a:bodyPr/>
-              <a:lstStyle/>
-              <a:p>
-                <a:r>
-                  <a:rPr lang="en-US">
-                    <a:noFill/>
-                  </a:rPr>
-                  <a:t> </a:t>
-                </a:r>
-              </a:p>
-            </p:txBody>
-          </p:sp>
-        </mc:Fallback>
-      </mc:AlternateContent>
-      <p:sp>
-        <p:nvSpPr>
-          <p:cNvPr id="8" name="TextBox 7">
-            <a:extLst>
-              <a:ext uri="{FF2B5EF4-FFF2-40B4-BE49-F238E27FC236}">
-                <a16:creationId xmlns:a16="http://schemas.microsoft.com/office/drawing/2014/main" id="{3B6541A8-BD13-43D1-BFDF-DC128B006682}"/>
-              </a:ext>
-            </a:extLst>
-          </p:cNvPr>
-          <p:cNvSpPr txBox="1"/>
-          <p:nvPr/>
-        </p:nvSpPr>
-        <p:spPr>
-          <a:xfrm>
-            <a:off x="1030514" y="2446907"/>
-            <a:ext cx="10130971" cy="461665"/>
-          </a:xfrm>
-          <a:prstGeom prst="rect">
-            <a:avLst/>
-          </a:prstGeom>
-          <a:noFill/>
-        </p:spPr>
-        <p:txBody>
-          <a:bodyPr wrap="square" rtlCol="0">
-            <a:spAutoFit/>
-          </a:bodyPr>
-          <a:lstStyle/>
-          <a:p>
-            <a:r>
-              <a:rPr lang="en-US" sz="2400" dirty="0"/>
-              <a:t>What is the loss function?</a:t>
-            </a:r>
-          </a:p>
-        </p:txBody>
-      </p:sp>
-      <mc:AlternateContent xmlns:mc="http://schemas.openxmlformats.org/markup-compatibility/2006" xmlns:a14="http://schemas.microsoft.com/office/drawing/2010/main">
-        <mc:Choice Requires="a14">
-          <p:sp>
-            <p:nvSpPr>
-              <p:cNvPr id="9" name="TextBox 8">
-                <a:extLst>
-                  <a:ext uri="{FF2B5EF4-FFF2-40B4-BE49-F238E27FC236}">
-                    <a16:creationId xmlns:a16="http://schemas.microsoft.com/office/drawing/2014/main" id="{E925C11C-C4B7-4194-85C0-609EEEF7854F}"/>
-                  </a:ext>
-                </a:extLst>
-              </p:cNvPr>
-              <p:cNvSpPr txBox="1"/>
-              <p:nvPr/>
-            </p:nvSpPr>
-            <p:spPr>
-              <a:xfrm>
-                <a:off x="3077027" y="3199161"/>
-                <a:ext cx="6037943" cy="459678"/>
-              </a:xfrm>
-              <a:prstGeom prst="rect">
-                <a:avLst/>
-              </a:prstGeom>
-              <a:noFill/>
-            </p:spPr>
-            <p:txBody>
-              <a:bodyPr wrap="square" rtlCol="0">
-                <a:spAutoFit/>
-              </a:bodyPr>
-              <a:lstStyle/>
-              <a:p>
-                <a:pPr algn="ctr"/>
-                <a14:m>
-                  <m:oMath xmlns:m="http://schemas.openxmlformats.org/officeDocument/2006/math">
-                    <m:r>
-                      <a:rPr lang="en-US" b="0" i="1" smtClean="0">
-                        <a:latin typeface="Cambria Math" panose="02040503050406030204" pitchFamily="18" charset="0"/>
-                      </a:rPr>
-                      <m:t>𝐿</m:t>
-                    </m:r>
-                    <m:r>
-                      <a:rPr lang="en-US" b="0" i="1" smtClean="0">
-                        <a:latin typeface="Cambria Math" panose="02040503050406030204" pitchFamily="18" charset="0"/>
-                      </a:rPr>
-                      <m:t>(</m:t>
-                    </m:r>
-                    <m:r>
-                      <a:rPr lang="en-US" b="0" i="1" smtClean="0">
-                        <a:latin typeface="Cambria Math" panose="02040503050406030204" pitchFamily="18" charset="0"/>
-                      </a:rPr>
-                      <m:t>𝑌</m:t>
-                    </m:r>
-                    <m:r>
-                      <a:rPr lang="en-US" b="0" i="1" smtClean="0">
-                        <a:latin typeface="Cambria Math" panose="02040503050406030204" pitchFamily="18" charset="0"/>
-                      </a:rPr>
-                      <m:t>, </m:t>
-                    </m:r>
-                    <m:acc>
-                      <m:accPr>
-                        <m:chr m:val="̂"/>
-                        <m:ctrlPr>
-                          <a:rPr lang="en-US" b="0" i="1" smtClean="0">
-                            <a:latin typeface="Cambria Math" panose="02040503050406030204" pitchFamily="18" charset="0"/>
-                          </a:rPr>
-                        </m:ctrlPr>
-                      </m:accPr>
-                      <m:e>
-                        <m:r>
-                          <a:rPr lang="en-US" b="0" i="1" smtClean="0">
-                            <a:latin typeface="Cambria Math" panose="02040503050406030204" pitchFamily="18" charset="0"/>
-                          </a:rPr>
-                          <m:t>𝑌</m:t>
-                        </m:r>
-                      </m:e>
-                    </m:acc>
-                    <m:r>
-                      <a:rPr lang="en-US" b="0" i="1" smtClean="0">
-                        <a:latin typeface="Cambria Math" panose="02040503050406030204" pitchFamily="18" charset="0"/>
-                      </a:rPr>
-                      <m:t>)</m:t>
-                    </m:r>
-                    <m:r>
-                      <a:rPr lang="en-US" i="1" smtClean="0">
-                        <a:latin typeface="Cambria Math" panose="02040503050406030204" pitchFamily="18" charset="0"/>
-                      </a:rPr>
-                      <m:t>=</m:t>
-                    </m:r>
-                  </m:oMath>
-                </a14:m>
-                <a:r>
-                  <a:rPr lang="en-US" dirty="0"/>
-                  <a:t> </a:t>
-                </a:r>
-                <a14:m>
-                  <m:oMath xmlns:m="http://schemas.openxmlformats.org/officeDocument/2006/math">
-                    <m:sSup>
-                      <m:sSupPr>
-                        <m:ctrlPr>
-                          <a:rPr lang="en-US" b="0" i="1" smtClean="0">
-                            <a:latin typeface="Cambria Math" panose="02040503050406030204" pitchFamily="18" charset="0"/>
-                          </a:rPr>
-                        </m:ctrlPr>
-                      </m:sSupPr>
-                      <m:e>
-                        <m:d>
-                          <m:dPr>
-                            <m:ctrlPr>
-                              <a:rPr lang="en-US" b="0" i="1" smtClean="0">
-                                <a:latin typeface="Cambria Math" panose="02040503050406030204" pitchFamily="18" charset="0"/>
-                              </a:rPr>
-                            </m:ctrlPr>
-                          </m:dPr>
-                          <m:e>
-                            <m:r>
-                              <a:rPr lang="en-US" b="0" i="1" smtClean="0">
-                                <a:latin typeface="Cambria Math" panose="02040503050406030204" pitchFamily="18" charset="0"/>
-                              </a:rPr>
-                              <m:t>𝑌</m:t>
-                            </m:r>
-                            <m:r>
-                              <m:rPr>
-                                <m:nor/>
-                              </m:rPr>
-                              <a:rPr lang="en-US" dirty="0" smtClean="0"/>
-                              <m:t> − </m:t>
-                            </m:r>
-                            <m:acc>
-                              <m:accPr>
-                                <m:chr m:val="̂"/>
-                                <m:ctrlPr>
-                                  <a:rPr lang="en-US" b="0" i="1" smtClean="0">
-                                    <a:latin typeface="Cambria Math" panose="02040503050406030204" pitchFamily="18" charset="0"/>
-                                  </a:rPr>
-                                </m:ctrlPr>
-                              </m:accPr>
-                              <m:e>
-                                <m:r>
-                                  <a:rPr lang="en-US" b="0" i="1" smtClean="0">
-                                    <a:latin typeface="Cambria Math" panose="02040503050406030204" pitchFamily="18" charset="0"/>
-                                  </a:rPr>
-                                  <m:t>𝑌</m:t>
-                                </m:r>
-                              </m:e>
-                            </m:acc>
-                            <m:r>
-                              <m:rPr>
-                                <m:nor/>
-                              </m:rPr>
-                              <a:rPr lang="en-US" dirty="0"/>
-                              <m:t> </m:t>
-                            </m:r>
-                          </m:e>
-                        </m:d>
-                      </m:e>
-                      <m:sup>
-                        <m:r>
-                          <a:rPr lang="en-US" b="0" i="1" smtClean="0">
-                            <a:latin typeface="Cambria Math" panose="02040503050406030204" pitchFamily="18" charset="0"/>
-                          </a:rPr>
-                          <m:t>2</m:t>
-                        </m:r>
-                      </m:sup>
-                    </m:sSup>
-                  </m:oMath>
-                </a14:m>
-                <a:r>
-                  <a:rPr lang="en-US" dirty="0"/>
-                  <a:t>  or   </a:t>
-                </a:r>
-                <a14:m>
-                  <m:oMath xmlns:m="http://schemas.openxmlformats.org/officeDocument/2006/math">
-                    <m:sSup>
-                      <m:sSupPr>
-                        <m:ctrlPr>
-                          <a:rPr lang="en-US" b="0" i="1" smtClean="0">
-                            <a:latin typeface="Cambria Math" panose="02040503050406030204" pitchFamily="18" charset="0"/>
-                          </a:rPr>
-                        </m:ctrlPr>
-                      </m:sSupPr>
-                      <m:e>
-                        <m:d>
-                          <m:dPr>
-                            <m:ctrlPr>
-                              <a:rPr lang="en-US" b="0" i="1" smtClean="0">
-                                <a:latin typeface="Cambria Math" panose="02040503050406030204" pitchFamily="18" charset="0"/>
-                              </a:rPr>
-                            </m:ctrlPr>
-                          </m:dPr>
-                          <m:e>
-                            <m:acc>
-                              <m:accPr>
-                                <m:chr m:val="̂"/>
-                                <m:ctrlPr>
-                                  <a:rPr lang="en-US" b="0" i="1" smtClean="0">
-                                    <a:latin typeface="Cambria Math" panose="02040503050406030204" pitchFamily="18" charset="0"/>
-                                  </a:rPr>
-                                </m:ctrlPr>
-                              </m:accPr>
-                              <m:e>
-                                <m:r>
-                                  <a:rPr lang="en-US" b="0" i="1" smtClean="0">
-                                    <a:latin typeface="Cambria Math" panose="02040503050406030204" pitchFamily="18" charset="0"/>
-                                  </a:rPr>
-                                  <m:t>𝑌</m:t>
-                                </m:r>
-                              </m:e>
-                            </m:acc>
-                            <m:r>
-                              <m:rPr>
-                                <m:nor/>
-                              </m:rPr>
-                              <a:rPr lang="en-US" dirty="0" smtClean="0"/>
-                              <m:t> −</m:t>
-                            </m:r>
-                            <m:r>
-                              <a:rPr lang="en-US" b="0" i="1" smtClean="0">
-                                <a:latin typeface="Cambria Math" panose="02040503050406030204" pitchFamily="18" charset="0"/>
-                              </a:rPr>
-                              <m:t>𝑌</m:t>
-                            </m:r>
-                          </m:e>
-                        </m:d>
-                      </m:e>
-                      <m:sup>
-                        <m:r>
-                          <a:rPr lang="en-US" b="0" i="1" smtClean="0">
-                            <a:latin typeface="Cambria Math" panose="02040503050406030204" pitchFamily="18" charset="0"/>
-                          </a:rPr>
-                          <m:t>2</m:t>
-                        </m:r>
-                      </m:sup>
-                    </m:sSup>
-                  </m:oMath>
-                </a14:m>
-                <a:endParaRPr lang="en-US" dirty="0"/>
-              </a:p>
-            </p:txBody>
-          </p:sp>
-        </mc:Choice>
-        <mc:Fallback xmlns="">
-          <p:sp>
-            <p:nvSpPr>
-              <p:cNvPr id="9" name="TextBox 8">
-                <a:extLst>
-                  <a:ext uri="{FF2B5EF4-FFF2-40B4-BE49-F238E27FC236}">
-                    <a16:creationId xmlns:a16="http://schemas.microsoft.com/office/drawing/2014/main" id="{E925C11C-C4B7-4194-85C0-609EEEF7854F}"/>
-                  </a:ext>
-                </a:extLst>
-              </p:cNvPr>
-              <p:cNvSpPr txBox="1">
-                <a:spLocks noRot="1" noChangeAspect="1" noMove="1" noResize="1" noEditPoints="1" noAdjustHandles="1" noChangeArrowheads="1" noChangeShapeType="1" noTextEdit="1"/>
-              </p:cNvSpPr>
-              <p:nvPr/>
-            </p:nvSpPr>
-            <p:spPr>
-              <a:xfrm>
-                <a:off x="3077027" y="3199161"/>
-                <a:ext cx="6037943" cy="459678"/>
-              </a:xfrm>
-              <a:prstGeom prst="rect">
-                <a:avLst/>
-              </a:prstGeom>
-              <a:blipFill>
-                <a:blip r:embed="rId3"/>
-                <a:stretch>
-                  <a:fillRect b="-18667"/>
-                </a:stretch>
-              </a:blipFill>
-            </p:spPr>
-            <p:txBody>
-              <a:bodyPr/>
-              <a:lstStyle/>
-              <a:p>
-                <a:r>
-                  <a:rPr lang="en-US">
-                    <a:noFill/>
-                  </a:rPr>
-                  <a:t> </a:t>
-                </a:r>
-              </a:p>
-            </p:txBody>
-          </p:sp>
-        </mc:Fallback>
-      </mc:AlternateContent>
-      <mc:AlternateContent xmlns:mc="http://schemas.openxmlformats.org/markup-compatibility/2006">
-        <mc:Choice xmlns:a14="http://schemas.microsoft.com/office/drawing/2010/main" Requires="a14">
-          <p:sp>
-            <p:nvSpPr>
-              <p:cNvPr id="2" name="Rectangle 1">
-                <a:extLst>
-                  <a:ext uri="{FF2B5EF4-FFF2-40B4-BE49-F238E27FC236}">
-                    <a16:creationId xmlns:a16="http://schemas.microsoft.com/office/drawing/2014/main" id="{AE0532A8-30CE-4A24-85BE-4ED7BE5F6EC4}"/>
-                  </a:ext>
-                </a:extLst>
-              </p:cNvPr>
-              <p:cNvSpPr/>
-              <p:nvPr/>
-            </p:nvSpPr>
-            <p:spPr>
-              <a:xfrm>
-                <a:off x="1030513" y="4291876"/>
-                <a:ext cx="10130971" cy="1569660"/>
-              </a:xfrm>
-              <a:prstGeom prst="rect">
-                <a:avLst/>
-              </a:prstGeom>
-            </p:spPr>
-            <p:txBody>
-              <a:bodyPr wrap="square">
-                <a:spAutoFit/>
-              </a:bodyPr>
-              <a:lstStyle/>
-              <a:p>
-                <a:r>
-                  <a:rPr lang="en-US" sz="2400" dirty="0"/>
-                  <a:t>Our goal: choose </a:t>
-                </a:r>
-                <a14:m>
-                  <m:oMath xmlns:m="http://schemas.openxmlformats.org/officeDocument/2006/math">
-                    <m:r>
-                      <a:rPr lang="en-US" sz="2400" i="1">
-                        <a:latin typeface="Cambria Math" panose="02040503050406030204" pitchFamily="18" charset="0"/>
-                      </a:rPr>
-                      <m:t>𝐵</m:t>
-                    </m:r>
-                    <m:r>
-                      <a:rPr lang="en-US" sz="2400" i="1">
-                        <a:latin typeface="Cambria Math" panose="02040503050406030204" pitchFamily="18" charset="0"/>
-                      </a:rPr>
-                      <m:t>,</m:t>
-                    </m:r>
-                    <m:r>
-                      <a:rPr lang="en-US" sz="2400" i="1">
-                        <a:latin typeface="Cambria Math" panose="02040503050406030204" pitchFamily="18" charset="0"/>
-                      </a:rPr>
-                      <m:t>𝑊</m:t>
-                    </m:r>
-                  </m:oMath>
-                </a14:m>
-                <a:r>
-                  <a:rPr lang="en-US" sz="2400" dirty="0"/>
-                  <a:t>such that the loss is minimized for </a:t>
-                </a:r>
-                <a:r>
-                  <a:rPr lang="en-US" sz="2400" b="1" dirty="0"/>
-                  <a:t>all</a:t>
-                </a:r>
-                <a:r>
-                  <a:rPr lang="en-US" sz="2400" dirty="0"/>
-                  <a:t> observations in our data set.</a:t>
-                </a:r>
-              </a:p>
-              <a:p>
-                <a:r>
-                  <a:rPr lang="en-US" sz="2400" dirty="0"/>
-                  <a:t>There are many ways to do this. We will consider </a:t>
-                </a:r>
-                <a:r>
-                  <a:rPr lang="en-US" sz="2400" dirty="0">
-                    <a:hlinkClick r:id="rId4"/>
-                  </a:rPr>
-                  <a:t>gradient descent</a:t>
-                </a:r>
-                <a:r>
-                  <a:rPr lang="en-US" sz="2400" dirty="0"/>
-                  <a:t>.</a:t>
-                </a:r>
-              </a:p>
-              <a:p>
-                <a:endParaRPr lang="en-US" sz="2400" dirty="0"/>
-              </a:p>
-            </p:txBody>
-          </p:sp>
-        </mc:Choice>
-        <mc:Fallback>
-          <p:sp>
-            <p:nvSpPr>
-              <p:cNvPr id="2" name="Rectangle 1">
-                <a:extLst>
-                  <a:ext uri="{FF2B5EF4-FFF2-40B4-BE49-F238E27FC236}">
-                    <a16:creationId xmlns:a16="http://schemas.microsoft.com/office/drawing/2014/main" id="{AE0532A8-30CE-4A24-85BE-4ED7BE5F6EC4}"/>
-                  </a:ext>
-                </a:extLst>
-              </p:cNvPr>
-              <p:cNvSpPr>
-                <a:spLocks noRot="1" noChangeAspect="1" noMove="1" noResize="1" noEditPoints="1" noAdjustHandles="1" noChangeArrowheads="1" noChangeShapeType="1" noTextEdit="1"/>
-              </p:cNvSpPr>
-              <p:nvPr/>
-            </p:nvSpPr>
-            <p:spPr>
-              <a:xfrm>
-                <a:off x="1030513" y="4291876"/>
-                <a:ext cx="10130971" cy="1569660"/>
-              </a:xfrm>
-              <a:prstGeom prst="rect">
-                <a:avLst/>
-              </a:prstGeom>
-              <a:blipFill>
-                <a:blip r:embed="rId5"/>
-                <a:stretch>
-                  <a:fillRect l="-903" t="-3101"/>
-                </a:stretch>
-              </a:blipFill>
-            </p:spPr>
-            <p:txBody>
-              <a:bodyPr/>
-              <a:lstStyle/>
-              <a:p>
-                <a:r>
-                  <a:rPr lang="en-US">
-                    <a:noFill/>
-                  </a:rPr>
-                  <a:t> </a:t>
-                </a:r>
-              </a:p>
-            </p:txBody>
-          </p:sp>
-        </mc:Fallback>
-      </mc:AlternateContent>
-    </p:spTree>
-    <p:extLst>
-      <p:ext uri="{BB962C8B-B14F-4D97-AF65-F5344CB8AC3E}">
-        <p14:creationId xmlns:p14="http://schemas.microsoft.com/office/powerpoint/2010/main" val="2883528049"/>
-      </p:ext>
-    </p:extLst>
-  </p:cSld>
-  <p:clrMapOvr>
-    <a:masterClrMapping/>
-  </p:clrMapOvr>
-  <mc:AlternateContent xmlns:mc="http://schemas.openxmlformats.org/markup-compatibility/2006" xmlns:p14="http://schemas.microsoft.com/office/powerpoint/2010/main">
-    <mc:Choice Requires="p14">
-      <p:transition p14:dur="10"/>
-    </mc:Choice>
-    <mc:Fallback xmlns="">
-      <p:transition/>
-    </mc:Fallback>
-  </mc:AlternateContent>
-</p:sld>
-</file>
-
-<file path=ppt/slides/slide60.xml><?xml version="1.0" encoding="utf-8"?>
+<file path=ppt/slides/slide59.xml><?xml version="1.0" encoding="utf-8"?>
 <p:sld xmlns:a="http://schemas.openxmlformats.org/drawingml/2006/main" xmlns:r="http://schemas.openxmlformats.org/officeDocument/2006/relationships" xmlns:p="http://schemas.openxmlformats.org/presentationml/2006/main">
   <p:cSld>
     <p:spTree>
@@ -28377,7 +27305,74 @@
 </p:sld>
 </file>
 
-<file path=ppt/slides/slide61.xml><?xml version="1.0" encoding="utf-8"?>
+<file path=ppt/slides/slide6.xml><?xml version="1.0" encoding="utf-8"?>
+<p:sld xmlns:a="http://schemas.openxmlformats.org/drawingml/2006/main" xmlns:r="http://schemas.openxmlformats.org/officeDocument/2006/relationships" xmlns:p="http://schemas.openxmlformats.org/presentationml/2006/main">
+  <p:cSld>
+    <p:spTree>
+      <p:nvGrpSpPr>
+        <p:cNvPr id="1" name=""/>
+        <p:cNvGrpSpPr/>
+        <p:nvPr/>
+      </p:nvGrpSpPr>
+      <p:grpSpPr>
+        <a:xfrm>
+          <a:off x="0" y="0"/>
+          <a:ext cx="0" cy="0"/>
+          <a:chOff x="0" y="0"/>
+          <a:chExt cx="0" cy="0"/>
+        </a:xfrm>
+      </p:grpSpPr>
+      <p:sp>
+        <p:nvSpPr>
+          <p:cNvPr id="6" name="TextBox 5"/>
+          <p:cNvSpPr txBox="1"/>
+          <p:nvPr/>
+        </p:nvSpPr>
+        <p:spPr>
+          <a:xfrm>
+            <a:off x="820057" y="869808"/>
+            <a:ext cx="10551886" cy="830997"/>
+          </a:xfrm>
+          <a:prstGeom prst="rect">
+            <a:avLst/>
+          </a:prstGeom>
+          <a:noFill/>
+        </p:spPr>
+        <p:txBody>
+          <a:bodyPr wrap="square" rtlCol="0">
+            <a:spAutoFit/>
+          </a:bodyPr>
+          <a:lstStyle/>
+          <a:p>
+            <a:r>
+              <a:rPr lang="en-US" sz="2400" dirty="0"/>
+              <a:t>What is the form of that model for linear regression, i.e. how do we get our y-hat (for one observation)?</a:t>
+            </a:r>
+          </a:p>
+        </p:txBody>
+      </p:sp>
+    </p:spTree>
+    <p:extLst>
+      <p:ext uri="{BB962C8B-B14F-4D97-AF65-F5344CB8AC3E}">
+        <p14:creationId xmlns:p14="http://schemas.microsoft.com/office/powerpoint/2010/main" val="962119351"/>
+      </p:ext>
+    </p:extLst>
+  </p:cSld>
+  <p:clrMapOvr>
+    <a:masterClrMapping/>
+  </p:clrMapOvr>
+  <mc:AlternateContent xmlns:mc="http://schemas.openxmlformats.org/markup-compatibility/2006" xmlns:p14="http://schemas.microsoft.com/office/powerpoint/2010/main">
+    <mc:Choice Requires="p14">
+      <p:transition p14:dur="10"/>
+    </mc:Choice>
+    <mc:Fallback xmlns="">
+      <p:transition/>
+    </mc:Fallback>
+  </mc:AlternateContent>
+</p:sld>
+</file>
+
+<file path=ppt/slides/slide60.xml><?xml version="1.0" encoding="utf-8"?>
 <p:sld xmlns:a="http://schemas.openxmlformats.org/drawingml/2006/main" xmlns:r="http://schemas.openxmlformats.org/officeDocument/2006/relationships" xmlns:p="http://schemas.openxmlformats.org/presentationml/2006/main">
   <p:cSld>
     <p:spTree>
@@ -28625,7 +27620,7 @@
 </p:sld>
 </file>
 
-<file path=ppt/slides/slide62.xml><?xml version="1.0" encoding="utf-8"?>
+<file path=ppt/slides/slide61.xml><?xml version="1.0" encoding="utf-8"?>
 <p:sld xmlns:a="http://schemas.openxmlformats.org/drawingml/2006/main" xmlns:r="http://schemas.openxmlformats.org/officeDocument/2006/relationships" xmlns:p="http://schemas.openxmlformats.org/presentationml/2006/main">
   <p:cSld>
     <p:spTree>
@@ -29027,7 +28022,7 @@
 </p:sld>
 </file>
 
-<file path=ppt/slides/slide63.xml><?xml version="1.0" encoding="utf-8"?>
+<file path=ppt/slides/slide62.xml><?xml version="1.0" encoding="utf-8"?>
 <p:sld xmlns:a="http://schemas.openxmlformats.org/drawingml/2006/main" xmlns:r="http://schemas.openxmlformats.org/officeDocument/2006/relationships" xmlns:p="http://schemas.openxmlformats.org/presentationml/2006/main">
   <p:cSld>
     <p:spTree>
@@ -29196,7 +28191,7 @@
 </p:sld>
 </file>
 
-<file path=ppt/slides/slide64.xml><?xml version="1.0" encoding="utf-8"?>
+<file path=ppt/slides/slide63.xml><?xml version="1.0" encoding="utf-8"?>
 <p:sld xmlns:a="http://schemas.openxmlformats.org/drawingml/2006/main" xmlns:r="http://schemas.openxmlformats.org/officeDocument/2006/relationships" xmlns:p="http://schemas.openxmlformats.org/presentationml/2006/main">
   <p:cSld>
     <p:spTree>
@@ -29347,7 +28342,7 @@
 </p:sld>
 </file>
 
-<file path=ppt/slides/slide65.xml><?xml version="1.0" encoding="utf-8"?>
+<file path=ppt/slides/slide64.xml><?xml version="1.0" encoding="utf-8"?>
 <p:sld xmlns:a="http://schemas.openxmlformats.org/drawingml/2006/main" xmlns:r="http://schemas.openxmlformats.org/officeDocument/2006/relationships" xmlns:p="http://schemas.openxmlformats.org/presentationml/2006/main">
   <p:cSld>
     <p:spTree>
@@ -29659,7 +28654,7 @@
 </p:sld>
 </file>
 
-<file path=ppt/slides/slide66.xml><?xml version="1.0" encoding="utf-8"?>
+<file path=ppt/slides/slide65.xml><?xml version="1.0" encoding="utf-8"?>
 <p:sld xmlns:a="http://schemas.openxmlformats.org/drawingml/2006/main" xmlns:r="http://schemas.openxmlformats.org/officeDocument/2006/relationships" xmlns:p="http://schemas.openxmlformats.org/presentationml/2006/main">
   <p:cSld>
     <p:spTree>
@@ -29837,7 +28832,7 @@
 </p:sld>
 </file>
 
-<file path=ppt/slides/slide67.xml><?xml version="1.0" encoding="utf-8"?>
+<file path=ppt/slides/slide66.xml><?xml version="1.0" encoding="utf-8"?>
 <p:sld xmlns:a="http://schemas.openxmlformats.org/drawingml/2006/main" xmlns:r="http://schemas.openxmlformats.org/officeDocument/2006/relationships" xmlns:p="http://schemas.openxmlformats.org/presentationml/2006/main">
   <p:cSld>
     <p:spTree>
@@ -30012,7 +29007,7 @@
 </p:sld>
 </file>
 
-<file path=ppt/slides/slide68.xml><?xml version="1.0" encoding="utf-8"?>
+<file path=ppt/slides/slide67.xml><?xml version="1.0" encoding="utf-8"?>
 <p:sld xmlns:a="http://schemas.openxmlformats.org/drawingml/2006/main" xmlns:r="http://schemas.openxmlformats.org/officeDocument/2006/relationships" xmlns:p="http://schemas.openxmlformats.org/presentationml/2006/main">
   <p:cSld>
     <p:spTree>
@@ -30195,7 +29190,7 @@
 </p:sld>
 </file>
 
-<file path=ppt/slides/slide69.xml><?xml version="1.0" encoding="utf-8"?>
+<file path=ppt/slides/slide68.xml><?xml version="1.0" encoding="utf-8"?>
 <p:sld xmlns:a="http://schemas.openxmlformats.org/drawingml/2006/main" xmlns:r="http://schemas.openxmlformats.org/officeDocument/2006/relationships" xmlns:p="http://schemas.openxmlformats.org/presentationml/2006/main">
   <p:cSld>
     <p:spTree>
@@ -30325,74 +29320,7 @@
 </p:sld>
 </file>
 
-<file path=ppt/slides/slide7.xml><?xml version="1.0" encoding="utf-8"?>
-<p:sld xmlns:a="http://schemas.openxmlformats.org/drawingml/2006/main" xmlns:r="http://schemas.openxmlformats.org/officeDocument/2006/relationships" xmlns:p="http://schemas.openxmlformats.org/presentationml/2006/main">
-  <p:cSld>
-    <p:spTree>
-      <p:nvGrpSpPr>
-        <p:cNvPr id="1" name=""/>
-        <p:cNvGrpSpPr/>
-        <p:nvPr/>
-      </p:nvGrpSpPr>
-      <p:grpSpPr>
-        <a:xfrm>
-          <a:off x="0" y="0"/>
-          <a:ext cx="0" cy="0"/>
-          <a:chOff x="0" y="0"/>
-          <a:chExt cx="0" cy="0"/>
-        </a:xfrm>
-      </p:grpSpPr>
-      <p:sp>
-        <p:nvSpPr>
-          <p:cNvPr id="6" name="TextBox 5"/>
-          <p:cNvSpPr txBox="1"/>
-          <p:nvPr/>
-        </p:nvSpPr>
-        <p:spPr>
-          <a:xfrm>
-            <a:off x="820057" y="869808"/>
-            <a:ext cx="10551886" cy="830997"/>
-          </a:xfrm>
-          <a:prstGeom prst="rect">
-            <a:avLst/>
-          </a:prstGeom>
-          <a:noFill/>
-        </p:spPr>
-        <p:txBody>
-          <a:bodyPr wrap="square" rtlCol="0">
-            <a:spAutoFit/>
-          </a:bodyPr>
-          <a:lstStyle/>
-          <a:p>
-            <a:r>
-              <a:rPr lang="en-US" sz="2400" dirty="0"/>
-              <a:t>What is the form of that model for linear regression, i.e. how do we get our y-hat (for one observation)?</a:t>
-            </a:r>
-          </a:p>
-        </p:txBody>
-      </p:sp>
-    </p:spTree>
-    <p:extLst>
-      <p:ext uri="{BB962C8B-B14F-4D97-AF65-F5344CB8AC3E}">
-        <p14:creationId xmlns:p14="http://schemas.microsoft.com/office/powerpoint/2010/main" val="962119351"/>
-      </p:ext>
-    </p:extLst>
-  </p:cSld>
-  <p:clrMapOvr>
-    <a:masterClrMapping/>
-  </p:clrMapOvr>
-  <mc:AlternateContent xmlns:mc="http://schemas.openxmlformats.org/markup-compatibility/2006" xmlns:p14="http://schemas.microsoft.com/office/powerpoint/2010/main">
-    <mc:Choice Requires="p14">
-      <p:transition p14:dur="10"/>
-    </mc:Choice>
-    <mc:Fallback xmlns="">
-      <p:transition/>
-    </mc:Fallback>
-  </mc:AlternateContent>
-</p:sld>
-</file>
-
-<file path=ppt/slides/slide70.xml><?xml version="1.0" encoding="utf-8"?>
+<file path=ppt/slides/slide69.xml><?xml version="1.0" encoding="utf-8"?>
 <p:sld xmlns:a="http://schemas.openxmlformats.org/drawingml/2006/main" xmlns:r="http://schemas.openxmlformats.org/officeDocument/2006/relationships" xmlns:p="http://schemas.openxmlformats.org/presentationml/2006/main">
   <p:cSld>
     <p:spTree>
@@ -30522,7 +29450,253 @@
 </p:sld>
 </file>
 
-<file path=ppt/slides/slide71.xml><?xml version="1.0" encoding="utf-8"?>
+<file path=ppt/slides/slide7.xml><?xml version="1.0" encoding="utf-8"?>
+<p:sld xmlns:a="http://schemas.openxmlformats.org/drawingml/2006/main" xmlns:r="http://schemas.openxmlformats.org/officeDocument/2006/relationships" xmlns:p="http://schemas.openxmlformats.org/presentationml/2006/main">
+  <p:cSld>
+    <p:spTree>
+      <p:nvGrpSpPr>
+        <p:cNvPr id="1" name=""/>
+        <p:cNvGrpSpPr/>
+        <p:nvPr/>
+      </p:nvGrpSpPr>
+      <p:grpSpPr>
+        <a:xfrm>
+          <a:off x="0" y="0"/>
+          <a:ext cx="0" cy="0"/>
+          <a:chOff x="0" y="0"/>
+          <a:chExt cx="0" cy="0"/>
+        </a:xfrm>
+      </p:grpSpPr>
+      <p:sp>
+        <p:nvSpPr>
+          <p:cNvPr id="6" name="TextBox 5"/>
+          <p:cNvSpPr txBox="1"/>
+          <p:nvPr/>
+        </p:nvSpPr>
+        <p:spPr>
+          <a:xfrm>
+            <a:off x="820057" y="869808"/>
+            <a:ext cx="10551886" cy="830997"/>
+          </a:xfrm>
+          <a:prstGeom prst="rect">
+            <a:avLst/>
+          </a:prstGeom>
+          <a:noFill/>
+        </p:spPr>
+        <p:txBody>
+          <a:bodyPr wrap="square" rtlCol="0">
+            <a:spAutoFit/>
+          </a:bodyPr>
+          <a:lstStyle/>
+          <a:p>
+            <a:r>
+              <a:rPr lang="en-US" sz="2400" dirty="0"/>
+              <a:t>What is the form of that model for linear regression, i.e. how do we get our y-hat (for one observation)?</a:t>
+            </a:r>
+          </a:p>
+        </p:txBody>
+      </p:sp>
+      <mc:AlternateContent xmlns:mc="http://schemas.openxmlformats.org/markup-compatibility/2006" xmlns:a14="http://schemas.microsoft.com/office/drawing/2010/main">
+        <mc:Choice Requires="a14">
+          <p:sp>
+            <p:nvSpPr>
+              <p:cNvPr id="7" name="TextBox 6">
+                <a:extLst>
+                  <a:ext uri="{FF2B5EF4-FFF2-40B4-BE49-F238E27FC236}">
+                    <a16:creationId xmlns:a16="http://schemas.microsoft.com/office/drawing/2014/main" id="{CC921F88-2195-4823-BA8D-76803B17B3AA}"/>
+                  </a:ext>
+                </a:extLst>
+              </p:cNvPr>
+              <p:cNvSpPr txBox="1"/>
+              <p:nvPr/>
+            </p:nvSpPr>
+            <p:spPr>
+              <a:xfrm>
+                <a:off x="1190171" y="1700805"/>
+                <a:ext cx="9811658" cy="376770"/>
+              </a:xfrm>
+              <a:prstGeom prst="rect">
+                <a:avLst/>
+              </a:prstGeom>
+              <a:noFill/>
+            </p:spPr>
+            <p:txBody>
+              <a:bodyPr wrap="square" rtlCol="0">
+                <a:spAutoFit/>
+              </a:bodyPr>
+              <a:lstStyle/>
+              <a:p>
+                <a:pPr/>
+                <a14:m>
+                  <m:oMathPara xmlns:m="http://schemas.openxmlformats.org/officeDocument/2006/math">
+                    <m:oMathParaPr>
+                      <m:jc m:val="centerGroup"/>
+                    </m:oMathParaPr>
+                    <m:oMath xmlns:m="http://schemas.openxmlformats.org/officeDocument/2006/math">
+                      <m:acc>
+                        <m:accPr>
+                          <m:chr m:val="̂"/>
+                          <m:ctrlPr>
+                            <a:rPr lang="en-US" b="0" i="1" smtClean="0">
+                              <a:latin typeface="Cambria Math" panose="02040503050406030204" pitchFamily="18" charset="0"/>
+                            </a:rPr>
+                          </m:ctrlPr>
+                        </m:accPr>
+                        <m:e>
+                          <m:r>
+                            <a:rPr lang="en-US" b="0" i="1" smtClean="0">
+                              <a:latin typeface="Cambria Math" panose="02040503050406030204" pitchFamily="18" charset="0"/>
+                            </a:rPr>
+                            <m:t>𝑌</m:t>
+                          </m:r>
+                        </m:e>
+                      </m:acc>
+                      <m:r>
+                        <a:rPr lang="en-US" b="0" i="1" smtClean="0">
+                          <a:latin typeface="Cambria Math" panose="02040503050406030204" pitchFamily="18" charset="0"/>
+                        </a:rPr>
+                        <m:t>=</m:t>
+                      </m:r>
+                      <m:r>
+                        <a:rPr lang="en-US" i="1">
+                          <a:latin typeface="Cambria Math" panose="02040503050406030204" pitchFamily="18" charset="0"/>
+                        </a:rPr>
+                        <m:t>𝐵</m:t>
+                      </m:r>
+                      <m:r>
+                        <a:rPr lang="en-US" b="0" i="1" smtClean="0">
+                          <a:latin typeface="Cambria Math" panose="02040503050406030204" pitchFamily="18" charset="0"/>
+                        </a:rPr>
+                        <m:t>+</m:t>
+                      </m:r>
+                      <m:r>
+                        <a:rPr lang="en-US" i="1">
+                          <a:latin typeface="Cambria Math" panose="02040503050406030204" pitchFamily="18" charset="0"/>
+                        </a:rPr>
+                        <m:t>𝑊</m:t>
+                      </m:r>
+                      <m:r>
+                        <a:rPr lang="en-US" b="0" i="1" smtClean="0">
+                          <a:latin typeface="Cambria Math" panose="02040503050406030204" pitchFamily="18" charset="0"/>
+                        </a:rPr>
+                        <m:t>∗</m:t>
+                      </m:r>
+                      <m:r>
+                        <a:rPr lang="en-US" b="0" i="1" smtClean="0">
+                          <a:latin typeface="Cambria Math" panose="02040503050406030204" pitchFamily="18" charset="0"/>
+                        </a:rPr>
+                        <m:t>𝑋</m:t>
+                      </m:r>
+                    </m:oMath>
+                  </m:oMathPara>
+                </a14:m>
+                <a:endParaRPr lang="en-US" dirty="0"/>
+              </a:p>
+            </p:txBody>
+          </p:sp>
+        </mc:Choice>
+        <mc:Fallback xmlns="">
+          <p:sp>
+            <p:nvSpPr>
+              <p:cNvPr id="7" name="TextBox 6">
+                <a:extLst>
+                  <a:ext uri="{FF2B5EF4-FFF2-40B4-BE49-F238E27FC236}">
+                    <a16:creationId xmlns:a16="http://schemas.microsoft.com/office/drawing/2014/main" id="{CC921F88-2195-4823-BA8D-76803B17B3AA}"/>
+                  </a:ext>
+                </a:extLst>
+              </p:cNvPr>
+              <p:cNvSpPr txBox="1">
+                <a:spLocks noRot="1" noChangeAspect="1" noMove="1" noResize="1" noEditPoints="1" noAdjustHandles="1" noChangeArrowheads="1" noChangeShapeType="1" noTextEdit="1"/>
+              </p:cNvSpPr>
+              <p:nvPr/>
+            </p:nvSpPr>
+            <p:spPr>
+              <a:xfrm>
+                <a:off x="1190171" y="1700805"/>
+                <a:ext cx="9811658" cy="376770"/>
+              </a:xfrm>
+              <a:prstGeom prst="rect">
+                <a:avLst/>
+              </a:prstGeom>
+              <a:blipFill>
+                <a:blip r:embed="rId2"/>
+                <a:stretch>
+                  <a:fillRect t="-1613"/>
+                </a:stretch>
+              </a:blipFill>
+            </p:spPr>
+            <p:txBody>
+              <a:bodyPr/>
+              <a:lstStyle/>
+              <a:p>
+                <a:r>
+                  <a:rPr lang="en-US">
+                    <a:noFill/>
+                  </a:rPr>
+                  <a:t> </a:t>
+                </a:r>
+              </a:p>
+            </p:txBody>
+          </p:sp>
+        </mc:Fallback>
+      </mc:AlternateContent>
+      <p:sp>
+        <p:nvSpPr>
+          <p:cNvPr id="8" name="TextBox 7">
+            <a:extLst>
+              <a:ext uri="{FF2B5EF4-FFF2-40B4-BE49-F238E27FC236}">
+                <a16:creationId xmlns:a16="http://schemas.microsoft.com/office/drawing/2014/main" id="{3B6541A8-BD13-43D1-BFDF-DC128B006682}"/>
+              </a:ext>
+            </a:extLst>
+          </p:cNvPr>
+          <p:cNvSpPr txBox="1"/>
+          <p:nvPr/>
+        </p:nvSpPr>
+        <p:spPr>
+          <a:xfrm>
+            <a:off x="1030514" y="2446907"/>
+            <a:ext cx="10130971" cy="461665"/>
+          </a:xfrm>
+          <a:prstGeom prst="rect">
+            <a:avLst/>
+          </a:prstGeom>
+          <a:noFill/>
+        </p:spPr>
+        <p:txBody>
+          <a:bodyPr wrap="square" rtlCol="0">
+            <a:spAutoFit/>
+          </a:bodyPr>
+          <a:lstStyle/>
+          <a:p>
+            <a:r>
+              <a:rPr lang="en-US" sz="2400" dirty="0"/>
+              <a:t>What is the loss function (for one observation)?</a:t>
+            </a:r>
+          </a:p>
+        </p:txBody>
+      </p:sp>
+    </p:spTree>
+    <p:extLst>
+      <p:ext uri="{BB962C8B-B14F-4D97-AF65-F5344CB8AC3E}">
+        <p14:creationId xmlns:p14="http://schemas.microsoft.com/office/powerpoint/2010/main" val="1870931718"/>
+      </p:ext>
+    </p:extLst>
+  </p:cSld>
+  <p:clrMapOvr>
+    <a:masterClrMapping/>
+  </p:clrMapOvr>
+  <mc:AlternateContent xmlns:mc="http://schemas.openxmlformats.org/markup-compatibility/2006" xmlns:p14="http://schemas.microsoft.com/office/powerpoint/2010/main">
+    <mc:Choice Requires="p14">
+      <p:transition p14:dur="10"/>
+    </mc:Choice>
+    <mc:Fallback xmlns="">
+      <p:transition/>
+    </mc:Fallback>
+  </mc:AlternateContent>
+</p:sld>
+</file>
+
+<file path=ppt/slides/slide70.xml><?xml version="1.0" encoding="utf-8"?>
 <p:sld xmlns:a="http://schemas.openxmlformats.org/drawingml/2006/main" xmlns:r="http://schemas.openxmlformats.org/officeDocument/2006/relationships" xmlns:p="http://schemas.openxmlformats.org/presentationml/2006/main">
   <p:cSld>
     <p:spTree>
@@ -30654,7 +29828,7 @@
 </p:sld>
 </file>
 
-<file path=ppt/slides/slide72.xml><?xml version="1.0" encoding="utf-8"?>
+<file path=ppt/slides/slide71.xml><?xml version="1.0" encoding="utf-8"?>
 <p:sld xmlns:a="http://schemas.openxmlformats.org/drawingml/2006/main" xmlns:r="http://schemas.openxmlformats.org/officeDocument/2006/relationships" xmlns:p="http://schemas.openxmlformats.org/presentationml/2006/main">
   <p:cSld>
     <p:spTree>
@@ -30856,7 +30030,7 @@
 </p:sld>
 </file>
 
-<file path=ppt/slides/slide73.xml><?xml version="1.0" encoding="utf-8"?>
+<file path=ppt/slides/slide72.xml><?xml version="1.0" encoding="utf-8"?>
 <p:sld xmlns:a="http://schemas.openxmlformats.org/drawingml/2006/main" xmlns:r="http://schemas.openxmlformats.org/officeDocument/2006/relationships" xmlns:p="http://schemas.openxmlformats.org/presentationml/2006/main">
   <p:cSld>
     <p:spTree>
@@ -30901,8 +30075,8 @@
           </a:p>
         </p:txBody>
       </p:sp>
-      <mc:AlternateContent xmlns:mc="http://schemas.openxmlformats.org/markup-compatibility/2006">
-        <mc:Choice xmlns:a14="http://schemas.microsoft.com/office/drawing/2010/main" Requires="a14">
+      <mc:AlternateContent xmlns:mc="http://schemas.openxmlformats.org/markup-compatibility/2006" xmlns:a14="http://schemas.microsoft.com/office/drawing/2010/main">
+        <mc:Choice Requires="a14">
           <p:sp>
             <p:nvSpPr>
               <p:cNvPr id="3" name="Content Placeholder 2">
@@ -31158,7 +30332,7 @@
             </p:txBody>
           </p:sp>
         </mc:Choice>
-        <mc:Fallback>
+        <mc:Fallback xmlns="">
           <p:sp>
             <p:nvSpPr>
               <p:cNvPr id="3" name="Content Placeholder 2">
@@ -31211,7 +30385,7 @@
 </p:sld>
 </file>
 
-<file path=ppt/slides/slide74.xml><?xml version="1.0" encoding="utf-8"?>
+<file path=ppt/slides/slide73.xml><?xml version="1.0" encoding="utf-8"?>
 <p:sld xmlns:a="http://schemas.openxmlformats.org/drawingml/2006/main" xmlns:r="http://schemas.openxmlformats.org/officeDocument/2006/relationships" xmlns:p="http://schemas.openxmlformats.org/presentationml/2006/main">
   <p:cSld>
     <p:spTree>
@@ -31385,7 +30559,7 @@
 </p:sld>
 </file>
 
-<file path=ppt/slides/slide75.xml><?xml version="1.0" encoding="utf-8"?>
+<file path=ppt/slides/slide74.xml><?xml version="1.0" encoding="utf-8"?>
 <p:sld xmlns:a="http://schemas.openxmlformats.org/drawingml/2006/main" xmlns:r="http://schemas.openxmlformats.org/officeDocument/2006/relationships" xmlns:p="http://schemas.openxmlformats.org/presentationml/2006/main">
   <p:cSld>
     <p:spTree>
@@ -31736,252 +30910,6 @@
           </a:p>
         </p:txBody>
       </p:sp>
-    </p:spTree>
-    <p:extLst>
-      <p:ext uri="{BB962C8B-B14F-4D97-AF65-F5344CB8AC3E}">
-        <p14:creationId xmlns:p14="http://schemas.microsoft.com/office/powerpoint/2010/main" val="1870931718"/>
-      </p:ext>
-    </p:extLst>
-  </p:cSld>
-  <p:clrMapOvr>
-    <a:masterClrMapping/>
-  </p:clrMapOvr>
-  <mc:AlternateContent xmlns:mc="http://schemas.openxmlformats.org/markup-compatibility/2006" xmlns:p14="http://schemas.microsoft.com/office/powerpoint/2010/main">
-    <mc:Choice Requires="p14">
-      <p:transition p14:dur="10"/>
-    </mc:Choice>
-    <mc:Fallback xmlns="">
-      <p:transition/>
-    </mc:Fallback>
-  </mc:AlternateContent>
-</p:sld>
-</file>
-
-<file path=ppt/slides/slide9.xml><?xml version="1.0" encoding="utf-8"?>
-<p:sld xmlns:a="http://schemas.openxmlformats.org/drawingml/2006/main" xmlns:r="http://schemas.openxmlformats.org/officeDocument/2006/relationships" xmlns:p="http://schemas.openxmlformats.org/presentationml/2006/main">
-  <p:cSld>
-    <p:spTree>
-      <p:nvGrpSpPr>
-        <p:cNvPr id="1" name=""/>
-        <p:cNvGrpSpPr/>
-        <p:nvPr/>
-      </p:nvGrpSpPr>
-      <p:grpSpPr>
-        <a:xfrm>
-          <a:off x="0" y="0"/>
-          <a:ext cx="0" cy="0"/>
-          <a:chOff x="0" y="0"/>
-          <a:chExt cx="0" cy="0"/>
-        </a:xfrm>
-      </p:grpSpPr>
-      <p:sp>
-        <p:nvSpPr>
-          <p:cNvPr id="6" name="TextBox 5"/>
-          <p:cNvSpPr txBox="1"/>
-          <p:nvPr/>
-        </p:nvSpPr>
-        <p:spPr>
-          <a:xfrm>
-            <a:off x="820057" y="869808"/>
-            <a:ext cx="10551886" cy="830997"/>
-          </a:xfrm>
-          <a:prstGeom prst="rect">
-            <a:avLst/>
-          </a:prstGeom>
-          <a:noFill/>
-        </p:spPr>
-        <p:txBody>
-          <a:bodyPr wrap="square" rtlCol="0">
-            <a:spAutoFit/>
-          </a:bodyPr>
-          <a:lstStyle/>
-          <a:p>
-            <a:r>
-              <a:rPr lang="en-US" sz="2400" dirty="0"/>
-              <a:t>What is the form of that model for linear regression, i.e. how do we get our y-hat (for one observation)?</a:t>
-            </a:r>
-          </a:p>
-        </p:txBody>
-      </p:sp>
-      <mc:AlternateContent xmlns:mc="http://schemas.openxmlformats.org/markup-compatibility/2006" xmlns:a14="http://schemas.microsoft.com/office/drawing/2010/main">
-        <mc:Choice Requires="a14">
-          <p:sp>
-            <p:nvSpPr>
-              <p:cNvPr id="7" name="TextBox 6">
-                <a:extLst>
-                  <a:ext uri="{FF2B5EF4-FFF2-40B4-BE49-F238E27FC236}">
-                    <a16:creationId xmlns:a16="http://schemas.microsoft.com/office/drawing/2014/main" id="{CC921F88-2195-4823-BA8D-76803B17B3AA}"/>
-                  </a:ext>
-                </a:extLst>
-              </p:cNvPr>
-              <p:cNvSpPr txBox="1"/>
-              <p:nvPr/>
-            </p:nvSpPr>
-            <p:spPr>
-              <a:xfrm>
-                <a:off x="1190171" y="1700805"/>
-                <a:ext cx="9811658" cy="376770"/>
-              </a:xfrm>
-              <a:prstGeom prst="rect">
-                <a:avLst/>
-              </a:prstGeom>
-              <a:noFill/>
-            </p:spPr>
-            <p:txBody>
-              <a:bodyPr wrap="square" rtlCol="0">
-                <a:spAutoFit/>
-              </a:bodyPr>
-              <a:lstStyle/>
-              <a:p>
-                <a:pPr/>
-                <a14:m>
-                  <m:oMathPara xmlns:m="http://schemas.openxmlformats.org/officeDocument/2006/math">
-                    <m:oMathParaPr>
-                      <m:jc m:val="centerGroup"/>
-                    </m:oMathParaPr>
-                    <m:oMath xmlns:m="http://schemas.openxmlformats.org/officeDocument/2006/math">
-                      <m:acc>
-                        <m:accPr>
-                          <m:chr m:val="̂"/>
-                          <m:ctrlPr>
-                            <a:rPr lang="en-US" b="0" i="1" smtClean="0">
-                              <a:latin typeface="Cambria Math" panose="02040503050406030204" pitchFamily="18" charset="0"/>
-                            </a:rPr>
-                          </m:ctrlPr>
-                        </m:accPr>
-                        <m:e>
-                          <m:r>
-                            <a:rPr lang="en-US" b="0" i="1" smtClean="0">
-                              <a:latin typeface="Cambria Math" panose="02040503050406030204" pitchFamily="18" charset="0"/>
-                            </a:rPr>
-                            <m:t>𝑌</m:t>
-                          </m:r>
-                        </m:e>
-                      </m:acc>
-                      <m:r>
-                        <a:rPr lang="en-US" b="0" i="1" smtClean="0">
-                          <a:latin typeface="Cambria Math" panose="02040503050406030204" pitchFamily="18" charset="0"/>
-                        </a:rPr>
-                        <m:t>=</m:t>
-                      </m:r>
-                      <m:r>
-                        <a:rPr lang="en-US" i="1">
-                          <a:latin typeface="Cambria Math" panose="02040503050406030204" pitchFamily="18" charset="0"/>
-                        </a:rPr>
-                        <m:t>𝐵</m:t>
-                      </m:r>
-                      <m:r>
-                        <a:rPr lang="en-US" b="0" i="1" smtClean="0">
-                          <a:latin typeface="Cambria Math" panose="02040503050406030204" pitchFamily="18" charset="0"/>
-                        </a:rPr>
-                        <m:t>+</m:t>
-                      </m:r>
-                      <m:r>
-                        <a:rPr lang="en-US" i="1">
-                          <a:latin typeface="Cambria Math" panose="02040503050406030204" pitchFamily="18" charset="0"/>
-                        </a:rPr>
-                        <m:t>𝑊</m:t>
-                      </m:r>
-                      <m:r>
-                        <a:rPr lang="en-US" b="0" i="1" smtClean="0">
-                          <a:latin typeface="Cambria Math" panose="02040503050406030204" pitchFamily="18" charset="0"/>
-                        </a:rPr>
-                        <m:t>∗</m:t>
-                      </m:r>
-                      <m:r>
-                        <a:rPr lang="en-US" b="0" i="1" smtClean="0">
-                          <a:latin typeface="Cambria Math" panose="02040503050406030204" pitchFamily="18" charset="0"/>
-                        </a:rPr>
-                        <m:t>𝑋</m:t>
-                      </m:r>
-                    </m:oMath>
-                  </m:oMathPara>
-                </a14:m>
-                <a:endParaRPr lang="en-US" dirty="0"/>
-              </a:p>
-            </p:txBody>
-          </p:sp>
-        </mc:Choice>
-        <mc:Fallback xmlns="">
-          <p:sp>
-            <p:nvSpPr>
-              <p:cNvPr id="7" name="TextBox 6">
-                <a:extLst>
-                  <a:ext uri="{FF2B5EF4-FFF2-40B4-BE49-F238E27FC236}">
-                    <a16:creationId xmlns:a16="http://schemas.microsoft.com/office/drawing/2014/main" id="{CC921F88-2195-4823-BA8D-76803B17B3AA}"/>
-                  </a:ext>
-                </a:extLst>
-              </p:cNvPr>
-              <p:cNvSpPr txBox="1">
-                <a:spLocks noRot="1" noChangeAspect="1" noMove="1" noResize="1" noEditPoints="1" noAdjustHandles="1" noChangeArrowheads="1" noChangeShapeType="1" noTextEdit="1"/>
-              </p:cNvSpPr>
-              <p:nvPr/>
-            </p:nvSpPr>
-            <p:spPr>
-              <a:xfrm>
-                <a:off x="1190171" y="1700805"/>
-                <a:ext cx="9811658" cy="376770"/>
-              </a:xfrm>
-              <a:prstGeom prst="rect">
-                <a:avLst/>
-              </a:prstGeom>
-              <a:blipFill>
-                <a:blip r:embed="rId2"/>
-                <a:stretch>
-                  <a:fillRect t="-1613"/>
-                </a:stretch>
-              </a:blipFill>
-            </p:spPr>
-            <p:txBody>
-              <a:bodyPr/>
-              <a:lstStyle/>
-              <a:p>
-                <a:r>
-                  <a:rPr lang="en-US">
-                    <a:noFill/>
-                  </a:rPr>
-                  <a:t> </a:t>
-                </a:r>
-              </a:p>
-            </p:txBody>
-          </p:sp>
-        </mc:Fallback>
-      </mc:AlternateContent>
-      <p:sp>
-        <p:nvSpPr>
-          <p:cNvPr id="8" name="TextBox 7">
-            <a:extLst>
-              <a:ext uri="{FF2B5EF4-FFF2-40B4-BE49-F238E27FC236}">
-                <a16:creationId xmlns:a16="http://schemas.microsoft.com/office/drawing/2014/main" id="{3B6541A8-BD13-43D1-BFDF-DC128B006682}"/>
-              </a:ext>
-            </a:extLst>
-          </p:cNvPr>
-          <p:cNvSpPr txBox="1"/>
-          <p:nvPr/>
-        </p:nvSpPr>
-        <p:spPr>
-          <a:xfrm>
-            <a:off x="1030514" y="2446907"/>
-            <a:ext cx="10130971" cy="461665"/>
-          </a:xfrm>
-          <a:prstGeom prst="rect">
-            <a:avLst/>
-          </a:prstGeom>
-          <a:noFill/>
-        </p:spPr>
-        <p:txBody>
-          <a:bodyPr wrap="square" rtlCol="0">
-            <a:spAutoFit/>
-          </a:bodyPr>
-          <a:lstStyle/>
-          <a:p>
-            <a:r>
-              <a:rPr lang="en-US" sz="2400" dirty="0"/>
-              <a:t>What is the loss function (for one observation)?</a:t>
-            </a:r>
-          </a:p>
-        </p:txBody>
-      </p:sp>
       <mc:AlternateContent xmlns:mc="http://schemas.openxmlformats.org/markup-compatibility/2006" xmlns:a14="http://schemas.microsoft.com/office/drawing/2010/main">
         <mc:Choice Requires="a14">
           <p:sp>
@@ -32266,8 +31194,8 @@
           </p:sp>
         </mc:Fallback>
       </mc:AlternateContent>
-      <mc:AlternateContent xmlns:mc="http://schemas.openxmlformats.org/markup-compatibility/2006">
-        <mc:Choice xmlns:a14="http://schemas.microsoft.com/office/drawing/2010/main" Requires="a14">
+      <mc:AlternateContent xmlns:mc="http://schemas.openxmlformats.org/markup-compatibility/2006" xmlns:a14="http://schemas.microsoft.com/office/drawing/2010/main">
+        <mc:Choice Requires="a14">
           <p:sp>
             <p:nvSpPr>
               <p:cNvPr id="2" name="Rectangle 1">
@@ -32356,7 +31284,7 @@
             </p:txBody>
           </p:sp>
         </mc:Choice>
-        <mc:Fallback>
+        <mc:Fallback xmlns="">
           <p:sp>
             <p:nvSpPr>
               <p:cNvPr id="2" name="Rectangle 1">
@@ -32419,6 +31347,424 @@
       <p:transition/>
     </mc:Fallback>
   </mc:AlternateContent>
+</p:sld>
+</file>
+
+<file path=ppt/slides/slide9.xml><?xml version="1.0" encoding="utf-8"?>
+<p:sld xmlns:a="http://schemas.openxmlformats.org/drawingml/2006/main" xmlns:r="http://schemas.openxmlformats.org/officeDocument/2006/relationships" xmlns:p="http://schemas.openxmlformats.org/presentationml/2006/main">
+  <p:cSld>
+    <p:spTree>
+      <p:nvGrpSpPr>
+        <p:cNvPr id="1" name=""/>
+        <p:cNvGrpSpPr/>
+        <p:nvPr/>
+      </p:nvGrpSpPr>
+      <p:grpSpPr>
+        <a:xfrm>
+          <a:off x="0" y="0"/>
+          <a:ext cx="0" cy="0"/>
+          <a:chOff x="0" y="0"/>
+          <a:chExt cx="0" cy="0"/>
+        </a:xfrm>
+      </p:grpSpPr>
+      <p:sp>
+        <p:nvSpPr>
+          <p:cNvPr id="2" name="Title 1"/>
+          <p:cNvSpPr>
+            <a:spLocks noGrp="1"/>
+          </p:cNvSpPr>
+          <p:nvPr>
+            <p:ph type="title"/>
+          </p:nvPr>
+        </p:nvSpPr>
+        <p:spPr/>
+        <p:txBody>
+          <a:bodyPr/>
+          <a:lstStyle/>
+          <a:p>
+            <a:r>
+              <a:rPr lang="en-US" dirty="0"/>
+              <a:t>Gradient Descent</a:t>
+            </a:r>
+          </a:p>
+        </p:txBody>
+      </p:sp>
+      <mc:AlternateContent xmlns:mc="http://schemas.openxmlformats.org/markup-compatibility/2006" xmlns:a14="http://schemas.microsoft.com/office/drawing/2010/main">
+        <mc:Choice Requires="a14">
+          <p:sp>
+            <p:nvSpPr>
+              <p:cNvPr id="3" name="Content Placeholder 2"/>
+              <p:cNvSpPr>
+                <a:spLocks noGrp="1"/>
+              </p:cNvSpPr>
+              <p:nvPr>
+                <p:ph idx="1"/>
+              </p:nvPr>
+            </p:nvSpPr>
+            <p:spPr>
+              <a:xfrm>
+                <a:off x="838200" y="1825625"/>
+                <a:ext cx="10515600" cy="899646"/>
+              </a:xfrm>
+            </p:spPr>
+            <p:txBody>
+              <a:bodyPr>
+                <a:noAutofit/>
+              </a:bodyPr>
+              <a:lstStyle/>
+              <a:p>
+                <a:pPr marL="0" indent="0">
+                  <a:buNone/>
+                </a:pPr>
+                <a:r>
+                  <a:rPr lang="en-US" sz="2400" dirty="0"/>
+                  <a:t>What we are </a:t>
+                </a:r>
+                <a:r>
+                  <a:rPr lang="en-US" sz="2400" i="1" dirty="0"/>
+                  <a:t>really</a:t>
+                </a:r>
+                <a:r>
+                  <a:rPr lang="en-US" sz="2400" dirty="0"/>
+                  <a:t> after in gradient descent are the gradients of the Loss function with respect to the parameters, </a:t>
+                </a:r>
+                <a14:m>
+                  <m:oMath xmlns:m="http://schemas.openxmlformats.org/officeDocument/2006/math">
+                    <m:sSub>
+                      <m:sSubPr>
+                        <m:ctrlPr>
+                          <a:rPr lang="en-US" sz="2400" b="0" i="1" smtClean="0">
+                            <a:latin typeface="Cambria Math" panose="02040503050406030204" pitchFamily="18" charset="0"/>
+                          </a:rPr>
+                        </m:ctrlPr>
+                      </m:sSubPr>
+                      <m:e>
+                        <m:r>
+                          <a:rPr lang="en-US" sz="2400" b="0" i="1" smtClean="0">
+                            <a:latin typeface="Cambria Math" panose="02040503050406030204" pitchFamily="18" charset="0"/>
+                          </a:rPr>
+                          <m:t>𝐵</m:t>
+                        </m:r>
+                      </m:e>
+                      <m:sub/>
+                    </m:sSub>
+                  </m:oMath>
+                </a14:m>
+                <a:r>
+                  <a:rPr lang="en-US" sz="2400" dirty="0"/>
+                  <a:t> and </a:t>
+                </a:r>
+                <a14:m>
+                  <m:oMath xmlns:m="http://schemas.openxmlformats.org/officeDocument/2006/math">
+                    <m:sSub>
+                      <m:sSubPr>
+                        <m:ctrlPr>
+                          <a:rPr lang="en-US" sz="2400" i="1">
+                            <a:latin typeface="Cambria Math" panose="02040503050406030204" pitchFamily="18" charset="0"/>
+                          </a:rPr>
+                        </m:ctrlPr>
+                      </m:sSubPr>
+                      <m:e>
+                        <m:r>
+                          <a:rPr lang="en-US" sz="2400" i="1">
+                            <a:latin typeface="Cambria Math" panose="02040503050406030204" pitchFamily="18" charset="0"/>
+                          </a:rPr>
+                          <m:t>𝑊</m:t>
+                        </m:r>
+                      </m:e>
+                      <m:sub/>
+                    </m:sSub>
+                  </m:oMath>
+                </a14:m>
+                <a:r>
+                  <a:rPr lang="en-US" sz="2400" dirty="0"/>
+                  <a:t>.</a:t>
+                </a:r>
+              </a:p>
+              <a:p>
+                <a:pPr marL="0" indent="0">
+                  <a:buNone/>
+                </a:pPr>
+                <a:endParaRPr lang="en-US" sz="2400" dirty="0"/>
+              </a:p>
+              <a:p>
+                <a:pPr marL="0" indent="0" algn="ctr">
+                  <a:buNone/>
+                </a:pPr>
+                <a14:m>
+                  <m:oMath xmlns:m="http://schemas.openxmlformats.org/officeDocument/2006/math">
+                    <m:f>
+                      <m:fPr>
+                        <m:ctrlPr>
+                          <a:rPr lang="en-US" sz="3200" b="0" i="1" smtClean="0">
+                            <a:latin typeface="Cambria Math" panose="02040503050406030204" pitchFamily="18" charset="0"/>
+                          </a:rPr>
+                        </m:ctrlPr>
+                      </m:fPr>
+                      <m:num>
+                        <m:r>
+                          <a:rPr lang="en-US" sz="3200" b="0" i="1" smtClean="0">
+                            <a:latin typeface="Cambria Math" panose="02040503050406030204" pitchFamily="18" charset="0"/>
+                          </a:rPr>
+                          <m:t>𝜕</m:t>
+                        </m:r>
+                      </m:num>
+                      <m:den>
+                        <m:r>
+                          <a:rPr lang="en-US" sz="3200" b="0" i="1" smtClean="0">
+                            <a:latin typeface="Cambria Math" panose="02040503050406030204" pitchFamily="18" charset="0"/>
+                          </a:rPr>
+                          <m:t>𝜕</m:t>
+                        </m:r>
+                        <m:r>
+                          <a:rPr lang="en-US" sz="3200" i="1">
+                            <a:latin typeface="Cambria Math" panose="02040503050406030204" pitchFamily="18" charset="0"/>
+                          </a:rPr>
+                          <m:t>𝐵</m:t>
+                        </m:r>
+                      </m:den>
+                    </m:f>
+                    <m:r>
+                      <a:rPr lang="en-US" sz="3200" b="0" i="1" smtClean="0">
+                        <a:latin typeface="Cambria Math" panose="02040503050406030204" pitchFamily="18" charset="0"/>
+                      </a:rPr>
+                      <m:t>𝐿</m:t>
+                    </m:r>
+                    <m:r>
+                      <a:rPr lang="en-US" sz="3200" b="0" i="1" smtClean="0">
+                        <a:latin typeface="Cambria Math" panose="02040503050406030204" pitchFamily="18" charset="0"/>
+                      </a:rPr>
+                      <m:t>(</m:t>
+                    </m:r>
+                    <m:r>
+                      <a:rPr lang="en-US" sz="3200" b="0" i="1" smtClean="0">
+                        <a:latin typeface="Cambria Math" panose="02040503050406030204" pitchFamily="18" charset="0"/>
+                      </a:rPr>
+                      <m:t>𝑌</m:t>
+                    </m:r>
+                    <m:r>
+                      <a:rPr lang="en-US" sz="3200" b="0" i="1" smtClean="0">
+                        <a:latin typeface="Cambria Math" panose="02040503050406030204" pitchFamily="18" charset="0"/>
+                      </a:rPr>
+                      <m:t>, </m:t>
+                    </m:r>
+                    <m:acc>
+                      <m:accPr>
+                        <m:chr m:val="̂"/>
+                        <m:ctrlPr>
+                          <a:rPr lang="en-US" sz="3200" b="0" i="1" smtClean="0">
+                            <a:latin typeface="Cambria Math" panose="02040503050406030204" pitchFamily="18" charset="0"/>
+                          </a:rPr>
+                        </m:ctrlPr>
+                      </m:accPr>
+                      <m:e>
+                        <m:r>
+                          <a:rPr lang="en-US" sz="3200" b="0" i="1" smtClean="0">
+                            <a:latin typeface="Cambria Math" panose="02040503050406030204" pitchFamily="18" charset="0"/>
+                          </a:rPr>
+                          <m:t>𝑌</m:t>
+                        </m:r>
+                      </m:e>
+                    </m:acc>
+                    <m:r>
+                      <a:rPr lang="en-US" sz="3200" b="0" i="1" smtClean="0">
+                        <a:latin typeface="Cambria Math" panose="02040503050406030204" pitchFamily="18" charset="0"/>
+                      </a:rPr>
+                      <m:t>)</m:t>
+                    </m:r>
+                  </m:oMath>
+                </a14:m>
+                <a:r>
+                  <a:rPr lang="en-US" sz="3200" dirty="0"/>
+                  <a:t>   and   </a:t>
+                </a:r>
+                <a14:m>
+                  <m:oMath xmlns:m="http://schemas.openxmlformats.org/officeDocument/2006/math">
+                    <m:f>
+                      <m:fPr>
+                        <m:ctrlPr>
+                          <a:rPr lang="en-US" sz="3200" b="0" i="1" smtClean="0">
+                            <a:latin typeface="Cambria Math" panose="02040503050406030204" pitchFamily="18" charset="0"/>
+                          </a:rPr>
+                        </m:ctrlPr>
+                      </m:fPr>
+                      <m:num>
+                        <m:r>
+                          <a:rPr lang="en-US" sz="3200" b="0" i="1" smtClean="0">
+                            <a:latin typeface="Cambria Math" panose="02040503050406030204" pitchFamily="18" charset="0"/>
+                          </a:rPr>
+                          <m:t>𝜕</m:t>
+                        </m:r>
+                      </m:num>
+                      <m:den>
+                        <m:r>
+                          <a:rPr lang="en-US" sz="3200" b="0" i="1" smtClean="0">
+                            <a:latin typeface="Cambria Math" panose="02040503050406030204" pitchFamily="18" charset="0"/>
+                          </a:rPr>
+                          <m:t>𝜕</m:t>
+                        </m:r>
+                        <m:r>
+                          <a:rPr lang="en-US" sz="3200" i="1">
+                            <a:latin typeface="Cambria Math" panose="02040503050406030204" pitchFamily="18" charset="0"/>
+                          </a:rPr>
+                          <m:t>𝑊</m:t>
+                        </m:r>
+                      </m:den>
+                    </m:f>
+                  </m:oMath>
+                </a14:m>
+                <a:r>
+                  <a:rPr lang="en-US" sz="3200" dirty="0"/>
+                  <a:t> </a:t>
+                </a:r>
+                <a14:m>
+                  <m:oMath xmlns:m="http://schemas.openxmlformats.org/officeDocument/2006/math">
+                    <m:r>
+                      <a:rPr lang="en-US" sz="3200" b="0" i="1" smtClean="0">
+                        <a:latin typeface="Cambria Math" panose="02040503050406030204" pitchFamily="18" charset="0"/>
+                      </a:rPr>
+                      <m:t>𝐿</m:t>
+                    </m:r>
+                    <m:r>
+                      <a:rPr lang="en-US" sz="3200" b="0" i="1" smtClean="0">
+                        <a:latin typeface="Cambria Math" panose="02040503050406030204" pitchFamily="18" charset="0"/>
+                      </a:rPr>
+                      <m:t>(</m:t>
+                    </m:r>
+                    <m:r>
+                      <a:rPr lang="en-US" sz="3200" b="0" i="1" smtClean="0">
+                        <a:latin typeface="Cambria Math" panose="02040503050406030204" pitchFamily="18" charset="0"/>
+                      </a:rPr>
+                      <m:t>𝑌</m:t>
+                    </m:r>
+                    <m:r>
+                      <a:rPr lang="en-US" sz="3200" b="0" i="1" smtClean="0">
+                        <a:latin typeface="Cambria Math" panose="02040503050406030204" pitchFamily="18" charset="0"/>
+                      </a:rPr>
+                      <m:t>, </m:t>
+                    </m:r>
+                    <m:acc>
+                      <m:accPr>
+                        <m:chr m:val="̂"/>
+                        <m:ctrlPr>
+                          <a:rPr lang="en-US" sz="3200" b="0" i="1" smtClean="0">
+                            <a:latin typeface="Cambria Math" panose="02040503050406030204" pitchFamily="18" charset="0"/>
+                          </a:rPr>
+                        </m:ctrlPr>
+                      </m:accPr>
+                      <m:e>
+                        <m:r>
+                          <a:rPr lang="en-US" sz="3200" b="0" i="1" smtClean="0">
+                            <a:latin typeface="Cambria Math" panose="02040503050406030204" pitchFamily="18" charset="0"/>
+                          </a:rPr>
+                          <m:t>𝑌</m:t>
+                        </m:r>
+                      </m:e>
+                    </m:acc>
+                    <m:r>
+                      <a:rPr lang="en-US" sz="3200" b="0" i="1" smtClean="0">
+                        <a:latin typeface="Cambria Math" panose="02040503050406030204" pitchFamily="18" charset="0"/>
+                      </a:rPr>
+                      <m:t>)</m:t>
+                    </m:r>
+                  </m:oMath>
+                </a14:m>
+                <a:endParaRPr lang="en-US" sz="3200" dirty="0"/>
+              </a:p>
+            </p:txBody>
+          </p:sp>
+        </mc:Choice>
+        <mc:Fallback xmlns="">
+          <p:sp>
+            <p:nvSpPr>
+              <p:cNvPr id="3" name="Content Placeholder 2"/>
+              <p:cNvSpPr>
+                <a:spLocks noGrp="1" noRot="1" noChangeAspect="1" noMove="1" noResize="1" noEditPoints="1" noAdjustHandles="1" noChangeArrowheads="1" noChangeShapeType="1" noTextEdit="1"/>
+              </p:cNvSpPr>
+              <p:nvPr>
+                <p:ph idx="1"/>
+              </p:nvPr>
+            </p:nvSpPr>
+            <p:spPr>
+              <a:xfrm>
+                <a:off x="838200" y="1825625"/>
+                <a:ext cx="10515600" cy="899646"/>
+              </a:xfrm>
+              <a:blipFill>
+                <a:blip r:embed="rId2"/>
+                <a:stretch>
+                  <a:fillRect l="-928" t="-9459" b="-133108"/>
+                </a:stretch>
+              </a:blipFill>
+            </p:spPr>
+            <p:txBody>
+              <a:bodyPr/>
+              <a:lstStyle/>
+              <a:p>
+                <a:r>
+                  <a:rPr lang="en-US">
+                    <a:noFill/>
+                  </a:rPr>
+                  <a:t> </a:t>
+                </a:r>
+              </a:p>
+            </p:txBody>
+          </p:sp>
+        </mc:Fallback>
+      </mc:AlternateContent>
+      <p:sp>
+        <p:nvSpPr>
+          <p:cNvPr id="4" name="TextBox 3"/>
+          <p:cNvSpPr txBox="1"/>
+          <p:nvPr/>
+        </p:nvSpPr>
+        <p:spPr>
+          <a:xfrm>
+            <a:off x="1146629" y="4325257"/>
+            <a:ext cx="9681028" cy="1200329"/>
+          </a:xfrm>
+          <a:prstGeom prst="rect">
+            <a:avLst/>
+          </a:prstGeom>
+          <a:noFill/>
+        </p:spPr>
+        <p:txBody>
+          <a:bodyPr wrap="square" rtlCol="0">
+            <a:spAutoFit/>
+          </a:bodyPr>
+          <a:lstStyle/>
+          <a:p>
+            <a:r>
+              <a:rPr lang="en-US" sz="2400" dirty="0"/>
+              <a:t>We could easily plug and perform symbolic calculus. Instead, we’ll take a different tack and </a:t>
+            </a:r>
+            <a:r>
+              <a:rPr lang="en-US" sz="2400" b="1" dirty="0"/>
+              <a:t>solve empirically</a:t>
+            </a:r>
+            <a:r>
+              <a:rPr lang="en-US" sz="2400" dirty="0"/>
+              <a:t>.</a:t>
+            </a:r>
+          </a:p>
+          <a:p>
+            <a:r>
+              <a:rPr lang="en-US" sz="2400" dirty="0"/>
+              <a:t>Let’s consider an example.</a:t>
+            </a:r>
+          </a:p>
+        </p:txBody>
+      </p:sp>
+    </p:spTree>
+    <p:extLst>
+      <p:ext uri="{BB962C8B-B14F-4D97-AF65-F5344CB8AC3E}">
+        <p14:creationId xmlns:p14="http://schemas.microsoft.com/office/powerpoint/2010/main" val="3222010528"/>
+      </p:ext>
+    </p:extLst>
+  </p:cSld>
+  <p:clrMapOvr>
+    <a:masterClrMapping/>
+  </p:clrMapOvr>
 </p:sld>
 </file>
 

--- a/secondPart/Neural Networks - pt 2.pptx
+++ b/secondPart/Neural Networks - pt 2.pptx
@@ -13833,8 +13833,8 @@
           <a:chExt cx="0" cy="0"/>
         </a:xfrm>
       </p:grpSpPr>
-      <mc:AlternateContent xmlns:mc="http://schemas.openxmlformats.org/markup-compatibility/2006" xmlns:a14="http://schemas.microsoft.com/office/drawing/2010/main">
-        <mc:Choice Requires="a14">
+      <mc:AlternateContent xmlns:mc="http://schemas.openxmlformats.org/markup-compatibility/2006">
+        <mc:Choice xmlns:a14="http://schemas.microsoft.com/office/drawing/2010/main" Requires="a14">
           <p:sp>
             <p:nvSpPr>
               <p:cNvPr id="3" name="Content Placeholder 2"/>
@@ -13853,7 +13853,7 @@
             </p:spPr>
             <p:txBody>
               <a:bodyPr>
-                <a:normAutofit/>
+                <a:normAutofit lnSpcReduction="10000"/>
               </a:bodyPr>
               <a:lstStyle/>
               <a:p>
@@ -13998,11 +13998,49 @@
                         </m:r>
                       </m:e>
                     </m:acc>
+                    <m:r>
+                      <a:rPr lang="en-US" b="0" i="0" smtClean="0">
+                        <a:latin typeface="Cambria Math" panose="02040503050406030204" pitchFamily="18" charset="0"/>
+                      </a:rPr>
+                      <m:t>:</m:t>
+                    </m:r>
                   </m:oMath>
                 </a14:m>
-                <a:r>
-                  <a:rPr lang="en-US" dirty="0"/>
-                  <a:t>.</a:t>
+                <a:endParaRPr lang="en-US" b="0" dirty="0"/>
+              </a:p>
+              <a:p>
+                <a:pPr marL="0" indent="0" algn="ctr">
+                  <a:buNone/>
+                </a:pPr>
+                <a:r>
+                  <a:rPr lang="en-US" dirty="0"/>
+                  <a:t>L(Y, </a:t>
+                </a:r>
+                <a14:m>
+                  <m:oMath xmlns:m="http://schemas.openxmlformats.org/officeDocument/2006/math">
+                    <m:acc>
+                      <m:accPr>
+                        <m:chr m:val="̂"/>
+                        <m:ctrlPr>
+                          <a:rPr lang="en-US" i="1">
+                            <a:latin typeface="Cambria Math" panose="02040503050406030204" pitchFamily="18" charset="0"/>
+                          </a:rPr>
+                        </m:ctrlPr>
+                      </m:accPr>
+                      <m:e>
+                        <m:r>
+                          <a:rPr lang="en-US" i="1">
+                            <a:latin typeface="Cambria Math" panose="02040503050406030204" pitchFamily="18" charset="0"/>
+                          </a:rPr>
+                          <m:t>𝑌</m:t>
+                        </m:r>
+                      </m:e>
+                    </m:acc>
+                  </m:oMath>
+                </a14:m>
+                <a:r>
+                  <a:rPr lang="en-US" dirty="0"/>
+                  <a:t>)</a:t>
                 </a:r>
               </a:p>
               <a:p>
@@ -14068,7 +14106,33 @@
                 </a14:m>
                 <a:r>
                   <a:rPr lang="en-US" dirty="0"/>
-                  <a:t> = a1 + B</a:t>
+                  <a:t> = f(a1, B) </a:t>
+                </a:r>
+              </a:p>
+              <a:p>
+                <a:pPr marL="0" indent="0">
+                  <a:buNone/>
+                </a:pPr>
+                <a:r>
+                  <a:rPr lang="en-US" dirty="0"/>
+                  <a:t>Or combined…</a:t>
+                </a:r>
+              </a:p>
+              <a:p>
+                <a:pPr marL="0" indent="0" algn="ctr">
+                  <a:buNone/>
+                </a:pPr>
+                <a:r>
+                  <a:rPr lang="en-US" dirty="0"/>
+                  <a:t>L(</a:t>
+                </a:r>
+                <a:r>
+                  <a:rPr lang="en-US" dirty="0" err="1"/>
+                  <a:t>Y,f</a:t>
+                </a:r>
+                <a:r>
+                  <a:rPr lang="en-US" dirty="0"/>
+                  <a:t>(a1, B)) </a:t>
                 </a:r>
               </a:p>
               <a:p>
@@ -14436,7 +14500,7 @@
             </p:txBody>
           </p:sp>
         </mc:Choice>
-        <mc:Fallback xmlns="">
+        <mc:Fallback>
           <p:sp>
             <p:nvSpPr>
               <p:cNvPr id="3" name="Content Placeholder 2"/>
@@ -14455,7 +14519,7 @@
               <a:blipFill>
                 <a:blip r:embed="rId2"/>
                 <a:stretch>
-                  <a:fillRect l="-1217"/>
+                  <a:fillRect l="-1217" t="-762"/>
                 </a:stretch>
               </a:blipFill>
             </p:spPr>
